--- a/PPTOral.pptx
+++ b/PPTOral.pptx
@@ -5,10 +5,10 @@
     <p:sldMasterId id="2147483648" r:id="rId1"/>
   </p:sldMasterIdLst>
   <p:notesMasterIdLst>
-    <p:notesMasterId r:id="rId10"/>
+    <p:notesMasterId r:id="rId21"/>
   </p:notesMasterIdLst>
   <p:handoutMasterIdLst>
-    <p:handoutMasterId r:id="rId11"/>
+    <p:handoutMasterId r:id="rId22"/>
   </p:handoutMasterIdLst>
   <p:sldIdLst>
     <p:sldId id="257" r:id="rId2"/>
@@ -19,6 +19,17 @@
     <p:sldId id="308" r:id="rId7"/>
     <p:sldId id="309" r:id="rId8"/>
     <p:sldId id="310" r:id="rId9"/>
+    <p:sldId id="311" r:id="rId10"/>
+    <p:sldId id="312" r:id="rId11"/>
+    <p:sldId id="313" r:id="rId12"/>
+    <p:sldId id="314" r:id="rId13"/>
+    <p:sldId id="315" r:id="rId14"/>
+    <p:sldId id="316" r:id="rId15"/>
+    <p:sldId id="317" r:id="rId16"/>
+    <p:sldId id="318" r:id="rId17"/>
+    <p:sldId id="319" r:id="rId18"/>
+    <p:sldId id="320" r:id="rId19"/>
+    <p:sldId id="321" r:id="rId20"/>
   </p:sldIdLst>
   <p:sldSz cx="9144000" cy="6858000" type="screen4x3"/>
   <p:notesSz cx="6669088" cy="9926638"/>
@@ -4382,6 +4393,8687 @@
 </p:sld>
 </file>
 
+<file path=ppt/slides/slide10.xml><?xml version="1.0" encoding="utf-8"?>
+<p:sld xmlns:a="http://schemas.openxmlformats.org/drawingml/2006/main" xmlns:r="http://schemas.openxmlformats.org/officeDocument/2006/relationships" xmlns:p="http://schemas.openxmlformats.org/presentationml/2006/main">
+  <p:cSld>
+    <p:spTree>
+      <p:nvGrpSpPr>
+        <p:cNvPr id="1" name=""/>
+        <p:cNvGrpSpPr/>
+        <p:nvPr/>
+      </p:nvGrpSpPr>
+      <p:grpSpPr>
+        <a:xfrm>
+          <a:off x="0" y="0"/>
+          <a:ext cx="0" cy="0"/>
+          <a:chOff x="0" y="0"/>
+          <a:chExt cx="0" cy="0"/>
+        </a:xfrm>
+      </p:grpSpPr>
+      <p:sp>
+        <p:nvSpPr>
+          <p:cNvPr id="2" name="Titre 1"/>
+          <p:cNvSpPr>
+            <a:spLocks noGrp="1"/>
+          </p:cNvSpPr>
+          <p:nvPr>
+            <p:ph type="title"/>
+          </p:nvPr>
+        </p:nvSpPr>
+        <p:spPr/>
+        <p:txBody>
+          <a:bodyPr/>
+          <a:lstStyle/>
+          <a:p>
+            <a:r>
+              <a:rPr lang="fr-FR" dirty="0" smtClean="0"/>
+              <a:t>I – Les technologies utilisées (Côté serveur)</a:t>
+            </a:r>
+            <a:endParaRPr lang="fr-FR" dirty="0"/>
+          </a:p>
+        </p:txBody>
+      </p:sp>
+      <p:sp>
+        <p:nvSpPr>
+          <p:cNvPr id="3" name="Espace réservé du contenu 2"/>
+          <p:cNvSpPr>
+            <a:spLocks noGrp="1"/>
+          </p:cNvSpPr>
+          <p:nvPr>
+            <p:ph idx="1"/>
+          </p:nvPr>
+        </p:nvSpPr>
+        <p:spPr/>
+        <p:txBody>
+          <a:bodyPr/>
+          <a:lstStyle/>
+          <a:p>
+            <a:pPr algn="ctr">
+              <a:buNone/>
+            </a:pPr>
+            <a:r>
+              <a:rPr lang="fr-FR" dirty="0" smtClean="0"/>
+              <a:t>Un point sur REST</a:t>
+            </a:r>
+          </a:p>
+          <a:p>
+            <a:pPr algn="ctr">
+              <a:buNone/>
+            </a:pPr>
+            <a:endParaRPr lang="fr-FR" dirty="0" smtClean="0"/>
+          </a:p>
+          <a:p>
+            <a:r>
+              <a:rPr lang="fr-FR" dirty="0" err="1" smtClean="0"/>
+              <a:t>Representational</a:t>
+            </a:r>
+            <a:r>
+              <a:rPr lang="fr-FR" dirty="0" smtClean="0"/>
+              <a:t> State Transfer : Marche à suivre lors de la création de l’application</a:t>
+            </a:r>
+          </a:p>
+          <a:p>
+            <a:pPr lvl="1"/>
+            <a:r>
+              <a:rPr lang="fr-FR" dirty="0" smtClean="0"/>
+              <a:t>Séparation client / serveur -&gt; Evolution indépendante plus simple.</a:t>
+            </a:r>
+          </a:p>
+          <a:p>
+            <a:pPr lvl="1"/>
+            <a:r>
+              <a:rPr lang="fr-FR" dirty="0" err="1" smtClean="0"/>
+              <a:t>StateLess</a:t>
+            </a:r>
+            <a:r>
+              <a:rPr lang="fr-FR" dirty="0" smtClean="0"/>
+              <a:t> -&gt; L’ensemble des données sont contenues dans la requête, pas de contexte.</a:t>
+            </a:r>
+          </a:p>
+          <a:p>
+            <a:pPr lvl="1"/>
+            <a:r>
+              <a:rPr lang="fr-FR" dirty="0" smtClean="0"/>
+              <a:t>Utilisation des verbes HTTP : POST, GET..</a:t>
+            </a:r>
+          </a:p>
+          <a:p>
+            <a:pPr lvl="1"/>
+            <a:r>
+              <a:rPr lang="fr-FR" dirty="0" smtClean="0"/>
+              <a:t>Identification des URL par ressource</a:t>
+            </a:r>
+            <a:endParaRPr lang="fr-FR" dirty="0"/>
+          </a:p>
+        </p:txBody>
+      </p:sp>
+      <p:sp>
+        <p:nvSpPr>
+          <p:cNvPr id="4" name="Espace réservé du numéro de diapositive 3"/>
+          <p:cNvSpPr>
+            <a:spLocks noGrp="1"/>
+          </p:cNvSpPr>
+          <p:nvPr>
+            <p:ph type="sldNum" sz="quarter" idx="10"/>
+          </p:nvPr>
+        </p:nvSpPr>
+        <p:spPr/>
+        <p:txBody>
+          <a:bodyPr/>
+          <a:lstStyle/>
+          <a:p>
+            <a:fld id="{228977EE-2505-4E01-83E6-F24DDA98A02D}" type="slidenum">
+              <a:rPr lang="fr-FR" smtClean="0"/>
+              <a:pPr/>
+              <a:t>10</a:t>
+            </a:fld>
+            <a:endParaRPr lang="fr-FR"/>
+          </a:p>
+        </p:txBody>
+      </p:sp>
+      <p:sp>
+        <p:nvSpPr>
+          <p:cNvPr id="5" name="Rectangle 2"/>
+          <p:cNvSpPr txBox="1">
+            <a:spLocks noChangeArrowheads="1"/>
+          </p:cNvSpPr>
+          <p:nvPr/>
+        </p:nvSpPr>
+        <p:spPr>
+          <a:xfrm>
+            <a:off x="8277225" y="6477000"/>
+            <a:ext cx="719138" cy="323850"/>
+          </a:xfrm>
+          <a:prstGeom prst="rect">
+            <a:avLst/>
+          </a:prstGeom>
+        </p:spPr>
+        <p:txBody>
+          <a:bodyPr/>
+          <a:lstStyle/>
+          <a:p>
+            <a:pPr marL="0" marR="0" lvl="0" indent="0" algn="ctr" defTabSz="914400" rtl="0" eaLnBrk="0" fontAlgn="base" latinLnBrk="0" hangingPunct="0">
+              <a:lnSpc>
+                <a:spcPct val="100000"/>
+              </a:lnSpc>
+              <a:spcBef>
+                <a:spcPct val="0"/>
+              </a:spcBef>
+              <a:spcAft>
+                <a:spcPct val="0"/>
+              </a:spcAft>
+              <a:buClrTx/>
+              <a:buSzTx/>
+              <a:buFontTx/>
+              <a:buNone/>
+              <a:tabLst/>
+              <a:defRPr/>
+            </a:pPr>
+            <a:endParaRPr kumimoji="0" lang="fr-FR" sz="1400" b="0" i="0" u="none" strike="noStrike" kern="1200" cap="none" spc="0" normalizeH="0" baseline="0" noProof="0" dirty="0" smtClean="0">
+              <a:ln>
+                <a:noFill/>
+              </a:ln>
+              <a:solidFill>
+                <a:srgbClr val="5F5F5F"/>
+              </a:solidFill>
+              <a:effectLst/>
+              <a:uLnTx/>
+              <a:uFillTx/>
+              <a:latin typeface="Arial" charset="0"/>
+              <a:ea typeface="+mn-ea"/>
+              <a:cs typeface="+mn-cs"/>
+            </a:endParaRPr>
+          </a:p>
+        </p:txBody>
+      </p:sp>
+      <p:sp>
+        <p:nvSpPr>
+          <p:cNvPr id="6" name="Rectangle 5"/>
+          <p:cNvSpPr txBox="1">
+            <a:spLocks noChangeArrowheads="1"/>
+          </p:cNvSpPr>
+          <p:nvPr/>
+        </p:nvSpPr>
+        <p:spPr>
+          <a:xfrm>
+            <a:off x="1331913" y="765175"/>
+            <a:ext cx="7561262" cy="1150938"/>
+          </a:xfrm>
+          <a:prstGeom prst="rect">
+            <a:avLst/>
+          </a:prstGeom>
+        </p:spPr>
+        <p:txBody>
+          <a:bodyPr/>
+          <a:lstStyle/>
+          <a:p>
+            <a:pPr marL="0" marR="0" lvl="0" indent="0" algn="l" defTabSz="914400" rtl="0" eaLnBrk="1" fontAlgn="base" latinLnBrk="0" hangingPunct="1">
+              <a:lnSpc>
+                <a:spcPct val="100000"/>
+              </a:lnSpc>
+              <a:spcBef>
+                <a:spcPct val="0"/>
+              </a:spcBef>
+              <a:spcAft>
+                <a:spcPct val="0"/>
+              </a:spcAft>
+              <a:buClrTx/>
+              <a:buSzTx/>
+              <a:buFontTx/>
+              <a:buNone/>
+              <a:tabLst/>
+              <a:defRPr/>
+            </a:pPr>
+            <a:r>
+              <a:rPr kumimoji="0" lang="fr-FR" sz="2400" b="1" i="0" u="none" strike="noStrike" kern="0" cap="none" spc="0" normalizeH="0" baseline="0" noProof="0" smtClean="0">
+                <a:ln>
+                  <a:noFill/>
+                </a:ln>
+                <a:solidFill>
+                  <a:srgbClr val="5F5F5F"/>
+                </a:solidFill>
+                <a:effectLst/>
+                <a:uLnTx/>
+                <a:uFillTx/>
+                <a:latin typeface="+mj-lt"/>
+                <a:ea typeface="+mj-ea"/>
+                <a:cs typeface="+mj-cs"/>
+              </a:rPr>
+              <a:t> </a:t>
+            </a:r>
+          </a:p>
+        </p:txBody>
+      </p:sp>
+      <p:sp>
+        <p:nvSpPr>
+          <p:cNvPr id="7" name="Rectangle 6"/>
+          <p:cNvSpPr txBox="1">
+            <a:spLocks noChangeArrowheads="1"/>
+          </p:cNvSpPr>
+          <p:nvPr/>
+        </p:nvSpPr>
+        <p:spPr>
+          <a:xfrm>
+            <a:off x="1371600" y="1412875"/>
+            <a:ext cx="7448550" cy="3217863"/>
+          </a:xfrm>
+          <a:prstGeom prst="rect">
+            <a:avLst/>
+          </a:prstGeom>
+        </p:spPr>
+        <p:txBody>
+          <a:bodyPr/>
+          <a:lstStyle/>
+          <a:p>
+            <a:pPr marL="571500" marR="0" lvl="0" indent="-342900" algn="l" defTabSz="914400" rtl="0" eaLnBrk="1" fontAlgn="base" latinLnBrk="0" hangingPunct="1">
+              <a:lnSpc>
+                <a:spcPct val="80000"/>
+              </a:lnSpc>
+              <a:spcBef>
+                <a:spcPct val="20000"/>
+              </a:spcBef>
+              <a:spcAft>
+                <a:spcPct val="0"/>
+              </a:spcAft>
+              <a:buClrTx/>
+              <a:buSzTx/>
+              <a:buFont typeface="Wingdings" pitchFamily="2" charset="2"/>
+              <a:buChar char="q"/>
+              <a:tabLst/>
+              <a:defRPr/>
+            </a:pPr>
+            <a:endParaRPr kumimoji="0" lang="fr-FR" sz="2000" b="0" i="1" u="none" strike="noStrike" kern="0" cap="none" spc="0" normalizeH="0" baseline="0" noProof="0" dirty="0" smtClean="0">
+              <a:ln>
+                <a:noFill/>
+              </a:ln>
+              <a:solidFill>
+                <a:schemeClr val="folHlink"/>
+              </a:solidFill>
+              <a:effectLst/>
+              <a:uLnTx/>
+              <a:uFillTx/>
+              <a:latin typeface="+mn-lt"/>
+              <a:ea typeface="+mn-ea"/>
+              <a:cs typeface="+mn-cs"/>
+            </a:endParaRPr>
+          </a:p>
+        </p:txBody>
+      </p:sp>
+      <p:pic>
+        <p:nvPicPr>
+          <p:cNvPr id="8" name="Image 7" descr="Genoscope-CNS.gif"/>
+          <p:cNvPicPr>
+            <a:picLocks noChangeAspect="1"/>
+          </p:cNvPicPr>
+          <p:nvPr/>
+        </p:nvPicPr>
+        <p:blipFill>
+          <a:blip r:embed="rId2"/>
+          <a:stretch>
+            <a:fillRect/>
+          </a:stretch>
+        </p:blipFill>
+        <p:spPr>
+          <a:xfrm>
+            <a:off x="214282" y="2000240"/>
+            <a:ext cx="821537" cy="714380"/>
+          </a:xfrm>
+          <a:prstGeom prst="rect">
+            <a:avLst/>
+          </a:prstGeom>
+        </p:spPr>
+      </p:pic>
+      <p:sp>
+        <p:nvSpPr>
+          <p:cNvPr id="9" name="Rectangle 8"/>
+          <p:cNvSpPr/>
+          <p:nvPr/>
+        </p:nvSpPr>
+        <p:spPr bwMode="auto">
+          <a:xfrm>
+            <a:off x="1214414" y="6500834"/>
+            <a:ext cx="2357454" cy="357166"/>
+          </a:xfrm>
+          <a:prstGeom prst="rect">
+            <a:avLst/>
+          </a:prstGeom>
+          <a:noFill/>
+          <a:ln w="9525" cap="flat" cmpd="sng" algn="ctr">
+            <a:noFill/>
+            <a:prstDash val="solid"/>
+            <a:round/>
+            <a:headEnd type="none" w="med" len="med"/>
+            <a:tailEnd type="none" w="med" len="med"/>
+          </a:ln>
+          <a:effectLst/>
+        </p:spPr>
+        <p:txBody>
+          <a:bodyPr vert="horz" wrap="square" lIns="91440" tIns="45720" rIns="91440" bIns="45720" numCol="1" rtlCol="0" anchor="t" anchorCtr="0" compatLnSpc="1">
+            <a:prstTxWarp prst="textNoShape">
+              <a:avLst/>
+            </a:prstTxWarp>
+          </a:bodyPr>
+          <a:lstStyle/>
+          <a:p>
+            <a:pPr marL="0" marR="0" indent="0" algn="ctr" defTabSz="914400" rtl="0" eaLnBrk="0" fontAlgn="base" latinLnBrk="0" hangingPunct="0">
+              <a:lnSpc>
+                <a:spcPct val="100000"/>
+              </a:lnSpc>
+              <a:spcBef>
+                <a:spcPct val="0"/>
+              </a:spcBef>
+              <a:spcAft>
+                <a:spcPct val="0"/>
+              </a:spcAft>
+              <a:buClrTx/>
+              <a:buSzTx/>
+              <a:buFontTx/>
+              <a:buNone/>
+              <a:tabLst/>
+            </a:pPr>
+            <a:endParaRPr kumimoji="0" lang="fr-FR" sz="1400" b="0" i="0" u="none" strike="noStrike" cap="none" normalizeH="0" baseline="0" smtClean="0">
+              <a:ln>
+                <a:noFill/>
+              </a:ln>
+              <a:solidFill>
+                <a:srgbClr val="5F5F5F"/>
+              </a:solidFill>
+              <a:effectLst/>
+              <a:latin typeface="Arial" charset="0"/>
+            </a:endParaRPr>
+          </a:p>
+        </p:txBody>
+      </p:sp>
+      <p:sp>
+        <p:nvSpPr>
+          <p:cNvPr id="10" name="ZoneTexte 9"/>
+          <p:cNvSpPr txBox="1"/>
+          <p:nvPr/>
+        </p:nvSpPr>
+        <p:spPr>
+          <a:xfrm>
+            <a:off x="1285852" y="6550223"/>
+            <a:ext cx="2071701" cy="307777"/>
+          </a:xfrm>
+          <a:prstGeom prst="rect">
+            <a:avLst/>
+          </a:prstGeom>
+          <a:solidFill>
+            <a:schemeClr val="bg1"/>
+          </a:solidFill>
+        </p:spPr>
+        <p:txBody>
+          <a:bodyPr wrap="square" rtlCol="0">
+            <a:spAutoFit/>
+          </a:bodyPr>
+          <a:lstStyle/>
+          <a:p>
+            <a:endParaRPr lang="fr-FR" dirty="0"/>
+          </a:p>
+        </p:txBody>
+      </p:sp>
+      <p:sp>
+        <p:nvSpPr>
+          <p:cNvPr id="11" name="ZoneTexte 10"/>
+          <p:cNvSpPr txBox="1"/>
+          <p:nvPr/>
+        </p:nvSpPr>
+        <p:spPr>
+          <a:xfrm>
+            <a:off x="1000100" y="6478809"/>
+            <a:ext cx="2571768" cy="307777"/>
+          </a:xfrm>
+          <a:prstGeom prst="rect">
+            <a:avLst/>
+          </a:prstGeom>
+          <a:noFill/>
+        </p:spPr>
+        <p:txBody>
+          <a:bodyPr wrap="square" rtlCol="0">
+            <a:spAutoFit/>
+          </a:bodyPr>
+          <a:lstStyle/>
+          <a:p>
+            <a:r>
+              <a:rPr lang="fr-FR" dirty="0" smtClean="0"/>
+              <a:t>Genoscope / CEA - FAR</a:t>
+            </a:r>
+            <a:endParaRPr lang="fr-FR" dirty="0"/>
+          </a:p>
+        </p:txBody>
+      </p:sp>
+    </p:spTree>
+  </p:cSld>
+  <p:clrMapOvr>
+    <a:masterClrMapping/>
+  </p:clrMapOvr>
+  <p:timing>
+    <p:tnLst>
+      <p:par>
+        <p:cTn id="1" dur="indefinite" restart="never" nodeType="tmRoot"/>
+      </p:par>
+    </p:tnLst>
+  </p:timing>
+</p:sld>
+</file>
+
+<file path=ppt/slides/slide11.xml><?xml version="1.0" encoding="utf-8"?>
+<p:sld xmlns:a="http://schemas.openxmlformats.org/drawingml/2006/main" xmlns:r="http://schemas.openxmlformats.org/officeDocument/2006/relationships" xmlns:p="http://schemas.openxmlformats.org/presentationml/2006/main">
+  <p:cSld>
+    <p:spTree>
+      <p:nvGrpSpPr>
+        <p:cNvPr id="1" name=""/>
+        <p:cNvGrpSpPr/>
+        <p:nvPr/>
+      </p:nvGrpSpPr>
+      <p:grpSpPr>
+        <a:xfrm>
+          <a:off x="0" y="0"/>
+          <a:ext cx="0" cy="0"/>
+          <a:chOff x="0" y="0"/>
+          <a:chExt cx="0" cy="0"/>
+        </a:xfrm>
+      </p:grpSpPr>
+      <p:sp>
+        <p:nvSpPr>
+          <p:cNvPr id="2" name="Titre 1"/>
+          <p:cNvSpPr>
+            <a:spLocks noGrp="1"/>
+          </p:cNvSpPr>
+          <p:nvPr>
+            <p:ph type="title"/>
+          </p:nvPr>
+        </p:nvSpPr>
+        <p:spPr/>
+        <p:txBody>
+          <a:bodyPr/>
+          <a:lstStyle/>
+          <a:p>
+            <a:r>
+              <a:rPr lang="fr-FR" dirty="0" smtClean="0"/>
+              <a:t> </a:t>
+            </a:r>
+            <a:endParaRPr lang="fr-FR" dirty="0"/>
+          </a:p>
+        </p:txBody>
+      </p:sp>
+      <p:sp>
+        <p:nvSpPr>
+          <p:cNvPr id="3" name="Espace réservé du contenu 2"/>
+          <p:cNvSpPr>
+            <a:spLocks noGrp="1"/>
+          </p:cNvSpPr>
+          <p:nvPr>
+            <p:ph idx="1"/>
+          </p:nvPr>
+        </p:nvSpPr>
+        <p:spPr/>
+        <p:txBody>
+          <a:bodyPr/>
+          <a:lstStyle/>
+          <a:p>
+            <a:pPr>
+              <a:buNone/>
+            </a:pPr>
+            <a:r>
+              <a:rPr lang="fr-FR" dirty="0" smtClean="0"/>
+              <a:t> </a:t>
+            </a:r>
+            <a:endParaRPr lang="fr-FR" dirty="0"/>
+          </a:p>
+        </p:txBody>
+      </p:sp>
+      <p:sp>
+        <p:nvSpPr>
+          <p:cNvPr id="4" name="Espace réservé du numéro de diapositive 3"/>
+          <p:cNvSpPr>
+            <a:spLocks noGrp="1"/>
+          </p:cNvSpPr>
+          <p:nvPr>
+            <p:ph type="sldNum" sz="quarter" idx="10"/>
+          </p:nvPr>
+        </p:nvSpPr>
+        <p:spPr/>
+        <p:txBody>
+          <a:bodyPr/>
+          <a:lstStyle/>
+          <a:p>
+            <a:fld id="{228977EE-2505-4E01-83E6-F24DDA98A02D}" type="slidenum">
+              <a:rPr lang="fr-FR" smtClean="0"/>
+              <a:pPr/>
+              <a:t>11</a:t>
+            </a:fld>
+            <a:endParaRPr lang="fr-FR"/>
+          </a:p>
+        </p:txBody>
+      </p:sp>
+      <p:sp>
+        <p:nvSpPr>
+          <p:cNvPr id="5" name="Titre 1"/>
+          <p:cNvSpPr txBox="1">
+            <a:spLocks/>
+          </p:cNvSpPr>
+          <p:nvPr/>
+        </p:nvSpPr>
+        <p:spPr bwMode="auto">
+          <a:xfrm>
+            <a:off x="1219200" y="150813"/>
+            <a:ext cx="7788275" cy="608012"/>
+          </a:xfrm>
+          <a:prstGeom prst="rect">
+            <a:avLst/>
+          </a:prstGeom>
+          <a:noFill/>
+          <a:ln w="9525">
+            <a:noFill/>
+            <a:miter lim="800000"/>
+            <a:headEnd/>
+            <a:tailEnd/>
+          </a:ln>
+          <a:effectLst/>
+        </p:spPr>
+        <p:txBody>
+          <a:bodyPr vert="horz" wrap="square" lIns="91440" tIns="45720" rIns="91440" bIns="45720" numCol="1" anchor="ctr" anchorCtr="0" compatLnSpc="1">
+            <a:prstTxWarp prst="textNoShape">
+              <a:avLst/>
+            </a:prstTxWarp>
+          </a:bodyPr>
+          <a:lstStyle/>
+          <a:p>
+            <a:pPr marL="0" marR="0" lvl="0" indent="0" algn="l" defTabSz="914400" rtl="0" eaLnBrk="1" fontAlgn="base" latinLnBrk="0" hangingPunct="1">
+              <a:lnSpc>
+                <a:spcPct val="100000"/>
+              </a:lnSpc>
+              <a:spcBef>
+                <a:spcPct val="0"/>
+              </a:spcBef>
+              <a:spcAft>
+                <a:spcPct val="0"/>
+              </a:spcAft>
+              <a:buClrTx/>
+              <a:buSzTx/>
+              <a:buFontTx/>
+              <a:buNone/>
+              <a:tabLst/>
+              <a:defRPr/>
+            </a:pPr>
+            <a:r>
+              <a:rPr kumimoji="0" lang="fr-FR" sz="2400" b="1" i="0" u="none" strike="noStrike" kern="0" cap="none" spc="0" normalizeH="0" baseline="0" noProof="0" smtClean="0">
+                <a:ln>
+                  <a:noFill/>
+                </a:ln>
+                <a:solidFill>
+                  <a:srgbClr val="5F5F5F"/>
+                </a:solidFill>
+                <a:effectLst/>
+                <a:uLnTx/>
+                <a:uFillTx/>
+                <a:latin typeface="+mj-lt"/>
+                <a:ea typeface="+mj-ea"/>
+                <a:cs typeface="+mj-cs"/>
+              </a:rPr>
+              <a:t>I – Les technologies utilisées (Côté serveur)</a:t>
+            </a:r>
+            <a:endParaRPr kumimoji="0" lang="fr-FR" sz="2400" b="1" i="0" u="none" strike="noStrike" kern="0" cap="none" spc="0" normalizeH="0" baseline="0" noProof="0" dirty="0">
+              <a:ln>
+                <a:noFill/>
+              </a:ln>
+              <a:solidFill>
+                <a:srgbClr val="5F5F5F"/>
+              </a:solidFill>
+              <a:effectLst/>
+              <a:uLnTx/>
+              <a:uFillTx/>
+              <a:latin typeface="+mj-lt"/>
+              <a:ea typeface="+mj-ea"/>
+              <a:cs typeface="+mj-cs"/>
+            </a:endParaRPr>
+          </a:p>
+        </p:txBody>
+      </p:sp>
+      <p:sp>
+        <p:nvSpPr>
+          <p:cNvPr id="6" name="Espace réservé du contenu 2"/>
+          <p:cNvSpPr txBox="1">
+            <a:spLocks/>
+          </p:cNvSpPr>
+          <p:nvPr/>
+        </p:nvSpPr>
+        <p:spPr bwMode="auto">
+          <a:xfrm>
+            <a:off x="1187450" y="1125538"/>
+            <a:ext cx="7499350" cy="5000625"/>
+          </a:xfrm>
+          <a:prstGeom prst="rect">
+            <a:avLst/>
+          </a:prstGeom>
+          <a:noFill/>
+          <a:ln w="9525">
+            <a:noFill/>
+            <a:miter lim="800000"/>
+            <a:headEnd/>
+            <a:tailEnd/>
+          </a:ln>
+          <a:effectLst/>
+        </p:spPr>
+        <p:txBody>
+          <a:bodyPr vert="horz" wrap="square" lIns="91440" tIns="45720" rIns="91440" bIns="45720" numCol="1" anchor="t" anchorCtr="0" compatLnSpc="1">
+            <a:prstTxWarp prst="textNoShape">
+              <a:avLst/>
+            </a:prstTxWarp>
+          </a:bodyPr>
+          <a:lstStyle/>
+          <a:p>
+            <a:pPr marL="571500" marR="0" lvl="0" indent="-342900" algn="l" defTabSz="914400" rtl="0" eaLnBrk="1" fontAlgn="base" latinLnBrk="0" hangingPunct="1">
+              <a:lnSpc>
+                <a:spcPct val="100000"/>
+              </a:lnSpc>
+              <a:spcBef>
+                <a:spcPct val="20000"/>
+              </a:spcBef>
+              <a:spcAft>
+                <a:spcPct val="0"/>
+              </a:spcAft>
+              <a:buClrTx/>
+              <a:buSzTx/>
+              <a:buFont typeface="Wingdings" pitchFamily="2" charset="2"/>
+              <a:buChar char="q"/>
+              <a:tabLst/>
+              <a:defRPr/>
+            </a:pPr>
+            <a:r>
+              <a:rPr kumimoji="0" lang="fr-FR" sz="2400" b="1" i="0" u="none" strike="noStrike" kern="0" cap="none" spc="0" normalizeH="0" baseline="0" noProof="0" dirty="0" smtClean="0">
+                <a:ln>
+                  <a:noFill/>
+                </a:ln>
+                <a:solidFill>
+                  <a:srgbClr val="5F5F5F"/>
+                </a:solidFill>
+                <a:effectLst/>
+                <a:uLnTx/>
+                <a:uFillTx/>
+                <a:latin typeface="+mn-lt"/>
+                <a:ea typeface="+mn-ea"/>
+                <a:cs typeface="+mn-cs"/>
+              </a:rPr>
+              <a:t>Framework Play(Java)</a:t>
+            </a:r>
+          </a:p>
+          <a:p>
+            <a:pPr marL="1143000" lvl="1" indent="-285750" algn="l" eaLnBrk="1" hangingPunct="1">
+              <a:spcBef>
+                <a:spcPct val="20000"/>
+              </a:spcBef>
+              <a:buClr>
+                <a:srgbClr val="FFB30C"/>
+              </a:buClr>
+              <a:buFont typeface="Wingdings" pitchFamily="2" charset="2"/>
+              <a:buChar char="Ø"/>
+              <a:defRPr/>
+            </a:pPr>
+            <a:r>
+              <a:rPr lang="fr-FR" sz="2000" b="1" kern="0" dirty="0" smtClean="0"/>
+              <a:t>Permet de gérer la partie serveur en suivant REST</a:t>
+            </a:r>
+          </a:p>
+          <a:p>
+            <a:pPr marL="1143000" lvl="1" indent="-285750" algn="l" eaLnBrk="1" hangingPunct="1">
+              <a:spcBef>
+                <a:spcPct val="20000"/>
+              </a:spcBef>
+              <a:buClr>
+                <a:srgbClr val="FFB30C"/>
+              </a:buClr>
+              <a:buFont typeface="Wingdings" pitchFamily="2" charset="2"/>
+              <a:buChar char="Ø"/>
+              <a:defRPr/>
+            </a:pPr>
+            <a:r>
+              <a:rPr lang="fr-FR" sz="2000" b="1" kern="0" dirty="0" smtClean="0"/>
+              <a:t>Contient un moteur de </a:t>
+            </a:r>
+            <a:r>
+              <a:rPr lang="fr-FR" sz="2000" b="1" kern="0" dirty="0" err="1" smtClean="0"/>
+              <a:t>template</a:t>
+            </a:r>
+            <a:r>
+              <a:rPr lang="fr-FR" sz="2000" b="1" kern="0" dirty="0" smtClean="0"/>
+              <a:t> basé en </a:t>
+            </a:r>
+            <a:r>
+              <a:rPr lang="fr-FR" sz="2000" b="1" kern="0" dirty="0" smtClean="0"/>
+              <a:t>scala</a:t>
+            </a:r>
+            <a:endParaRPr kumimoji="0" lang="fr-FR" sz="2400" b="1" i="0" u="none" strike="noStrike" kern="0" cap="none" spc="0" normalizeH="0" baseline="0" noProof="0" dirty="0" smtClean="0">
+              <a:ln>
+                <a:noFill/>
+              </a:ln>
+              <a:solidFill>
+                <a:srgbClr val="5F5F5F"/>
+              </a:solidFill>
+              <a:effectLst/>
+              <a:uLnTx/>
+              <a:uFillTx/>
+              <a:latin typeface="+mn-lt"/>
+              <a:ea typeface="+mn-ea"/>
+              <a:cs typeface="+mn-cs"/>
+            </a:endParaRPr>
+          </a:p>
+          <a:p>
+            <a:pPr marL="571500" marR="0" lvl="0" indent="-342900" algn="l" defTabSz="914400" rtl="0" eaLnBrk="1" fontAlgn="base" latinLnBrk="0" hangingPunct="1">
+              <a:lnSpc>
+                <a:spcPct val="100000"/>
+              </a:lnSpc>
+              <a:spcBef>
+                <a:spcPct val="20000"/>
+              </a:spcBef>
+              <a:spcAft>
+                <a:spcPct val="0"/>
+              </a:spcAft>
+              <a:buClrTx/>
+              <a:buSzTx/>
+              <a:buFont typeface="Wingdings" pitchFamily="2" charset="2"/>
+              <a:buChar char="q"/>
+              <a:tabLst/>
+              <a:defRPr/>
+            </a:pPr>
+            <a:r>
+              <a:rPr lang="fr-FR" sz="2400" b="1" kern="0" dirty="0" smtClean="0">
+                <a:latin typeface="+mn-lt"/>
+              </a:rPr>
+              <a:t>Bases de données : </a:t>
+            </a:r>
+            <a:r>
+              <a:rPr lang="fr-FR" sz="2400" b="1" kern="0" dirty="0" err="1" smtClean="0">
+                <a:latin typeface="+mn-lt"/>
+              </a:rPr>
+              <a:t>NoSQL</a:t>
+            </a:r>
+            <a:endParaRPr lang="fr-FR" sz="2400" b="1" kern="0" dirty="0" smtClean="0">
+              <a:latin typeface="+mn-lt"/>
+            </a:endParaRPr>
+          </a:p>
+          <a:p>
+            <a:pPr marL="1143000" lvl="1" indent="-285750" algn="l" eaLnBrk="1" hangingPunct="1">
+              <a:spcBef>
+                <a:spcPct val="20000"/>
+              </a:spcBef>
+              <a:buClr>
+                <a:srgbClr val="FFB30C"/>
+              </a:buClr>
+              <a:buFont typeface="Wingdings" pitchFamily="2" charset="2"/>
+              <a:buChar char="Ø"/>
+              <a:defRPr/>
+            </a:pPr>
+            <a:r>
+              <a:rPr lang="fr-FR" sz="2000" b="1" kern="0" dirty="0" smtClean="0">
+                <a:latin typeface="+mn-lt"/>
+              </a:rPr>
+              <a:t>Contient les objets issus du séquençage ayant une structure hétérogène.</a:t>
+            </a:r>
+          </a:p>
+          <a:p>
+            <a:pPr marL="1143000" lvl="1" indent="-285750" algn="l" eaLnBrk="1" hangingPunct="1">
+              <a:spcBef>
+                <a:spcPct val="20000"/>
+              </a:spcBef>
+              <a:buClr>
+                <a:srgbClr val="FFB30C"/>
+              </a:buClr>
+              <a:buFont typeface="Wingdings" pitchFamily="2" charset="2"/>
+              <a:buChar char="Ø"/>
+              <a:defRPr/>
+            </a:pPr>
+            <a:r>
+              <a:rPr lang="fr-FR" sz="2000" b="1" kern="0" dirty="0" err="1" smtClean="0">
+                <a:latin typeface="+mn-lt"/>
+              </a:rPr>
+              <a:t>MongoDB</a:t>
+            </a:r>
+            <a:r>
+              <a:rPr lang="fr-FR" sz="2000" b="1" kern="0" dirty="0" smtClean="0">
+                <a:latin typeface="+mn-lt"/>
+              </a:rPr>
+              <a:t> : Plus populaire, donc beaucoup de documentations.</a:t>
+            </a:r>
+            <a:endParaRPr lang="fr-FR" sz="2400" b="1" kern="0" dirty="0" smtClean="0">
+              <a:latin typeface="+mn-lt"/>
+            </a:endParaRPr>
+          </a:p>
+          <a:p>
+            <a:pPr marL="571500" marR="0" lvl="0" indent="-342900" algn="l" defTabSz="914400" rtl="0" eaLnBrk="1" fontAlgn="base" latinLnBrk="0" hangingPunct="1">
+              <a:lnSpc>
+                <a:spcPct val="100000"/>
+              </a:lnSpc>
+              <a:spcBef>
+                <a:spcPct val="20000"/>
+              </a:spcBef>
+              <a:spcAft>
+                <a:spcPct val="0"/>
+              </a:spcAft>
+              <a:buClrTx/>
+              <a:buSzTx/>
+              <a:buFont typeface="Wingdings" pitchFamily="2" charset="2"/>
+              <a:buChar char="q"/>
+              <a:tabLst/>
+              <a:defRPr/>
+            </a:pPr>
+            <a:r>
+              <a:rPr kumimoji="0" lang="fr-FR" sz="2400" b="1" i="0" u="none" strike="noStrike" kern="0" cap="none" spc="0" normalizeH="0" baseline="0" noProof="0" dirty="0" smtClean="0">
+                <a:ln>
+                  <a:noFill/>
+                </a:ln>
+                <a:solidFill>
+                  <a:srgbClr val="5F5F5F"/>
+                </a:solidFill>
+                <a:effectLst/>
+                <a:uLnTx/>
+                <a:uFillTx/>
+                <a:latin typeface="+mn-lt"/>
+                <a:ea typeface="+mn-ea"/>
+                <a:cs typeface="+mn-cs"/>
+              </a:rPr>
+              <a:t>Bases</a:t>
+            </a:r>
+            <a:r>
+              <a:rPr kumimoji="0" lang="fr-FR" sz="2400" b="1" i="0" u="none" strike="noStrike" kern="0" cap="none" spc="0" normalizeH="0" noProof="0" dirty="0" smtClean="0">
+                <a:ln>
+                  <a:noFill/>
+                </a:ln>
+                <a:solidFill>
+                  <a:srgbClr val="5F5F5F"/>
+                </a:solidFill>
+                <a:effectLst/>
+                <a:uLnTx/>
+                <a:uFillTx/>
+                <a:latin typeface="+mn-lt"/>
+                <a:ea typeface="+mn-ea"/>
+                <a:cs typeface="+mn-cs"/>
+              </a:rPr>
+              <a:t> de données : SQL</a:t>
+            </a:r>
+          </a:p>
+          <a:p>
+            <a:pPr marL="1143000" lvl="1" indent="-285750" algn="l" eaLnBrk="1" hangingPunct="1">
+              <a:spcBef>
+                <a:spcPct val="20000"/>
+              </a:spcBef>
+              <a:buClr>
+                <a:srgbClr val="FFB30C"/>
+              </a:buClr>
+              <a:buFont typeface="Wingdings" pitchFamily="2" charset="2"/>
+              <a:buChar char="Ø"/>
+              <a:defRPr/>
+            </a:pPr>
+            <a:r>
+              <a:rPr kumimoji="0" lang="fr-FR" sz="2000" b="1" i="0" u="none" strike="noStrike" kern="0" cap="none" spc="0" normalizeH="0" baseline="0" noProof="0" dirty="0" smtClean="0">
+                <a:ln>
+                  <a:noFill/>
+                </a:ln>
+                <a:solidFill>
+                  <a:srgbClr val="5F5F5F"/>
+                </a:solidFill>
+                <a:effectLst/>
+                <a:uLnTx/>
+                <a:uFillTx/>
+                <a:latin typeface="+mn-lt"/>
+                <a:ea typeface="+mn-ea"/>
+                <a:cs typeface="+mn-cs"/>
+              </a:rPr>
+              <a:t>Permet</a:t>
+            </a:r>
+            <a:r>
+              <a:rPr kumimoji="0" lang="fr-FR" sz="2000" b="1" i="0" u="none" strike="noStrike" kern="0" cap="none" spc="0" normalizeH="0" noProof="0" dirty="0" smtClean="0">
+                <a:ln>
+                  <a:noFill/>
+                </a:ln>
+                <a:solidFill>
+                  <a:srgbClr val="5F5F5F"/>
+                </a:solidFill>
+                <a:effectLst/>
+                <a:uLnTx/>
+                <a:uFillTx/>
+                <a:latin typeface="+mn-lt"/>
+                <a:ea typeface="+mn-ea"/>
+                <a:cs typeface="+mn-cs"/>
+              </a:rPr>
+              <a:t> de créer des contraintes d’intégrité pour les données insérées dans la base </a:t>
+            </a:r>
+            <a:r>
+              <a:rPr kumimoji="0" lang="fr-FR" sz="2000" b="1" i="0" u="none" strike="noStrike" kern="0" cap="none" spc="0" normalizeH="0" noProof="0" dirty="0" err="1" smtClean="0">
+                <a:ln>
+                  <a:noFill/>
+                </a:ln>
+                <a:solidFill>
+                  <a:srgbClr val="5F5F5F"/>
+                </a:solidFill>
+                <a:effectLst/>
+                <a:uLnTx/>
+                <a:uFillTx/>
+                <a:latin typeface="+mn-lt"/>
+                <a:ea typeface="+mn-ea"/>
+                <a:cs typeface="+mn-cs"/>
+              </a:rPr>
+              <a:t>NoSQL</a:t>
+            </a:r>
+            <a:r>
+              <a:rPr kumimoji="0" lang="fr-FR" sz="2000" b="1" i="0" u="none" strike="noStrike" kern="0" cap="none" spc="0" normalizeH="0" noProof="0" dirty="0" smtClean="0">
+                <a:ln>
+                  <a:noFill/>
+                </a:ln>
+                <a:solidFill>
+                  <a:srgbClr val="5F5F5F"/>
+                </a:solidFill>
+                <a:effectLst/>
+                <a:uLnTx/>
+                <a:uFillTx/>
+                <a:latin typeface="+mn-lt"/>
+                <a:ea typeface="+mn-ea"/>
+                <a:cs typeface="+mn-cs"/>
+              </a:rPr>
+              <a:t>.</a:t>
+            </a:r>
+            <a:endParaRPr kumimoji="0" lang="fr-FR" sz="2400" b="1" i="0" u="none" strike="noStrike" kern="0" cap="none" spc="0" normalizeH="0" baseline="0" noProof="0" dirty="0" smtClean="0">
+              <a:ln>
+                <a:noFill/>
+              </a:ln>
+              <a:solidFill>
+                <a:srgbClr val="5F5F5F"/>
+              </a:solidFill>
+              <a:effectLst/>
+              <a:uLnTx/>
+              <a:uFillTx/>
+              <a:latin typeface="+mn-lt"/>
+              <a:ea typeface="+mn-ea"/>
+              <a:cs typeface="+mn-cs"/>
+            </a:endParaRPr>
+          </a:p>
+          <a:p>
+            <a:pPr marL="1143000" marR="0" lvl="1" indent="-285750" algn="l" defTabSz="914400" rtl="0" eaLnBrk="1" fontAlgn="base" latinLnBrk="0" hangingPunct="1">
+              <a:lnSpc>
+                <a:spcPct val="100000"/>
+              </a:lnSpc>
+              <a:spcBef>
+                <a:spcPct val="20000"/>
+              </a:spcBef>
+              <a:spcAft>
+                <a:spcPct val="0"/>
+              </a:spcAft>
+              <a:buClr>
+                <a:srgbClr val="FFB30C"/>
+              </a:buClr>
+              <a:buSzTx/>
+              <a:buFont typeface="Wingdings" pitchFamily="2" charset="2"/>
+              <a:buNone/>
+              <a:tabLst/>
+              <a:defRPr/>
+            </a:pPr>
+            <a:endParaRPr kumimoji="0" lang="fr-FR" sz="2000" b="1" i="0" u="none" strike="noStrike" kern="0" cap="none" spc="0" normalizeH="0" baseline="0" noProof="0" dirty="0">
+              <a:ln>
+                <a:noFill/>
+              </a:ln>
+              <a:solidFill>
+                <a:srgbClr val="5F5F5F"/>
+              </a:solidFill>
+              <a:effectLst/>
+              <a:uLnTx/>
+              <a:uFillTx/>
+              <a:latin typeface="+mn-lt"/>
+            </a:endParaRPr>
+          </a:p>
+        </p:txBody>
+      </p:sp>
+      <p:sp>
+        <p:nvSpPr>
+          <p:cNvPr id="7" name="Espace réservé du numéro de diapositive 3"/>
+          <p:cNvSpPr txBox="1">
+            <a:spLocks/>
+          </p:cNvSpPr>
+          <p:nvPr/>
+        </p:nvSpPr>
+        <p:spPr bwMode="auto">
+          <a:xfrm>
+            <a:off x="8277225" y="6477000"/>
+            <a:ext cx="719138" cy="323850"/>
+          </a:xfrm>
+          <a:prstGeom prst="rect">
+            <a:avLst/>
+          </a:prstGeom>
+          <a:noFill/>
+          <a:ln w="9525">
+            <a:noFill/>
+            <a:miter lim="800000"/>
+            <a:headEnd/>
+            <a:tailEnd/>
+          </a:ln>
+          <a:effectLst/>
+        </p:spPr>
+        <p:txBody>
+          <a:bodyPr vert="horz" wrap="square" lIns="91440" tIns="45720" rIns="91440" bIns="45720" numCol="1" anchor="t" anchorCtr="0" compatLnSpc="1">
+            <a:prstTxWarp prst="textNoShape">
+              <a:avLst/>
+            </a:prstTxWarp>
+          </a:bodyPr>
+          <a:lstStyle/>
+          <a:p>
+            <a:pPr marL="0" marR="0" lvl="0" indent="0" algn="r" defTabSz="914400" rtl="0" eaLnBrk="0" fontAlgn="base" latinLnBrk="0" hangingPunct="0">
+              <a:lnSpc>
+                <a:spcPct val="100000"/>
+              </a:lnSpc>
+              <a:spcBef>
+                <a:spcPct val="0"/>
+              </a:spcBef>
+              <a:spcAft>
+                <a:spcPct val="0"/>
+              </a:spcAft>
+              <a:buClrTx/>
+              <a:buSzTx/>
+              <a:buFontTx/>
+              <a:buNone/>
+              <a:tabLst/>
+              <a:defRPr/>
+            </a:pPr>
+            <a:fld id="{228977EE-2505-4E01-83E6-F24DDA98A02D}" type="slidenum">
+              <a:rPr kumimoji="0" lang="fr-FR" sz="1200" b="0" i="0" u="none" strike="noStrike" kern="1200" cap="none" spc="0" normalizeH="0" baseline="0" noProof="0" smtClean="0">
+                <a:ln>
+                  <a:noFill/>
+                </a:ln>
+                <a:solidFill>
+                  <a:srgbClr val="5F5F5F"/>
+                </a:solidFill>
+                <a:effectLst/>
+                <a:uLnTx/>
+                <a:uFillTx/>
+                <a:latin typeface="Arial" charset="0"/>
+                <a:ea typeface="+mn-ea"/>
+                <a:cs typeface="+mn-cs"/>
+              </a:rPr>
+              <a:pPr marL="0" marR="0" lvl="0" indent="0" algn="r" defTabSz="914400" rtl="0" eaLnBrk="0" fontAlgn="base" latinLnBrk="0" hangingPunct="0">
+                <a:lnSpc>
+                  <a:spcPct val="100000"/>
+                </a:lnSpc>
+                <a:spcBef>
+                  <a:spcPct val="0"/>
+                </a:spcBef>
+                <a:spcAft>
+                  <a:spcPct val="0"/>
+                </a:spcAft>
+                <a:buClrTx/>
+                <a:buSzTx/>
+                <a:buFontTx/>
+                <a:buNone/>
+                <a:tabLst/>
+                <a:defRPr/>
+              </a:pPr>
+              <a:t>11</a:t>
+            </a:fld>
+            <a:endParaRPr kumimoji="0" lang="fr-FR" sz="1200" b="0" i="0" u="none" strike="noStrike" kern="1200" cap="none" spc="0" normalizeH="0" baseline="0" noProof="0">
+              <a:ln>
+                <a:noFill/>
+              </a:ln>
+              <a:solidFill>
+                <a:srgbClr val="5F5F5F"/>
+              </a:solidFill>
+              <a:effectLst/>
+              <a:uLnTx/>
+              <a:uFillTx/>
+              <a:latin typeface="Arial" charset="0"/>
+              <a:ea typeface="+mn-ea"/>
+              <a:cs typeface="+mn-cs"/>
+            </a:endParaRPr>
+          </a:p>
+        </p:txBody>
+      </p:sp>
+      <p:sp>
+        <p:nvSpPr>
+          <p:cNvPr id="8" name="Rectangle 2"/>
+          <p:cNvSpPr txBox="1">
+            <a:spLocks noChangeArrowheads="1"/>
+          </p:cNvSpPr>
+          <p:nvPr/>
+        </p:nvSpPr>
+        <p:spPr>
+          <a:xfrm>
+            <a:off x="8277225" y="6477000"/>
+            <a:ext cx="719138" cy="323850"/>
+          </a:xfrm>
+          <a:prstGeom prst="rect">
+            <a:avLst/>
+          </a:prstGeom>
+        </p:spPr>
+        <p:txBody>
+          <a:bodyPr/>
+          <a:lstStyle/>
+          <a:p>
+            <a:pPr marL="0" marR="0" lvl="0" indent="0" algn="ctr" defTabSz="914400" rtl="0" eaLnBrk="0" fontAlgn="base" latinLnBrk="0" hangingPunct="0">
+              <a:lnSpc>
+                <a:spcPct val="100000"/>
+              </a:lnSpc>
+              <a:spcBef>
+                <a:spcPct val="0"/>
+              </a:spcBef>
+              <a:spcAft>
+                <a:spcPct val="0"/>
+              </a:spcAft>
+              <a:buClrTx/>
+              <a:buSzTx/>
+              <a:buFontTx/>
+              <a:buNone/>
+              <a:tabLst/>
+              <a:defRPr/>
+            </a:pPr>
+            <a:endParaRPr kumimoji="0" lang="fr-FR" sz="1400" b="0" i="0" u="none" strike="noStrike" kern="1200" cap="none" spc="0" normalizeH="0" baseline="0" noProof="0" dirty="0" smtClean="0">
+              <a:ln>
+                <a:noFill/>
+              </a:ln>
+              <a:solidFill>
+                <a:srgbClr val="5F5F5F"/>
+              </a:solidFill>
+              <a:effectLst/>
+              <a:uLnTx/>
+              <a:uFillTx/>
+              <a:latin typeface="Arial" charset="0"/>
+              <a:ea typeface="+mn-ea"/>
+              <a:cs typeface="+mn-cs"/>
+            </a:endParaRPr>
+          </a:p>
+        </p:txBody>
+      </p:sp>
+      <p:sp>
+        <p:nvSpPr>
+          <p:cNvPr id="9" name="Rectangle 6"/>
+          <p:cNvSpPr txBox="1">
+            <a:spLocks noChangeArrowheads="1"/>
+          </p:cNvSpPr>
+          <p:nvPr/>
+        </p:nvSpPr>
+        <p:spPr>
+          <a:xfrm>
+            <a:off x="1371600" y="1412875"/>
+            <a:ext cx="7448550" cy="3217863"/>
+          </a:xfrm>
+          <a:prstGeom prst="rect">
+            <a:avLst/>
+          </a:prstGeom>
+        </p:spPr>
+        <p:txBody>
+          <a:bodyPr/>
+          <a:lstStyle/>
+          <a:p>
+            <a:pPr marL="571500" marR="0" lvl="0" indent="-342900" algn="l" defTabSz="914400" rtl="0" eaLnBrk="1" fontAlgn="base" latinLnBrk="0" hangingPunct="1">
+              <a:lnSpc>
+                <a:spcPct val="80000"/>
+              </a:lnSpc>
+              <a:spcBef>
+                <a:spcPct val="20000"/>
+              </a:spcBef>
+              <a:spcAft>
+                <a:spcPct val="0"/>
+              </a:spcAft>
+              <a:buClrTx/>
+              <a:buSzTx/>
+              <a:buFont typeface="Wingdings" pitchFamily="2" charset="2"/>
+              <a:buChar char="q"/>
+              <a:tabLst/>
+              <a:defRPr/>
+            </a:pPr>
+            <a:endParaRPr kumimoji="0" lang="fr-FR" sz="2000" b="0" i="1" u="none" strike="noStrike" kern="0" cap="none" spc="0" normalizeH="0" baseline="0" noProof="0" dirty="0" smtClean="0">
+              <a:ln>
+                <a:noFill/>
+              </a:ln>
+              <a:solidFill>
+                <a:schemeClr val="folHlink"/>
+              </a:solidFill>
+              <a:effectLst/>
+              <a:uLnTx/>
+              <a:uFillTx/>
+              <a:latin typeface="+mn-lt"/>
+              <a:ea typeface="+mn-ea"/>
+              <a:cs typeface="+mn-cs"/>
+            </a:endParaRPr>
+          </a:p>
+        </p:txBody>
+      </p:sp>
+      <p:pic>
+        <p:nvPicPr>
+          <p:cNvPr id="10" name="Image 9" descr="Genoscope-CNS.gif"/>
+          <p:cNvPicPr>
+            <a:picLocks noChangeAspect="1"/>
+          </p:cNvPicPr>
+          <p:nvPr/>
+        </p:nvPicPr>
+        <p:blipFill>
+          <a:blip r:embed="rId2"/>
+          <a:stretch>
+            <a:fillRect/>
+          </a:stretch>
+        </p:blipFill>
+        <p:spPr>
+          <a:xfrm>
+            <a:off x="214282" y="2000240"/>
+            <a:ext cx="821537" cy="714380"/>
+          </a:xfrm>
+          <a:prstGeom prst="rect">
+            <a:avLst/>
+          </a:prstGeom>
+        </p:spPr>
+      </p:pic>
+      <p:sp>
+        <p:nvSpPr>
+          <p:cNvPr id="11" name="Rectangle 10"/>
+          <p:cNvSpPr/>
+          <p:nvPr/>
+        </p:nvSpPr>
+        <p:spPr bwMode="auto">
+          <a:xfrm>
+            <a:off x="1214414" y="6500834"/>
+            <a:ext cx="2357454" cy="357166"/>
+          </a:xfrm>
+          <a:prstGeom prst="rect">
+            <a:avLst/>
+          </a:prstGeom>
+          <a:noFill/>
+          <a:ln w="9525" cap="flat" cmpd="sng" algn="ctr">
+            <a:noFill/>
+            <a:prstDash val="solid"/>
+            <a:round/>
+            <a:headEnd type="none" w="med" len="med"/>
+            <a:tailEnd type="none" w="med" len="med"/>
+          </a:ln>
+          <a:effectLst/>
+        </p:spPr>
+        <p:txBody>
+          <a:bodyPr vert="horz" wrap="square" lIns="91440" tIns="45720" rIns="91440" bIns="45720" numCol="1" rtlCol="0" anchor="t" anchorCtr="0" compatLnSpc="1">
+            <a:prstTxWarp prst="textNoShape">
+              <a:avLst/>
+            </a:prstTxWarp>
+          </a:bodyPr>
+          <a:lstStyle/>
+          <a:p>
+            <a:pPr marL="0" marR="0" indent="0" algn="ctr" defTabSz="914400" rtl="0" eaLnBrk="0" fontAlgn="base" latinLnBrk="0" hangingPunct="0">
+              <a:lnSpc>
+                <a:spcPct val="100000"/>
+              </a:lnSpc>
+              <a:spcBef>
+                <a:spcPct val="0"/>
+              </a:spcBef>
+              <a:spcAft>
+                <a:spcPct val="0"/>
+              </a:spcAft>
+              <a:buClrTx/>
+              <a:buSzTx/>
+              <a:buFontTx/>
+              <a:buNone/>
+              <a:tabLst/>
+            </a:pPr>
+            <a:endParaRPr kumimoji="0" lang="fr-FR" sz="1400" b="0" i="0" u="none" strike="noStrike" cap="none" normalizeH="0" baseline="0" smtClean="0">
+              <a:ln>
+                <a:noFill/>
+              </a:ln>
+              <a:solidFill>
+                <a:srgbClr val="5F5F5F"/>
+              </a:solidFill>
+              <a:effectLst/>
+              <a:latin typeface="Arial" charset="0"/>
+            </a:endParaRPr>
+          </a:p>
+        </p:txBody>
+      </p:sp>
+      <p:sp>
+        <p:nvSpPr>
+          <p:cNvPr id="12" name="ZoneTexte 11"/>
+          <p:cNvSpPr txBox="1"/>
+          <p:nvPr/>
+        </p:nvSpPr>
+        <p:spPr>
+          <a:xfrm>
+            <a:off x="1285852" y="6550223"/>
+            <a:ext cx="2071701" cy="307777"/>
+          </a:xfrm>
+          <a:prstGeom prst="rect">
+            <a:avLst/>
+          </a:prstGeom>
+          <a:solidFill>
+            <a:schemeClr val="bg1"/>
+          </a:solidFill>
+        </p:spPr>
+        <p:txBody>
+          <a:bodyPr wrap="square" rtlCol="0">
+            <a:spAutoFit/>
+          </a:bodyPr>
+          <a:lstStyle/>
+          <a:p>
+            <a:endParaRPr lang="fr-FR" dirty="0"/>
+          </a:p>
+        </p:txBody>
+      </p:sp>
+      <p:sp>
+        <p:nvSpPr>
+          <p:cNvPr id="13" name="ZoneTexte 12"/>
+          <p:cNvSpPr txBox="1"/>
+          <p:nvPr/>
+        </p:nvSpPr>
+        <p:spPr>
+          <a:xfrm>
+            <a:off x="1000100" y="6478809"/>
+            <a:ext cx="2571768" cy="307777"/>
+          </a:xfrm>
+          <a:prstGeom prst="rect">
+            <a:avLst/>
+          </a:prstGeom>
+          <a:noFill/>
+        </p:spPr>
+        <p:txBody>
+          <a:bodyPr wrap="square" rtlCol="0">
+            <a:spAutoFit/>
+          </a:bodyPr>
+          <a:lstStyle/>
+          <a:p>
+            <a:r>
+              <a:rPr lang="fr-FR" dirty="0" smtClean="0"/>
+              <a:t>Genoscope / CEA - FAR</a:t>
+            </a:r>
+            <a:endParaRPr lang="fr-FR" dirty="0"/>
+          </a:p>
+        </p:txBody>
+      </p:sp>
+    </p:spTree>
+  </p:cSld>
+  <p:clrMapOvr>
+    <a:masterClrMapping/>
+  </p:clrMapOvr>
+  <p:timing>
+    <p:tnLst>
+      <p:par>
+        <p:cTn id="1" dur="indefinite" restart="never" nodeType="tmRoot"/>
+      </p:par>
+    </p:tnLst>
+  </p:timing>
+</p:sld>
+</file>
+
+<file path=ppt/slides/slide12.xml><?xml version="1.0" encoding="utf-8"?>
+<p:sld xmlns:a="http://schemas.openxmlformats.org/drawingml/2006/main" xmlns:r="http://schemas.openxmlformats.org/officeDocument/2006/relationships" xmlns:p="http://schemas.openxmlformats.org/presentationml/2006/main">
+  <p:cSld>
+    <p:spTree>
+      <p:nvGrpSpPr>
+        <p:cNvPr id="1" name=""/>
+        <p:cNvGrpSpPr/>
+        <p:nvPr/>
+      </p:nvGrpSpPr>
+      <p:grpSpPr>
+        <a:xfrm>
+          <a:off x="0" y="0"/>
+          <a:ext cx="0" cy="0"/>
+          <a:chOff x="0" y="0"/>
+          <a:chExt cx="0" cy="0"/>
+        </a:xfrm>
+      </p:grpSpPr>
+      <p:sp>
+        <p:nvSpPr>
+          <p:cNvPr id="2" name="Titre 1"/>
+          <p:cNvSpPr>
+            <a:spLocks noGrp="1"/>
+          </p:cNvSpPr>
+          <p:nvPr>
+            <p:ph type="title"/>
+          </p:nvPr>
+        </p:nvSpPr>
+        <p:spPr/>
+        <p:txBody>
+          <a:bodyPr/>
+          <a:lstStyle/>
+          <a:p>
+            <a:r>
+              <a:rPr lang="fr-FR" dirty="0" smtClean="0"/>
+              <a:t>II – Techniques de gestion de projet</a:t>
+            </a:r>
+            <a:endParaRPr lang="fr-FR" dirty="0"/>
+          </a:p>
+        </p:txBody>
+      </p:sp>
+      <p:sp>
+        <p:nvSpPr>
+          <p:cNvPr id="3" name="Espace réservé du contenu 2"/>
+          <p:cNvSpPr>
+            <a:spLocks noGrp="1"/>
+          </p:cNvSpPr>
+          <p:nvPr>
+            <p:ph idx="1"/>
+          </p:nvPr>
+        </p:nvSpPr>
+        <p:spPr/>
+        <p:txBody>
+          <a:bodyPr/>
+          <a:lstStyle/>
+          <a:p>
+            <a:r>
+              <a:rPr lang="fr-FR" dirty="0" smtClean="0"/>
+              <a:t>Le </a:t>
+            </a:r>
+            <a:r>
+              <a:rPr lang="fr-FR" dirty="0" err="1" smtClean="0"/>
+              <a:t>kanban</a:t>
+            </a:r>
+            <a:r>
+              <a:rPr lang="fr-FR" dirty="0" smtClean="0"/>
+              <a:t> :</a:t>
+            </a:r>
+          </a:p>
+          <a:p>
+            <a:pPr lvl="1"/>
+            <a:r>
+              <a:rPr lang="fr-FR" dirty="0" smtClean="0"/>
+              <a:t>Méthode agile</a:t>
+            </a:r>
+          </a:p>
+          <a:p>
+            <a:pPr lvl="1"/>
+            <a:r>
+              <a:rPr lang="fr-FR" dirty="0" smtClean="0"/>
+              <a:t>Adaptée pour plusieurs projets </a:t>
+            </a:r>
+            <a:r>
+              <a:rPr lang="fr-FR" dirty="0" smtClean="0"/>
+              <a:t>informatiques</a:t>
+            </a:r>
+          </a:p>
+          <a:p>
+            <a:r>
+              <a:rPr lang="fr-FR" dirty="0" smtClean="0"/>
+              <a:t>Les étapes du </a:t>
+            </a:r>
+            <a:r>
+              <a:rPr lang="fr-FR" dirty="0" err="1" smtClean="0"/>
+              <a:t>Kanban</a:t>
+            </a:r>
+            <a:r>
+              <a:rPr lang="fr-FR" dirty="0" smtClean="0"/>
+              <a:t> :</a:t>
+            </a:r>
+          </a:p>
+          <a:p>
+            <a:pPr lvl="1">
+              <a:buNone/>
+            </a:pPr>
+            <a:endParaRPr lang="fr-FR" dirty="0" smtClean="0"/>
+          </a:p>
+        </p:txBody>
+      </p:sp>
+      <p:sp>
+        <p:nvSpPr>
+          <p:cNvPr id="4" name="Espace réservé du numéro de diapositive 3"/>
+          <p:cNvSpPr>
+            <a:spLocks noGrp="1"/>
+          </p:cNvSpPr>
+          <p:nvPr>
+            <p:ph type="sldNum" sz="quarter" idx="10"/>
+          </p:nvPr>
+        </p:nvSpPr>
+        <p:spPr/>
+        <p:txBody>
+          <a:bodyPr/>
+          <a:lstStyle/>
+          <a:p>
+            <a:fld id="{228977EE-2505-4E01-83E6-F24DDA98A02D}" type="slidenum">
+              <a:rPr lang="fr-FR" smtClean="0"/>
+              <a:pPr/>
+              <a:t>12</a:t>
+            </a:fld>
+            <a:endParaRPr lang="fr-FR"/>
+          </a:p>
+        </p:txBody>
+      </p:sp>
+      <p:sp>
+        <p:nvSpPr>
+          <p:cNvPr id="5" name="Carré corné 4"/>
+          <p:cNvSpPr/>
+          <p:nvPr/>
+        </p:nvSpPr>
+        <p:spPr bwMode="auto">
+          <a:xfrm rot="10800000">
+            <a:off x="3714744" y="3714752"/>
+            <a:ext cx="2428892" cy="2071702"/>
+          </a:xfrm>
+          <a:prstGeom prst="foldedCorner">
+            <a:avLst/>
+          </a:prstGeom>
+          <a:solidFill>
+            <a:srgbClr val="FFFF00"/>
+          </a:solidFill>
+          <a:ln w="9525" cap="flat" cmpd="sng" algn="ctr">
+            <a:noFill/>
+            <a:prstDash val="solid"/>
+            <a:round/>
+            <a:headEnd type="none" w="med" len="med"/>
+            <a:tailEnd type="none" w="med" len="med"/>
+          </a:ln>
+          <a:effectLst/>
+        </p:spPr>
+        <p:txBody>
+          <a:bodyPr vert="horz" wrap="square" lIns="91440" tIns="45720" rIns="91440" bIns="45720" numCol="1" rtlCol="0" anchor="t" anchorCtr="0" compatLnSpc="1">
+            <a:prstTxWarp prst="textNoShape">
+              <a:avLst/>
+            </a:prstTxWarp>
+          </a:bodyPr>
+          <a:lstStyle/>
+          <a:p>
+            <a:pPr marL="0" marR="0" indent="0" algn="ctr" defTabSz="914400" rtl="0" eaLnBrk="0" fontAlgn="base" latinLnBrk="0" hangingPunct="0">
+              <a:lnSpc>
+                <a:spcPct val="100000"/>
+              </a:lnSpc>
+              <a:spcBef>
+                <a:spcPct val="0"/>
+              </a:spcBef>
+              <a:spcAft>
+                <a:spcPct val="0"/>
+              </a:spcAft>
+              <a:buClrTx/>
+              <a:buSzTx/>
+              <a:buFontTx/>
+              <a:buNone/>
+              <a:tabLst/>
+            </a:pPr>
+            <a:endParaRPr kumimoji="0" lang="fr-FR" sz="1400" b="0" i="0" u="none" strike="noStrike" cap="none" normalizeH="0" baseline="0" dirty="0" smtClean="0">
+              <a:ln>
+                <a:noFill/>
+              </a:ln>
+              <a:solidFill>
+                <a:srgbClr val="5F5F5F"/>
+              </a:solidFill>
+              <a:effectLst/>
+              <a:latin typeface="Arial" charset="0"/>
+            </a:endParaRPr>
+          </a:p>
+        </p:txBody>
+      </p:sp>
+      <p:sp>
+        <p:nvSpPr>
+          <p:cNvPr id="6" name="ZoneTexte 5"/>
+          <p:cNvSpPr txBox="1"/>
+          <p:nvPr/>
+        </p:nvSpPr>
+        <p:spPr>
+          <a:xfrm>
+            <a:off x="3857620" y="3857628"/>
+            <a:ext cx="1143008" cy="307777"/>
+          </a:xfrm>
+          <a:prstGeom prst="rect">
+            <a:avLst/>
+          </a:prstGeom>
+          <a:noFill/>
+        </p:spPr>
+        <p:txBody>
+          <a:bodyPr wrap="square" rtlCol="0">
+            <a:spAutoFit/>
+          </a:bodyPr>
+          <a:lstStyle/>
+          <a:p>
+            <a:r>
+              <a:rPr lang="fr-FR" b="1" dirty="0" smtClean="0"/>
+              <a:t>NGL-714</a:t>
+            </a:r>
+            <a:endParaRPr lang="fr-FR" b="1" dirty="0"/>
+          </a:p>
+        </p:txBody>
+      </p:sp>
+      <p:sp>
+        <p:nvSpPr>
+          <p:cNvPr id="8" name="Rectangle 7"/>
+          <p:cNvSpPr/>
+          <p:nvPr/>
+        </p:nvSpPr>
+        <p:spPr bwMode="auto">
+          <a:xfrm>
+            <a:off x="3214678" y="3000372"/>
+            <a:ext cx="3286148" cy="428628"/>
+          </a:xfrm>
+          <a:prstGeom prst="rect">
+            <a:avLst/>
+          </a:prstGeom>
+          <a:noFill/>
+          <a:ln w="28575" cap="flat" cmpd="sng" algn="ctr">
+            <a:solidFill>
+              <a:schemeClr val="accent1"/>
+            </a:solidFill>
+            <a:prstDash val="solid"/>
+            <a:round/>
+            <a:headEnd type="none" w="med" len="med"/>
+            <a:tailEnd type="none" w="med" len="med"/>
+          </a:ln>
+          <a:effectLst/>
+        </p:spPr>
+        <p:txBody>
+          <a:bodyPr vert="horz" wrap="square" lIns="91440" tIns="45720" rIns="91440" bIns="45720" numCol="1" rtlCol="0" anchor="t" anchorCtr="0" compatLnSpc="1">
+            <a:prstTxWarp prst="textNoShape">
+              <a:avLst/>
+            </a:prstTxWarp>
+          </a:bodyPr>
+          <a:lstStyle/>
+          <a:p>
+            <a:pPr marL="0" marR="0" indent="0" algn="ctr" defTabSz="914400" rtl="0" eaLnBrk="0" fontAlgn="base" latinLnBrk="0" hangingPunct="0">
+              <a:lnSpc>
+                <a:spcPct val="100000"/>
+              </a:lnSpc>
+              <a:spcBef>
+                <a:spcPct val="0"/>
+              </a:spcBef>
+              <a:spcAft>
+                <a:spcPct val="0"/>
+              </a:spcAft>
+              <a:buClrTx/>
+              <a:buSzTx/>
+              <a:buFontTx/>
+              <a:buNone/>
+              <a:tabLst/>
+            </a:pPr>
+            <a:r>
+              <a:rPr kumimoji="0" lang="fr-FR" sz="2000" b="0" i="0" u="none" strike="noStrike" cap="none" normalizeH="0" baseline="0" dirty="0" smtClean="0">
+                <a:ln>
+                  <a:noFill/>
+                </a:ln>
+                <a:solidFill>
+                  <a:srgbClr val="5F5F5F"/>
+                </a:solidFill>
+                <a:effectLst/>
+                <a:latin typeface="Arial" charset="0"/>
+              </a:rPr>
+              <a:t>BACKLOG</a:t>
+            </a:r>
+            <a:endParaRPr kumimoji="0" lang="fr-FR" sz="2000" b="0" i="0" u="none" strike="noStrike" cap="none" normalizeH="0" baseline="0" dirty="0" smtClean="0">
+              <a:ln>
+                <a:noFill/>
+              </a:ln>
+              <a:solidFill>
+                <a:srgbClr val="5F5F5F"/>
+              </a:solidFill>
+              <a:effectLst/>
+              <a:latin typeface="Arial" charset="0"/>
+            </a:endParaRPr>
+          </a:p>
+        </p:txBody>
+      </p:sp>
+      <p:sp>
+        <p:nvSpPr>
+          <p:cNvPr id="9" name="ZoneTexte 8"/>
+          <p:cNvSpPr txBox="1"/>
+          <p:nvPr/>
+        </p:nvSpPr>
+        <p:spPr>
+          <a:xfrm>
+            <a:off x="3929058" y="4643446"/>
+            <a:ext cx="2000264" cy="307777"/>
+          </a:xfrm>
+          <a:prstGeom prst="rect">
+            <a:avLst/>
+          </a:prstGeom>
+          <a:noFill/>
+        </p:spPr>
+        <p:txBody>
+          <a:bodyPr wrap="square" rtlCol="0">
+            <a:spAutoFit/>
+          </a:bodyPr>
+          <a:lstStyle/>
+          <a:p>
+            <a:r>
+              <a:rPr lang="fr-FR" b="1" dirty="0" smtClean="0"/>
+              <a:t>Exporter les graphs</a:t>
+            </a:r>
+            <a:endParaRPr lang="fr-FR" b="1" dirty="0"/>
+          </a:p>
+        </p:txBody>
+      </p:sp>
+    </p:spTree>
+  </p:cSld>
+  <p:clrMapOvr>
+    <a:masterClrMapping/>
+  </p:clrMapOvr>
+  <p:timing>
+    <p:tnLst>
+      <p:par>
+        <p:cTn id="1" dur="indefinite" restart="never" nodeType="tmRoot"/>
+      </p:par>
+    </p:tnLst>
+  </p:timing>
+</p:sld>
+</file>
+
+<file path=ppt/slides/slide13.xml><?xml version="1.0" encoding="utf-8"?>
+<p:sld xmlns:a="http://schemas.openxmlformats.org/drawingml/2006/main" xmlns:r="http://schemas.openxmlformats.org/officeDocument/2006/relationships" xmlns:p="http://schemas.openxmlformats.org/presentationml/2006/main">
+  <p:cSld>
+    <p:spTree>
+      <p:nvGrpSpPr>
+        <p:cNvPr id="1" name=""/>
+        <p:cNvGrpSpPr/>
+        <p:nvPr/>
+      </p:nvGrpSpPr>
+      <p:grpSpPr>
+        <a:xfrm>
+          <a:off x="0" y="0"/>
+          <a:ext cx="0" cy="0"/>
+          <a:chOff x="0" y="0"/>
+          <a:chExt cx="0" cy="0"/>
+        </a:xfrm>
+      </p:grpSpPr>
+      <p:sp>
+        <p:nvSpPr>
+          <p:cNvPr id="2" name="Espace réservé du numéro de diapositive 1"/>
+          <p:cNvSpPr>
+            <a:spLocks noGrp="1"/>
+          </p:cNvSpPr>
+          <p:nvPr>
+            <p:ph type="sldNum" sz="quarter" idx="10"/>
+          </p:nvPr>
+        </p:nvSpPr>
+        <p:spPr/>
+        <p:txBody>
+          <a:bodyPr/>
+          <a:lstStyle/>
+          <a:p>
+            <a:fld id="{0EEE55F7-AF7E-434C-A835-5D468B60A67C}" type="slidenum">
+              <a:rPr lang="fr-FR" smtClean="0"/>
+              <a:pPr/>
+              <a:t>13</a:t>
+            </a:fld>
+            <a:endParaRPr lang="fr-FR"/>
+          </a:p>
+        </p:txBody>
+      </p:sp>
+      <p:sp>
+        <p:nvSpPr>
+          <p:cNvPr id="3" name="Titre 1"/>
+          <p:cNvSpPr txBox="1">
+            <a:spLocks/>
+          </p:cNvSpPr>
+          <p:nvPr/>
+        </p:nvSpPr>
+        <p:spPr>
+          <a:xfrm>
+            <a:off x="1219200" y="150813"/>
+            <a:ext cx="7788275" cy="608012"/>
+          </a:xfrm>
+          <a:prstGeom prst="rect">
+            <a:avLst/>
+          </a:prstGeom>
+        </p:spPr>
+        <p:txBody>
+          <a:bodyPr/>
+          <a:lstStyle/>
+          <a:p>
+            <a:pPr marL="0" marR="0" lvl="0" indent="0" algn="l" defTabSz="914400" rtl="0" eaLnBrk="1" fontAlgn="base" latinLnBrk="0" hangingPunct="1">
+              <a:lnSpc>
+                <a:spcPct val="100000"/>
+              </a:lnSpc>
+              <a:spcBef>
+                <a:spcPct val="0"/>
+              </a:spcBef>
+              <a:spcAft>
+                <a:spcPct val="0"/>
+              </a:spcAft>
+              <a:buClrTx/>
+              <a:buSzTx/>
+              <a:buFontTx/>
+              <a:buNone/>
+              <a:tabLst/>
+              <a:defRPr/>
+            </a:pPr>
+            <a:r>
+              <a:rPr kumimoji="0" lang="fr-FR" sz="2400" b="1" i="0" u="none" strike="noStrike" kern="0" cap="none" spc="0" normalizeH="0" baseline="0" noProof="0" smtClean="0">
+                <a:ln>
+                  <a:noFill/>
+                </a:ln>
+                <a:solidFill>
+                  <a:srgbClr val="5F5F5F"/>
+                </a:solidFill>
+                <a:effectLst/>
+                <a:uLnTx/>
+                <a:uFillTx/>
+                <a:latin typeface="+mj-lt"/>
+                <a:ea typeface="+mj-ea"/>
+                <a:cs typeface="+mj-cs"/>
+              </a:rPr>
+              <a:t>II – Techniques de gestion de projet</a:t>
+            </a:r>
+            <a:endParaRPr kumimoji="0" lang="fr-FR" sz="2400" b="1" i="0" u="none" strike="noStrike" kern="0" cap="none" spc="0" normalizeH="0" baseline="0" noProof="0" dirty="0">
+              <a:ln>
+                <a:noFill/>
+              </a:ln>
+              <a:solidFill>
+                <a:srgbClr val="5F5F5F"/>
+              </a:solidFill>
+              <a:effectLst/>
+              <a:uLnTx/>
+              <a:uFillTx/>
+              <a:latin typeface="+mj-lt"/>
+              <a:ea typeface="+mj-ea"/>
+              <a:cs typeface="+mj-cs"/>
+            </a:endParaRPr>
+          </a:p>
+        </p:txBody>
+      </p:sp>
+      <p:sp>
+        <p:nvSpPr>
+          <p:cNvPr id="4" name="Espace réservé du contenu 2"/>
+          <p:cNvSpPr txBox="1">
+            <a:spLocks/>
+          </p:cNvSpPr>
+          <p:nvPr/>
+        </p:nvSpPr>
+        <p:spPr>
+          <a:xfrm>
+            <a:off x="1187450" y="1125538"/>
+            <a:ext cx="7499350" cy="5000625"/>
+          </a:xfrm>
+          <a:prstGeom prst="rect">
+            <a:avLst/>
+          </a:prstGeom>
+        </p:spPr>
+        <p:txBody>
+          <a:bodyPr/>
+          <a:lstStyle/>
+          <a:p>
+            <a:pPr marL="571500" marR="0" lvl="0" indent="-342900" algn="l" defTabSz="914400" rtl="0" eaLnBrk="1" fontAlgn="base" latinLnBrk="0" hangingPunct="1">
+              <a:lnSpc>
+                <a:spcPct val="100000"/>
+              </a:lnSpc>
+              <a:spcBef>
+                <a:spcPct val="20000"/>
+              </a:spcBef>
+              <a:spcAft>
+                <a:spcPct val="0"/>
+              </a:spcAft>
+              <a:buClrTx/>
+              <a:buSzTx/>
+              <a:buFont typeface="Wingdings" pitchFamily="2" charset="2"/>
+              <a:buChar char="q"/>
+              <a:tabLst/>
+              <a:defRPr/>
+            </a:pPr>
+            <a:r>
+              <a:rPr kumimoji="0" lang="fr-FR" sz="2400" b="1" i="0" u="none" strike="noStrike" kern="0" cap="none" spc="0" normalizeH="0" baseline="0" noProof="0" smtClean="0">
+                <a:ln>
+                  <a:noFill/>
+                </a:ln>
+                <a:solidFill>
+                  <a:srgbClr val="5F5F5F"/>
+                </a:solidFill>
+                <a:effectLst/>
+                <a:uLnTx/>
+                <a:uFillTx/>
+                <a:latin typeface="+mn-lt"/>
+                <a:ea typeface="+mn-ea"/>
+                <a:cs typeface="+mn-cs"/>
+              </a:rPr>
+              <a:t>Le kanban :</a:t>
+            </a:r>
+          </a:p>
+          <a:p>
+            <a:pPr marL="1143000" marR="0" lvl="1" indent="-285750" algn="l" defTabSz="914400" rtl="0" eaLnBrk="1" fontAlgn="base" latinLnBrk="0" hangingPunct="1">
+              <a:lnSpc>
+                <a:spcPct val="100000"/>
+              </a:lnSpc>
+              <a:spcBef>
+                <a:spcPct val="20000"/>
+              </a:spcBef>
+              <a:spcAft>
+                <a:spcPct val="0"/>
+              </a:spcAft>
+              <a:buClr>
+                <a:srgbClr val="FFB30C"/>
+              </a:buClr>
+              <a:buSzTx/>
+              <a:buFont typeface="Wingdings" pitchFamily="2" charset="2"/>
+              <a:buChar char="Ø"/>
+              <a:tabLst/>
+              <a:defRPr/>
+            </a:pPr>
+            <a:r>
+              <a:rPr kumimoji="0" lang="fr-FR" sz="2000" b="1" i="0" u="none" strike="noStrike" kern="0" cap="none" spc="0" normalizeH="0" baseline="0" noProof="0" smtClean="0">
+                <a:ln>
+                  <a:noFill/>
+                </a:ln>
+                <a:solidFill>
+                  <a:srgbClr val="5F5F5F"/>
+                </a:solidFill>
+                <a:effectLst/>
+                <a:uLnTx/>
+                <a:uFillTx/>
+                <a:latin typeface="+mn-lt"/>
+              </a:rPr>
+              <a:t>Méthode agile</a:t>
+            </a:r>
+          </a:p>
+          <a:p>
+            <a:pPr marL="1143000" marR="0" lvl="1" indent="-285750" algn="l" defTabSz="914400" rtl="0" eaLnBrk="1" fontAlgn="base" latinLnBrk="0" hangingPunct="1">
+              <a:lnSpc>
+                <a:spcPct val="100000"/>
+              </a:lnSpc>
+              <a:spcBef>
+                <a:spcPct val="20000"/>
+              </a:spcBef>
+              <a:spcAft>
+                <a:spcPct val="0"/>
+              </a:spcAft>
+              <a:buClr>
+                <a:srgbClr val="FFB30C"/>
+              </a:buClr>
+              <a:buSzTx/>
+              <a:buFont typeface="Wingdings" pitchFamily="2" charset="2"/>
+              <a:buChar char="Ø"/>
+              <a:tabLst/>
+              <a:defRPr/>
+            </a:pPr>
+            <a:r>
+              <a:rPr kumimoji="0" lang="fr-FR" sz="2000" b="1" i="0" u="none" strike="noStrike" kern="0" cap="none" spc="0" normalizeH="0" baseline="0" noProof="0" smtClean="0">
+                <a:ln>
+                  <a:noFill/>
+                </a:ln>
+                <a:solidFill>
+                  <a:srgbClr val="5F5F5F"/>
+                </a:solidFill>
+                <a:effectLst/>
+                <a:uLnTx/>
+                <a:uFillTx/>
+                <a:latin typeface="+mn-lt"/>
+              </a:rPr>
+              <a:t>Adaptée pour plusieurs projets informatiques</a:t>
+            </a:r>
+          </a:p>
+          <a:p>
+            <a:pPr marL="571500" marR="0" lvl="0" indent="-342900" algn="l" defTabSz="914400" rtl="0" eaLnBrk="1" fontAlgn="base" latinLnBrk="0" hangingPunct="1">
+              <a:lnSpc>
+                <a:spcPct val="100000"/>
+              </a:lnSpc>
+              <a:spcBef>
+                <a:spcPct val="20000"/>
+              </a:spcBef>
+              <a:spcAft>
+                <a:spcPct val="0"/>
+              </a:spcAft>
+              <a:buClrTx/>
+              <a:buSzTx/>
+              <a:buFont typeface="Wingdings" pitchFamily="2" charset="2"/>
+              <a:buChar char="q"/>
+              <a:tabLst/>
+              <a:defRPr/>
+            </a:pPr>
+            <a:r>
+              <a:rPr kumimoji="0" lang="fr-FR" sz="2400" b="1" i="0" u="none" strike="noStrike" kern="0" cap="none" spc="0" normalizeH="0" baseline="0" noProof="0" smtClean="0">
+                <a:ln>
+                  <a:noFill/>
+                </a:ln>
+                <a:solidFill>
+                  <a:srgbClr val="5F5F5F"/>
+                </a:solidFill>
+                <a:effectLst/>
+                <a:uLnTx/>
+                <a:uFillTx/>
+                <a:latin typeface="+mn-lt"/>
+                <a:ea typeface="+mn-ea"/>
+                <a:cs typeface="+mn-cs"/>
+              </a:rPr>
+              <a:t>Les étapes du Kanban :</a:t>
+            </a:r>
+          </a:p>
+          <a:p>
+            <a:pPr marL="1143000" marR="0" lvl="1" indent="-285750" algn="l" defTabSz="914400" rtl="0" eaLnBrk="1" fontAlgn="base" latinLnBrk="0" hangingPunct="1">
+              <a:lnSpc>
+                <a:spcPct val="100000"/>
+              </a:lnSpc>
+              <a:spcBef>
+                <a:spcPct val="20000"/>
+              </a:spcBef>
+              <a:spcAft>
+                <a:spcPct val="0"/>
+              </a:spcAft>
+              <a:buClr>
+                <a:srgbClr val="FFB30C"/>
+              </a:buClr>
+              <a:buSzTx/>
+              <a:buFont typeface="Wingdings" pitchFamily="2" charset="2"/>
+              <a:buNone/>
+              <a:tabLst/>
+              <a:defRPr/>
+            </a:pPr>
+            <a:endParaRPr kumimoji="0" lang="fr-FR" sz="2000" b="1" i="0" u="none" strike="noStrike" kern="0" cap="none" spc="0" normalizeH="0" baseline="0" noProof="0" dirty="0" smtClean="0">
+              <a:ln>
+                <a:noFill/>
+              </a:ln>
+              <a:solidFill>
+                <a:srgbClr val="5F5F5F"/>
+              </a:solidFill>
+              <a:effectLst/>
+              <a:uLnTx/>
+              <a:uFillTx/>
+              <a:latin typeface="+mn-lt"/>
+            </a:endParaRPr>
+          </a:p>
+        </p:txBody>
+      </p:sp>
+      <p:sp>
+        <p:nvSpPr>
+          <p:cNvPr id="5" name="Espace réservé du numéro de diapositive 3"/>
+          <p:cNvSpPr txBox="1">
+            <a:spLocks/>
+          </p:cNvSpPr>
+          <p:nvPr/>
+        </p:nvSpPr>
+        <p:spPr bwMode="auto">
+          <a:xfrm>
+            <a:off x="8277225" y="6477000"/>
+            <a:ext cx="719138" cy="323850"/>
+          </a:xfrm>
+          <a:prstGeom prst="rect">
+            <a:avLst/>
+          </a:prstGeom>
+          <a:noFill/>
+          <a:ln w="9525">
+            <a:noFill/>
+            <a:miter lim="800000"/>
+            <a:headEnd/>
+            <a:tailEnd/>
+          </a:ln>
+          <a:effectLst/>
+        </p:spPr>
+        <p:txBody>
+          <a:bodyPr vert="horz" wrap="square" lIns="91440" tIns="45720" rIns="91440" bIns="45720" numCol="1" anchor="t" anchorCtr="0" compatLnSpc="1">
+            <a:prstTxWarp prst="textNoShape">
+              <a:avLst/>
+            </a:prstTxWarp>
+          </a:bodyPr>
+          <a:lstStyle/>
+          <a:p>
+            <a:pPr marL="0" marR="0" lvl="0" indent="0" algn="r" defTabSz="914400" rtl="0" eaLnBrk="0" fontAlgn="base" latinLnBrk="0" hangingPunct="0">
+              <a:lnSpc>
+                <a:spcPct val="100000"/>
+              </a:lnSpc>
+              <a:spcBef>
+                <a:spcPct val="0"/>
+              </a:spcBef>
+              <a:spcAft>
+                <a:spcPct val="0"/>
+              </a:spcAft>
+              <a:buClrTx/>
+              <a:buSzTx/>
+              <a:buFontTx/>
+              <a:buNone/>
+              <a:tabLst/>
+              <a:defRPr/>
+            </a:pPr>
+            <a:fld id="{228977EE-2505-4E01-83E6-F24DDA98A02D}" type="slidenum">
+              <a:rPr kumimoji="0" lang="fr-FR" sz="1200" b="0" i="0" u="none" strike="noStrike" kern="1200" cap="none" spc="0" normalizeH="0" baseline="0" noProof="0" smtClean="0">
+                <a:ln>
+                  <a:noFill/>
+                </a:ln>
+                <a:solidFill>
+                  <a:srgbClr val="5F5F5F"/>
+                </a:solidFill>
+                <a:effectLst/>
+                <a:uLnTx/>
+                <a:uFillTx/>
+                <a:latin typeface="Arial" charset="0"/>
+                <a:ea typeface="+mn-ea"/>
+                <a:cs typeface="+mn-cs"/>
+              </a:rPr>
+              <a:pPr marL="0" marR="0" lvl="0" indent="0" algn="r" defTabSz="914400" rtl="0" eaLnBrk="0" fontAlgn="base" latinLnBrk="0" hangingPunct="0">
+                <a:lnSpc>
+                  <a:spcPct val="100000"/>
+                </a:lnSpc>
+                <a:spcBef>
+                  <a:spcPct val="0"/>
+                </a:spcBef>
+                <a:spcAft>
+                  <a:spcPct val="0"/>
+                </a:spcAft>
+                <a:buClrTx/>
+                <a:buSzTx/>
+                <a:buFontTx/>
+                <a:buNone/>
+                <a:tabLst/>
+                <a:defRPr/>
+              </a:pPr>
+              <a:t>13</a:t>
+            </a:fld>
+            <a:endParaRPr kumimoji="0" lang="fr-FR" sz="1200" b="0" i="0" u="none" strike="noStrike" kern="1200" cap="none" spc="0" normalizeH="0" baseline="0" noProof="0">
+              <a:ln>
+                <a:noFill/>
+              </a:ln>
+              <a:solidFill>
+                <a:srgbClr val="5F5F5F"/>
+              </a:solidFill>
+              <a:effectLst/>
+              <a:uLnTx/>
+              <a:uFillTx/>
+              <a:latin typeface="Arial" charset="0"/>
+              <a:ea typeface="+mn-ea"/>
+              <a:cs typeface="+mn-cs"/>
+            </a:endParaRPr>
+          </a:p>
+        </p:txBody>
+      </p:sp>
+      <p:sp>
+        <p:nvSpPr>
+          <p:cNvPr id="6" name="Carré corné 5"/>
+          <p:cNvSpPr/>
+          <p:nvPr/>
+        </p:nvSpPr>
+        <p:spPr bwMode="auto">
+          <a:xfrm rot="10800000">
+            <a:off x="3714744" y="3714752"/>
+            <a:ext cx="2428892" cy="2071702"/>
+          </a:xfrm>
+          <a:prstGeom prst="foldedCorner">
+            <a:avLst/>
+          </a:prstGeom>
+          <a:solidFill>
+            <a:srgbClr val="FFFF00"/>
+          </a:solidFill>
+          <a:ln w="9525" cap="flat" cmpd="sng" algn="ctr">
+            <a:noFill/>
+            <a:prstDash val="solid"/>
+            <a:round/>
+            <a:headEnd type="none" w="med" len="med"/>
+            <a:tailEnd type="none" w="med" len="med"/>
+          </a:ln>
+          <a:effectLst/>
+        </p:spPr>
+        <p:txBody>
+          <a:bodyPr vert="horz" wrap="square" lIns="91440" tIns="45720" rIns="91440" bIns="45720" numCol="1" rtlCol="0" anchor="t" anchorCtr="0" compatLnSpc="1">
+            <a:prstTxWarp prst="textNoShape">
+              <a:avLst/>
+            </a:prstTxWarp>
+          </a:bodyPr>
+          <a:lstStyle/>
+          <a:p>
+            <a:pPr marL="0" marR="0" indent="0" algn="ctr" defTabSz="914400" rtl="0" eaLnBrk="0" fontAlgn="base" latinLnBrk="0" hangingPunct="0">
+              <a:lnSpc>
+                <a:spcPct val="100000"/>
+              </a:lnSpc>
+              <a:spcBef>
+                <a:spcPct val="0"/>
+              </a:spcBef>
+              <a:spcAft>
+                <a:spcPct val="0"/>
+              </a:spcAft>
+              <a:buClrTx/>
+              <a:buSzTx/>
+              <a:buFontTx/>
+              <a:buNone/>
+              <a:tabLst/>
+            </a:pPr>
+            <a:endParaRPr kumimoji="0" lang="fr-FR" sz="1400" b="0" i="0" u="none" strike="noStrike" cap="none" normalizeH="0" baseline="0" dirty="0" smtClean="0">
+              <a:ln>
+                <a:noFill/>
+              </a:ln>
+              <a:solidFill>
+                <a:srgbClr val="5F5F5F"/>
+              </a:solidFill>
+              <a:effectLst/>
+              <a:latin typeface="Arial" charset="0"/>
+            </a:endParaRPr>
+          </a:p>
+        </p:txBody>
+      </p:sp>
+      <p:sp>
+        <p:nvSpPr>
+          <p:cNvPr id="7" name="ZoneTexte 6"/>
+          <p:cNvSpPr txBox="1"/>
+          <p:nvPr/>
+        </p:nvSpPr>
+        <p:spPr>
+          <a:xfrm>
+            <a:off x="3857620" y="3857628"/>
+            <a:ext cx="1143008" cy="307777"/>
+          </a:xfrm>
+          <a:prstGeom prst="rect">
+            <a:avLst/>
+          </a:prstGeom>
+          <a:noFill/>
+        </p:spPr>
+        <p:txBody>
+          <a:bodyPr wrap="square" rtlCol="0">
+            <a:spAutoFit/>
+          </a:bodyPr>
+          <a:lstStyle/>
+          <a:p>
+            <a:r>
+              <a:rPr lang="fr-FR" b="1" dirty="0" smtClean="0"/>
+              <a:t>NGL-714</a:t>
+            </a:r>
+            <a:endParaRPr lang="fr-FR" b="1" dirty="0"/>
+          </a:p>
+        </p:txBody>
+      </p:sp>
+      <p:sp>
+        <p:nvSpPr>
+          <p:cNvPr id="8" name="Rectangle 7"/>
+          <p:cNvSpPr/>
+          <p:nvPr/>
+        </p:nvSpPr>
+        <p:spPr bwMode="auto">
+          <a:xfrm>
+            <a:off x="3214678" y="3000372"/>
+            <a:ext cx="3286148" cy="428628"/>
+          </a:xfrm>
+          <a:prstGeom prst="rect">
+            <a:avLst/>
+          </a:prstGeom>
+          <a:noFill/>
+          <a:ln w="28575" cap="flat" cmpd="sng" algn="ctr">
+            <a:solidFill>
+              <a:schemeClr val="accent1"/>
+            </a:solidFill>
+            <a:prstDash val="solid"/>
+            <a:round/>
+            <a:headEnd type="none" w="med" len="med"/>
+            <a:tailEnd type="none" w="med" len="med"/>
+          </a:ln>
+          <a:effectLst/>
+        </p:spPr>
+        <p:txBody>
+          <a:bodyPr vert="horz" wrap="square" lIns="91440" tIns="45720" rIns="91440" bIns="45720" numCol="1" rtlCol="0" anchor="t" anchorCtr="0" compatLnSpc="1">
+            <a:prstTxWarp prst="textNoShape">
+              <a:avLst/>
+            </a:prstTxWarp>
+          </a:bodyPr>
+          <a:lstStyle/>
+          <a:p>
+            <a:pPr marL="0" marR="0" indent="0" algn="ctr" defTabSz="914400" rtl="0" eaLnBrk="0" fontAlgn="base" latinLnBrk="0" hangingPunct="0">
+              <a:lnSpc>
+                <a:spcPct val="100000"/>
+              </a:lnSpc>
+              <a:spcBef>
+                <a:spcPct val="0"/>
+              </a:spcBef>
+              <a:spcAft>
+                <a:spcPct val="0"/>
+              </a:spcAft>
+              <a:buClrTx/>
+              <a:buSzTx/>
+              <a:buFontTx/>
+              <a:buNone/>
+              <a:tabLst/>
+            </a:pPr>
+            <a:r>
+              <a:rPr kumimoji="0" lang="fr-FR" sz="2000" b="0" i="0" u="none" strike="noStrike" cap="none" normalizeH="0" baseline="0" dirty="0" smtClean="0">
+                <a:ln>
+                  <a:noFill/>
+                </a:ln>
+                <a:solidFill>
+                  <a:srgbClr val="5F5F5F"/>
+                </a:solidFill>
+                <a:effectLst/>
+                <a:latin typeface="Arial" charset="0"/>
+              </a:rPr>
+              <a:t>USER</a:t>
+            </a:r>
+            <a:r>
+              <a:rPr kumimoji="0" lang="fr-FR" sz="2000" b="0" i="0" u="none" strike="noStrike" cap="none" normalizeH="0" dirty="0" smtClean="0">
+                <a:ln>
+                  <a:noFill/>
+                </a:ln>
+                <a:solidFill>
+                  <a:srgbClr val="5F5F5F"/>
+                </a:solidFill>
+                <a:effectLst/>
+                <a:latin typeface="Arial" charset="0"/>
+              </a:rPr>
+              <a:t> STORY</a:t>
+            </a:r>
+            <a:endParaRPr kumimoji="0" lang="fr-FR" sz="2000" b="0" i="0" u="none" strike="noStrike" cap="none" normalizeH="0" baseline="0" dirty="0" smtClean="0">
+              <a:ln>
+                <a:noFill/>
+              </a:ln>
+              <a:solidFill>
+                <a:srgbClr val="5F5F5F"/>
+              </a:solidFill>
+              <a:effectLst/>
+              <a:latin typeface="Arial" charset="0"/>
+            </a:endParaRPr>
+          </a:p>
+        </p:txBody>
+      </p:sp>
+      <p:sp>
+        <p:nvSpPr>
+          <p:cNvPr id="10" name="Rectangle 9"/>
+          <p:cNvSpPr/>
+          <p:nvPr/>
+        </p:nvSpPr>
+        <p:spPr>
+          <a:xfrm>
+            <a:off x="4000496" y="4643446"/>
+            <a:ext cx="1866216" cy="307777"/>
+          </a:xfrm>
+          <a:prstGeom prst="rect">
+            <a:avLst/>
+          </a:prstGeom>
+        </p:spPr>
+        <p:txBody>
+          <a:bodyPr wrap="none">
+            <a:spAutoFit/>
+          </a:bodyPr>
+          <a:lstStyle/>
+          <a:p>
+            <a:r>
+              <a:rPr lang="fr-FR" b="1" dirty="0" smtClean="0"/>
+              <a:t>Exporter les graphs</a:t>
+            </a:r>
+            <a:endParaRPr lang="fr-FR" b="1" dirty="0"/>
+          </a:p>
+        </p:txBody>
+      </p:sp>
+      <p:sp>
+        <p:nvSpPr>
+          <p:cNvPr id="11" name="ZoneTexte 10"/>
+          <p:cNvSpPr txBox="1"/>
+          <p:nvPr/>
+        </p:nvSpPr>
+        <p:spPr>
+          <a:xfrm>
+            <a:off x="3977382" y="5214950"/>
+            <a:ext cx="880370" cy="307777"/>
+          </a:xfrm>
+          <a:prstGeom prst="rect">
+            <a:avLst/>
+          </a:prstGeom>
+          <a:noFill/>
+        </p:spPr>
+        <p:txBody>
+          <a:bodyPr wrap="none" rtlCol="0">
+            <a:spAutoFit/>
+          </a:bodyPr>
+          <a:lstStyle/>
+          <a:p>
+            <a:r>
+              <a:rPr lang="fr-FR" b="1" dirty="0" smtClean="0"/>
+              <a:t>13/07/15</a:t>
+            </a:r>
+            <a:endParaRPr lang="fr-FR" b="1" dirty="0"/>
+          </a:p>
+        </p:txBody>
+      </p:sp>
+    </p:spTree>
+  </p:cSld>
+  <p:clrMapOvr>
+    <a:masterClrMapping/>
+  </p:clrMapOvr>
+  <p:timing>
+    <p:tnLst>
+      <p:par>
+        <p:cTn id="1" dur="indefinite" restart="never" nodeType="tmRoot"/>
+      </p:par>
+    </p:tnLst>
+  </p:timing>
+</p:sld>
+</file>
+
+<file path=ppt/slides/slide14.xml><?xml version="1.0" encoding="utf-8"?>
+<p:sld xmlns:a="http://schemas.openxmlformats.org/drawingml/2006/main" xmlns:r="http://schemas.openxmlformats.org/officeDocument/2006/relationships" xmlns:p="http://schemas.openxmlformats.org/presentationml/2006/main">
+  <p:cSld>
+    <p:spTree>
+      <p:nvGrpSpPr>
+        <p:cNvPr id="1" name=""/>
+        <p:cNvGrpSpPr/>
+        <p:nvPr/>
+      </p:nvGrpSpPr>
+      <p:grpSpPr>
+        <a:xfrm>
+          <a:off x="0" y="0"/>
+          <a:ext cx="0" cy="0"/>
+          <a:chOff x="0" y="0"/>
+          <a:chExt cx="0" cy="0"/>
+        </a:xfrm>
+      </p:grpSpPr>
+      <p:sp>
+        <p:nvSpPr>
+          <p:cNvPr id="2" name="Espace réservé du numéro de diapositive 1"/>
+          <p:cNvSpPr>
+            <a:spLocks noGrp="1"/>
+          </p:cNvSpPr>
+          <p:nvPr>
+            <p:ph type="sldNum" sz="quarter" idx="10"/>
+          </p:nvPr>
+        </p:nvSpPr>
+        <p:spPr/>
+        <p:txBody>
+          <a:bodyPr/>
+          <a:lstStyle/>
+          <a:p>
+            <a:fld id="{0EEE55F7-AF7E-434C-A835-5D468B60A67C}" type="slidenum">
+              <a:rPr lang="fr-FR" smtClean="0"/>
+              <a:pPr/>
+              <a:t>14</a:t>
+            </a:fld>
+            <a:endParaRPr lang="fr-FR"/>
+          </a:p>
+        </p:txBody>
+      </p:sp>
+      <p:sp>
+        <p:nvSpPr>
+          <p:cNvPr id="3" name="Espace réservé du numéro de diapositive 1"/>
+          <p:cNvSpPr txBox="1">
+            <a:spLocks/>
+          </p:cNvSpPr>
+          <p:nvPr/>
+        </p:nvSpPr>
+        <p:spPr bwMode="auto">
+          <a:xfrm>
+            <a:off x="8277225" y="6477000"/>
+            <a:ext cx="719138" cy="323850"/>
+          </a:xfrm>
+          <a:prstGeom prst="rect">
+            <a:avLst/>
+          </a:prstGeom>
+          <a:noFill/>
+          <a:ln w="9525">
+            <a:noFill/>
+            <a:miter lim="800000"/>
+            <a:headEnd/>
+            <a:tailEnd/>
+          </a:ln>
+          <a:effectLst/>
+        </p:spPr>
+        <p:txBody>
+          <a:bodyPr vert="horz" wrap="square" lIns="91440" tIns="45720" rIns="91440" bIns="45720" numCol="1" anchor="t" anchorCtr="0" compatLnSpc="1">
+            <a:prstTxWarp prst="textNoShape">
+              <a:avLst/>
+            </a:prstTxWarp>
+          </a:bodyPr>
+          <a:lstStyle/>
+          <a:p>
+            <a:pPr marL="0" marR="0" lvl="0" indent="0" algn="r" defTabSz="914400" rtl="0" eaLnBrk="0" fontAlgn="base" latinLnBrk="0" hangingPunct="0">
+              <a:lnSpc>
+                <a:spcPct val="100000"/>
+              </a:lnSpc>
+              <a:spcBef>
+                <a:spcPct val="0"/>
+              </a:spcBef>
+              <a:spcAft>
+                <a:spcPct val="0"/>
+              </a:spcAft>
+              <a:buClrTx/>
+              <a:buSzTx/>
+              <a:buFontTx/>
+              <a:buNone/>
+              <a:tabLst/>
+              <a:defRPr/>
+            </a:pPr>
+            <a:fld id="{0EEE55F7-AF7E-434C-A835-5D468B60A67C}" type="slidenum">
+              <a:rPr kumimoji="0" lang="fr-FR" sz="1200" b="0" i="0" u="none" strike="noStrike" kern="1200" cap="none" spc="0" normalizeH="0" baseline="0" noProof="0" smtClean="0">
+                <a:ln>
+                  <a:noFill/>
+                </a:ln>
+                <a:solidFill>
+                  <a:srgbClr val="5F5F5F"/>
+                </a:solidFill>
+                <a:effectLst/>
+                <a:uLnTx/>
+                <a:uFillTx/>
+                <a:latin typeface="Arial" charset="0"/>
+                <a:ea typeface="+mn-ea"/>
+                <a:cs typeface="+mn-cs"/>
+              </a:rPr>
+              <a:pPr marL="0" marR="0" lvl="0" indent="0" algn="r" defTabSz="914400" rtl="0" eaLnBrk="0" fontAlgn="base" latinLnBrk="0" hangingPunct="0">
+                <a:lnSpc>
+                  <a:spcPct val="100000"/>
+                </a:lnSpc>
+                <a:spcBef>
+                  <a:spcPct val="0"/>
+                </a:spcBef>
+                <a:spcAft>
+                  <a:spcPct val="0"/>
+                </a:spcAft>
+                <a:buClrTx/>
+                <a:buSzTx/>
+                <a:buFontTx/>
+                <a:buNone/>
+                <a:tabLst/>
+                <a:defRPr/>
+              </a:pPr>
+              <a:t>14</a:t>
+            </a:fld>
+            <a:endParaRPr kumimoji="0" lang="fr-FR" sz="1200" b="0" i="0" u="none" strike="noStrike" kern="1200" cap="none" spc="0" normalizeH="0" baseline="0" noProof="0">
+              <a:ln>
+                <a:noFill/>
+              </a:ln>
+              <a:solidFill>
+                <a:srgbClr val="5F5F5F"/>
+              </a:solidFill>
+              <a:effectLst/>
+              <a:uLnTx/>
+              <a:uFillTx/>
+              <a:latin typeface="Arial" charset="0"/>
+              <a:ea typeface="+mn-ea"/>
+              <a:cs typeface="+mn-cs"/>
+            </a:endParaRPr>
+          </a:p>
+        </p:txBody>
+      </p:sp>
+      <p:sp>
+        <p:nvSpPr>
+          <p:cNvPr id="4" name="Titre 1"/>
+          <p:cNvSpPr txBox="1">
+            <a:spLocks/>
+          </p:cNvSpPr>
+          <p:nvPr/>
+        </p:nvSpPr>
+        <p:spPr>
+          <a:xfrm>
+            <a:off x="1219200" y="150813"/>
+            <a:ext cx="7788275" cy="608012"/>
+          </a:xfrm>
+          <a:prstGeom prst="rect">
+            <a:avLst/>
+          </a:prstGeom>
+        </p:spPr>
+        <p:txBody>
+          <a:bodyPr/>
+          <a:lstStyle/>
+          <a:p>
+            <a:pPr marL="0" marR="0" lvl="0" indent="0" algn="l" defTabSz="914400" rtl="0" eaLnBrk="1" fontAlgn="base" latinLnBrk="0" hangingPunct="1">
+              <a:lnSpc>
+                <a:spcPct val="100000"/>
+              </a:lnSpc>
+              <a:spcBef>
+                <a:spcPct val="0"/>
+              </a:spcBef>
+              <a:spcAft>
+                <a:spcPct val="0"/>
+              </a:spcAft>
+              <a:buClrTx/>
+              <a:buSzTx/>
+              <a:buFontTx/>
+              <a:buNone/>
+              <a:tabLst/>
+              <a:defRPr/>
+            </a:pPr>
+            <a:r>
+              <a:rPr kumimoji="0" lang="fr-FR" sz="2400" b="1" i="0" u="none" strike="noStrike" kern="0" cap="none" spc="0" normalizeH="0" baseline="0" noProof="0" smtClean="0">
+                <a:ln>
+                  <a:noFill/>
+                </a:ln>
+                <a:solidFill>
+                  <a:srgbClr val="5F5F5F"/>
+                </a:solidFill>
+                <a:effectLst/>
+                <a:uLnTx/>
+                <a:uFillTx/>
+                <a:latin typeface="+mj-lt"/>
+                <a:ea typeface="+mj-ea"/>
+                <a:cs typeface="+mj-cs"/>
+              </a:rPr>
+              <a:t>II – Techniques de gestion de projet</a:t>
+            </a:r>
+            <a:endParaRPr kumimoji="0" lang="fr-FR" sz="2400" b="1" i="0" u="none" strike="noStrike" kern="0" cap="none" spc="0" normalizeH="0" baseline="0" noProof="0" dirty="0">
+              <a:ln>
+                <a:noFill/>
+              </a:ln>
+              <a:solidFill>
+                <a:srgbClr val="5F5F5F"/>
+              </a:solidFill>
+              <a:effectLst/>
+              <a:uLnTx/>
+              <a:uFillTx/>
+              <a:latin typeface="+mj-lt"/>
+              <a:ea typeface="+mj-ea"/>
+              <a:cs typeface="+mj-cs"/>
+            </a:endParaRPr>
+          </a:p>
+        </p:txBody>
+      </p:sp>
+      <p:sp>
+        <p:nvSpPr>
+          <p:cNvPr id="5" name="Espace réservé du contenu 2"/>
+          <p:cNvSpPr txBox="1">
+            <a:spLocks/>
+          </p:cNvSpPr>
+          <p:nvPr/>
+        </p:nvSpPr>
+        <p:spPr>
+          <a:xfrm>
+            <a:off x="1187450" y="1125538"/>
+            <a:ext cx="7499350" cy="5000625"/>
+          </a:xfrm>
+          <a:prstGeom prst="rect">
+            <a:avLst/>
+          </a:prstGeom>
+        </p:spPr>
+        <p:txBody>
+          <a:bodyPr/>
+          <a:lstStyle/>
+          <a:p>
+            <a:pPr marL="571500" marR="0" lvl="0" indent="-342900" algn="l" defTabSz="914400" rtl="0" eaLnBrk="1" fontAlgn="base" latinLnBrk="0" hangingPunct="1">
+              <a:lnSpc>
+                <a:spcPct val="100000"/>
+              </a:lnSpc>
+              <a:spcBef>
+                <a:spcPct val="20000"/>
+              </a:spcBef>
+              <a:spcAft>
+                <a:spcPct val="0"/>
+              </a:spcAft>
+              <a:buClrTx/>
+              <a:buSzTx/>
+              <a:buFont typeface="Wingdings" pitchFamily="2" charset="2"/>
+              <a:buChar char="q"/>
+              <a:tabLst/>
+              <a:defRPr/>
+            </a:pPr>
+            <a:r>
+              <a:rPr kumimoji="0" lang="fr-FR" sz="2400" b="1" i="0" u="none" strike="noStrike" kern="0" cap="none" spc="0" normalizeH="0" baseline="0" noProof="0" smtClean="0">
+                <a:ln>
+                  <a:noFill/>
+                </a:ln>
+                <a:solidFill>
+                  <a:srgbClr val="5F5F5F"/>
+                </a:solidFill>
+                <a:effectLst/>
+                <a:uLnTx/>
+                <a:uFillTx/>
+                <a:latin typeface="+mn-lt"/>
+                <a:ea typeface="+mn-ea"/>
+                <a:cs typeface="+mn-cs"/>
+              </a:rPr>
+              <a:t>Le kanban :</a:t>
+            </a:r>
+          </a:p>
+          <a:p>
+            <a:pPr marL="1143000" marR="0" lvl="1" indent="-285750" algn="l" defTabSz="914400" rtl="0" eaLnBrk="1" fontAlgn="base" latinLnBrk="0" hangingPunct="1">
+              <a:lnSpc>
+                <a:spcPct val="100000"/>
+              </a:lnSpc>
+              <a:spcBef>
+                <a:spcPct val="20000"/>
+              </a:spcBef>
+              <a:spcAft>
+                <a:spcPct val="0"/>
+              </a:spcAft>
+              <a:buClr>
+                <a:srgbClr val="FFB30C"/>
+              </a:buClr>
+              <a:buSzTx/>
+              <a:buFont typeface="Wingdings" pitchFamily="2" charset="2"/>
+              <a:buChar char="Ø"/>
+              <a:tabLst/>
+              <a:defRPr/>
+            </a:pPr>
+            <a:r>
+              <a:rPr kumimoji="0" lang="fr-FR" sz="2000" b="1" i="0" u="none" strike="noStrike" kern="0" cap="none" spc="0" normalizeH="0" baseline="0" noProof="0" smtClean="0">
+                <a:ln>
+                  <a:noFill/>
+                </a:ln>
+                <a:solidFill>
+                  <a:srgbClr val="5F5F5F"/>
+                </a:solidFill>
+                <a:effectLst/>
+                <a:uLnTx/>
+                <a:uFillTx/>
+                <a:latin typeface="+mn-lt"/>
+              </a:rPr>
+              <a:t>Méthode agile</a:t>
+            </a:r>
+          </a:p>
+          <a:p>
+            <a:pPr marL="1143000" marR="0" lvl="1" indent="-285750" algn="l" defTabSz="914400" rtl="0" eaLnBrk="1" fontAlgn="base" latinLnBrk="0" hangingPunct="1">
+              <a:lnSpc>
+                <a:spcPct val="100000"/>
+              </a:lnSpc>
+              <a:spcBef>
+                <a:spcPct val="20000"/>
+              </a:spcBef>
+              <a:spcAft>
+                <a:spcPct val="0"/>
+              </a:spcAft>
+              <a:buClr>
+                <a:srgbClr val="FFB30C"/>
+              </a:buClr>
+              <a:buSzTx/>
+              <a:buFont typeface="Wingdings" pitchFamily="2" charset="2"/>
+              <a:buChar char="Ø"/>
+              <a:tabLst/>
+              <a:defRPr/>
+            </a:pPr>
+            <a:r>
+              <a:rPr kumimoji="0" lang="fr-FR" sz="2000" b="1" i="0" u="none" strike="noStrike" kern="0" cap="none" spc="0" normalizeH="0" baseline="0" noProof="0" smtClean="0">
+                <a:ln>
+                  <a:noFill/>
+                </a:ln>
+                <a:solidFill>
+                  <a:srgbClr val="5F5F5F"/>
+                </a:solidFill>
+                <a:effectLst/>
+                <a:uLnTx/>
+                <a:uFillTx/>
+                <a:latin typeface="+mn-lt"/>
+              </a:rPr>
+              <a:t>Adaptée pour plusieurs projets informatiques</a:t>
+            </a:r>
+          </a:p>
+          <a:p>
+            <a:pPr marL="571500" marR="0" lvl="0" indent="-342900" algn="l" defTabSz="914400" rtl="0" eaLnBrk="1" fontAlgn="base" latinLnBrk="0" hangingPunct="1">
+              <a:lnSpc>
+                <a:spcPct val="100000"/>
+              </a:lnSpc>
+              <a:spcBef>
+                <a:spcPct val="20000"/>
+              </a:spcBef>
+              <a:spcAft>
+                <a:spcPct val="0"/>
+              </a:spcAft>
+              <a:buClrTx/>
+              <a:buSzTx/>
+              <a:buFont typeface="Wingdings" pitchFamily="2" charset="2"/>
+              <a:buChar char="q"/>
+              <a:tabLst/>
+              <a:defRPr/>
+            </a:pPr>
+            <a:r>
+              <a:rPr kumimoji="0" lang="fr-FR" sz="2400" b="1" i="0" u="none" strike="noStrike" kern="0" cap="none" spc="0" normalizeH="0" baseline="0" noProof="0" smtClean="0">
+                <a:ln>
+                  <a:noFill/>
+                </a:ln>
+                <a:solidFill>
+                  <a:srgbClr val="5F5F5F"/>
+                </a:solidFill>
+                <a:effectLst/>
+                <a:uLnTx/>
+                <a:uFillTx/>
+                <a:latin typeface="+mn-lt"/>
+                <a:ea typeface="+mn-ea"/>
+                <a:cs typeface="+mn-cs"/>
+              </a:rPr>
+              <a:t>Les étapes du Kanban :</a:t>
+            </a:r>
+          </a:p>
+          <a:p>
+            <a:pPr marL="1143000" marR="0" lvl="1" indent="-285750" algn="l" defTabSz="914400" rtl="0" eaLnBrk="1" fontAlgn="base" latinLnBrk="0" hangingPunct="1">
+              <a:lnSpc>
+                <a:spcPct val="100000"/>
+              </a:lnSpc>
+              <a:spcBef>
+                <a:spcPct val="20000"/>
+              </a:spcBef>
+              <a:spcAft>
+                <a:spcPct val="0"/>
+              </a:spcAft>
+              <a:buClr>
+                <a:srgbClr val="FFB30C"/>
+              </a:buClr>
+              <a:buSzTx/>
+              <a:buFont typeface="Wingdings" pitchFamily="2" charset="2"/>
+              <a:buNone/>
+              <a:tabLst/>
+              <a:defRPr/>
+            </a:pPr>
+            <a:endParaRPr kumimoji="0" lang="fr-FR" sz="2000" b="1" i="0" u="none" strike="noStrike" kern="0" cap="none" spc="0" normalizeH="0" baseline="0" noProof="0" dirty="0" smtClean="0">
+              <a:ln>
+                <a:noFill/>
+              </a:ln>
+              <a:solidFill>
+                <a:srgbClr val="5F5F5F"/>
+              </a:solidFill>
+              <a:effectLst/>
+              <a:uLnTx/>
+              <a:uFillTx/>
+              <a:latin typeface="+mn-lt"/>
+            </a:endParaRPr>
+          </a:p>
+        </p:txBody>
+      </p:sp>
+      <p:sp>
+        <p:nvSpPr>
+          <p:cNvPr id="6" name="Espace réservé du numéro de diapositive 3"/>
+          <p:cNvSpPr txBox="1">
+            <a:spLocks/>
+          </p:cNvSpPr>
+          <p:nvPr/>
+        </p:nvSpPr>
+        <p:spPr bwMode="auto">
+          <a:xfrm>
+            <a:off x="8277225" y="6477000"/>
+            <a:ext cx="719138" cy="323850"/>
+          </a:xfrm>
+          <a:prstGeom prst="rect">
+            <a:avLst/>
+          </a:prstGeom>
+          <a:noFill/>
+          <a:ln w="9525">
+            <a:noFill/>
+            <a:miter lim="800000"/>
+            <a:headEnd/>
+            <a:tailEnd/>
+          </a:ln>
+          <a:effectLst/>
+        </p:spPr>
+        <p:txBody>
+          <a:bodyPr vert="horz" wrap="square" lIns="91440" tIns="45720" rIns="91440" bIns="45720" numCol="1" anchor="t" anchorCtr="0" compatLnSpc="1">
+            <a:prstTxWarp prst="textNoShape">
+              <a:avLst/>
+            </a:prstTxWarp>
+          </a:bodyPr>
+          <a:lstStyle/>
+          <a:p>
+            <a:pPr marL="0" marR="0" lvl="0" indent="0" algn="r" defTabSz="914400" rtl="0" eaLnBrk="0" fontAlgn="base" latinLnBrk="0" hangingPunct="0">
+              <a:lnSpc>
+                <a:spcPct val="100000"/>
+              </a:lnSpc>
+              <a:spcBef>
+                <a:spcPct val="0"/>
+              </a:spcBef>
+              <a:spcAft>
+                <a:spcPct val="0"/>
+              </a:spcAft>
+              <a:buClrTx/>
+              <a:buSzTx/>
+              <a:buFontTx/>
+              <a:buNone/>
+              <a:tabLst/>
+              <a:defRPr/>
+            </a:pPr>
+            <a:fld id="{228977EE-2505-4E01-83E6-F24DDA98A02D}" type="slidenum">
+              <a:rPr kumimoji="0" lang="fr-FR" sz="1200" b="0" i="0" u="none" strike="noStrike" kern="1200" cap="none" spc="0" normalizeH="0" baseline="0" noProof="0" smtClean="0">
+                <a:ln>
+                  <a:noFill/>
+                </a:ln>
+                <a:solidFill>
+                  <a:srgbClr val="5F5F5F"/>
+                </a:solidFill>
+                <a:effectLst/>
+                <a:uLnTx/>
+                <a:uFillTx/>
+                <a:latin typeface="Arial" charset="0"/>
+                <a:ea typeface="+mn-ea"/>
+                <a:cs typeface="+mn-cs"/>
+              </a:rPr>
+              <a:pPr marL="0" marR="0" lvl="0" indent="0" algn="r" defTabSz="914400" rtl="0" eaLnBrk="0" fontAlgn="base" latinLnBrk="0" hangingPunct="0">
+                <a:lnSpc>
+                  <a:spcPct val="100000"/>
+                </a:lnSpc>
+                <a:spcBef>
+                  <a:spcPct val="0"/>
+                </a:spcBef>
+                <a:spcAft>
+                  <a:spcPct val="0"/>
+                </a:spcAft>
+                <a:buClrTx/>
+                <a:buSzTx/>
+                <a:buFontTx/>
+                <a:buNone/>
+                <a:tabLst/>
+                <a:defRPr/>
+              </a:pPr>
+              <a:t>14</a:t>
+            </a:fld>
+            <a:endParaRPr kumimoji="0" lang="fr-FR" sz="1200" b="0" i="0" u="none" strike="noStrike" kern="1200" cap="none" spc="0" normalizeH="0" baseline="0" noProof="0">
+              <a:ln>
+                <a:noFill/>
+              </a:ln>
+              <a:solidFill>
+                <a:srgbClr val="5F5F5F"/>
+              </a:solidFill>
+              <a:effectLst/>
+              <a:uLnTx/>
+              <a:uFillTx/>
+              <a:latin typeface="Arial" charset="0"/>
+              <a:ea typeface="+mn-ea"/>
+              <a:cs typeface="+mn-cs"/>
+            </a:endParaRPr>
+          </a:p>
+        </p:txBody>
+      </p:sp>
+      <p:sp>
+        <p:nvSpPr>
+          <p:cNvPr id="7" name="Carré corné 6"/>
+          <p:cNvSpPr/>
+          <p:nvPr/>
+        </p:nvSpPr>
+        <p:spPr bwMode="auto">
+          <a:xfrm rot="10800000">
+            <a:off x="3714744" y="3714752"/>
+            <a:ext cx="2428892" cy="2071702"/>
+          </a:xfrm>
+          <a:prstGeom prst="foldedCorner">
+            <a:avLst/>
+          </a:prstGeom>
+          <a:solidFill>
+            <a:srgbClr val="FFFF00"/>
+          </a:solidFill>
+          <a:ln w="9525" cap="flat" cmpd="sng" algn="ctr">
+            <a:noFill/>
+            <a:prstDash val="solid"/>
+            <a:round/>
+            <a:headEnd type="none" w="med" len="med"/>
+            <a:tailEnd type="none" w="med" len="med"/>
+          </a:ln>
+          <a:effectLst/>
+        </p:spPr>
+        <p:txBody>
+          <a:bodyPr vert="horz" wrap="square" lIns="91440" tIns="45720" rIns="91440" bIns="45720" numCol="1" rtlCol="0" anchor="t" anchorCtr="0" compatLnSpc="1">
+            <a:prstTxWarp prst="textNoShape">
+              <a:avLst/>
+            </a:prstTxWarp>
+          </a:bodyPr>
+          <a:lstStyle/>
+          <a:p>
+            <a:pPr marL="0" marR="0" indent="0" algn="ctr" defTabSz="914400" rtl="0" eaLnBrk="0" fontAlgn="base" latinLnBrk="0" hangingPunct="0">
+              <a:lnSpc>
+                <a:spcPct val="100000"/>
+              </a:lnSpc>
+              <a:spcBef>
+                <a:spcPct val="0"/>
+              </a:spcBef>
+              <a:spcAft>
+                <a:spcPct val="0"/>
+              </a:spcAft>
+              <a:buClrTx/>
+              <a:buSzTx/>
+              <a:buFontTx/>
+              <a:buNone/>
+              <a:tabLst/>
+            </a:pPr>
+            <a:endParaRPr kumimoji="0" lang="fr-FR" sz="1400" b="0" i="0" u="none" strike="noStrike" cap="none" normalizeH="0" baseline="0" dirty="0" smtClean="0">
+              <a:ln>
+                <a:noFill/>
+              </a:ln>
+              <a:solidFill>
+                <a:srgbClr val="5F5F5F"/>
+              </a:solidFill>
+              <a:effectLst/>
+              <a:latin typeface="Arial" charset="0"/>
+            </a:endParaRPr>
+          </a:p>
+        </p:txBody>
+      </p:sp>
+      <p:sp>
+        <p:nvSpPr>
+          <p:cNvPr id="8" name="ZoneTexte 7"/>
+          <p:cNvSpPr txBox="1"/>
+          <p:nvPr/>
+        </p:nvSpPr>
+        <p:spPr>
+          <a:xfrm>
+            <a:off x="3857620" y="3857628"/>
+            <a:ext cx="1143008" cy="307777"/>
+          </a:xfrm>
+          <a:prstGeom prst="rect">
+            <a:avLst/>
+          </a:prstGeom>
+          <a:noFill/>
+        </p:spPr>
+        <p:txBody>
+          <a:bodyPr wrap="square" rtlCol="0">
+            <a:spAutoFit/>
+          </a:bodyPr>
+          <a:lstStyle/>
+          <a:p>
+            <a:r>
+              <a:rPr lang="fr-FR" b="1" dirty="0" smtClean="0"/>
+              <a:t>NGL-714</a:t>
+            </a:r>
+            <a:endParaRPr lang="fr-FR" b="1" dirty="0"/>
+          </a:p>
+        </p:txBody>
+      </p:sp>
+      <p:sp>
+        <p:nvSpPr>
+          <p:cNvPr id="9" name="Rectangle 8"/>
+          <p:cNvSpPr/>
+          <p:nvPr/>
+        </p:nvSpPr>
+        <p:spPr bwMode="auto">
+          <a:xfrm>
+            <a:off x="3214678" y="3000372"/>
+            <a:ext cx="3286148" cy="428628"/>
+          </a:xfrm>
+          <a:prstGeom prst="rect">
+            <a:avLst/>
+          </a:prstGeom>
+          <a:noFill/>
+          <a:ln w="28575" cap="flat" cmpd="sng" algn="ctr">
+            <a:solidFill>
+              <a:schemeClr val="accent1"/>
+            </a:solidFill>
+            <a:prstDash val="solid"/>
+            <a:round/>
+            <a:headEnd type="none" w="med" len="med"/>
+            <a:tailEnd type="none" w="med" len="med"/>
+          </a:ln>
+          <a:effectLst/>
+        </p:spPr>
+        <p:txBody>
+          <a:bodyPr vert="horz" wrap="square" lIns="91440" tIns="45720" rIns="91440" bIns="45720" numCol="1" rtlCol="0" anchor="t" anchorCtr="0" compatLnSpc="1">
+            <a:prstTxWarp prst="textNoShape">
+              <a:avLst/>
+            </a:prstTxWarp>
+          </a:bodyPr>
+          <a:lstStyle/>
+          <a:p>
+            <a:pPr marL="0" marR="0" indent="0" algn="ctr" defTabSz="914400" rtl="0" eaLnBrk="0" fontAlgn="base" latinLnBrk="0" hangingPunct="0">
+              <a:lnSpc>
+                <a:spcPct val="100000"/>
+              </a:lnSpc>
+              <a:spcBef>
+                <a:spcPct val="0"/>
+              </a:spcBef>
+              <a:spcAft>
+                <a:spcPct val="0"/>
+              </a:spcAft>
+              <a:buClrTx/>
+              <a:buSzTx/>
+              <a:buFontTx/>
+              <a:buNone/>
+              <a:tabLst/>
+            </a:pPr>
+            <a:r>
+              <a:rPr kumimoji="0" lang="fr-FR" sz="2000" b="0" i="0" u="none" strike="noStrike" cap="none" normalizeH="0" baseline="0" dirty="0" smtClean="0">
+                <a:ln>
+                  <a:noFill/>
+                </a:ln>
+                <a:solidFill>
+                  <a:srgbClr val="5F5F5F"/>
+                </a:solidFill>
+                <a:effectLst/>
+                <a:latin typeface="Arial" charset="0"/>
+              </a:rPr>
+              <a:t>ESTIMATION</a:t>
+            </a:r>
+            <a:endParaRPr kumimoji="0" lang="fr-FR" sz="2000" b="0" i="0" u="none" strike="noStrike" cap="none" normalizeH="0" baseline="0" dirty="0" smtClean="0">
+              <a:ln>
+                <a:noFill/>
+              </a:ln>
+              <a:solidFill>
+                <a:srgbClr val="5F5F5F"/>
+              </a:solidFill>
+              <a:effectLst/>
+              <a:latin typeface="Arial" charset="0"/>
+            </a:endParaRPr>
+          </a:p>
+        </p:txBody>
+      </p:sp>
+      <p:sp>
+        <p:nvSpPr>
+          <p:cNvPr id="10" name="ZoneTexte 9"/>
+          <p:cNvSpPr txBox="1"/>
+          <p:nvPr/>
+        </p:nvSpPr>
+        <p:spPr>
+          <a:xfrm>
+            <a:off x="5072066" y="3857628"/>
+            <a:ext cx="714380" cy="400110"/>
+          </a:xfrm>
+          <a:prstGeom prst="rect">
+            <a:avLst/>
+          </a:prstGeom>
+          <a:noFill/>
+        </p:spPr>
+        <p:txBody>
+          <a:bodyPr wrap="square" rtlCol="0">
+            <a:spAutoFit/>
+          </a:bodyPr>
+          <a:lstStyle/>
+          <a:p>
+            <a:r>
+              <a:rPr lang="fr-FR" sz="2000" dirty="0" smtClean="0"/>
+              <a:t>***</a:t>
+            </a:r>
+            <a:endParaRPr lang="fr-FR" sz="2000" dirty="0"/>
+          </a:p>
+        </p:txBody>
+      </p:sp>
+      <p:sp>
+        <p:nvSpPr>
+          <p:cNvPr id="11" name="Rectangle 10"/>
+          <p:cNvSpPr/>
+          <p:nvPr/>
+        </p:nvSpPr>
+        <p:spPr>
+          <a:xfrm>
+            <a:off x="4000496" y="4643446"/>
+            <a:ext cx="1866216" cy="307777"/>
+          </a:xfrm>
+          <a:prstGeom prst="rect">
+            <a:avLst/>
+          </a:prstGeom>
+        </p:spPr>
+        <p:txBody>
+          <a:bodyPr wrap="none">
+            <a:spAutoFit/>
+          </a:bodyPr>
+          <a:lstStyle/>
+          <a:p>
+            <a:r>
+              <a:rPr lang="fr-FR" b="1" dirty="0" smtClean="0"/>
+              <a:t>Exporter les graphs</a:t>
+            </a:r>
+            <a:endParaRPr lang="fr-FR" b="1" dirty="0"/>
+          </a:p>
+        </p:txBody>
+      </p:sp>
+      <p:sp>
+        <p:nvSpPr>
+          <p:cNvPr id="12" name="Rectangle 11"/>
+          <p:cNvSpPr/>
+          <p:nvPr/>
+        </p:nvSpPr>
+        <p:spPr>
+          <a:xfrm>
+            <a:off x="3977383" y="5214950"/>
+            <a:ext cx="880369" cy="307777"/>
+          </a:xfrm>
+          <a:prstGeom prst="rect">
+            <a:avLst/>
+          </a:prstGeom>
+        </p:spPr>
+        <p:txBody>
+          <a:bodyPr wrap="none">
+            <a:spAutoFit/>
+          </a:bodyPr>
+          <a:lstStyle/>
+          <a:p>
+            <a:r>
+              <a:rPr lang="fr-FR" b="1" dirty="0" smtClean="0"/>
+              <a:t>13/07/15</a:t>
+            </a:r>
+            <a:endParaRPr lang="fr-FR" b="1" dirty="0"/>
+          </a:p>
+        </p:txBody>
+      </p:sp>
+    </p:spTree>
+  </p:cSld>
+  <p:clrMapOvr>
+    <a:masterClrMapping/>
+  </p:clrMapOvr>
+  <p:timing>
+    <p:tnLst>
+      <p:par>
+        <p:cTn id="1" dur="indefinite" restart="never" nodeType="tmRoot"/>
+      </p:par>
+    </p:tnLst>
+  </p:timing>
+</p:sld>
+</file>
+
+<file path=ppt/slides/slide15.xml><?xml version="1.0" encoding="utf-8"?>
+<p:sld xmlns:a="http://schemas.openxmlformats.org/drawingml/2006/main" xmlns:r="http://schemas.openxmlformats.org/officeDocument/2006/relationships" xmlns:p="http://schemas.openxmlformats.org/presentationml/2006/main">
+  <p:cSld>
+    <p:spTree>
+      <p:nvGrpSpPr>
+        <p:cNvPr id="1" name=""/>
+        <p:cNvGrpSpPr/>
+        <p:nvPr/>
+      </p:nvGrpSpPr>
+      <p:grpSpPr>
+        <a:xfrm>
+          <a:off x="0" y="0"/>
+          <a:ext cx="0" cy="0"/>
+          <a:chOff x="0" y="0"/>
+          <a:chExt cx="0" cy="0"/>
+        </a:xfrm>
+      </p:grpSpPr>
+      <p:sp>
+        <p:nvSpPr>
+          <p:cNvPr id="2" name="Espace réservé du numéro de diapositive 1"/>
+          <p:cNvSpPr>
+            <a:spLocks noGrp="1"/>
+          </p:cNvSpPr>
+          <p:nvPr>
+            <p:ph type="sldNum" sz="quarter" idx="10"/>
+          </p:nvPr>
+        </p:nvSpPr>
+        <p:spPr/>
+        <p:txBody>
+          <a:bodyPr/>
+          <a:lstStyle/>
+          <a:p>
+            <a:fld id="{0EEE55F7-AF7E-434C-A835-5D468B60A67C}" type="slidenum">
+              <a:rPr lang="fr-FR" smtClean="0"/>
+              <a:pPr/>
+              <a:t>15</a:t>
+            </a:fld>
+            <a:endParaRPr lang="fr-FR"/>
+          </a:p>
+        </p:txBody>
+      </p:sp>
+      <p:sp>
+        <p:nvSpPr>
+          <p:cNvPr id="3" name="Espace réservé du numéro de diapositive 1"/>
+          <p:cNvSpPr txBox="1">
+            <a:spLocks/>
+          </p:cNvSpPr>
+          <p:nvPr/>
+        </p:nvSpPr>
+        <p:spPr bwMode="auto">
+          <a:xfrm>
+            <a:off x="8277225" y="6477000"/>
+            <a:ext cx="719138" cy="323850"/>
+          </a:xfrm>
+          <a:prstGeom prst="rect">
+            <a:avLst/>
+          </a:prstGeom>
+          <a:noFill/>
+          <a:ln w="9525">
+            <a:noFill/>
+            <a:miter lim="800000"/>
+            <a:headEnd/>
+            <a:tailEnd/>
+          </a:ln>
+          <a:effectLst/>
+        </p:spPr>
+        <p:txBody>
+          <a:bodyPr vert="horz" wrap="square" lIns="91440" tIns="45720" rIns="91440" bIns="45720" numCol="1" anchor="t" anchorCtr="0" compatLnSpc="1">
+            <a:prstTxWarp prst="textNoShape">
+              <a:avLst/>
+            </a:prstTxWarp>
+          </a:bodyPr>
+          <a:lstStyle/>
+          <a:p>
+            <a:pPr marL="0" marR="0" lvl="0" indent="0" algn="r" defTabSz="914400" rtl="0" eaLnBrk="0" fontAlgn="base" latinLnBrk="0" hangingPunct="0">
+              <a:lnSpc>
+                <a:spcPct val="100000"/>
+              </a:lnSpc>
+              <a:spcBef>
+                <a:spcPct val="0"/>
+              </a:spcBef>
+              <a:spcAft>
+                <a:spcPct val="0"/>
+              </a:spcAft>
+              <a:buClrTx/>
+              <a:buSzTx/>
+              <a:buFontTx/>
+              <a:buNone/>
+              <a:tabLst/>
+              <a:defRPr/>
+            </a:pPr>
+            <a:fld id="{0EEE55F7-AF7E-434C-A835-5D468B60A67C}" type="slidenum">
+              <a:rPr kumimoji="0" lang="fr-FR" sz="1200" b="0" i="0" u="none" strike="noStrike" kern="1200" cap="none" spc="0" normalizeH="0" baseline="0" noProof="0" smtClean="0">
+                <a:ln>
+                  <a:noFill/>
+                </a:ln>
+                <a:solidFill>
+                  <a:srgbClr val="5F5F5F"/>
+                </a:solidFill>
+                <a:effectLst/>
+                <a:uLnTx/>
+                <a:uFillTx/>
+                <a:latin typeface="Arial" charset="0"/>
+                <a:ea typeface="+mn-ea"/>
+                <a:cs typeface="+mn-cs"/>
+              </a:rPr>
+              <a:pPr marL="0" marR="0" lvl="0" indent="0" algn="r" defTabSz="914400" rtl="0" eaLnBrk="0" fontAlgn="base" latinLnBrk="0" hangingPunct="0">
+                <a:lnSpc>
+                  <a:spcPct val="100000"/>
+                </a:lnSpc>
+                <a:spcBef>
+                  <a:spcPct val="0"/>
+                </a:spcBef>
+                <a:spcAft>
+                  <a:spcPct val="0"/>
+                </a:spcAft>
+                <a:buClrTx/>
+                <a:buSzTx/>
+                <a:buFontTx/>
+                <a:buNone/>
+                <a:tabLst/>
+                <a:defRPr/>
+              </a:pPr>
+              <a:t>15</a:t>
+            </a:fld>
+            <a:endParaRPr kumimoji="0" lang="fr-FR" sz="1200" b="0" i="0" u="none" strike="noStrike" kern="1200" cap="none" spc="0" normalizeH="0" baseline="0" noProof="0">
+              <a:ln>
+                <a:noFill/>
+              </a:ln>
+              <a:solidFill>
+                <a:srgbClr val="5F5F5F"/>
+              </a:solidFill>
+              <a:effectLst/>
+              <a:uLnTx/>
+              <a:uFillTx/>
+              <a:latin typeface="Arial" charset="0"/>
+              <a:ea typeface="+mn-ea"/>
+              <a:cs typeface="+mn-cs"/>
+            </a:endParaRPr>
+          </a:p>
+        </p:txBody>
+      </p:sp>
+      <p:sp>
+        <p:nvSpPr>
+          <p:cNvPr id="4" name="Espace réservé du numéro de diapositive 1"/>
+          <p:cNvSpPr txBox="1">
+            <a:spLocks/>
+          </p:cNvSpPr>
+          <p:nvPr/>
+        </p:nvSpPr>
+        <p:spPr bwMode="auto">
+          <a:xfrm>
+            <a:off x="8277225" y="6477000"/>
+            <a:ext cx="719138" cy="323850"/>
+          </a:xfrm>
+          <a:prstGeom prst="rect">
+            <a:avLst/>
+          </a:prstGeom>
+          <a:noFill/>
+          <a:ln w="9525">
+            <a:noFill/>
+            <a:miter lim="800000"/>
+            <a:headEnd/>
+            <a:tailEnd/>
+          </a:ln>
+          <a:effectLst/>
+        </p:spPr>
+        <p:txBody>
+          <a:bodyPr vert="horz" wrap="square" lIns="91440" tIns="45720" rIns="91440" bIns="45720" numCol="1" anchor="t" anchorCtr="0" compatLnSpc="1">
+            <a:prstTxWarp prst="textNoShape">
+              <a:avLst/>
+            </a:prstTxWarp>
+          </a:bodyPr>
+          <a:lstStyle/>
+          <a:p>
+            <a:pPr marL="0" marR="0" lvl="0" indent="0" algn="r" defTabSz="914400" rtl="0" eaLnBrk="0" fontAlgn="base" latinLnBrk="0" hangingPunct="0">
+              <a:lnSpc>
+                <a:spcPct val="100000"/>
+              </a:lnSpc>
+              <a:spcBef>
+                <a:spcPct val="0"/>
+              </a:spcBef>
+              <a:spcAft>
+                <a:spcPct val="0"/>
+              </a:spcAft>
+              <a:buClrTx/>
+              <a:buSzTx/>
+              <a:buFontTx/>
+              <a:buNone/>
+              <a:tabLst/>
+              <a:defRPr/>
+            </a:pPr>
+            <a:fld id="{0EEE55F7-AF7E-434C-A835-5D468B60A67C}" type="slidenum">
+              <a:rPr kumimoji="0" lang="fr-FR" sz="1200" b="0" i="0" u="none" strike="noStrike" kern="1200" cap="none" spc="0" normalizeH="0" baseline="0" noProof="0" smtClean="0">
+                <a:ln>
+                  <a:noFill/>
+                </a:ln>
+                <a:solidFill>
+                  <a:srgbClr val="5F5F5F"/>
+                </a:solidFill>
+                <a:effectLst/>
+                <a:uLnTx/>
+                <a:uFillTx/>
+                <a:latin typeface="Arial" charset="0"/>
+                <a:ea typeface="+mn-ea"/>
+                <a:cs typeface="+mn-cs"/>
+              </a:rPr>
+              <a:pPr marL="0" marR="0" lvl="0" indent="0" algn="r" defTabSz="914400" rtl="0" eaLnBrk="0" fontAlgn="base" latinLnBrk="0" hangingPunct="0">
+                <a:lnSpc>
+                  <a:spcPct val="100000"/>
+                </a:lnSpc>
+                <a:spcBef>
+                  <a:spcPct val="0"/>
+                </a:spcBef>
+                <a:spcAft>
+                  <a:spcPct val="0"/>
+                </a:spcAft>
+                <a:buClrTx/>
+                <a:buSzTx/>
+                <a:buFontTx/>
+                <a:buNone/>
+                <a:tabLst/>
+                <a:defRPr/>
+              </a:pPr>
+              <a:t>15</a:t>
+            </a:fld>
+            <a:endParaRPr kumimoji="0" lang="fr-FR" sz="1200" b="0" i="0" u="none" strike="noStrike" kern="1200" cap="none" spc="0" normalizeH="0" baseline="0" noProof="0">
+              <a:ln>
+                <a:noFill/>
+              </a:ln>
+              <a:solidFill>
+                <a:srgbClr val="5F5F5F"/>
+              </a:solidFill>
+              <a:effectLst/>
+              <a:uLnTx/>
+              <a:uFillTx/>
+              <a:latin typeface="Arial" charset="0"/>
+              <a:ea typeface="+mn-ea"/>
+              <a:cs typeface="+mn-cs"/>
+            </a:endParaRPr>
+          </a:p>
+        </p:txBody>
+      </p:sp>
+      <p:sp>
+        <p:nvSpPr>
+          <p:cNvPr id="5" name="Titre 1"/>
+          <p:cNvSpPr txBox="1">
+            <a:spLocks/>
+          </p:cNvSpPr>
+          <p:nvPr/>
+        </p:nvSpPr>
+        <p:spPr>
+          <a:xfrm>
+            <a:off x="1219200" y="150813"/>
+            <a:ext cx="7788275" cy="608012"/>
+          </a:xfrm>
+          <a:prstGeom prst="rect">
+            <a:avLst/>
+          </a:prstGeom>
+        </p:spPr>
+        <p:txBody>
+          <a:bodyPr/>
+          <a:lstStyle/>
+          <a:p>
+            <a:pPr marL="0" marR="0" lvl="0" indent="0" algn="l" defTabSz="914400" rtl="0" eaLnBrk="1" fontAlgn="base" latinLnBrk="0" hangingPunct="1">
+              <a:lnSpc>
+                <a:spcPct val="100000"/>
+              </a:lnSpc>
+              <a:spcBef>
+                <a:spcPct val="0"/>
+              </a:spcBef>
+              <a:spcAft>
+                <a:spcPct val="0"/>
+              </a:spcAft>
+              <a:buClrTx/>
+              <a:buSzTx/>
+              <a:buFontTx/>
+              <a:buNone/>
+              <a:tabLst/>
+              <a:defRPr/>
+            </a:pPr>
+            <a:r>
+              <a:rPr kumimoji="0" lang="fr-FR" sz="2400" b="1" i="0" u="none" strike="noStrike" kern="0" cap="none" spc="0" normalizeH="0" baseline="0" noProof="0" smtClean="0">
+                <a:ln>
+                  <a:noFill/>
+                </a:ln>
+                <a:solidFill>
+                  <a:srgbClr val="5F5F5F"/>
+                </a:solidFill>
+                <a:effectLst/>
+                <a:uLnTx/>
+                <a:uFillTx/>
+                <a:latin typeface="+mj-lt"/>
+                <a:ea typeface="+mj-ea"/>
+                <a:cs typeface="+mj-cs"/>
+              </a:rPr>
+              <a:t>II – Techniques de gestion de projet</a:t>
+            </a:r>
+            <a:endParaRPr kumimoji="0" lang="fr-FR" sz="2400" b="1" i="0" u="none" strike="noStrike" kern="0" cap="none" spc="0" normalizeH="0" baseline="0" noProof="0" dirty="0">
+              <a:ln>
+                <a:noFill/>
+              </a:ln>
+              <a:solidFill>
+                <a:srgbClr val="5F5F5F"/>
+              </a:solidFill>
+              <a:effectLst/>
+              <a:uLnTx/>
+              <a:uFillTx/>
+              <a:latin typeface="+mj-lt"/>
+              <a:ea typeface="+mj-ea"/>
+              <a:cs typeface="+mj-cs"/>
+            </a:endParaRPr>
+          </a:p>
+        </p:txBody>
+      </p:sp>
+      <p:sp>
+        <p:nvSpPr>
+          <p:cNvPr id="6" name="Espace réservé du contenu 2"/>
+          <p:cNvSpPr txBox="1">
+            <a:spLocks/>
+          </p:cNvSpPr>
+          <p:nvPr/>
+        </p:nvSpPr>
+        <p:spPr>
+          <a:xfrm>
+            <a:off x="1187450" y="1125538"/>
+            <a:ext cx="7499350" cy="5000625"/>
+          </a:xfrm>
+          <a:prstGeom prst="rect">
+            <a:avLst/>
+          </a:prstGeom>
+        </p:spPr>
+        <p:txBody>
+          <a:bodyPr/>
+          <a:lstStyle/>
+          <a:p>
+            <a:pPr marL="571500" marR="0" lvl="0" indent="-342900" algn="l" defTabSz="914400" rtl="0" eaLnBrk="1" fontAlgn="base" latinLnBrk="0" hangingPunct="1">
+              <a:lnSpc>
+                <a:spcPct val="100000"/>
+              </a:lnSpc>
+              <a:spcBef>
+                <a:spcPct val="20000"/>
+              </a:spcBef>
+              <a:spcAft>
+                <a:spcPct val="0"/>
+              </a:spcAft>
+              <a:buClrTx/>
+              <a:buSzTx/>
+              <a:buFont typeface="Wingdings" pitchFamily="2" charset="2"/>
+              <a:buChar char="q"/>
+              <a:tabLst/>
+              <a:defRPr/>
+            </a:pPr>
+            <a:r>
+              <a:rPr kumimoji="0" lang="fr-FR" sz="2400" b="1" i="0" u="none" strike="noStrike" kern="0" cap="none" spc="0" normalizeH="0" baseline="0" noProof="0" smtClean="0">
+                <a:ln>
+                  <a:noFill/>
+                </a:ln>
+                <a:solidFill>
+                  <a:srgbClr val="5F5F5F"/>
+                </a:solidFill>
+                <a:effectLst/>
+                <a:uLnTx/>
+                <a:uFillTx/>
+                <a:latin typeface="+mn-lt"/>
+                <a:ea typeface="+mn-ea"/>
+                <a:cs typeface="+mn-cs"/>
+              </a:rPr>
+              <a:t>Le kanban :</a:t>
+            </a:r>
+          </a:p>
+          <a:p>
+            <a:pPr marL="1143000" marR="0" lvl="1" indent="-285750" algn="l" defTabSz="914400" rtl="0" eaLnBrk="1" fontAlgn="base" latinLnBrk="0" hangingPunct="1">
+              <a:lnSpc>
+                <a:spcPct val="100000"/>
+              </a:lnSpc>
+              <a:spcBef>
+                <a:spcPct val="20000"/>
+              </a:spcBef>
+              <a:spcAft>
+                <a:spcPct val="0"/>
+              </a:spcAft>
+              <a:buClr>
+                <a:srgbClr val="FFB30C"/>
+              </a:buClr>
+              <a:buSzTx/>
+              <a:buFont typeface="Wingdings" pitchFamily="2" charset="2"/>
+              <a:buChar char="Ø"/>
+              <a:tabLst/>
+              <a:defRPr/>
+            </a:pPr>
+            <a:r>
+              <a:rPr kumimoji="0" lang="fr-FR" sz="2000" b="1" i="0" u="none" strike="noStrike" kern="0" cap="none" spc="0" normalizeH="0" baseline="0" noProof="0" smtClean="0">
+                <a:ln>
+                  <a:noFill/>
+                </a:ln>
+                <a:solidFill>
+                  <a:srgbClr val="5F5F5F"/>
+                </a:solidFill>
+                <a:effectLst/>
+                <a:uLnTx/>
+                <a:uFillTx/>
+                <a:latin typeface="+mn-lt"/>
+              </a:rPr>
+              <a:t>Méthode agile</a:t>
+            </a:r>
+          </a:p>
+          <a:p>
+            <a:pPr marL="1143000" marR="0" lvl="1" indent="-285750" algn="l" defTabSz="914400" rtl="0" eaLnBrk="1" fontAlgn="base" latinLnBrk="0" hangingPunct="1">
+              <a:lnSpc>
+                <a:spcPct val="100000"/>
+              </a:lnSpc>
+              <a:spcBef>
+                <a:spcPct val="20000"/>
+              </a:spcBef>
+              <a:spcAft>
+                <a:spcPct val="0"/>
+              </a:spcAft>
+              <a:buClr>
+                <a:srgbClr val="FFB30C"/>
+              </a:buClr>
+              <a:buSzTx/>
+              <a:buFont typeface="Wingdings" pitchFamily="2" charset="2"/>
+              <a:buChar char="Ø"/>
+              <a:tabLst/>
+              <a:defRPr/>
+            </a:pPr>
+            <a:r>
+              <a:rPr kumimoji="0" lang="fr-FR" sz="2000" b="1" i="0" u="none" strike="noStrike" kern="0" cap="none" spc="0" normalizeH="0" baseline="0" noProof="0" smtClean="0">
+                <a:ln>
+                  <a:noFill/>
+                </a:ln>
+                <a:solidFill>
+                  <a:srgbClr val="5F5F5F"/>
+                </a:solidFill>
+                <a:effectLst/>
+                <a:uLnTx/>
+                <a:uFillTx/>
+                <a:latin typeface="+mn-lt"/>
+              </a:rPr>
+              <a:t>Adaptée pour plusieurs projets informatiques</a:t>
+            </a:r>
+          </a:p>
+          <a:p>
+            <a:pPr marL="571500" marR="0" lvl="0" indent="-342900" algn="l" defTabSz="914400" rtl="0" eaLnBrk="1" fontAlgn="base" latinLnBrk="0" hangingPunct="1">
+              <a:lnSpc>
+                <a:spcPct val="100000"/>
+              </a:lnSpc>
+              <a:spcBef>
+                <a:spcPct val="20000"/>
+              </a:spcBef>
+              <a:spcAft>
+                <a:spcPct val="0"/>
+              </a:spcAft>
+              <a:buClrTx/>
+              <a:buSzTx/>
+              <a:buFont typeface="Wingdings" pitchFamily="2" charset="2"/>
+              <a:buChar char="q"/>
+              <a:tabLst/>
+              <a:defRPr/>
+            </a:pPr>
+            <a:r>
+              <a:rPr kumimoji="0" lang="fr-FR" sz="2400" b="1" i="0" u="none" strike="noStrike" kern="0" cap="none" spc="0" normalizeH="0" baseline="0" noProof="0" smtClean="0">
+                <a:ln>
+                  <a:noFill/>
+                </a:ln>
+                <a:solidFill>
+                  <a:srgbClr val="5F5F5F"/>
+                </a:solidFill>
+                <a:effectLst/>
+                <a:uLnTx/>
+                <a:uFillTx/>
+                <a:latin typeface="+mn-lt"/>
+                <a:ea typeface="+mn-ea"/>
+                <a:cs typeface="+mn-cs"/>
+              </a:rPr>
+              <a:t>Les étapes du Kanban :</a:t>
+            </a:r>
+          </a:p>
+          <a:p>
+            <a:pPr marL="1143000" marR="0" lvl="1" indent="-285750" algn="l" defTabSz="914400" rtl="0" eaLnBrk="1" fontAlgn="base" latinLnBrk="0" hangingPunct="1">
+              <a:lnSpc>
+                <a:spcPct val="100000"/>
+              </a:lnSpc>
+              <a:spcBef>
+                <a:spcPct val="20000"/>
+              </a:spcBef>
+              <a:spcAft>
+                <a:spcPct val="0"/>
+              </a:spcAft>
+              <a:buClr>
+                <a:srgbClr val="FFB30C"/>
+              </a:buClr>
+              <a:buSzTx/>
+              <a:buFont typeface="Wingdings" pitchFamily="2" charset="2"/>
+              <a:buNone/>
+              <a:tabLst/>
+              <a:defRPr/>
+            </a:pPr>
+            <a:endParaRPr kumimoji="0" lang="fr-FR" sz="2000" b="1" i="0" u="none" strike="noStrike" kern="0" cap="none" spc="0" normalizeH="0" baseline="0" noProof="0" dirty="0" smtClean="0">
+              <a:ln>
+                <a:noFill/>
+              </a:ln>
+              <a:solidFill>
+                <a:srgbClr val="5F5F5F"/>
+              </a:solidFill>
+              <a:effectLst/>
+              <a:uLnTx/>
+              <a:uFillTx/>
+              <a:latin typeface="+mn-lt"/>
+            </a:endParaRPr>
+          </a:p>
+        </p:txBody>
+      </p:sp>
+      <p:sp>
+        <p:nvSpPr>
+          <p:cNvPr id="7" name="Espace réservé du numéro de diapositive 3"/>
+          <p:cNvSpPr txBox="1">
+            <a:spLocks/>
+          </p:cNvSpPr>
+          <p:nvPr/>
+        </p:nvSpPr>
+        <p:spPr bwMode="auto">
+          <a:xfrm>
+            <a:off x="8277225" y="6477000"/>
+            <a:ext cx="719138" cy="323850"/>
+          </a:xfrm>
+          <a:prstGeom prst="rect">
+            <a:avLst/>
+          </a:prstGeom>
+          <a:noFill/>
+          <a:ln w="9525">
+            <a:noFill/>
+            <a:miter lim="800000"/>
+            <a:headEnd/>
+            <a:tailEnd/>
+          </a:ln>
+          <a:effectLst/>
+        </p:spPr>
+        <p:txBody>
+          <a:bodyPr vert="horz" wrap="square" lIns="91440" tIns="45720" rIns="91440" bIns="45720" numCol="1" anchor="t" anchorCtr="0" compatLnSpc="1">
+            <a:prstTxWarp prst="textNoShape">
+              <a:avLst/>
+            </a:prstTxWarp>
+          </a:bodyPr>
+          <a:lstStyle/>
+          <a:p>
+            <a:pPr marL="0" marR="0" lvl="0" indent="0" algn="r" defTabSz="914400" rtl="0" eaLnBrk="0" fontAlgn="base" latinLnBrk="0" hangingPunct="0">
+              <a:lnSpc>
+                <a:spcPct val="100000"/>
+              </a:lnSpc>
+              <a:spcBef>
+                <a:spcPct val="0"/>
+              </a:spcBef>
+              <a:spcAft>
+                <a:spcPct val="0"/>
+              </a:spcAft>
+              <a:buClrTx/>
+              <a:buSzTx/>
+              <a:buFontTx/>
+              <a:buNone/>
+              <a:tabLst/>
+              <a:defRPr/>
+            </a:pPr>
+            <a:fld id="{228977EE-2505-4E01-83E6-F24DDA98A02D}" type="slidenum">
+              <a:rPr kumimoji="0" lang="fr-FR" sz="1200" b="0" i="0" u="none" strike="noStrike" kern="1200" cap="none" spc="0" normalizeH="0" baseline="0" noProof="0" smtClean="0">
+                <a:ln>
+                  <a:noFill/>
+                </a:ln>
+                <a:solidFill>
+                  <a:srgbClr val="5F5F5F"/>
+                </a:solidFill>
+                <a:effectLst/>
+                <a:uLnTx/>
+                <a:uFillTx/>
+                <a:latin typeface="Arial" charset="0"/>
+                <a:ea typeface="+mn-ea"/>
+                <a:cs typeface="+mn-cs"/>
+              </a:rPr>
+              <a:pPr marL="0" marR="0" lvl="0" indent="0" algn="r" defTabSz="914400" rtl="0" eaLnBrk="0" fontAlgn="base" latinLnBrk="0" hangingPunct="0">
+                <a:lnSpc>
+                  <a:spcPct val="100000"/>
+                </a:lnSpc>
+                <a:spcBef>
+                  <a:spcPct val="0"/>
+                </a:spcBef>
+                <a:spcAft>
+                  <a:spcPct val="0"/>
+                </a:spcAft>
+                <a:buClrTx/>
+                <a:buSzTx/>
+                <a:buFontTx/>
+                <a:buNone/>
+                <a:tabLst/>
+                <a:defRPr/>
+              </a:pPr>
+              <a:t>15</a:t>
+            </a:fld>
+            <a:endParaRPr kumimoji="0" lang="fr-FR" sz="1200" b="0" i="0" u="none" strike="noStrike" kern="1200" cap="none" spc="0" normalizeH="0" baseline="0" noProof="0">
+              <a:ln>
+                <a:noFill/>
+              </a:ln>
+              <a:solidFill>
+                <a:srgbClr val="5F5F5F"/>
+              </a:solidFill>
+              <a:effectLst/>
+              <a:uLnTx/>
+              <a:uFillTx/>
+              <a:latin typeface="Arial" charset="0"/>
+              <a:ea typeface="+mn-ea"/>
+              <a:cs typeface="+mn-cs"/>
+            </a:endParaRPr>
+          </a:p>
+        </p:txBody>
+      </p:sp>
+      <p:sp>
+        <p:nvSpPr>
+          <p:cNvPr id="8" name="Carré corné 7"/>
+          <p:cNvSpPr/>
+          <p:nvPr/>
+        </p:nvSpPr>
+        <p:spPr bwMode="auto">
+          <a:xfrm rot="10800000">
+            <a:off x="3714744" y="3714752"/>
+            <a:ext cx="2428892" cy="2071702"/>
+          </a:xfrm>
+          <a:prstGeom prst="foldedCorner">
+            <a:avLst/>
+          </a:prstGeom>
+          <a:solidFill>
+            <a:srgbClr val="FFFF00"/>
+          </a:solidFill>
+          <a:ln w="9525" cap="flat" cmpd="sng" algn="ctr">
+            <a:noFill/>
+            <a:prstDash val="solid"/>
+            <a:round/>
+            <a:headEnd type="none" w="med" len="med"/>
+            <a:tailEnd type="none" w="med" len="med"/>
+          </a:ln>
+          <a:effectLst/>
+        </p:spPr>
+        <p:txBody>
+          <a:bodyPr vert="horz" wrap="square" lIns="91440" tIns="45720" rIns="91440" bIns="45720" numCol="1" rtlCol="0" anchor="t" anchorCtr="0" compatLnSpc="1">
+            <a:prstTxWarp prst="textNoShape">
+              <a:avLst/>
+            </a:prstTxWarp>
+          </a:bodyPr>
+          <a:lstStyle/>
+          <a:p>
+            <a:pPr marL="0" marR="0" indent="0" algn="ctr" defTabSz="914400" rtl="0" eaLnBrk="0" fontAlgn="base" latinLnBrk="0" hangingPunct="0">
+              <a:lnSpc>
+                <a:spcPct val="100000"/>
+              </a:lnSpc>
+              <a:spcBef>
+                <a:spcPct val="0"/>
+              </a:spcBef>
+              <a:spcAft>
+                <a:spcPct val="0"/>
+              </a:spcAft>
+              <a:buClrTx/>
+              <a:buSzTx/>
+              <a:buFontTx/>
+              <a:buNone/>
+              <a:tabLst/>
+            </a:pPr>
+            <a:endParaRPr kumimoji="0" lang="fr-FR" sz="1400" b="0" i="0" u="none" strike="noStrike" cap="none" normalizeH="0" baseline="0" dirty="0" smtClean="0">
+              <a:ln>
+                <a:noFill/>
+              </a:ln>
+              <a:solidFill>
+                <a:srgbClr val="5F5F5F"/>
+              </a:solidFill>
+              <a:effectLst/>
+              <a:latin typeface="Arial" charset="0"/>
+            </a:endParaRPr>
+          </a:p>
+        </p:txBody>
+      </p:sp>
+      <p:sp>
+        <p:nvSpPr>
+          <p:cNvPr id="9" name="ZoneTexte 8"/>
+          <p:cNvSpPr txBox="1"/>
+          <p:nvPr/>
+        </p:nvSpPr>
+        <p:spPr>
+          <a:xfrm>
+            <a:off x="3857620" y="3857628"/>
+            <a:ext cx="1143008" cy="307777"/>
+          </a:xfrm>
+          <a:prstGeom prst="rect">
+            <a:avLst/>
+          </a:prstGeom>
+          <a:noFill/>
+        </p:spPr>
+        <p:txBody>
+          <a:bodyPr wrap="square" rtlCol="0">
+            <a:spAutoFit/>
+          </a:bodyPr>
+          <a:lstStyle/>
+          <a:p>
+            <a:r>
+              <a:rPr lang="fr-FR" b="1" dirty="0" smtClean="0"/>
+              <a:t>NGL-714</a:t>
+            </a:r>
+            <a:endParaRPr lang="fr-FR" b="1" dirty="0"/>
+          </a:p>
+        </p:txBody>
+      </p:sp>
+      <p:sp>
+        <p:nvSpPr>
+          <p:cNvPr id="10" name="Rectangle 9"/>
+          <p:cNvSpPr/>
+          <p:nvPr/>
+        </p:nvSpPr>
+        <p:spPr bwMode="auto">
+          <a:xfrm>
+            <a:off x="3214678" y="3000372"/>
+            <a:ext cx="3286148" cy="428628"/>
+          </a:xfrm>
+          <a:prstGeom prst="rect">
+            <a:avLst/>
+          </a:prstGeom>
+          <a:noFill/>
+          <a:ln w="28575" cap="flat" cmpd="sng" algn="ctr">
+            <a:solidFill>
+              <a:schemeClr val="accent1"/>
+            </a:solidFill>
+            <a:prstDash val="solid"/>
+            <a:round/>
+            <a:headEnd type="none" w="med" len="med"/>
+            <a:tailEnd type="none" w="med" len="med"/>
+          </a:ln>
+          <a:effectLst/>
+        </p:spPr>
+        <p:txBody>
+          <a:bodyPr vert="horz" wrap="square" lIns="91440" tIns="45720" rIns="91440" bIns="45720" numCol="1" rtlCol="0" anchor="t" anchorCtr="0" compatLnSpc="1">
+            <a:prstTxWarp prst="textNoShape">
+              <a:avLst/>
+            </a:prstTxWarp>
+          </a:bodyPr>
+          <a:lstStyle/>
+          <a:p>
+            <a:pPr marL="0" marR="0" indent="0" algn="ctr" defTabSz="914400" rtl="0" eaLnBrk="0" fontAlgn="base" latinLnBrk="0" hangingPunct="0">
+              <a:lnSpc>
+                <a:spcPct val="100000"/>
+              </a:lnSpc>
+              <a:spcBef>
+                <a:spcPct val="0"/>
+              </a:spcBef>
+              <a:spcAft>
+                <a:spcPct val="0"/>
+              </a:spcAft>
+              <a:buClrTx/>
+              <a:buSzTx/>
+              <a:buFontTx/>
+              <a:buNone/>
+              <a:tabLst/>
+            </a:pPr>
+            <a:r>
+              <a:rPr kumimoji="0" lang="fr-FR" sz="2000" b="0" i="0" u="none" strike="noStrike" cap="none" normalizeH="0" baseline="0" dirty="0" smtClean="0">
+                <a:ln>
+                  <a:noFill/>
+                </a:ln>
+                <a:solidFill>
+                  <a:srgbClr val="5F5F5F"/>
+                </a:solidFill>
+                <a:effectLst/>
+                <a:latin typeface="Arial" charset="0"/>
+              </a:rPr>
+              <a:t>TO DO</a:t>
+            </a:r>
+            <a:endParaRPr kumimoji="0" lang="fr-FR" sz="2000" b="0" i="0" u="none" strike="noStrike" cap="none" normalizeH="0" baseline="0" dirty="0" smtClean="0">
+              <a:ln>
+                <a:noFill/>
+              </a:ln>
+              <a:solidFill>
+                <a:srgbClr val="5F5F5F"/>
+              </a:solidFill>
+              <a:effectLst/>
+              <a:latin typeface="Arial" charset="0"/>
+            </a:endParaRPr>
+          </a:p>
+        </p:txBody>
+      </p:sp>
+      <p:sp>
+        <p:nvSpPr>
+          <p:cNvPr id="11" name="ZoneTexte 10"/>
+          <p:cNvSpPr txBox="1"/>
+          <p:nvPr/>
+        </p:nvSpPr>
+        <p:spPr>
+          <a:xfrm>
+            <a:off x="5072066" y="3857628"/>
+            <a:ext cx="714380" cy="400110"/>
+          </a:xfrm>
+          <a:prstGeom prst="rect">
+            <a:avLst/>
+          </a:prstGeom>
+          <a:noFill/>
+        </p:spPr>
+        <p:txBody>
+          <a:bodyPr wrap="square" rtlCol="0">
+            <a:spAutoFit/>
+          </a:bodyPr>
+          <a:lstStyle/>
+          <a:p>
+            <a:r>
+              <a:rPr lang="fr-FR" sz="2000" dirty="0" smtClean="0"/>
+              <a:t>***</a:t>
+            </a:r>
+            <a:endParaRPr lang="fr-FR" sz="2000" dirty="0"/>
+          </a:p>
+        </p:txBody>
+      </p:sp>
+      <p:sp>
+        <p:nvSpPr>
+          <p:cNvPr id="12" name="Rectangle 11"/>
+          <p:cNvSpPr/>
+          <p:nvPr/>
+        </p:nvSpPr>
+        <p:spPr>
+          <a:xfrm>
+            <a:off x="4000496" y="4643446"/>
+            <a:ext cx="1866216" cy="307777"/>
+          </a:xfrm>
+          <a:prstGeom prst="rect">
+            <a:avLst/>
+          </a:prstGeom>
+        </p:spPr>
+        <p:txBody>
+          <a:bodyPr wrap="none">
+            <a:spAutoFit/>
+          </a:bodyPr>
+          <a:lstStyle/>
+          <a:p>
+            <a:r>
+              <a:rPr lang="fr-FR" b="1" dirty="0" smtClean="0"/>
+              <a:t>Exporter les graphs</a:t>
+            </a:r>
+            <a:endParaRPr lang="fr-FR" b="1" dirty="0"/>
+          </a:p>
+        </p:txBody>
+      </p:sp>
+      <p:sp>
+        <p:nvSpPr>
+          <p:cNvPr id="13" name="Rectangle 12"/>
+          <p:cNvSpPr/>
+          <p:nvPr/>
+        </p:nvSpPr>
+        <p:spPr>
+          <a:xfrm>
+            <a:off x="3977383" y="5214950"/>
+            <a:ext cx="880369" cy="307777"/>
+          </a:xfrm>
+          <a:prstGeom prst="rect">
+            <a:avLst/>
+          </a:prstGeom>
+        </p:spPr>
+        <p:txBody>
+          <a:bodyPr wrap="none">
+            <a:spAutoFit/>
+          </a:bodyPr>
+          <a:lstStyle/>
+          <a:p>
+            <a:r>
+              <a:rPr lang="fr-FR" b="1" dirty="0" smtClean="0"/>
+              <a:t>13/07/15</a:t>
+            </a:r>
+            <a:endParaRPr lang="fr-FR" b="1" dirty="0"/>
+          </a:p>
+        </p:txBody>
+      </p:sp>
+      <p:pic>
+        <p:nvPicPr>
+          <p:cNvPr id="1026" name="Picture 2" descr="C:\Program Files (x86)\Microsoft Office\MEDIA\CAGCAT10\j0302953.jpg"/>
+          <p:cNvPicPr>
+            <a:picLocks noChangeAspect="1" noChangeArrowheads="1"/>
+          </p:cNvPicPr>
+          <p:nvPr/>
+        </p:nvPicPr>
+        <p:blipFill>
+          <a:blip r:embed="rId2" cstate="print"/>
+          <a:srcRect/>
+          <a:stretch>
+            <a:fillRect/>
+          </a:stretch>
+        </p:blipFill>
+        <p:spPr bwMode="auto">
+          <a:xfrm>
+            <a:off x="5572132" y="5214950"/>
+            <a:ext cx="804478" cy="1127773"/>
+          </a:xfrm>
+          <a:prstGeom prst="rect">
+            <a:avLst/>
+          </a:prstGeom>
+          <a:noFill/>
+        </p:spPr>
+      </p:pic>
+    </p:spTree>
+  </p:cSld>
+  <p:clrMapOvr>
+    <a:masterClrMapping/>
+  </p:clrMapOvr>
+  <p:timing>
+    <p:tnLst>
+      <p:par>
+        <p:cTn id="1" dur="indefinite" restart="never" nodeType="tmRoot"/>
+      </p:par>
+    </p:tnLst>
+  </p:timing>
+</p:sld>
+</file>
+
+<file path=ppt/slides/slide16.xml><?xml version="1.0" encoding="utf-8"?>
+<p:sld xmlns:a="http://schemas.openxmlformats.org/drawingml/2006/main" xmlns:r="http://schemas.openxmlformats.org/officeDocument/2006/relationships" xmlns:p="http://schemas.openxmlformats.org/presentationml/2006/main">
+  <p:cSld>
+    <p:spTree>
+      <p:nvGrpSpPr>
+        <p:cNvPr id="1" name=""/>
+        <p:cNvGrpSpPr/>
+        <p:nvPr/>
+      </p:nvGrpSpPr>
+      <p:grpSpPr>
+        <a:xfrm>
+          <a:off x="0" y="0"/>
+          <a:ext cx="0" cy="0"/>
+          <a:chOff x="0" y="0"/>
+          <a:chExt cx="0" cy="0"/>
+        </a:xfrm>
+      </p:grpSpPr>
+      <p:sp>
+        <p:nvSpPr>
+          <p:cNvPr id="2" name="Espace réservé du numéro de diapositive 1"/>
+          <p:cNvSpPr>
+            <a:spLocks noGrp="1"/>
+          </p:cNvSpPr>
+          <p:nvPr>
+            <p:ph type="sldNum" sz="quarter" idx="10"/>
+          </p:nvPr>
+        </p:nvSpPr>
+        <p:spPr/>
+        <p:txBody>
+          <a:bodyPr/>
+          <a:lstStyle/>
+          <a:p>
+            <a:fld id="{0EEE55F7-AF7E-434C-A835-5D468B60A67C}" type="slidenum">
+              <a:rPr lang="fr-FR" smtClean="0"/>
+              <a:pPr/>
+              <a:t>16</a:t>
+            </a:fld>
+            <a:endParaRPr lang="fr-FR"/>
+          </a:p>
+        </p:txBody>
+      </p:sp>
+      <p:sp>
+        <p:nvSpPr>
+          <p:cNvPr id="3" name="Espace réservé du numéro de diapositive 1"/>
+          <p:cNvSpPr txBox="1">
+            <a:spLocks/>
+          </p:cNvSpPr>
+          <p:nvPr/>
+        </p:nvSpPr>
+        <p:spPr bwMode="auto">
+          <a:xfrm>
+            <a:off x="8277225" y="6477000"/>
+            <a:ext cx="719138" cy="323850"/>
+          </a:xfrm>
+          <a:prstGeom prst="rect">
+            <a:avLst/>
+          </a:prstGeom>
+          <a:noFill/>
+          <a:ln w="9525">
+            <a:noFill/>
+            <a:miter lim="800000"/>
+            <a:headEnd/>
+            <a:tailEnd/>
+          </a:ln>
+          <a:effectLst/>
+        </p:spPr>
+        <p:txBody>
+          <a:bodyPr vert="horz" wrap="square" lIns="91440" tIns="45720" rIns="91440" bIns="45720" numCol="1" anchor="t" anchorCtr="0" compatLnSpc="1">
+            <a:prstTxWarp prst="textNoShape">
+              <a:avLst/>
+            </a:prstTxWarp>
+          </a:bodyPr>
+          <a:lstStyle/>
+          <a:p>
+            <a:pPr marL="0" marR="0" lvl="0" indent="0" algn="r" defTabSz="914400" rtl="0" eaLnBrk="0" fontAlgn="base" latinLnBrk="0" hangingPunct="0">
+              <a:lnSpc>
+                <a:spcPct val="100000"/>
+              </a:lnSpc>
+              <a:spcBef>
+                <a:spcPct val="0"/>
+              </a:spcBef>
+              <a:spcAft>
+                <a:spcPct val="0"/>
+              </a:spcAft>
+              <a:buClrTx/>
+              <a:buSzTx/>
+              <a:buFontTx/>
+              <a:buNone/>
+              <a:tabLst/>
+              <a:defRPr/>
+            </a:pPr>
+            <a:fld id="{0EEE55F7-AF7E-434C-A835-5D468B60A67C}" type="slidenum">
+              <a:rPr kumimoji="0" lang="fr-FR" sz="1200" b="0" i="0" u="none" strike="noStrike" kern="1200" cap="none" spc="0" normalizeH="0" baseline="0" noProof="0" smtClean="0">
+                <a:ln>
+                  <a:noFill/>
+                </a:ln>
+                <a:solidFill>
+                  <a:srgbClr val="5F5F5F"/>
+                </a:solidFill>
+                <a:effectLst/>
+                <a:uLnTx/>
+                <a:uFillTx/>
+                <a:latin typeface="Arial" charset="0"/>
+                <a:ea typeface="+mn-ea"/>
+                <a:cs typeface="+mn-cs"/>
+              </a:rPr>
+              <a:pPr marL="0" marR="0" lvl="0" indent="0" algn="r" defTabSz="914400" rtl="0" eaLnBrk="0" fontAlgn="base" latinLnBrk="0" hangingPunct="0">
+                <a:lnSpc>
+                  <a:spcPct val="100000"/>
+                </a:lnSpc>
+                <a:spcBef>
+                  <a:spcPct val="0"/>
+                </a:spcBef>
+                <a:spcAft>
+                  <a:spcPct val="0"/>
+                </a:spcAft>
+                <a:buClrTx/>
+                <a:buSzTx/>
+                <a:buFontTx/>
+                <a:buNone/>
+                <a:tabLst/>
+                <a:defRPr/>
+              </a:pPr>
+              <a:t>16</a:t>
+            </a:fld>
+            <a:endParaRPr kumimoji="0" lang="fr-FR" sz="1200" b="0" i="0" u="none" strike="noStrike" kern="1200" cap="none" spc="0" normalizeH="0" baseline="0" noProof="0">
+              <a:ln>
+                <a:noFill/>
+              </a:ln>
+              <a:solidFill>
+                <a:srgbClr val="5F5F5F"/>
+              </a:solidFill>
+              <a:effectLst/>
+              <a:uLnTx/>
+              <a:uFillTx/>
+              <a:latin typeface="Arial" charset="0"/>
+              <a:ea typeface="+mn-ea"/>
+              <a:cs typeface="+mn-cs"/>
+            </a:endParaRPr>
+          </a:p>
+        </p:txBody>
+      </p:sp>
+      <p:sp>
+        <p:nvSpPr>
+          <p:cNvPr id="4" name="Espace réservé du numéro de diapositive 1"/>
+          <p:cNvSpPr txBox="1">
+            <a:spLocks/>
+          </p:cNvSpPr>
+          <p:nvPr/>
+        </p:nvSpPr>
+        <p:spPr bwMode="auto">
+          <a:xfrm>
+            <a:off x="8277225" y="6477000"/>
+            <a:ext cx="719138" cy="323850"/>
+          </a:xfrm>
+          <a:prstGeom prst="rect">
+            <a:avLst/>
+          </a:prstGeom>
+          <a:noFill/>
+          <a:ln w="9525">
+            <a:noFill/>
+            <a:miter lim="800000"/>
+            <a:headEnd/>
+            <a:tailEnd/>
+          </a:ln>
+          <a:effectLst/>
+        </p:spPr>
+        <p:txBody>
+          <a:bodyPr vert="horz" wrap="square" lIns="91440" tIns="45720" rIns="91440" bIns="45720" numCol="1" anchor="t" anchorCtr="0" compatLnSpc="1">
+            <a:prstTxWarp prst="textNoShape">
+              <a:avLst/>
+            </a:prstTxWarp>
+          </a:bodyPr>
+          <a:lstStyle/>
+          <a:p>
+            <a:pPr marL="0" marR="0" lvl="0" indent="0" algn="r" defTabSz="914400" rtl="0" eaLnBrk="0" fontAlgn="base" latinLnBrk="0" hangingPunct="0">
+              <a:lnSpc>
+                <a:spcPct val="100000"/>
+              </a:lnSpc>
+              <a:spcBef>
+                <a:spcPct val="0"/>
+              </a:spcBef>
+              <a:spcAft>
+                <a:spcPct val="0"/>
+              </a:spcAft>
+              <a:buClrTx/>
+              <a:buSzTx/>
+              <a:buFontTx/>
+              <a:buNone/>
+              <a:tabLst/>
+              <a:defRPr/>
+            </a:pPr>
+            <a:fld id="{0EEE55F7-AF7E-434C-A835-5D468B60A67C}" type="slidenum">
+              <a:rPr kumimoji="0" lang="fr-FR" sz="1200" b="0" i="0" u="none" strike="noStrike" kern="1200" cap="none" spc="0" normalizeH="0" baseline="0" noProof="0" smtClean="0">
+                <a:ln>
+                  <a:noFill/>
+                </a:ln>
+                <a:solidFill>
+                  <a:srgbClr val="5F5F5F"/>
+                </a:solidFill>
+                <a:effectLst/>
+                <a:uLnTx/>
+                <a:uFillTx/>
+                <a:latin typeface="Arial" charset="0"/>
+                <a:ea typeface="+mn-ea"/>
+                <a:cs typeface="+mn-cs"/>
+              </a:rPr>
+              <a:pPr marL="0" marR="0" lvl="0" indent="0" algn="r" defTabSz="914400" rtl="0" eaLnBrk="0" fontAlgn="base" latinLnBrk="0" hangingPunct="0">
+                <a:lnSpc>
+                  <a:spcPct val="100000"/>
+                </a:lnSpc>
+                <a:spcBef>
+                  <a:spcPct val="0"/>
+                </a:spcBef>
+                <a:spcAft>
+                  <a:spcPct val="0"/>
+                </a:spcAft>
+                <a:buClrTx/>
+                <a:buSzTx/>
+                <a:buFontTx/>
+                <a:buNone/>
+                <a:tabLst/>
+                <a:defRPr/>
+              </a:pPr>
+              <a:t>16</a:t>
+            </a:fld>
+            <a:endParaRPr kumimoji="0" lang="fr-FR" sz="1200" b="0" i="0" u="none" strike="noStrike" kern="1200" cap="none" spc="0" normalizeH="0" baseline="0" noProof="0">
+              <a:ln>
+                <a:noFill/>
+              </a:ln>
+              <a:solidFill>
+                <a:srgbClr val="5F5F5F"/>
+              </a:solidFill>
+              <a:effectLst/>
+              <a:uLnTx/>
+              <a:uFillTx/>
+              <a:latin typeface="Arial" charset="0"/>
+              <a:ea typeface="+mn-ea"/>
+              <a:cs typeface="+mn-cs"/>
+            </a:endParaRPr>
+          </a:p>
+        </p:txBody>
+      </p:sp>
+      <p:sp>
+        <p:nvSpPr>
+          <p:cNvPr id="5" name="Espace réservé du numéro de diapositive 1"/>
+          <p:cNvSpPr txBox="1">
+            <a:spLocks/>
+          </p:cNvSpPr>
+          <p:nvPr/>
+        </p:nvSpPr>
+        <p:spPr bwMode="auto">
+          <a:xfrm>
+            <a:off x="8277225" y="6477000"/>
+            <a:ext cx="719138" cy="323850"/>
+          </a:xfrm>
+          <a:prstGeom prst="rect">
+            <a:avLst/>
+          </a:prstGeom>
+          <a:noFill/>
+          <a:ln w="9525">
+            <a:noFill/>
+            <a:miter lim="800000"/>
+            <a:headEnd/>
+            <a:tailEnd/>
+          </a:ln>
+          <a:effectLst/>
+        </p:spPr>
+        <p:txBody>
+          <a:bodyPr vert="horz" wrap="square" lIns="91440" tIns="45720" rIns="91440" bIns="45720" numCol="1" anchor="t" anchorCtr="0" compatLnSpc="1">
+            <a:prstTxWarp prst="textNoShape">
+              <a:avLst/>
+            </a:prstTxWarp>
+          </a:bodyPr>
+          <a:lstStyle/>
+          <a:p>
+            <a:pPr marL="0" marR="0" lvl="0" indent="0" algn="r" defTabSz="914400" rtl="0" eaLnBrk="0" fontAlgn="base" latinLnBrk="0" hangingPunct="0">
+              <a:lnSpc>
+                <a:spcPct val="100000"/>
+              </a:lnSpc>
+              <a:spcBef>
+                <a:spcPct val="0"/>
+              </a:spcBef>
+              <a:spcAft>
+                <a:spcPct val="0"/>
+              </a:spcAft>
+              <a:buClrTx/>
+              <a:buSzTx/>
+              <a:buFontTx/>
+              <a:buNone/>
+              <a:tabLst/>
+              <a:defRPr/>
+            </a:pPr>
+            <a:fld id="{0EEE55F7-AF7E-434C-A835-5D468B60A67C}" type="slidenum">
+              <a:rPr kumimoji="0" lang="fr-FR" sz="1200" b="0" i="0" u="none" strike="noStrike" kern="1200" cap="none" spc="0" normalizeH="0" baseline="0" noProof="0" smtClean="0">
+                <a:ln>
+                  <a:noFill/>
+                </a:ln>
+                <a:solidFill>
+                  <a:srgbClr val="5F5F5F"/>
+                </a:solidFill>
+                <a:effectLst/>
+                <a:uLnTx/>
+                <a:uFillTx/>
+                <a:latin typeface="Arial" charset="0"/>
+                <a:ea typeface="+mn-ea"/>
+                <a:cs typeface="+mn-cs"/>
+              </a:rPr>
+              <a:pPr marL="0" marR="0" lvl="0" indent="0" algn="r" defTabSz="914400" rtl="0" eaLnBrk="0" fontAlgn="base" latinLnBrk="0" hangingPunct="0">
+                <a:lnSpc>
+                  <a:spcPct val="100000"/>
+                </a:lnSpc>
+                <a:spcBef>
+                  <a:spcPct val="0"/>
+                </a:spcBef>
+                <a:spcAft>
+                  <a:spcPct val="0"/>
+                </a:spcAft>
+                <a:buClrTx/>
+                <a:buSzTx/>
+                <a:buFontTx/>
+                <a:buNone/>
+                <a:tabLst/>
+                <a:defRPr/>
+              </a:pPr>
+              <a:t>16</a:t>
+            </a:fld>
+            <a:endParaRPr kumimoji="0" lang="fr-FR" sz="1200" b="0" i="0" u="none" strike="noStrike" kern="1200" cap="none" spc="0" normalizeH="0" baseline="0" noProof="0">
+              <a:ln>
+                <a:noFill/>
+              </a:ln>
+              <a:solidFill>
+                <a:srgbClr val="5F5F5F"/>
+              </a:solidFill>
+              <a:effectLst/>
+              <a:uLnTx/>
+              <a:uFillTx/>
+              <a:latin typeface="Arial" charset="0"/>
+              <a:ea typeface="+mn-ea"/>
+              <a:cs typeface="+mn-cs"/>
+            </a:endParaRPr>
+          </a:p>
+        </p:txBody>
+      </p:sp>
+      <p:sp>
+        <p:nvSpPr>
+          <p:cNvPr id="6" name="Titre 1"/>
+          <p:cNvSpPr txBox="1">
+            <a:spLocks/>
+          </p:cNvSpPr>
+          <p:nvPr/>
+        </p:nvSpPr>
+        <p:spPr>
+          <a:xfrm>
+            <a:off x="1219200" y="150813"/>
+            <a:ext cx="7788275" cy="608012"/>
+          </a:xfrm>
+          <a:prstGeom prst="rect">
+            <a:avLst/>
+          </a:prstGeom>
+        </p:spPr>
+        <p:txBody>
+          <a:bodyPr/>
+          <a:lstStyle/>
+          <a:p>
+            <a:pPr marL="0" marR="0" lvl="0" indent="0" algn="l" defTabSz="914400" rtl="0" eaLnBrk="1" fontAlgn="base" latinLnBrk="0" hangingPunct="1">
+              <a:lnSpc>
+                <a:spcPct val="100000"/>
+              </a:lnSpc>
+              <a:spcBef>
+                <a:spcPct val="0"/>
+              </a:spcBef>
+              <a:spcAft>
+                <a:spcPct val="0"/>
+              </a:spcAft>
+              <a:buClrTx/>
+              <a:buSzTx/>
+              <a:buFontTx/>
+              <a:buNone/>
+              <a:tabLst/>
+              <a:defRPr/>
+            </a:pPr>
+            <a:r>
+              <a:rPr kumimoji="0" lang="fr-FR" sz="2400" b="1" i="0" u="none" strike="noStrike" kern="0" cap="none" spc="0" normalizeH="0" baseline="0" noProof="0" smtClean="0">
+                <a:ln>
+                  <a:noFill/>
+                </a:ln>
+                <a:solidFill>
+                  <a:srgbClr val="5F5F5F"/>
+                </a:solidFill>
+                <a:effectLst/>
+                <a:uLnTx/>
+                <a:uFillTx/>
+                <a:latin typeface="+mj-lt"/>
+                <a:ea typeface="+mj-ea"/>
+                <a:cs typeface="+mj-cs"/>
+              </a:rPr>
+              <a:t>II – Techniques de gestion de projet</a:t>
+            </a:r>
+            <a:endParaRPr kumimoji="0" lang="fr-FR" sz="2400" b="1" i="0" u="none" strike="noStrike" kern="0" cap="none" spc="0" normalizeH="0" baseline="0" noProof="0" dirty="0">
+              <a:ln>
+                <a:noFill/>
+              </a:ln>
+              <a:solidFill>
+                <a:srgbClr val="5F5F5F"/>
+              </a:solidFill>
+              <a:effectLst/>
+              <a:uLnTx/>
+              <a:uFillTx/>
+              <a:latin typeface="+mj-lt"/>
+              <a:ea typeface="+mj-ea"/>
+              <a:cs typeface="+mj-cs"/>
+            </a:endParaRPr>
+          </a:p>
+        </p:txBody>
+      </p:sp>
+      <p:sp>
+        <p:nvSpPr>
+          <p:cNvPr id="7" name="Espace réservé du contenu 2"/>
+          <p:cNvSpPr txBox="1">
+            <a:spLocks/>
+          </p:cNvSpPr>
+          <p:nvPr/>
+        </p:nvSpPr>
+        <p:spPr>
+          <a:xfrm>
+            <a:off x="1187450" y="1125538"/>
+            <a:ext cx="7499350" cy="5000625"/>
+          </a:xfrm>
+          <a:prstGeom prst="rect">
+            <a:avLst/>
+          </a:prstGeom>
+        </p:spPr>
+        <p:txBody>
+          <a:bodyPr/>
+          <a:lstStyle/>
+          <a:p>
+            <a:pPr marL="571500" marR="0" lvl="0" indent="-342900" algn="l" defTabSz="914400" rtl="0" eaLnBrk="1" fontAlgn="base" latinLnBrk="0" hangingPunct="1">
+              <a:lnSpc>
+                <a:spcPct val="100000"/>
+              </a:lnSpc>
+              <a:spcBef>
+                <a:spcPct val="20000"/>
+              </a:spcBef>
+              <a:spcAft>
+                <a:spcPct val="0"/>
+              </a:spcAft>
+              <a:buClrTx/>
+              <a:buSzTx/>
+              <a:buFont typeface="Wingdings" pitchFamily="2" charset="2"/>
+              <a:buChar char="q"/>
+              <a:tabLst/>
+              <a:defRPr/>
+            </a:pPr>
+            <a:r>
+              <a:rPr kumimoji="0" lang="fr-FR" sz="2400" b="1" i="0" u="none" strike="noStrike" kern="0" cap="none" spc="0" normalizeH="0" baseline="0" noProof="0" smtClean="0">
+                <a:ln>
+                  <a:noFill/>
+                </a:ln>
+                <a:solidFill>
+                  <a:srgbClr val="5F5F5F"/>
+                </a:solidFill>
+                <a:effectLst/>
+                <a:uLnTx/>
+                <a:uFillTx/>
+                <a:latin typeface="+mn-lt"/>
+                <a:ea typeface="+mn-ea"/>
+                <a:cs typeface="+mn-cs"/>
+              </a:rPr>
+              <a:t>Le kanban :</a:t>
+            </a:r>
+          </a:p>
+          <a:p>
+            <a:pPr marL="1143000" marR="0" lvl="1" indent="-285750" algn="l" defTabSz="914400" rtl="0" eaLnBrk="1" fontAlgn="base" latinLnBrk="0" hangingPunct="1">
+              <a:lnSpc>
+                <a:spcPct val="100000"/>
+              </a:lnSpc>
+              <a:spcBef>
+                <a:spcPct val="20000"/>
+              </a:spcBef>
+              <a:spcAft>
+                <a:spcPct val="0"/>
+              </a:spcAft>
+              <a:buClr>
+                <a:srgbClr val="FFB30C"/>
+              </a:buClr>
+              <a:buSzTx/>
+              <a:buFont typeface="Wingdings" pitchFamily="2" charset="2"/>
+              <a:buChar char="Ø"/>
+              <a:tabLst/>
+              <a:defRPr/>
+            </a:pPr>
+            <a:r>
+              <a:rPr kumimoji="0" lang="fr-FR" sz="2000" b="1" i="0" u="none" strike="noStrike" kern="0" cap="none" spc="0" normalizeH="0" baseline="0" noProof="0" smtClean="0">
+                <a:ln>
+                  <a:noFill/>
+                </a:ln>
+                <a:solidFill>
+                  <a:srgbClr val="5F5F5F"/>
+                </a:solidFill>
+                <a:effectLst/>
+                <a:uLnTx/>
+                <a:uFillTx/>
+                <a:latin typeface="+mn-lt"/>
+              </a:rPr>
+              <a:t>Méthode agile</a:t>
+            </a:r>
+          </a:p>
+          <a:p>
+            <a:pPr marL="1143000" marR="0" lvl="1" indent="-285750" algn="l" defTabSz="914400" rtl="0" eaLnBrk="1" fontAlgn="base" latinLnBrk="0" hangingPunct="1">
+              <a:lnSpc>
+                <a:spcPct val="100000"/>
+              </a:lnSpc>
+              <a:spcBef>
+                <a:spcPct val="20000"/>
+              </a:spcBef>
+              <a:spcAft>
+                <a:spcPct val="0"/>
+              </a:spcAft>
+              <a:buClr>
+                <a:srgbClr val="FFB30C"/>
+              </a:buClr>
+              <a:buSzTx/>
+              <a:buFont typeface="Wingdings" pitchFamily="2" charset="2"/>
+              <a:buChar char="Ø"/>
+              <a:tabLst/>
+              <a:defRPr/>
+            </a:pPr>
+            <a:r>
+              <a:rPr kumimoji="0" lang="fr-FR" sz="2000" b="1" i="0" u="none" strike="noStrike" kern="0" cap="none" spc="0" normalizeH="0" baseline="0" noProof="0" smtClean="0">
+                <a:ln>
+                  <a:noFill/>
+                </a:ln>
+                <a:solidFill>
+                  <a:srgbClr val="5F5F5F"/>
+                </a:solidFill>
+                <a:effectLst/>
+                <a:uLnTx/>
+                <a:uFillTx/>
+                <a:latin typeface="+mn-lt"/>
+              </a:rPr>
+              <a:t>Adaptée pour plusieurs projets informatiques</a:t>
+            </a:r>
+          </a:p>
+          <a:p>
+            <a:pPr marL="571500" marR="0" lvl="0" indent="-342900" algn="l" defTabSz="914400" rtl="0" eaLnBrk="1" fontAlgn="base" latinLnBrk="0" hangingPunct="1">
+              <a:lnSpc>
+                <a:spcPct val="100000"/>
+              </a:lnSpc>
+              <a:spcBef>
+                <a:spcPct val="20000"/>
+              </a:spcBef>
+              <a:spcAft>
+                <a:spcPct val="0"/>
+              </a:spcAft>
+              <a:buClrTx/>
+              <a:buSzTx/>
+              <a:buFont typeface="Wingdings" pitchFamily="2" charset="2"/>
+              <a:buChar char="q"/>
+              <a:tabLst/>
+              <a:defRPr/>
+            </a:pPr>
+            <a:r>
+              <a:rPr kumimoji="0" lang="fr-FR" sz="2400" b="1" i="0" u="none" strike="noStrike" kern="0" cap="none" spc="0" normalizeH="0" baseline="0" noProof="0" smtClean="0">
+                <a:ln>
+                  <a:noFill/>
+                </a:ln>
+                <a:solidFill>
+                  <a:srgbClr val="5F5F5F"/>
+                </a:solidFill>
+                <a:effectLst/>
+                <a:uLnTx/>
+                <a:uFillTx/>
+                <a:latin typeface="+mn-lt"/>
+                <a:ea typeface="+mn-ea"/>
+                <a:cs typeface="+mn-cs"/>
+              </a:rPr>
+              <a:t>Les étapes du Kanban :</a:t>
+            </a:r>
+          </a:p>
+          <a:p>
+            <a:pPr marL="1143000" marR="0" lvl="1" indent="-285750" algn="l" defTabSz="914400" rtl="0" eaLnBrk="1" fontAlgn="base" latinLnBrk="0" hangingPunct="1">
+              <a:lnSpc>
+                <a:spcPct val="100000"/>
+              </a:lnSpc>
+              <a:spcBef>
+                <a:spcPct val="20000"/>
+              </a:spcBef>
+              <a:spcAft>
+                <a:spcPct val="0"/>
+              </a:spcAft>
+              <a:buClr>
+                <a:srgbClr val="FFB30C"/>
+              </a:buClr>
+              <a:buSzTx/>
+              <a:buFont typeface="Wingdings" pitchFamily="2" charset="2"/>
+              <a:buNone/>
+              <a:tabLst/>
+              <a:defRPr/>
+            </a:pPr>
+            <a:endParaRPr kumimoji="0" lang="fr-FR" sz="2000" b="1" i="0" u="none" strike="noStrike" kern="0" cap="none" spc="0" normalizeH="0" baseline="0" noProof="0" dirty="0" smtClean="0">
+              <a:ln>
+                <a:noFill/>
+              </a:ln>
+              <a:solidFill>
+                <a:srgbClr val="5F5F5F"/>
+              </a:solidFill>
+              <a:effectLst/>
+              <a:uLnTx/>
+              <a:uFillTx/>
+              <a:latin typeface="+mn-lt"/>
+            </a:endParaRPr>
+          </a:p>
+        </p:txBody>
+      </p:sp>
+      <p:sp>
+        <p:nvSpPr>
+          <p:cNvPr id="8" name="Espace réservé du numéro de diapositive 3"/>
+          <p:cNvSpPr txBox="1">
+            <a:spLocks/>
+          </p:cNvSpPr>
+          <p:nvPr/>
+        </p:nvSpPr>
+        <p:spPr bwMode="auto">
+          <a:xfrm>
+            <a:off x="8277225" y="6477000"/>
+            <a:ext cx="719138" cy="323850"/>
+          </a:xfrm>
+          <a:prstGeom prst="rect">
+            <a:avLst/>
+          </a:prstGeom>
+          <a:noFill/>
+          <a:ln w="9525">
+            <a:noFill/>
+            <a:miter lim="800000"/>
+            <a:headEnd/>
+            <a:tailEnd/>
+          </a:ln>
+          <a:effectLst/>
+        </p:spPr>
+        <p:txBody>
+          <a:bodyPr vert="horz" wrap="square" lIns="91440" tIns="45720" rIns="91440" bIns="45720" numCol="1" anchor="t" anchorCtr="0" compatLnSpc="1">
+            <a:prstTxWarp prst="textNoShape">
+              <a:avLst/>
+            </a:prstTxWarp>
+          </a:bodyPr>
+          <a:lstStyle/>
+          <a:p>
+            <a:pPr marL="0" marR="0" lvl="0" indent="0" algn="r" defTabSz="914400" rtl="0" eaLnBrk="0" fontAlgn="base" latinLnBrk="0" hangingPunct="0">
+              <a:lnSpc>
+                <a:spcPct val="100000"/>
+              </a:lnSpc>
+              <a:spcBef>
+                <a:spcPct val="0"/>
+              </a:spcBef>
+              <a:spcAft>
+                <a:spcPct val="0"/>
+              </a:spcAft>
+              <a:buClrTx/>
+              <a:buSzTx/>
+              <a:buFontTx/>
+              <a:buNone/>
+              <a:tabLst/>
+              <a:defRPr/>
+            </a:pPr>
+            <a:fld id="{228977EE-2505-4E01-83E6-F24DDA98A02D}" type="slidenum">
+              <a:rPr kumimoji="0" lang="fr-FR" sz="1200" b="0" i="0" u="none" strike="noStrike" kern="1200" cap="none" spc="0" normalizeH="0" baseline="0" noProof="0" smtClean="0">
+                <a:ln>
+                  <a:noFill/>
+                </a:ln>
+                <a:solidFill>
+                  <a:srgbClr val="5F5F5F"/>
+                </a:solidFill>
+                <a:effectLst/>
+                <a:uLnTx/>
+                <a:uFillTx/>
+                <a:latin typeface="Arial" charset="0"/>
+                <a:ea typeface="+mn-ea"/>
+                <a:cs typeface="+mn-cs"/>
+              </a:rPr>
+              <a:pPr marL="0" marR="0" lvl="0" indent="0" algn="r" defTabSz="914400" rtl="0" eaLnBrk="0" fontAlgn="base" latinLnBrk="0" hangingPunct="0">
+                <a:lnSpc>
+                  <a:spcPct val="100000"/>
+                </a:lnSpc>
+                <a:spcBef>
+                  <a:spcPct val="0"/>
+                </a:spcBef>
+                <a:spcAft>
+                  <a:spcPct val="0"/>
+                </a:spcAft>
+                <a:buClrTx/>
+                <a:buSzTx/>
+                <a:buFontTx/>
+                <a:buNone/>
+                <a:tabLst/>
+                <a:defRPr/>
+              </a:pPr>
+              <a:t>16</a:t>
+            </a:fld>
+            <a:endParaRPr kumimoji="0" lang="fr-FR" sz="1200" b="0" i="0" u="none" strike="noStrike" kern="1200" cap="none" spc="0" normalizeH="0" baseline="0" noProof="0">
+              <a:ln>
+                <a:noFill/>
+              </a:ln>
+              <a:solidFill>
+                <a:srgbClr val="5F5F5F"/>
+              </a:solidFill>
+              <a:effectLst/>
+              <a:uLnTx/>
+              <a:uFillTx/>
+              <a:latin typeface="Arial" charset="0"/>
+              <a:ea typeface="+mn-ea"/>
+              <a:cs typeface="+mn-cs"/>
+            </a:endParaRPr>
+          </a:p>
+        </p:txBody>
+      </p:sp>
+      <p:sp>
+        <p:nvSpPr>
+          <p:cNvPr id="9" name="Carré corné 8"/>
+          <p:cNvSpPr/>
+          <p:nvPr/>
+        </p:nvSpPr>
+        <p:spPr bwMode="auto">
+          <a:xfrm rot="10800000">
+            <a:off x="3714744" y="3714752"/>
+            <a:ext cx="2428892" cy="2071702"/>
+          </a:xfrm>
+          <a:prstGeom prst="foldedCorner">
+            <a:avLst/>
+          </a:prstGeom>
+          <a:solidFill>
+            <a:srgbClr val="FFFF00"/>
+          </a:solidFill>
+          <a:ln w="9525" cap="flat" cmpd="sng" algn="ctr">
+            <a:noFill/>
+            <a:prstDash val="solid"/>
+            <a:round/>
+            <a:headEnd type="none" w="med" len="med"/>
+            <a:tailEnd type="none" w="med" len="med"/>
+          </a:ln>
+          <a:effectLst/>
+        </p:spPr>
+        <p:txBody>
+          <a:bodyPr vert="horz" wrap="square" lIns="91440" tIns="45720" rIns="91440" bIns="45720" numCol="1" rtlCol="0" anchor="t" anchorCtr="0" compatLnSpc="1">
+            <a:prstTxWarp prst="textNoShape">
+              <a:avLst/>
+            </a:prstTxWarp>
+          </a:bodyPr>
+          <a:lstStyle/>
+          <a:p>
+            <a:pPr marL="0" marR="0" indent="0" algn="ctr" defTabSz="914400" rtl="0" eaLnBrk="0" fontAlgn="base" latinLnBrk="0" hangingPunct="0">
+              <a:lnSpc>
+                <a:spcPct val="100000"/>
+              </a:lnSpc>
+              <a:spcBef>
+                <a:spcPct val="0"/>
+              </a:spcBef>
+              <a:spcAft>
+                <a:spcPct val="0"/>
+              </a:spcAft>
+              <a:buClrTx/>
+              <a:buSzTx/>
+              <a:buFontTx/>
+              <a:buNone/>
+              <a:tabLst/>
+            </a:pPr>
+            <a:endParaRPr kumimoji="0" lang="fr-FR" sz="1400" b="0" i="0" u="none" strike="noStrike" cap="none" normalizeH="0" baseline="0" dirty="0" smtClean="0">
+              <a:ln>
+                <a:noFill/>
+              </a:ln>
+              <a:solidFill>
+                <a:srgbClr val="5F5F5F"/>
+              </a:solidFill>
+              <a:effectLst/>
+              <a:latin typeface="Arial" charset="0"/>
+            </a:endParaRPr>
+          </a:p>
+        </p:txBody>
+      </p:sp>
+      <p:sp>
+        <p:nvSpPr>
+          <p:cNvPr id="10" name="ZoneTexte 9"/>
+          <p:cNvSpPr txBox="1"/>
+          <p:nvPr/>
+        </p:nvSpPr>
+        <p:spPr>
+          <a:xfrm>
+            <a:off x="3857620" y="3857628"/>
+            <a:ext cx="1143008" cy="307777"/>
+          </a:xfrm>
+          <a:prstGeom prst="rect">
+            <a:avLst/>
+          </a:prstGeom>
+          <a:noFill/>
+        </p:spPr>
+        <p:txBody>
+          <a:bodyPr wrap="square" rtlCol="0">
+            <a:spAutoFit/>
+          </a:bodyPr>
+          <a:lstStyle/>
+          <a:p>
+            <a:r>
+              <a:rPr lang="fr-FR" b="1" dirty="0" smtClean="0"/>
+              <a:t>NGL-714</a:t>
+            </a:r>
+            <a:endParaRPr lang="fr-FR" b="1" dirty="0"/>
+          </a:p>
+        </p:txBody>
+      </p:sp>
+      <p:sp>
+        <p:nvSpPr>
+          <p:cNvPr id="11" name="Rectangle 10"/>
+          <p:cNvSpPr/>
+          <p:nvPr/>
+        </p:nvSpPr>
+        <p:spPr bwMode="auto">
+          <a:xfrm>
+            <a:off x="3214678" y="3000372"/>
+            <a:ext cx="3286148" cy="428628"/>
+          </a:xfrm>
+          <a:prstGeom prst="rect">
+            <a:avLst/>
+          </a:prstGeom>
+          <a:noFill/>
+          <a:ln w="28575" cap="flat" cmpd="sng" algn="ctr">
+            <a:solidFill>
+              <a:schemeClr val="accent1"/>
+            </a:solidFill>
+            <a:prstDash val="solid"/>
+            <a:round/>
+            <a:headEnd type="none" w="med" len="med"/>
+            <a:tailEnd type="none" w="med" len="med"/>
+          </a:ln>
+          <a:effectLst/>
+        </p:spPr>
+        <p:txBody>
+          <a:bodyPr vert="horz" wrap="square" lIns="91440" tIns="45720" rIns="91440" bIns="45720" numCol="1" rtlCol="0" anchor="t" anchorCtr="0" compatLnSpc="1">
+            <a:prstTxWarp prst="textNoShape">
+              <a:avLst/>
+            </a:prstTxWarp>
+          </a:bodyPr>
+          <a:lstStyle/>
+          <a:p>
+            <a:pPr marL="0" marR="0" indent="0" algn="ctr" defTabSz="914400" rtl="0" eaLnBrk="0" fontAlgn="base" latinLnBrk="0" hangingPunct="0">
+              <a:lnSpc>
+                <a:spcPct val="100000"/>
+              </a:lnSpc>
+              <a:spcBef>
+                <a:spcPct val="0"/>
+              </a:spcBef>
+              <a:spcAft>
+                <a:spcPct val="0"/>
+              </a:spcAft>
+              <a:buClrTx/>
+              <a:buSzTx/>
+              <a:buFontTx/>
+              <a:buNone/>
+              <a:tabLst/>
+            </a:pPr>
+            <a:r>
+              <a:rPr kumimoji="0" lang="fr-FR" sz="2000" b="0" i="0" u="none" strike="noStrike" cap="none" normalizeH="0" baseline="0" dirty="0" smtClean="0">
+                <a:ln>
+                  <a:noFill/>
+                </a:ln>
+                <a:solidFill>
+                  <a:srgbClr val="5F5F5F"/>
+                </a:solidFill>
+                <a:effectLst/>
+                <a:latin typeface="Arial" charset="0"/>
+              </a:rPr>
+              <a:t>IN REALISATION</a:t>
+            </a:r>
+            <a:endParaRPr kumimoji="0" lang="fr-FR" sz="2000" b="0" i="0" u="none" strike="noStrike" cap="none" normalizeH="0" baseline="0" dirty="0" smtClean="0">
+              <a:ln>
+                <a:noFill/>
+              </a:ln>
+              <a:solidFill>
+                <a:srgbClr val="5F5F5F"/>
+              </a:solidFill>
+              <a:effectLst/>
+              <a:latin typeface="Arial" charset="0"/>
+            </a:endParaRPr>
+          </a:p>
+        </p:txBody>
+      </p:sp>
+      <p:sp>
+        <p:nvSpPr>
+          <p:cNvPr id="12" name="ZoneTexte 11"/>
+          <p:cNvSpPr txBox="1"/>
+          <p:nvPr/>
+        </p:nvSpPr>
+        <p:spPr>
+          <a:xfrm>
+            <a:off x="5072066" y="3857628"/>
+            <a:ext cx="714380" cy="400110"/>
+          </a:xfrm>
+          <a:prstGeom prst="rect">
+            <a:avLst/>
+          </a:prstGeom>
+          <a:noFill/>
+        </p:spPr>
+        <p:txBody>
+          <a:bodyPr wrap="square" rtlCol="0">
+            <a:spAutoFit/>
+          </a:bodyPr>
+          <a:lstStyle/>
+          <a:p>
+            <a:r>
+              <a:rPr lang="fr-FR" sz="2000" dirty="0" smtClean="0"/>
+              <a:t>***</a:t>
+            </a:r>
+            <a:endParaRPr lang="fr-FR" sz="2000" dirty="0"/>
+          </a:p>
+        </p:txBody>
+      </p:sp>
+      <p:sp>
+        <p:nvSpPr>
+          <p:cNvPr id="13" name="Rectangle 12"/>
+          <p:cNvSpPr/>
+          <p:nvPr/>
+        </p:nvSpPr>
+        <p:spPr>
+          <a:xfrm>
+            <a:off x="4000496" y="4643446"/>
+            <a:ext cx="1866216" cy="307777"/>
+          </a:xfrm>
+          <a:prstGeom prst="rect">
+            <a:avLst/>
+          </a:prstGeom>
+        </p:spPr>
+        <p:txBody>
+          <a:bodyPr wrap="none">
+            <a:spAutoFit/>
+          </a:bodyPr>
+          <a:lstStyle/>
+          <a:p>
+            <a:r>
+              <a:rPr lang="fr-FR" b="1" dirty="0" smtClean="0"/>
+              <a:t>Exporter les graphs</a:t>
+            </a:r>
+            <a:endParaRPr lang="fr-FR" b="1" dirty="0"/>
+          </a:p>
+        </p:txBody>
+      </p:sp>
+      <p:sp>
+        <p:nvSpPr>
+          <p:cNvPr id="14" name="Rectangle 13"/>
+          <p:cNvSpPr/>
+          <p:nvPr/>
+        </p:nvSpPr>
+        <p:spPr>
+          <a:xfrm>
+            <a:off x="3977383" y="5214950"/>
+            <a:ext cx="880369" cy="307777"/>
+          </a:xfrm>
+          <a:prstGeom prst="rect">
+            <a:avLst/>
+          </a:prstGeom>
+        </p:spPr>
+        <p:txBody>
+          <a:bodyPr wrap="none">
+            <a:spAutoFit/>
+          </a:bodyPr>
+          <a:lstStyle/>
+          <a:p>
+            <a:r>
+              <a:rPr lang="fr-FR" b="1" dirty="0" smtClean="0"/>
+              <a:t>13/07/15</a:t>
+            </a:r>
+            <a:endParaRPr lang="fr-FR" b="1" dirty="0"/>
+          </a:p>
+        </p:txBody>
+      </p:sp>
+      <p:pic>
+        <p:nvPicPr>
+          <p:cNvPr id="15" name="Picture 2" descr="C:\Program Files (x86)\Microsoft Office\MEDIA\CAGCAT10\j0302953.jpg"/>
+          <p:cNvPicPr>
+            <a:picLocks noChangeAspect="1" noChangeArrowheads="1"/>
+          </p:cNvPicPr>
+          <p:nvPr/>
+        </p:nvPicPr>
+        <p:blipFill>
+          <a:blip r:embed="rId2" cstate="print"/>
+          <a:srcRect/>
+          <a:stretch>
+            <a:fillRect/>
+          </a:stretch>
+        </p:blipFill>
+        <p:spPr bwMode="auto">
+          <a:xfrm>
+            <a:off x="5572132" y="5214950"/>
+            <a:ext cx="804478" cy="1127773"/>
+          </a:xfrm>
+          <a:prstGeom prst="rect">
+            <a:avLst/>
+          </a:prstGeom>
+          <a:noFill/>
+        </p:spPr>
+      </p:pic>
+    </p:spTree>
+  </p:cSld>
+  <p:clrMapOvr>
+    <a:masterClrMapping/>
+  </p:clrMapOvr>
+</p:sld>
+</file>
+
+<file path=ppt/slides/slide17.xml><?xml version="1.0" encoding="utf-8"?>
+<p:sld xmlns:a="http://schemas.openxmlformats.org/drawingml/2006/main" xmlns:r="http://schemas.openxmlformats.org/officeDocument/2006/relationships" xmlns:p="http://schemas.openxmlformats.org/presentationml/2006/main">
+  <p:cSld>
+    <p:spTree>
+      <p:nvGrpSpPr>
+        <p:cNvPr id="1" name=""/>
+        <p:cNvGrpSpPr/>
+        <p:nvPr/>
+      </p:nvGrpSpPr>
+      <p:grpSpPr>
+        <a:xfrm>
+          <a:off x="0" y="0"/>
+          <a:ext cx="0" cy="0"/>
+          <a:chOff x="0" y="0"/>
+          <a:chExt cx="0" cy="0"/>
+        </a:xfrm>
+      </p:grpSpPr>
+      <p:sp>
+        <p:nvSpPr>
+          <p:cNvPr id="2" name="Espace réservé du numéro de diapositive 1"/>
+          <p:cNvSpPr>
+            <a:spLocks noGrp="1"/>
+          </p:cNvSpPr>
+          <p:nvPr>
+            <p:ph type="sldNum" sz="quarter" idx="10"/>
+          </p:nvPr>
+        </p:nvSpPr>
+        <p:spPr/>
+        <p:txBody>
+          <a:bodyPr/>
+          <a:lstStyle/>
+          <a:p>
+            <a:fld id="{0EEE55F7-AF7E-434C-A835-5D468B60A67C}" type="slidenum">
+              <a:rPr lang="fr-FR" smtClean="0"/>
+              <a:pPr/>
+              <a:t>17</a:t>
+            </a:fld>
+            <a:endParaRPr lang="fr-FR"/>
+          </a:p>
+        </p:txBody>
+      </p:sp>
+      <p:sp>
+        <p:nvSpPr>
+          <p:cNvPr id="3" name="Espace réservé du numéro de diapositive 1"/>
+          <p:cNvSpPr txBox="1">
+            <a:spLocks/>
+          </p:cNvSpPr>
+          <p:nvPr/>
+        </p:nvSpPr>
+        <p:spPr bwMode="auto">
+          <a:xfrm>
+            <a:off x="8277225" y="6477000"/>
+            <a:ext cx="719138" cy="323850"/>
+          </a:xfrm>
+          <a:prstGeom prst="rect">
+            <a:avLst/>
+          </a:prstGeom>
+          <a:noFill/>
+          <a:ln w="9525">
+            <a:noFill/>
+            <a:miter lim="800000"/>
+            <a:headEnd/>
+            <a:tailEnd/>
+          </a:ln>
+          <a:effectLst/>
+        </p:spPr>
+        <p:txBody>
+          <a:bodyPr vert="horz" wrap="square" lIns="91440" tIns="45720" rIns="91440" bIns="45720" numCol="1" anchor="t" anchorCtr="0" compatLnSpc="1">
+            <a:prstTxWarp prst="textNoShape">
+              <a:avLst/>
+            </a:prstTxWarp>
+          </a:bodyPr>
+          <a:lstStyle/>
+          <a:p>
+            <a:pPr marL="0" marR="0" lvl="0" indent="0" algn="r" defTabSz="914400" rtl="0" eaLnBrk="0" fontAlgn="base" latinLnBrk="0" hangingPunct="0">
+              <a:lnSpc>
+                <a:spcPct val="100000"/>
+              </a:lnSpc>
+              <a:spcBef>
+                <a:spcPct val="0"/>
+              </a:spcBef>
+              <a:spcAft>
+                <a:spcPct val="0"/>
+              </a:spcAft>
+              <a:buClrTx/>
+              <a:buSzTx/>
+              <a:buFontTx/>
+              <a:buNone/>
+              <a:tabLst/>
+              <a:defRPr/>
+            </a:pPr>
+            <a:fld id="{0EEE55F7-AF7E-434C-A835-5D468B60A67C}" type="slidenum">
+              <a:rPr kumimoji="0" lang="fr-FR" sz="1200" b="0" i="0" u="none" strike="noStrike" kern="1200" cap="none" spc="0" normalizeH="0" baseline="0" noProof="0" smtClean="0">
+                <a:ln>
+                  <a:noFill/>
+                </a:ln>
+                <a:solidFill>
+                  <a:srgbClr val="5F5F5F"/>
+                </a:solidFill>
+                <a:effectLst/>
+                <a:uLnTx/>
+                <a:uFillTx/>
+                <a:latin typeface="Arial" charset="0"/>
+                <a:ea typeface="+mn-ea"/>
+                <a:cs typeface="+mn-cs"/>
+              </a:rPr>
+              <a:pPr marL="0" marR="0" lvl="0" indent="0" algn="r" defTabSz="914400" rtl="0" eaLnBrk="0" fontAlgn="base" latinLnBrk="0" hangingPunct="0">
+                <a:lnSpc>
+                  <a:spcPct val="100000"/>
+                </a:lnSpc>
+                <a:spcBef>
+                  <a:spcPct val="0"/>
+                </a:spcBef>
+                <a:spcAft>
+                  <a:spcPct val="0"/>
+                </a:spcAft>
+                <a:buClrTx/>
+                <a:buSzTx/>
+                <a:buFontTx/>
+                <a:buNone/>
+                <a:tabLst/>
+                <a:defRPr/>
+              </a:pPr>
+              <a:t>17</a:t>
+            </a:fld>
+            <a:endParaRPr kumimoji="0" lang="fr-FR" sz="1200" b="0" i="0" u="none" strike="noStrike" kern="1200" cap="none" spc="0" normalizeH="0" baseline="0" noProof="0">
+              <a:ln>
+                <a:noFill/>
+              </a:ln>
+              <a:solidFill>
+                <a:srgbClr val="5F5F5F"/>
+              </a:solidFill>
+              <a:effectLst/>
+              <a:uLnTx/>
+              <a:uFillTx/>
+              <a:latin typeface="Arial" charset="0"/>
+              <a:ea typeface="+mn-ea"/>
+              <a:cs typeface="+mn-cs"/>
+            </a:endParaRPr>
+          </a:p>
+        </p:txBody>
+      </p:sp>
+      <p:sp>
+        <p:nvSpPr>
+          <p:cNvPr id="4" name="Espace réservé du numéro de diapositive 1"/>
+          <p:cNvSpPr txBox="1">
+            <a:spLocks/>
+          </p:cNvSpPr>
+          <p:nvPr/>
+        </p:nvSpPr>
+        <p:spPr bwMode="auto">
+          <a:xfrm>
+            <a:off x="8277225" y="6477000"/>
+            <a:ext cx="719138" cy="323850"/>
+          </a:xfrm>
+          <a:prstGeom prst="rect">
+            <a:avLst/>
+          </a:prstGeom>
+          <a:noFill/>
+          <a:ln w="9525">
+            <a:noFill/>
+            <a:miter lim="800000"/>
+            <a:headEnd/>
+            <a:tailEnd/>
+          </a:ln>
+          <a:effectLst/>
+        </p:spPr>
+        <p:txBody>
+          <a:bodyPr vert="horz" wrap="square" lIns="91440" tIns="45720" rIns="91440" bIns="45720" numCol="1" anchor="t" anchorCtr="0" compatLnSpc="1">
+            <a:prstTxWarp prst="textNoShape">
+              <a:avLst/>
+            </a:prstTxWarp>
+          </a:bodyPr>
+          <a:lstStyle/>
+          <a:p>
+            <a:pPr marL="0" marR="0" lvl="0" indent="0" algn="r" defTabSz="914400" rtl="0" eaLnBrk="0" fontAlgn="base" latinLnBrk="0" hangingPunct="0">
+              <a:lnSpc>
+                <a:spcPct val="100000"/>
+              </a:lnSpc>
+              <a:spcBef>
+                <a:spcPct val="0"/>
+              </a:spcBef>
+              <a:spcAft>
+                <a:spcPct val="0"/>
+              </a:spcAft>
+              <a:buClrTx/>
+              <a:buSzTx/>
+              <a:buFontTx/>
+              <a:buNone/>
+              <a:tabLst/>
+              <a:defRPr/>
+            </a:pPr>
+            <a:fld id="{0EEE55F7-AF7E-434C-A835-5D468B60A67C}" type="slidenum">
+              <a:rPr kumimoji="0" lang="fr-FR" sz="1200" b="0" i="0" u="none" strike="noStrike" kern="1200" cap="none" spc="0" normalizeH="0" baseline="0" noProof="0" smtClean="0">
+                <a:ln>
+                  <a:noFill/>
+                </a:ln>
+                <a:solidFill>
+                  <a:srgbClr val="5F5F5F"/>
+                </a:solidFill>
+                <a:effectLst/>
+                <a:uLnTx/>
+                <a:uFillTx/>
+                <a:latin typeface="Arial" charset="0"/>
+                <a:ea typeface="+mn-ea"/>
+                <a:cs typeface="+mn-cs"/>
+              </a:rPr>
+              <a:pPr marL="0" marR="0" lvl="0" indent="0" algn="r" defTabSz="914400" rtl="0" eaLnBrk="0" fontAlgn="base" latinLnBrk="0" hangingPunct="0">
+                <a:lnSpc>
+                  <a:spcPct val="100000"/>
+                </a:lnSpc>
+                <a:spcBef>
+                  <a:spcPct val="0"/>
+                </a:spcBef>
+                <a:spcAft>
+                  <a:spcPct val="0"/>
+                </a:spcAft>
+                <a:buClrTx/>
+                <a:buSzTx/>
+                <a:buFontTx/>
+                <a:buNone/>
+                <a:tabLst/>
+                <a:defRPr/>
+              </a:pPr>
+              <a:t>17</a:t>
+            </a:fld>
+            <a:endParaRPr kumimoji="0" lang="fr-FR" sz="1200" b="0" i="0" u="none" strike="noStrike" kern="1200" cap="none" spc="0" normalizeH="0" baseline="0" noProof="0">
+              <a:ln>
+                <a:noFill/>
+              </a:ln>
+              <a:solidFill>
+                <a:srgbClr val="5F5F5F"/>
+              </a:solidFill>
+              <a:effectLst/>
+              <a:uLnTx/>
+              <a:uFillTx/>
+              <a:latin typeface="Arial" charset="0"/>
+              <a:ea typeface="+mn-ea"/>
+              <a:cs typeface="+mn-cs"/>
+            </a:endParaRPr>
+          </a:p>
+        </p:txBody>
+      </p:sp>
+      <p:sp>
+        <p:nvSpPr>
+          <p:cNvPr id="5" name="Espace réservé du numéro de diapositive 1"/>
+          <p:cNvSpPr txBox="1">
+            <a:spLocks/>
+          </p:cNvSpPr>
+          <p:nvPr/>
+        </p:nvSpPr>
+        <p:spPr bwMode="auto">
+          <a:xfrm>
+            <a:off x="8277225" y="6477000"/>
+            <a:ext cx="719138" cy="323850"/>
+          </a:xfrm>
+          <a:prstGeom prst="rect">
+            <a:avLst/>
+          </a:prstGeom>
+          <a:noFill/>
+          <a:ln w="9525">
+            <a:noFill/>
+            <a:miter lim="800000"/>
+            <a:headEnd/>
+            <a:tailEnd/>
+          </a:ln>
+          <a:effectLst/>
+        </p:spPr>
+        <p:txBody>
+          <a:bodyPr vert="horz" wrap="square" lIns="91440" tIns="45720" rIns="91440" bIns="45720" numCol="1" anchor="t" anchorCtr="0" compatLnSpc="1">
+            <a:prstTxWarp prst="textNoShape">
+              <a:avLst/>
+            </a:prstTxWarp>
+          </a:bodyPr>
+          <a:lstStyle/>
+          <a:p>
+            <a:pPr marL="0" marR="0" lvl="0" indent="0" algn="r" defTabSz="914400" rtl="0" eaLnBrk="0" fontAlgn="base" latinLnBrk="0" hangingPunct="0">
+              <a:lnSpc>
+                <a:spcPct val="100000"/>
+              </a:lnSpc>
+              <a:spcBef>
+                <a:spcPct val="0"/>
+              </a:spcBef>
+              <a:spcAft>
+                <a:spcPct val="0"/>
+              </a:spcAft>
+              <a:buClrTx/>
+              <a:buSzTx/>
+              <a:buFontTx/>
+              <a:buNone/>
+              <a:tabLst/>
+              <a:defRPr/>
+            </a:pPr>
+            <a:fld id="{0EEE55F7-AF7E-434C-A835-5D468B60A67C}" type="slidenum">
+              <a:rPr kumimoji="0" lang="fr-FR" sz="1200" b="0" i="0" u="none" strike="noStrike" kern="1200" cap="none" spc="0" normalizeH="0" baseline="0" noProof="0" smtClean="0">
+                <a:ln>
+                  <a:noFill/>
+                </a:ln>
+                <a:solidFill>
+                  <a:srgbClr val="5F5F5F"/>
+                </a:solidFill>
+                <a:effectLst/>
+                <a:uLnTx/>
+                <a:uFillTx/>
+                <a:latin typeface="Arial" charset="0"/>
+                <a:ea typeface="+mn-ea"/>
+                <a:cs typeface="+mn-cs"/>
+              </a:rPr>
+              <a:pPr marL="0" marR="0" lvl="0" indent="0" algn="r" defTabSz="914400" rtl="0" eaLnBrk="0" fontAlgn="base" latinLnBrk="0" hangingPunct="0">
+                <a:lnSpc>
+                  <a:spcPct val="100000"/>
+                </a:lnSpc>
+                <a:spcBef>
+                  <a:spcPct val="0"/>
+                </a:spcBef>
+                <a:spcAft>
+                  <a:spcPct val="0"/>
+                </a:spcAft>
+                <a:buClrTx/>
+                <a:buSzTx/>
+                <a:buFontTx/>
+                <a:buNone/>
+                <a:tabLst/>
+                <a:defRPr/>
+              </a:pPr>
+              <a:t>17</a:t>
+            </a:fld>
+            <a:endParaRPr kumimoji="0" lang="fr-FR" sz="1200" b="0" i="0" u="none" strike="noStrike" kern="1200" cap="none" spc="0" normalizeH="0" baseline="0" noProof="0">
+              <a:ln>
+                <a:noFill/>
+              </a:ln>
+              <a:solidFill>
+                <a:srgbClr val="5F5F5F"/>
+              </a:solidFill>
+              <a:effectLst/>
+              <a:uLnTx/>
+              <a:uFillTx/>
+              <a:latin typeface="Arial" charset="0"/>
+              <a:ea typeface="+mn-ea"/>
+              <a:cs typeface="+mn-cs"/>
+            </a:endParaRPr>
+          </a:p>
+        </p:txBody>
+      </p:sp>
+      <p:sp>
+        <p:nvSpPr>
+          <p:cNvPr id="6" name="Espace réservé du numéro de diapositive 1"/>
+          <p:cNvSpPr txBox="1">
+            <a:spLocks/>
+          </p:cNvSpPr>
+          <p:nvPr/>
+        </p:nvSpPr>
+        <p:spPr bwMode="auto">
+          <a:xfrm>
+            <a:off x="8277225" y="6477000"/>
+            <a:ext cx="719138" cy="323850"/>
+          </a:xfrm>
+          <a:prstGeom prst="rect">
+            <a:avLst/>
+          </a:prstGeom>
+          <a:noFill/>
+          <a:ln w="9525">
+            <a:noFill/>
+            <a:miter lim="800000"/>
+            <a:headEnd/>
+            <a:tailEnd/>
+          </a:ln>
+          <a:effectLst/>
+        </p:spPr>
+        <p:txBody>
+          <a:bodyPr vert="horz" wrap="square" lIns="91440" tIns="45720" rIns="91440" bIns="45720" numCol="1" anchor="t" anchorCtr="0" compatLnSpc="1">
+            <a:prstTxWarp prst="textNoShape">
+              <a:avLst/>
+            </a:prstTxWarp>
+          </a:bodyPr>
+          <a:lstStyle/>
+          <a:p>
+            <a:pPr marL="0" marR="0" lvl="0" indent="0" algn="r" defTabSz="914400" rtl="0" eaLnBrk="0" fontAlgn="base" latinLnBrk="0" hangingPunct="0">
+              <a:lnSpc>
+                <a:spcPct val="100000"/>
+              </a:lnSpc>
+              <a:spcBef>
+                <a:spcPct val="0"/>
+              </a:spcBef>
+              <a:spcAft>
+                <a:spcPct val="0"/>
+              </a:spcAft>
+              <a:buClrTx/>
+              <a:buSzTx/>
+              <a:buFontTx/>
+              <a:buNone/>
+              <a:tabLst/>
+              <a:defRPr/>
+            </a:pPr>
+            <a:fld id="{0EEE55F7-AF7E-434C-A835-5D468B60A67C}" type="slidenum">
+              <a:rPr kumimoji="0" lang="fr-FR" sz="1200" b="0" i="0" u="none" strike="noStrike" kern="1200" cap="none" spc="0" normalizeH="0" baseline="0" noProof="0" smtClean="0">
+                <a:ln>
+                  <a:noFill/>
+                </a:ln>
+                <a:solidFill>
+                  <a:srgbClr val="5F5F5F"/>
+                </a:solidFill>
+                <a:effectLst/>
+                <a:uLnTx/>
+                <a:uFillTx/>
+                <a:latin typeface="Arial" charset="0"/>
+                <a:ea typeface="+mn-ea"/>
+                <a:cs typeface="+mn-cs"/>
+              </a:rPr>
+              <a:pPr marL="0" marR="0" lvl="0" indent="0" algn="r" defTabSz="914400" rtl="0" eaLnBrk="0" fontAlgn="base" latinLnBrk="0" hangingPunct="0">
+                <a:lnSpc>
+                  <a:spcPct val="100000"/>
+                </a:lnSpc>
+                <a:spcBef>
+                  <a:spcPct val="0"/>
+                </a:spcBef>
+                <a:spcAft>
+                  <a:spcPct val="0"/>
+                </a:spcAft>
+                <a:buClrTx/>
+                <a:buSzTx/>
+                <a:buFontTx/>
+                <a:buNone/>
+                <a:tabLst/>
+                <a:defRPr/>
+              </a:pPr>
+              <a:t>17</a:t>
+            </a:fld>
+            <a:endParaRPr kumimoji="0" lang="fr-FR" sz="1200" b="0" i="0" u="none" strike="noStrike" kern="1200" cap="none" spc="0" normalizeH="0" baseline="0" noProof="0">
+              <a:ln>
+                <a:noFill/>
+              </a:ln>
+              <a:solidFill>
+                <a:srgbClr val="5F5F5F"/>
+              </a:solidFill>
+              <a:effectLst/>
+              <a:uLnTx/>
+              <a:uFillTx/>
+              <a:latin typeface="Arial" charset="0"/>
+              <a:ea typeface="+mn-ea"/>
+              <a:cs typeface="+mn-cs"/>
+            </a:endParaRPr>
+          </a:p>
+        </p:txBody>
+      </p:sp>
+      <p:sp>
+        <p:nvSpPr>
+          <p:cNvPr id="7" name="Titre 1"/>
+          <p:cNvSpPr txBox="1">
+            <a:spLocks/>
+          </p:cNvSpPr>
+          <p:nvPr/>
+        </p:nvSpPr>
+        <p:spPr>
+          <a:xfrm>
+            <a:off x="1219200" y="150813"/>
+            <a:ext cx="7788275" cy="608012"/>
+          </a:xfrm>
+          <a:prstGeom prst="rect">
+            <a:avLst/>
+          </a:prstGeom>
+        </p:spPr>
+        <p:txBody>
+          <a:bodyPr/>
+          <a:lstStyle/>
+          <a:p>
+            <a:pPr marL="0" marR="0" lvl="0" indent="0" algn="l" defTabSz="914400" rtl="0" eaLnBrk="1" fontAlgn="base" latinLnBrk="0" hangingPunct="1">
+              <a:lnSpc>
+                <a:spcPct val="100000"/>
+              </a:lnSpc>
+              <a:spcBef>
+                <a:spcPct val="0"/>
+              </a:spcBef>
+              <a:spcAft>
+                <a:spcPct val="0"/>
+              </a:spcAft>
+              <a:buClrTx/>
+              <a:buSzTx/>
+              <a:buFontTx/>
+              <a:buNone/>
+              <a:tabLst/>
+              <a:defRPr/>
+            </a:pPr>
+            <a:r>
+              <a:rPr kumimoji="0" lang="fr-FR" sz="2400" b="1" i="0" u="none" strike="noStrike" kern="0" cap="none" spc="0" normalizeH="0" baseline="0" noProof="0" smtClean="0">
+                <a:ln>
+                  <a:noFill/>
+                </a:ln>
+                <a:solidFill>
+                  <a:srgbClr val="5F5F5F"/>
+                </a:solidFill>
+                <a:effectLst/>
+                <a:uLnTx/>
+                <a:uFillTx/>
+                <a:latin typeface="+mj-lt"/>
+                <a:ea typeface="+mj-ea"/>
+                <a:cs typeface="+mj-cs"/>
+              </a:rPr>
+              <a:t>II – Techniques de gestion de projet</a:t>
+            </a:r>
+            <a:endParaRPr kumimoji="0" lang="fr-FR" sz="2400" b="1" i="0" u="none" strike="noStrike" kern="0" cap="none" spc="0" normalizeH="0" baseline="0" noProof="0" dirty="0">
+              <a:ln>
+                <a:noFill/>
+              </a:ln>
+              <a:solidFill>
+                <a:srgbClr val="5F5F5F"/>
+              </a:solidFill>
+              <a:effectLst/>
+              <a:uLnTx/>
+              <a:uFillTx/>
+              <a:latin typeface="+mj-lt"/>
+              <a:ea typeface="+mj-ea"/>
+              <a:cs typeface="+mj-cs"/>
+            </a:endParaRPr>
+          </a:p>
+        </p:txBody>
+      </p:sp>
+      <p:sp>
+        <p:nvSpPr>
+          <p:cNvPr id="8" name="Espace réservé du contenu 2"/>
+          <p:cNvSpPr txBox="1">
+            <a:spLocks/>
+          </p:cNvSpPr>
+          <p:nvPr/>
+        </p:nvSpPr>
+        <p:spPr>
+          <a:xfrm>
+            <a:off x="1187450" y="1125538"/>
+            <a:ext cx="7499350" cy="5000625"/>
+          </a:xfrm>
+          <a:prstGeom prst="rect">
+            <a:avLst/>
+          </a:prstGeom>
+        </p:spPr>
+        <p:txBody>
+          <a:bodyPr/>
+          <a:lstStyle/>
+          <a:p>
+            <a:pPr marL="571500" marR="0" lvl="0" indent="-342900" algn="l" defTabSz="914400" rtl="0" eaLnBrk="1" fontAlgn="base" latinLnBrk="0" hangingPunct="1">
+              <a:lnSpc>
+                <a:spcPct val="100000"/>
+              </a:lnSpc>
+              <a:spcBef>
+                <a:spcPct val="20000"/>
+              </a:spcBef>
+              <a:spcAft>
+                <a:spcPct val="0"/>
+              </a:spcAft>
+              <a:buClrTx/>
+              <a:buSzTx/>
+              <a:buFont typeface="Wingdings" pitchFamily="2" charset="2"/>
+              <a:buChar char="q"/>
+              <a:tabLst/>
+              <a:defRPr/>
+            </a:pPr>
+            <a:r>
+              <a:rPr kumimoji="0" lang="fr-FR" sz="2400" b="1" i="0" u="none" strike="noStrike" kern="0" cap="none" spc="0" normalizeH="0" baseline="0" noProof="0" smtClean="0">
+                <a:ln>
+                  <a:noFill/>
+                </a:ln>
+                <a:solidFill>
+                  <a:srgbClr val="5F5F5F"/>
+                </a:solidFill>
+                <a:effectLst/>
+                <a:uLnTx/>
+                <a:uFillTx/>
+                <a:latin typeface="+mn-lt"/>
+                <a:ea typeface="+mn-ea"/>
+                <a:cs typeface="+mn-cs"/>
+              </a:rPr>
+              <a:t>Le kanban :</a:t>
+            </a:r>
+          </a:p>
+          <a:p>
+            <a:pPr marL="1143000" marR="0" lvl="1" indent="-285750" algn="l" defTabSz="914400" rtl="0" eaLnBrk="1" fontAlgn="base" latinLnBrk="0" hangingPunct="1">
+              <a:lnSpc>
+                <a:spcPct val="100000"/>
+              </a:lnSpc>
+              <a:spcBef>
+                <a:spcPct val="20000"/>
+              </a:spcBef>
+              <a:spcAft>
+                <a:spcPct val="0"/>
+              </a:spcAft>
+              <a:buClr>
+                <a:srgbClr val="FFB30C"/>
+              </a:buClr>
+              <a:buSzTx/>
+              <a:buFont typeface="Wingdings" pitchFamily="2" charset="2"/>
+              <a:buChar char="Ø"/>
+              <a:tabLst/>
+              <a:defRPr/>
+            </a:pPr>
+            <a:r>
+              <a:rPr kumimoji="0" lang="fr-FR" sz="2000" b="1" i="0" u="none" strike="noStrike" kern="0" cap="none" spc="0" normalizeH="0" baseline="0" noProof="0" smtClean="0">
+                <a:ln>
+                  <a:noFill/>
+                </a:ln>
+                <a:solidFill>
+                  <a:srgbClr val="5F5F5F"/>
+                </a:solidFill>
+                <a:effectLst/>
+                <a:uLnTx/>
+                <a:uFillTx/>
+                <a:latin typeface="+mn-lt"/>
+              </a:rPr>
+              <a:t>Méthode agile</a:t>
+            </a:r>
+          </a:p>
+          <a:p>
+            <a:pPr marL="1143000" marR="0" lvl="1" indent="-285750" algn="l" defTabSz="914400" rtl="0" eaLnBrk="1" fontAlgn="base" latinLnBrk="0" hangingPunct="1">
+              <a:lnSpc>
+                <a:spcPct val="100000"/>
+              </a:lnSpc>
+              <a:spcBef>
+                <a:spcPct val="20000"/>
+              </a:spcBef>
+              <a:spcAft>
+                <a:spcPct val="0"/>
+              </a:spcAft>
+              <a:buClr>
+                <a:srgbClr val="FFB30C"/>
+              </a:buClr>
+              <a:buSzTx/>
+              <a:buFont typeface="Wingdings" pitchFamily="2" charset="2"/>
+              <a:buChar char="Ø"/>
+              <a:tabLst/>
+              <a:defRPr/>
+            </a:pPr>
+            <a:r>
+              <a:rPr kumimoji="0" lang="fr-FR" sz="2000" b="1" i="0" u="none" strike="noStrike" kern="0" cap="none" spc="0" normalizeH="0" baseline="0" noProof="0" smtClean="0">
+                <a:ln>
+                  <a:noFill/>
+                </a:ln>
+                <a:solidFill>
+                  <a:srgbClr val="5F5F5F"/>
+                </a:solidFill>
+                <a:effectLst/>
+                <a:uLnTx/>
+                <a:uFillTx/>
+                <a:latin typeface="+mn-lt"/>
+              </a:rPr>
+              <a:t>Adaptée pour plusieurs projets informatiques</a:t>
+            </a:r>
+          </a:p>
+          <a:p>
+            <a:pPr marL="571500" marR="0" lvl="0" indent="-342900" algn="l" defTabSz="914400" rtl="0" eaLnBrk="1" fontAlgn="base" latinLnBrk="0" hangingPunct="1">
+              <a:lnSpc>
+                <a:spcPct val="100000"/>
+              </a:lnSpc>
+              <a:spcBef>
+                <a:spcPct val="20000"/>
+              </a:spcBef>
+              <a:spcAft>
+                <a:spcPct val="0"/>
+              </a:spcAft>
+              <a:buClrTx/>
+              <a:buSzTx/>
+              <a:buFont typeface="Wingdings" pitchFamily="2" charset="2"/>
+              <a:buChar char="q"/>
+              <a:tabLst/>
+              <a:defRPr/>
+            </a:pPr>
+            <a:r>
+              <a:rPr kumimoji="0" lang="fr-FR" sz="2400" b="1" i="0" u="none" strike="noStrike" kern="0" cap="none" spc="0" normalizeH="0" baseline="0" noProof="0" smtClean="0">
+                <a:ln>
+                  <a:noFill/>
+                </a:ln>
+                <a:solidFill>
+                  <a:srgbClr val="5F5F5F"/>
+                </a:solidFill>
+                <a:effectLst/>
+                <a:uLnTx/>
+                <a:uFillTx/>
+                <a:latin typeface="+mn-lt"/>
+                <a:ea typeface="+mn-ea"/>
+                <a:cs typeface="+mn-cs"/>
+              </a:rPr>
+              <a:t>Les étapes du Kanban :</a:t>
+            </a:r>
+          </a:p>
+          <a:p>
+            <a:pPr marL="1143000" marR="0" lvl="1" indent="-285750" algn="l" defTabSz="914400" rtl="0" eaLnBrk="1" fontAlgn="base" latinLnBrk="0" hangingPunct="1">
+              <a:lnSpc>
+                <a:spcPct val="100000"/>
+              </a:lnSpc>
+              <a:spcBef>
+                <a:spcPct val="20000"/>
+              </a:spcBef>
+              <a:spcAft>
+                <a:spcPct val="0"/>
+              </a:spcAft>
+              <a:buClr>
+                <a:srgbClr val="FFB30C"/>
+              </a:buClr>
+              <a:buSzTx/>
+              <a:buFont typeface="Wingdings" pitchFamily="2" charset="2"/>
+              <a:buNone/>
+              <a:tabLst/>
+              <a:defRPr/>
+            </a:pPr>
+            <a:endParaRPr kumimoji="0" lang="fr-FR" sz="2000" b="1" i="0" u="none" strike="noStrike" kern="0" cap="none" spc="0" normalizeH="0" baseline="0" noProof="0" dirty="0" smtClean="0">
+              <a:ln>
+                <a:noFill/>
+              </a:ln>
+              <a:solidFill>
+                <a:srgbClr val="5F5F5F"/>
+              </a:solidFill>
+              <a:effectLst/>
+              <a:uLnTx/>
+              <a:uFillTx/>
+              <a:latin typeface="+mn-lt"/>
+            </a:endParaRPr>
+          </a:p>
+        </p:txBody>
+      </p:sp>
+      <p:sp>
+        <p:nvSpPr>
+          <p:cNvPr id="9" name="Espace réservé du numéro de diapositive 3"/>
+          <p:cNvSpPr txBox="1">
+            <a:spLocks/>
+          </p:cNvSpPr>
+          <p:nvPr/>
+        </p:nvSpPr>
+        <p:spPr bwMode="auto">
+          <a:xfrm>
+            <a:off x="8277225" y="6477000"/>
+            <a:ext cx="719138" cy="323850"/>
+          </a:xfrm>
+          <a:prstGeom prst="rect">
+            <a:avLst/>
+          </a:prstGeom>
+          <a:noFill/>
+          <a:ln w="9525">
+            <a:noFill/>
+            <a:miter lim="800000"/>
+            <a:headEnd/>
+            <a:tailEnd/>
+          </a:ln>
+          <a:effectLst/>
+        </p:spPr>
+        <p:txBody>
+          <a:bodyPr vert="horz" wrap="square" lIns="91440" tIns="45720" rIns="91440" bIns="45720" numCol="1" anchor="t" anchorCtr="0" compatLnSpc="1">
+            <a:prstTxWarp prst="textNoShape">
+              <a:avLst/>
+            </a:prstTxWarp>
+          </a:bodyPr>
+          <a:lstStyle/>
+          <a:p>
+            <a:pPr marL="0" marR="0" lvl="0" indent="0" algn="r" defTabSz="914400" rtl="0" eaLnBrk="0" fontAlgn="base" latinLnBrk="0" hangingPunct="0">
+              <a:lnSpc>
+                <a:spcPct val="100000"/>
+              </a:lnSpc>
+              <a:spcBef>
+                <a:spcPct val="0"/>
+              </a:spcBef>
+              <a:spcAft>
+                <a:spcPct val="0"/>
+              </a:spcAft>
+              <a:buClrTx/>
+              <a:buSzTx/>
+              <a:buFontTx/>
+              <a:buNone/>
+              <a:tabLst/>
+              <a:defRPr/>
+            </a:pPr>
+            <a:fld id="{228977EE-2505-4E01-83E6-F24DDA98A02D}" type="slidenum">
+              <a:rPr kumimoji="0" lang="fr-FR" sz="1200" b="0" i="0" u="none" strike="noStrike" kern="1200" cap="none" spc="0" normalizeH="0" baseline="0" noProof="0" smtClean="0">
+                <a:ln>
+                  <a:noFill/>
+                </a:ln>
+                <a:solidFill>
+                  <a:srgbClr val="5F5F5F"/>
+                </a:solidFill>
+                <a:effectLst/>
+                <a:uLnTx/>
+                <a:uFillTx/>
+                <a:latin typeface="Arial" charset="0"/>
+                <a:ea typeface="+mn-ea"/>
+                <a:cs typeface="+mn-cs"/>
+              </a:rPr>
+              <a:pPr marL="0" marR="0" lvl="0" indent="0" algn="r" defTabSz="914400" rtl="0" eaLnBrk="0" fontAlgn="base" latinLnBrk="0" hangingPunct="0">
+                <a:lnSpc>
+                  <a:spcPct val="100000"/>
+                </a:lnSpc>
+                <a:spcBef>
+                  <a:spcPct val="0"/>
+                </a:spcBef>
+                <a:spcAft>
+                  <a:spcPct val="0"/>
+                </a:spcAft>
+                <a:buClrTx/>
+                <a:buSzTx/>
+                <a:buFontTx/>
+                <a:buNone/>
+                <a:tabLst/>
+                <a:defRPr/>
+              </a:pPr>
+              <a:t>17</a:t>
+            </a:fld>
+            <a:endParaRPr kumimoji="0" lang="fr-FR" sz="1200" b="0" i="0" u="none" strike="noStrike" kern="1200" cap="none" spc="0" normalizeH="0" baseline="0" noProof="0">
+              <a:ln>
+                <a:noFill/>
+              </a:ln>
+              <a:solidFill>
+                <a:srgbClr val="5F5F5F"/>
+              </a:solidFill>
+              <a:effectLst/>
+              <a:uLnTx/>
+              <a:uFillTx/>
+              <a:latin typeface="Arial" charset="0"/>
+              <a:ea typeface="+mn-ea"/>
+              <a:cs typeface="+mn-cs"/>
+            </a:endParaRPr>
+          </a:p>
+        </p:txBody>
+      </p:sp>
+      <p:sp>
+        <p:nvSpPr>
+          <p:cNvPr id="10" name="Carré corné 9"/>
+          <p:cNvSpPr/>
+          <p:nvPr/>
+        </p:nvSpPr>
+        <p:spPr bwMode="auto">
+          <a:xfrm rot="10800000">
+            <a:off x="3714744" y="3714752"/>
+            <a:ext cx="2428892" cy="2071702"/>
+          </a:xfrm>
+          <a:prstGeom prst="foldedCorner">
+            <a:avLst/>
+          </a:prstGeom>
+          <a:solidFill>
+            <a:srgbClr val="FFFF00"/>
+          </a:solidFill>
+          <a:ln w="9525" cap="flat" cmpd="sng" algn="ctr">
+            <a:noFill/>
+            <a:prstDash val="solid"/>
+            <a:round/>
+            <a:headEnd type="none" w="med" len="med"/>
+            <a:tailEnd type="none" w="med" len="med"/>
+          </a:ln>
+          <a:effectLst/>
+        </p:spPr>
+        <p:txBody>
+          <a:bodyPr vert="horz" wrap="square" lIns="91440" tIns="45720" rIns="91440" bIns="45720" numCol="1" rtlCol="0" anchor="t" anchorCtr="0" compatLnSpc="1">
+            <a:prstTxWarp prst="textNoShape">
+              <a:avLst/>
+            </a:prstTxWarp>
+          </a:bodyPr>
+          <a:lstStyle/>
+          <a:p>
+            <a:pPr marL="0" marR="0" indent="0" algn="ctr" defTabSz="914400" rtl="0" eaLnBrk="0" fontAlgn="base" latinLnBrk="0" hangingPunct="0">
+              <a:lnSpc>
+                <a:spcPct val="100000"/>
+              </a:lnSpc>
+              <a:spcBef>
+                <a:spcPct val="0"/>
+              </a:spcBef>
+              <a:spcAft>
+                <a:spcPct val="0"/>
+              </a:spcAft>
+              <a:buClrTx/>
+              <a:buSzTx/>
+              <a:buFontTx/>
+              <a:buNone/>
+              <a:tabLst/>
+            </a:pPr>
+            <a:endParaRPr kumimoji="0" lang="fr-FR" sz="1400" b="0" i="0" u="none" strike="noStrike" cap="none" normalizeH="0" baseline="0" dirty="0" smtClean="0">
+              <a:ln>
+                <a:noFill/>
+              </a:ln>
+              <a:solidFill>
+                <a:srgbClr val="5F5F5F"/>
+              </a:solidFill>
+              <a:effectLst/>
+              <a:latin typeface="Arial" charset="0"/>
+            </a:endParaRPr>
+          </a:p>
+        </p:txBody>
+      </p:sp>
+      <p:sp>
+        <p:nvSpPr>
+          <p:cNvPr id="11" name="ZoneTexte 10"/>
+          <p:cNvSpPr txBox="1"/>
+          <p:nvPr/>
+        </p:nvSpPr>
+        <p:spPr>
+          <a:xfrm>
+            <a:off x="3857620" y="3857628"/>
+            <a:ext cx="1143008" cy="307777"/>
+          </a:xfrm>
+          <a:prstGeom prst="rect">
+            <a:avLst/>
+          </a:prstGeom>
+          <a:noFill/>
+        </p:spPr>
+        <p:txBody>
+          <a:bodyPr wrap="square" rtlCol="0">
+            <a:spAutoFit/>
+          </a:bodyPr>
+          <a:lstStyle/>
+          <a:p>
+            <a:r>
+              <a:rPr lang="fr-FR" b="1" dirty="0" smtClean="0"/>
+              <a:t>NGL-714</a:t>
+            </a:r>
+            <a:endParaRPr lang="fr-FR" b="1" dirty="0"/>
+          </a:p>
+        </p:txBody>
+      </p:sp>
+      <p:sp>
+        <p:nvSpPr>
+          <p:cNvPr id="12" name="Rectangle 11"/>
+          <p:cNvSpPr/>
+          <p:nvPr/>
+        </p:nvSpPr>
+        <p:spPr bwMode="auto">
+          <a:xfrm>
+            <a:off x="3214678" y="3000372"/>
+            <a:ext cx="3286148" cy="428628"/>
+          </a:xfrm>
+          <a:prstGeom prst="rect">
+            <a:avLst/>
+          </a:prstGeom>
+          <a:noFill/>
+          <a:ln w="28575" cap="flat" cmpd="sng" algn="ctr">
+            <a:solidFill>
+              <a:schemeClr val="accent1"/>
+            </a:solidFill>
+            <a:prstDash val="solid"/>
+            <a:round/>
+            <a:headEnd type="none" w="med" len="med"/>
+            <a:tailEnd type="none" w="med" len="med"/>
+          </a:ln>
+          <a:effectLst/>
+        </p:spPr>
+        <p:txBody>
+          <a:bodyPr vert="horz" wrap="square" lIns="91440" tIns="45720" rIns="91440" bIns="45720" numCol="1" rtlCol="0" anchor="t" anchorCtr="0" compatLnSpc="1">
+            <a:prstTxWarp prst="textNoShape">
+              <a:avLst/>
+            </a:prstTxWarp>
+          </a:bodyPr>
+          <a:lstStyle/>
+          <a:p>
+            <a:pPr marL="0" marR="0" indent="0" algn="ctr" defTabSz="914400" rtl="0" eaLnBrk="0" fontAlgn="base" latinLnBrk="0" hangingPunct="0">
+              <a:lnSpc>
+                <a:spcPct val="100000"/>
+              </a:lnSpc>
+              <a:spcBef>
+                <a:spcPct val="0"/>
+              </a:spcBef>
+              <a:spcAft>
+                <a:spcPct val="0"/>
+              </a:spcAft>
+              <a:buClrTx/>
+              <a:buSzTx/>
+              <a:buFontTx/>
+              <a:buNone/>
+              <a:tabLst/>
+            </a:pPr>
+            <a:r>
+              <a:rPr kumimoji="0" lang="fr-FR" sz="2000" b="0" i="0" u="none" strike="noStrike" cap="none" normalizeH="0" baseline="0" dirty="0" smtClean="0">
+                <a:ln>
+                  <a:noFill/>
+                </a:ln>
+                <a:solidFill>
+                  <a:srgbClr val="5F5F5F"/>
+                </a:solidFill>
+                <a:effectLst/>
+                <a:latin typeface="Arial" charset="0"/>
+              </a:rPr>
+              <a:t>DONE</a:t>
+            </a:r>
+            <a:endParaRPr kumimoji="0" lang="fr-FR" sz="2000" b="0" i="0" u="none" strike="noStrike" cap="none" normalizeH="0" baseline="0" dirty="0" smtClean="0">
+              <a:ln>
+                <a:noFill/>
+              </a:ln>
+              <a:solidFill>
+                <a:srgbClr val="5F5F5F"/>
+              </a:solidFill>
+              <a:effectLst/>
+              <a:latin typeface="Arial" charset="0"/>
+            </a:endParaRPr>
+          </a:p>
+        </p:txBody>
+      </p:sp>
+      <p:sp>
+        <p:nvSpPr>
+          <p:cNvPr id="13" name="ZoneTexte 12"/>
+          <p:cNvSpPr txBox="1"/>
+          <p:nvPr/>
+        </p:nvSpPr>
+        <p:spPr>
+          <a:xfrm>
+            <a:off x="5072066" y="3857628"/>
+            <a:ext cx="714380" cy="400110"/>
+          </a:xfrm>
+          <a:prstGeom prst="rect">
+            <a:avLst/>
+          </a:prstGeom>
+          <a:noFill/>
+        </p:spPr>
+        <p:txBody>
+          <a:bodyPr wrap="square" rtlCol="0">
+            <a:spAutoFit/>
+          </a:bodyPr>
+          <a:lstStyle/>
+          <a:p>
+            <a:r>
+              <a:rPr lang="fr-FR" sz="2000" dirty="0" smtClean="0"/>
+              <a:t>***</a:t>
+            </a:r>
+            <a:endParaRPr lang="fr-FR" sz="2000" dirty="0"/>
+          </a:p>
+        </p:txBody>
+      </p:sp>
+      <p:sp>
+        <p:nvSpPr>
+          <p:cNvPr id="14" name="Rectangle 13"/>
+          <p:cNvSpPr/>
+          <p:nvPr/>
+        </p:nvSpPr>
+        <p:spPr>
+          <a:xfrm>
+            <a:off x="4000496" y="4643446"/>
+            <a:ext cx="1866216" cy="307777"/>
+          </a:xfrm>
+          <a:prstGeom prst="rect">
+            <a:avLst/>
+          </a:prstGeom>
+        </p:spPr>
+        <p:txBody>
+          <a:bodyPr wrap="none">
+            <a:spAutoFit/>
+          </a:bodyPr>
+          <a:lstStyle/>
+          <a:p>
+            <a:r>
+              <a:rPr lang="fr-FR" b="1" dirty="0" smtClean="0"/>
+              <a:t>Exporter les graphs</a:t>
+            </a:r>
+            <a:endParaRPr lang="fr-FR" b="1" dirty="0"/>
+          </a:p>
+        </p:txBody>
+      </p:sp>
+      <p:sp>
+        <p:nvSpPr>
+          <p:cNvPr id="15" name="Rectangle 14"/>
+          <p:cNvSpPr/>
+          <p:nvPr/>
+        </p:nvSpPr>
+        <p:spPr>
+          <a:xfrm>
+            <a:off x="3977383" y="5214950"/>
+            <a:ext cx="880369" cy="307777"/>
+          </a:xfrm>
+          <a:prstGeom prst="rect">
+            <a:avLst/>
+          </a:prstGeom>
+        </p:spPr>
+        <p:txBody>
+          <a:bodyPr wrap="none">
+            <a:spAutoFit/>
+          </a:bodyPr>
+          <a:lstStyle/>
+          <a:p>
+            <a:r>
+              <a:rPr lang="fr-FR" b="1" dirty="0" smtClean="0"/>
+              <a:t>13/07/15</a:t>
+            </a:r>
+            <a:endParaRPr lang="fr-FR" b="1" dirty="0"/>
+          </a:p>
+        </p:txBody>
+      </p:sp>
+      <p:pic>
+        <p:nvPicPr>
+          <p:cNvPr id="16" name="Picture 2" descr="C:\Program Files (x86)\Microsoft Office\MEDIA\CAGCAT10\j0302953.jpg"/>
+          <p:cNvPicPr>
+            <a:picLocks noChangeAspect="1" noChangeArrowheads="1"/>
+          </p:cNvPicPr>
+          <p:nvPr/>
+        </p:nvPicPr>
+        <p:blipFill>
+          <a:blip r:embed="rId2" cstate="print"/>
+          <a:srcRect/>
+          <a:stretch>
+            <a:fillRect/>
+          </a:stretch>
+        </p:blipFill>
+        <p:spPr bwMode="auto">
+          <a:xfrm>
+            <a:off x="5572132" y="5214950"/>
+            <a:ext cx="804478" cy="1127773"/>
+          </a:xfrm>
+          <a:prstGeom prst="rect">
+            <a:avLst/>
+          </a:prstGeom>
+          <a:noFill/>
+        </p:spPr>
+      </p:pic>
+    </p:spTree>
+  </p:cSld>
+  <p:clrMapOvr>
+    <a:masterClrMapping/>
+  </p:clrMapOvr>
+</p:sld>
+</file>
+
+<file path=ppt/slides/slide18.xml><?xml version="1.0" encoding="utf-8"?>
+<p:sld xmlns:a="http://schemas.openxmlformats.org/drawingml/2006/main" xmlns:r="http://schemas.openxmlformats.org/officeDocument/2006/relationships" xmlns:p="http://schemas.openxmlformats.org/presentationml/2006/main">
+  <p:cSld>
+    <p:spTree>
+      <p:nvGrpSpPr>
+        <p:cNvPr id="1" name=""/>
+        <p:cNvGrpSpPr/>
+        <p:nvPr/>
+      </p:nvGrpSpPr>
+      <p:grpSpPr>
+        <a:xfrm>
+          <a:off x="0" y="0"/>
+          <a:ext cx="0" cy="0"/>
+          <a:chOff x="0" y="0"/>
+          <a:chExt cx="0" cy="0"/>
+        </a:xfrm>
+      </p:grpSpPr>
+      <p:sp>
+        <p:nvSpPr>
+          <p:cNvPr id="2" name="Espace réservé du numéro de diapositive 1"/>
+          <p:cNvSpPr>
+            <a:spLocks noGrp="1"/>
+          </p:cNvSpPr>
+          <p:nvPr>
+            <p:ph type="sldNum" sz="quarter" idx="10"/>
+          </p:nvPr>
+        </p:nvSpPr>
+        <p:spPr/>
+        <p:txBody>
+          <a:bodyPr/>
+          <a:lstStyle/>
+          <a:p>
+            <a:fld id="{0EEE55F7-AF7E-434C-A835-5D468B60A67C}" type="slidenum">
+              <a:rPr lang="fr-FR" smtClean="0"/>
+              <a:pPr/>
+              <a:t>18</a:t>
+            </a:fld>
+            <a:endParaRPr lang="fr-FR"/>
+          </a:p>
+        </p:txBody>
+      </p:sp>
+      <p:sp>
+        <p:nvSpPr>
+          <p:cNvPr id="3" name="Espace réservé du numéro de diapositive 1"/>
+          <p:cNvSpPr txBox="1">
+            <a:spLocks/>
+          </p:cNvSpPr>
+          <p:nvPr/>
+        </p:nvSpPr>
+        <p:spPr bwMode="auto">
+          <a:xfrm>
+            <a:off x="8277225" y="6477000"/>
+            <a:ext cx="719138" cy="323850"/>
+          </a:xfrm>
+          <a:prstGeom prst="rect">
+            <a:avLst/>
+          </a:prstGeom>
+          <a:noFill/>
+          <a:ln w="9525">
+            <a:noFill/>
+            <a:miter lim="800000"/>
+            <a:headEnd/>
+            <a:tailEnd/>
+          </a:ln>
+          <a:effectLst/>
+        </p:spPr>
+        <p:txBody>
+          <a:bodyPr vert="horz" wrap="square" lIns="91440" tIns="45720" rIns="91440" bIns="45720" numCol="1" anchor="t" anchorCtr="0" compatLnSpc="1">
+            <a:prstTxWarp prst="textNoShape">
+              <a:avLst/>
+            </a:prstTxWarp>
+          </a:bodyPr>
+          <a:lstStyle/>
+          <a:p>
+            <a:pPr marL="0" marR="0" lvl="0" indent="0" algn="r" defTabSz="914400" rtl="0" eaLnBrk="0" fontAlgn="base" latinLnBrk="0" hangingPunct="0">
+              <a:lnSpc>
+                <a:spcPct val="100000"/>
+              </a:lnSpc>
+              <a:spcBef>
+                <a:spcPct val="0"/>
+              </a:spcBef>
+              <a:spcAft>
+                <a:spcPct val="0"/>
+              </a:spcAft>
+              <a:buClrTx/>
+              <a:buSzTx/>
+              <a:buFontTx/>
+              <a:buNone/>
+              <a:tabLst/>
+              <a:defRPr/>
+            </a:pPr>
+            <a:fld id="{0EEE55F7-AF7E-434C-A835-5D468B60A67C}" type="slidenum">
+              <a:rPr kumimoji="0" lang="fr-FR" sz="1200" b="0" i="0" u="none" strike="noStrike" kern="1200" cap="none" spc="0" normalizeH="0" baseline="0" noProof="0" smtClean="0">
+                <a:ln>
+                  <a:noFill/>
+                </a:ln>
+                <a:solidFill>
+                  <a:srgbClr val="5F5F5F"/>
+                </a:solidFill>
+                <a:effectLst/>
+                <a:uLnTx/>
+                <a:uFillTx/>
+                <a:latin typeface="Arial" charset="0"/>
+                <a:ea typeface="+mn-ea"/>
+                <a:cs typeface="+mn-cs"/>
+              </a:rPr>
+              <a:pPr marL="0" marR="0" lvl="0" indent="0" algn="r" defTabSz="914400" rtl="0" eaLnBrk="0" fontAlgn="base" latinLnBrk="0" hangingPunct="0">
+                <a:lnSpc>
+                  <a:spcPct val="100000"/>
+                </a:lnSpc>
+                <a:spcBef>
+                  <a:spcPct val="0"/>
+                </a:spcBef>
+                <a:spcAft>
+                  <a:spcPct val="0"/>
+                </a:spcAft>
+                <a:buClrTx/>
+                <a:buSzTx/>
+                <a:buFontTx/>
+                <a:buNone/>
+                <a:tabLst/>
+                <a:defRPr/>
+              </a:pPr>
+              <a:t>18</a:t>
+            </a:fld>
+            <a:endParaRPr kumimoji="0" lang="fr-FR" sz="1200" b="0" i="0" u="none" strike="noStrike" kern="1200" cap="none" spc="0" normalizeH="0" baseline="0" noProof="0">
+              <a:ln>
+                <a:noFill/>
+              </a:ln>
+              <a:solidFill>
+                <a:srgbClr val="5F5F5F"/>
+              </a:solidFill>
+              <a:effectLst/>
+              <a:uLnTx/>
+              <a:uFillTx/>
+              <a:latin typeface="Arial" charset="0"/>
+              <a:ea typeface="+mn-ea"/>
+              <a:cs typeface="+mn-cs"/>
+            </a:endParaRPr>
+          </a:p>
+        </p:txBody>
+      </p:sp>
+      <p:sp>
+        <p:nvSpPr>
+          <p:cNvPr id="4" name="Espace réservé du numéro de diapositive 1"/>
+          <p:cNvSpPr txBox="1">
+            <a:spLocks/>
+          </p:cNvSpPr>
+          <p:nvPr/>
+        </p:nvSpPr>
+        <p:spPr bwMode="auto">
+          <a:xfrm>
+            <a:off x="8277225" y="6477000"/>
+            <a:ext cx="719138" cy="323850"/>
+          </a:xfrm>
+          <a:prstGeom prst="rect">
+            <a:avLst/>
+          </a:prstGeom>
+          <a:noFill/>
+          <a:ln w="9525">
+            <a:noFill/>
+            <a:miter lim="800000"/>
+            <a:headEnd/>
+            <a:tailEnd/>
+          </a:ln>
+          <a:effectLst/>
+        </p:spPr>
+        <p:txBody>
+          <a:bodyPr vert="horz" wrap="square" lIns="91440" tIns="45720" rIns="91440" bIns="45720" numCol="1" anchor="t" anchorCtr="0" compatLnSpc="1">
+            <a:prstTxWarp prst="textNoShape">
+              <a:avLst/>
+            </a:prstTxWarp>
+          </a:bodyPr>
+          <a:lstStyle/>
+          <a:p>
+            <a:pPr marL="0" marR="0" lvl="0" indent="0" algn="r" defTabSz="914400" rtl="0" eaLnBrk="0" fontAlgn="base" latinLnBrk="0" hangingPunct="0">
+              <a:lnSpc>
+                <a:spcPct val="100000"/>
+              </a:lnSpc>
+              <a:spcBef>
+                <a:spcPct val="0"/>
+              </a:spcBef>
+              <a:spcAft>
+                <a:spcPct val="0"/>
+              </a:spcAft>
+              <a:buClrTx/>
+              <a:buSzTx/>
+              <a:buFontTx/>
+              <a:buNone/>
+              <a:tabLst/>
+              <a:defRPr/>
+            </a:pPr>
+            <a:fld id="{0EEE55F7-AF7E-434C-A835-5D468B60A67C}" type="slidenum">
+              <a:rPr kumimoji="0" lang="fr-FR" sz="1200" b="0" i="0" u="none" strike="noStrike" kern="1200" cap="none" spc="0" normalizeH="0" baseline="0" noProof="0" smtClean="0">
+                <a:ln>
+                  <a:noFill/>
+                </a:ln>
+                <a:solidFill>
+                  <a:srgbClr val="5F5F5F"/>
+                </a:solidFill>
+                <a:effectLst/>
+                <a:uLnTx/>
+                <a:uFillTx/>
+                <a:latin typeface="Arial" charset="0"/>
+                <a:ea typeface="+mn-ea"/>
+                <a:cs typeface="+mn-cs"/>
+              </a:rPr>
+              <a:pPr marL="0" marR="0" lvl="0" indent="0" algn="r" defTabSz="914400" rtl="0" eaLnBrk="0" fontAlgn="base" latinLnBrk="0" hangingPunct="0">
+                <a:lnSpc>
+                  <a:spcPct val="100000"/>
+                </a:lnSpc>
+                <a:spcBef>
+                  <a:spcPct val="0"/>
+                </a:spcBef>
+                <a:spcAft>
+                  <a:spcPct val="0"/>
+                </a:spcAft>
+                <a:buClrTx/>
+                <a:buSzTx/>
+                <a:buFontTx/>
+                <a:buNone/>
+                <a:tabLst/>
+                <a:defRPr/>
+              </a:pPr>
+              <a:t>18</a:t>
+            </a:fld>
+            <a:endParaRPr kumimoji="0" lang="fr-FR" sz="1200" b="0" i="0" u="none" strike="noStrike" kern="1200" cap="none" spc="0" normalizeH="0" baseline="0" noProof="0">
+              <a:ln>
+                <a:noFill/>
+              </a:ln>
+              <a:solidFill>
+                <a:srgbClr val="5F5F5F"/>
+              </a:solidFill>
+              <a:effectLst/>
+              <a:uLnTx/>
+              <a:uFillTx/>
+              <a:latin typeface="Arial" charset="0"/>
+              <a:ea typeface="+mn-ea"/>
+              <a:cs typeface="+mn-cs"/>
+            </a:endParaRPr>
+          </a:p>
+        </p:txBody>
+      </p:sp>
+      <p:sp>
+        <p:nvSpPr>
+          <p:cNvPr id="5" name="Espace réservé du numéro de diapositive 1"/>
+          <p:cNvSpPr txBox="1">
+            <a:spLocks/>
+          </p:cNvSpPr>
+          <p:nvPr/>
+        </p:nvSpPr>
+        <p:spPr bwMode="auto">
+          <a:xfrm>
+            <a:off x="8277225" y="6477000"/>
+            <a:ext cx="719138" cy="323850"/>
+          </a:xfrm>
+          <a:prstGeom prst="rect">
+            <a:avLst/>
+          </a:prstGeom>
+          <a:noFill/>
+          <a:ln w="9525">
+            <a:noFill/>
+            <a:miter lim="800000"/>
+            <a:headEnd/>
+            <a:tailEnd/>
+          </a:ln>
+          <a:effectLst/>
+        </p:spPr>
+        <p:txBody>
+          <a:bodyPr vert="horz" wrap="square" lIns="91440" tIns="45720" rIns="91440" bIns="45720" numCol="1" anchor="t" anchorCtr="0" compatLnSpc="1">
+            <a:prstTxWarp prst="textNoShape">
+              <a:avLst/>
+            </a:prstTxWarp>
+          </a:bodyPr>
+          <a:lstStyle/>
+          <a:p>
+            <a:pPr marL="0" marR="0" lvl="0" indent="0" algn="r" defTabSz="914400" rtl="0" eaLnBrk="0" fontAlgn="base" latinLnBrk="0" hangingPunct="0">
+              <a:lnSpc>
+                <a:spcPct val="100000"/>
+              </a:lnSpc>
+              <a:spcBef>
+                <a:spcPct val="0"/>
+              </a:spcBef>
+              <a:spcAft>
+                <a:spcPct val="0"/>
+              </a:spcAft>
+              <a:buClrTx/>
+              <a:buSzTx/>
+              <a:buFontTx/>
+              <a:buNone/>
+              <a:tabLst/>
+              <a:defRPr/>
+            </a:pPr>
+            <a:fld id="{0EEE55F7-AF7E-434C-A835-5D468B60A67C}" type="slidenum">
+              <a:rPr kumimoji="0" lang="fr-FR" sz="1200" b="0" i="0" u="none" strike="noStrike" kern="1200" cap="none" spc="0" normalizeH="0" baseline="0" noProof="0" smtClean="0">
+                <a:ln>
+                  <a:noFill/>
+                </a:ln>
+                <a:solidFill>
+                  <a:srgbClr val="5F5F5F"/>
+                </a:solidFill>
+                <a:effectLst/>
+                <a:uLnTx/>
+                <a:uFillTx/>
+                <a:latin typeface="Arial" charset="0"/>
+                <a:ea typeface="+mn-ea"/>
+                <a:cs typeface="+mn-cs"/>
+              </a:rPr>
+              <a:pPr marL="0" marR="0" lvl="0" indent="0" algn="r" defTabSz="914400" rtl="0" eaLnBrk="0" fontAlgn="base" latinLnBrk="0" hangingPunct="0">
+                <a:lnSpc>
+                  <a:spcPct val="100000"/>
+                </a:lnSpc>
+                <a:spcBef>
+                  <a:spcPct val="0"/>
+                </a:spcBef>
+                <a:spcAft>
+                  <a:spcPct val="0"/>
+                </a:spcAft>
+                <a:buClrTx/>
+                <a:buSzTx/>
+                <a:buFontTx/>
+                <a:buNone/>
+                <a:tabLst/>
+                <a:defRPr/>
+              </a:pPr>
+              <a:t>18</a:t>
+            </a:fld>
+            <a:endParaRPr kumimoji="0" lang="fr-FR" sz="1200" b="0" i="0" u="none" strike="noStrike" kern="1200" cap="none" spc="0" normalizeH="0" baseline="0" noProof="0">
+              <a:ln>
+                <a:noFill/>
+              </a:ln>
+              <a:solidFill>
+                <a:srgbClr val="5F5F5F"/>
+              </a:solidFill>
+              <a:effectLst/>
+              <a:uLnTx/>
+              <a:uFillTx/>
+              <a:latin typeface="Arial" charset="0"/>
+              <a:ea typeface="+mn-ea"/>
+              <a:cs typeface="+mn-cs"/>
+            </a:endParaRPr>
+          </a:p>
+        </p:txBody>
+      </p:sp>
+      <p:sp>
+        <p:nvSpPr>
+          <p:cNvPr id="6" name="Espace réservé du numéro de diapositive 1"/>
+          <p:cNvSpPr txBox="1">
+            <a:spLocks/>
+          </p:cNvSpPr>
+          <p:nvPr/>
+        </p:nvSpPr>
+        <p:spPr bwMode="auto">
+          <a:xfrm>
+            <a:off x="8277225" y="6477000"/>
+            <a:ext cx="719138" cy="323850"/>
+          </a:xfrm>
+          <a:prstGeom prst="rect">
+            <a:avLst/>
+          </a:prstGeom>
+          <a:noFill/>
+          <a:ln w="9525">
+            <a:noFill/>
+            <a:miter lim="800000"/>
+            <a:headEnd/>
+            <a:tailEnd/>
+          </a:ln>
+          <a:effectLst/>
+        </p:spPr>
+        <p:txBody>
+          <a:bodyPr vert="horz" wrap="square" lIns="91440" tIns="45720" rIns="91440" bIns="45720" numCol="1" anchor="t" anchorCtr="0" compatLnSpc="1">
+            <a:prstTxWarp prst="textNoShape">
+              <a:avLst/>
+            </a:prstTxWarp>
+          </a:bodyPr>
+          <a:lstStyle/>
+          <a:p>
+            <a:pPr marL="0" marR="0" lvl="0" indent="0" algn="r" defTabSz="914400" rtl="0" eaLnBrk="0" fontAlgn="base" latinLnBrk="0" hangingPunct="0">
+              <a:lnSpc>
+                <a:spcPct val="100000"/>
+              </a:lnSpc>
+              <a:spcBef>
+                <a:spcPct val="0"/>
+              </a:spcBef>
+              <a:spcAft>
+                <a:spcPct val="0"/>
+              </a:spcAft>
+              <a:buClrTx/>
+              <a:buSzTx/>
+              <a:buFontTx/>
+              <a:buNone/>
+              <a:tabLst/>
+              <a:defRPr/>
+            </a:pPr>
+            <a:fld id="{0EEE55F7-AF7E-434C-A835-5D468B60A67C}" type="slidenum">
+              <a:rPr kumimoji="0" lang="fr-FR" sz="1200" b="0" i="0" u="none" strike="noStrike" kern="1200" cap="none" spc="0" normalizeH="0" baseline="0" noProof="0" smtClean="0">
+                <a:ln>
+                  <a:noFill/>
+                </a:ln>
+                <a:solidFill>
+                  <a:srgbClr val="5F5F5F"/>
+                </a:solidFill>
+                <a:effectLst/>
+                <a:uLnTx/>
+                <a:uFillTx/>
+                <a:latin typeface="Arial" charset="0"/>
+                <a:ea typeface="+mn-ea"/>
+                <a:cs typeface="+mn-cs"/>
+              </a:rPr>
+              <a:pPr marL="0" marR="0" lvl="0" indent="0" algn="r" defTabSz="914400" rtl="0" eaLnBrk="0" fontAlgn="base" latinLnBrk="0" hangingPunct="0">
+                <a:lnSpc>
+                  <a:spcPct val="100000"/>
+                </a:lnSpc>
+                <a:spcBef>
+                  <a:spcPct val="0"/>
+                </a:spcBef>
+                <a:spcAft>
+                  <a:spcPct val="0"/>
+                </a:spcAft>
+                <a:buClrTx/>
+                <a:buSzTx/>
+                <a:buFontTx/>
+                <a:buNone/>
+                <a:tabLst/>
+                <a:defRPr/>
+              </a:pPr>
+              <a:t>18</a:t>
+            </a:fld>
+            <a:endParaRPr kumimoji="0" lang="fr-FR" sz="1200" b="0" i="0" u="none" strike="noStrike" kern="1200" cap="none" spc="0" normalizeH="0" baseline="0" noProof="0">
+              <a:ln>
+                <a:noFill/>
+              </a:ln>
+              <a:solidFill>
+                <a:srgbClr val="5F5F5F"/>
+              </a:solidFill>
+              <a:effectLst/>
+              <a:uLnTx/>
+              <a:uFillTx/>
+              <a:latin typeface="Arial" charset="0"/>
+              <a:ea typeface="+mn-ea"/>
+              <a:cs typeface="+mn-cs"/>
+            </a:endParaRPr>
+          </a:p>
+        </p:txBody>
+      </p:sp>
+      <p:sp>
+        <p:nvSpPr>
+          <p:cNvPr id="7" name="Titre 1"/>
+          <p:cNvSpPr txBox="1">
+            <a:spLocks/>
+          </p:cNvSpPr>
+          <p:nvPr/>
+        </p:nvSpPr>
+        <p:spPr>
+          <a:xfrm>
+            <a:off x="1219200" y="150813"/>
+            <a:ext cx="7788275" cy="608012"/>
+          </a:xfrm>
+          <a:prstGeom prst="rect">
+            <a:avLst/>
+          </a:prstGeom>
+        </p:spPr>
+        <p:txBody>
+          <a:bodyPr/>
+          <a:lstStyle/>
+          <a:p>
+            <a:pPr marL="0" marR="0" lvl="0" indent="0" algn="l" defTabSz="914400" rtl="0" eaLnBrk="1" fontAlgn="base" latinLnBrk="0" hangingPunct="1">
+              <a:lnSpc>
+                <a:spcPct val="100000"/>
+              </a:lnSpc>
+              <a:spcBef>
+                <a:spcPct val="0"/>
+              </a:spcBef>
+              <a:spcAft>
+                <a:spcPct val="0"/>
+              </a:spcAft>
+              <a:buClrTx/>
+              <a:buSzTx/>
+              <a:buFontTx/>
+              <a:buNone/>
+              <a:tabLst/>
+              <a:defRPr/>
+            </a:pPr>
+            <a:r>
+              <a:rPr kumimoji="0" lang="fr-FR" sz="2400" b="1" i="0" u="none" strike="noStrike" kern="0" cap="none" spc="0" normalizeH="0" baseline="0" noProof="0" smtClean="0">
+                <a:ln>
+                  <a:noFill/>
+                </a:ln>
+                <a:solidFill>
+                  <a:srgbClr val="5F5F5F"/>
+                </a:solidFill>
+                <a:effectLst/>
+                <a:uLnTx/>
+                <a:uFillTx/>
+                <a:latin typeface="+mj-lt"/>
+                <a:ea typeface="+mj-ea"/>
+                <a:cs typeface="+mj-cs"/>
+              </a:rPr>
+              <a:t>II – Techniques de gestion de projet</a:t>
+            </a:r>
+            <a:endParaRPr kumimoji="0" lang="fr-FR" sz="2400" b="1" i="0" u="none" strike="noStrike" kern="0" cap="none" spc="0" normalizeH="0" baseline="0" noProof="0" dirty="0">
+              <a:ln>
+                <a:noFill/>
+              </a:ln>
+              <a:solidFill>
+                <a:srgbClr val="5F5F5F"/>
+              </a:solidFill>
+              <a:effectLst/>
+              <a:uLnTx/>
+              <a:uFillTx/>
+              <a:latin typeface="+mj-lt"/>
+              <a:ea typeface="+mj-ea"/>
+              <a:cs typeface="+mj-cs"/>
+            </a:endParaRPr>
+          </a:p>
+        </p:txBody>
+      </p:sp>
+      <p:sp>
+        <p:nvSpPr>
+          <p:cNvPr id="8" name="Espace réservé du contenu 2"/>
+          <p:cNvSpPr txBox="1">
+            <a:spLocks/>
+          </p:cNvSpPr>
+          <p:nvPr/>
+        </p:nvSpPr>
+        <p:spPr>
+          <a:xfrm>
+            <a:off x="1187450" y="1125538"/>
+            <a:ext cx="7499350" cy="5000625"/>
+          </a:xfrm>
+          <a:prstGeom prst="rect">
+            <a:avLst/>
+          </a:prstGeom>
+        </p:spPr>
+        <p:txBody>
+          <a:bodyPr/>
+          <a:lstStyle/>
+          <a:p>
+            <a:pPr marL="571500" marR="0" lvl="0" indent="-342900" algn="l" defTabSz="914400" rtl="0" eaLnBrk="1" fontAlgn="base" latinLnBrk="0" hangingPunct="1">
+              <a:lnSpc>
+                <a:spcPct val="100000"/>
+              </a:lnSpc>
+              <a:spcBef>
+                <a:spcPct val="20000"/>
+              </a:spcBef>
+              <a:spcAft>
+                <a:spcPct val="0"/>
+              </a:spcAft>
+              <a:buClrTx/>
+              <a:buSzTx/>
+              <a:buFont typeface="Wingdings" pitchFamily="2" charset="2"/>
+              <a:buChar char="q"/>
+              <a:tabLst/>
+              <a:defRPr/>
+            </a:pPr>
+            <a:r>
+              <a:rPr kumimoji="0" lang="fr-FR" sz="2400" b="1" i="0" u="none" strike="noStrike" kern="0" cap="none" spc="0" normalizeH="0" baseline="0" noProof="0" smtClean="0">
+                <a:ln>
+                  <a:noFill/>
+                </a:ln>
+                <a:solidFill>
+                  <a:srgbClr val="5F5F5F"/>
+                </a:solidFill>
+                <a:effectLst/>
+                <a:uLnTx/>
+                <a:uFillTx/>
+                <a:latin typeface="+mn-lt"/>
+                <a:ea typeface="+mn-ea"/>
+                <a:cs typeface="+mn-cs"/>
+              </a:rPr>
+              <a:t>Le kanban :</a:t>
+            </a:r>
+          </a:p>
+          <a:p>
+            <a:pPr marL="1143000" marR="0" lvl="1" indent="-285750" algn="l" defTabSz="914400" rtl="0" eaLnBrk="1" fontAlgn="base" latinLnBrk="0" hangingPunct="1">
+              <a:lnSpc>
+                <a:spcPct val="100000"/>
+              </a:lnSpc>
+              <a:spcBef>
+                <a:spcPct val="20000"/>
+              </a:spcBef>
+              <a:spcAft>
+                <a:spcPct val="0"/>
+              </a:spcAft>
+              <a:buClr>
+                <a:srgbClr val="FFB30C"/>
+              </a:buClr>
+              <a:buSzTx/>
+              <a:buFont typeface="Wingdings" pitchFamily="2" charset="2"/>
+              <a:buChar char="Ø"/>
+              <a:tabLst/>
+              <a:defRPr/>
+            </a:pPr>
+            <a:r>
+              <a:rPr kumimoji="0" lang="fr-FR" sz="2000" b="1" i="0" u="none" strike="noStrike" kern="0" cap="none" spc="0" normalizeH="0" baseline="0" noProof="0" smtClean="0">
+                <a:ln>
+                  <a:noFill/>
+                </a:ln>
+                <a:solidFill>
+                  <a:srgbClr val="5F5F5F"/>
+                </a:solidFill>
+                <a:effectLst/>
+                <a:uLnTx/>
+                <a:uFillTx/>
+                <a:latin typeface="+mn-lt"/>
+              </a:rPr>
+              <a:t>Méthode agile</a:t>
+            </a:r>
+          </a:p>
+          <a:p>
+            <a:pPr marL="1143000" marR="0" lvl="1" indent="-285750" algn="l" defTabSz="914400" rtl="0" eaLnBrk="1" fontAlgn="base" latinLnBrk="0" hangingPunct="1">
+              <a:lnSpc>
+                <a:spcPct val="100000"/>
+              </a:lnSpc>
+              <a:spcBef>
+                <a:spcPct val="20000"/>
+              </a:spcBef>
+              <a:spcAft>
+                <a:spcPct val="0"/>
+              </a:spcAft>
+              <a:buClr>
+                <a:srgbClr val="FFB30C"/>
+              </a:buClr>
+              <a:buSzTx/>
+              <a:buFont typeface="Wingdings" pitchFamily="2" charset="2"/>
+              <a:buChar char="Ø"/>
+              <a:tabLst/>
+              <a:defRPr/>
+            </a:pPr>
+            <a:r>
+              <a:rPr kumimoji="0" lang="fr-FR" sz="2000" b="1" i="0" u="none" strike="noStrike" kern="0" cap="none" spc="0" normalizeH="0" baseline="0" noProof="0" smtClean="0">
+                <a:ln>
+                  <a:noFill/>
+                </a:ln>
+                <a:solidFill>
+                  <a:srgbClr val="5F5F5F"/>
+                </a:solidFill>
+                <a:effectLst/>
+                <a:uLnTx/>
+                <a:uFillTx/>
+                <a:latin typeface="+mn-lt"/>
+              </a:rPr>
+              <a:t>Adaptée pour plusieurs projets informatiques</a:t>
+            </a:r>
+          </a:p>
+          <a:p>
+            <a:pPr marL="571500" marR="0" lvl="0" indent="-342900" algn="l" defTabSz="914400" rtl="0" eaLnBrk="1" fontAlgn="base" latinLnBrk="0" hangingPunct="1">
+              <a:lnSpc>
+                <a:spcPct val="100000"/>
+              </a:lnSpc>
+              <a:spcBef>
+                <a:spcPct val="20000"/>
+              </a:spcBef>
+              <a:spcAft>
+                <a:spcPct val="0"/>
+              </a:spcAft>
+              <a:buClrTx/>
+              <a:buSzTx/>
+              <a:buFont typeface="Wingdings" pitchFamily="2" charset="2"/>
+              <a:buChar char="q"/>
+              <a:tabLst/>
+              <a:defRPr/>
+            </a:pPr>
+            <a:r>
+              <a:rPr kumimoji="0" lang="fr-FR" sz="2400" b="1" i="0" u="none" strike="noStrike" kern="0" cap="none" spc="0" normalizeH="0" baseline="0" noProof="0" smtClean="0">
+                <a:ln>
+                  <a:noFill/>
+                </a:ln>
+                <a:solidFill>
+                  <a:srgbClr val="5F5F5F"/>
+                </a:solidFill>
+                <a:effectLst/>
+                <a:uLnTx/>
+                <a:uFillTx/>
+                <a:latin typeface="+mn-lt"/>
+                <a:ea typeface="+mn-ea"/>
+                <a:cs typeface="+mn-cs"/>
+              </a:rPr>
+              <a:t>Les étapes du Kanban :</a:t>
+            </a:r>
+          </a:p>
+          <a:p>
+            <a:pPr marL="1143000" marR="0" lvl="1" indent="-285750" algn="l" defTabSz="914400" rtl="0" eaLnBrk="1" fontAlgn="base" latinLnBrk="0" hangingPunct="1">
+              <a:lnSpc>
+                <a:spcPct val="100000"/>
+              </a:lnSpc>
+              <a:spcBef>
+                <a:spcPct val="20000"/>
+              </a:spcBef>
+              <a:spcAft>
+                <a:spcPct val="0"/>
+              </a:spcAft>
+              <a:buClr>
+                <a:srgbClr val="FFB30C"/>
+              </a:buClr>
+              <a:buSzTx/>
+              <a:buFont typeface="Wingdings" pitchFamily="2" charset="2"/>
+              <a:buNone/>
+              <a:tabLst/>
+              <a:defRPr/>
+            </a:pPr>
+            <a:endParaRPr kumimoji="0" lang="fr-FR" sz="2000" b="1" i="0" u="none" strike="noStrike" kern="0" cap="none" spc="0" normalizeH="0" baseline="0" noProof="0" dirty="0" smtClean="0">
+              <a:ln>
+                <a:noFill/>
+              </a:ln>
+              <a:solidFill>
+                <a:srgbClr val="5F5F5F"/>
+              </a:solidFill>
+              <a:effectLst/>
+              <a:uLnTx/>
+              <a:uFillTx/>
+              <a:latin typeface="+mn-lt"/>
+            </a:endParaRPr>
+          </a:p>
+        </p:txBody>
+      </p:sp>
+      <p:sp>
+        <p:nvSpPr>
+          <p:cNvPr id="9" name="Espace réservé du numéro de diapositive 3"/>
+          <p:cNvSpPr txBox="1">
+            <a:spLocks/>
+          </p:cNvSpPr>
+          <p:nvPr/>
+        </p:nvSpPr>
+        <p:spPr bwMode="auto">
+          <a:xfrm>
+            <a:off x="8277225" y="6477000"/>
+            <a:ext cx="719138" cy="323850"/>
+          </a:xfrm>
+          <a:prstGeom prst="rect">
+            <a:avLst/>
+          </a:prstGeom>
+          <a:noFill/>
+          <a:ln w="9525">
+            <a:noFill/>
+            <a:miter lim="800000"/>
+            <a:headEnd/>
+            <a:tailEnd/>
+          </a:ln>
+          <a:effectLst/>
+        </p:spPr>
+        <p:txBody>
+          <a:bodyPr vert="horz" wrap="square" lIns="91440" tIns="45720" rIns="91440" bIns="45720" numCol="1" anchor="t" anchorCtr="0" compatLnSpc="1">
+            <a:prstTxWarp prst="textNoShape">
+              <a:avLst/>
+            </a:prstTxWarp>
+          </a:bodyPr>
+          <a:lstStyle/>
+          <a:p>
+            <a:pPr marL="0" marR="0" lvl="0" indent="0" algn="r" defTabSz="914400" rtl="0" eaLnBrk="0" fontAlgn="base" latinLnBrk="0" hangingPunct="0">
+              <a:lnSpc>
+                <a:spcPct val="100000"/>
+              </a:lnSpc>
+              <a:spcBef>
+                <a:spcPct val="0"/>
+              </a:spcBef>
+              <a:spcAft>
+                <a:spcPct val="0"/>
+              </a:spcAft>
+              <a:buClrTx/>
+              <a:buSzTx/>
+              <a:buFontTx/>
+              <a:buNone/>
+              <a:tabLst/>
+              <a:defRPr/>
+            </a:pPr>
+            <a:fld id="{228977EE-2505-4E01-83E6-F24DDA98A02D}" type="slidenum">
+              <a:rPr kumimoji="0" lang="fr-FR" sz="1200" b="0" i="0" u="none" strike="noStrike" kern="1200" cap="none" spc="0" normalizeH="0" baseline="0" noProof="0" smtClean="0">
+                <a:ln>
+                  <a:noFill/>
+                </a:ln>
+                <a:solidFill>
+                  <a:srgbClr val="5F5F5F"/>
+                </a:solidFill>
+                <a:effectLst/>
+                <a:uLnTx/>
+                <a:uFillTx/>
+                <a:latin typeface="Arial" charset="0"/>
+                <a:ea typeface="+mn-ea"/>
+                <a:cs typeface="+mn-cs"/>
+              </a:rPr>
+              <a:pPr marL="0" marR="0" lvl="0" indent="0" algn="r" defTabSz="914400" rtl="0" eaLnBrk="0" fontAlgn="base" latinLnBrk="0" hangingPunct="0">
+                <a:lnSpc>
+                  <a:spcPct val="100000"/>
+                </a:lnSpc>
+                <a:spcBef>
+                  <a:spcPct val="0"/>
+                </a:spcBef>
+                <a:spcAft>
+                  <a:spcPct val="0"/>
+                </a:spcAft>
+                <a:buClrTx/>
+                <a:buSzTx/>
+                <a:buFontTx/>
+                <a:buNone/>
+                <a:tabLst/>
+                <a:defRPr/>
+              </a:pPr>
+              <a:t>18</a:t>
+            </a:fld>
+            <a:endParaRPr kumimoji="0" lang="fr-FR" sz="1200" b="0" i="0" u="none" strike="noStrike" kern="1200" cap="none" spc="0" normalizeH="0" baseline="0" noProof="0">
+              <a:ln>
+                <a:noFill/>
+              </a:ln>
+              <a:solidFill>
+                <a:srgbClr val="5F5F5F"/>
+              </a:solidFill>
+              <a:effectLst/>
+              <a:uLnTx/>
+              <a:uFillTx/>
+              <a:latin typeface="Arial" charset="0"/>
+              <a:ea typeface="+mn-ea"/>
+              <a:cs typeface="+mn-cs"/>
+            </a:endParaRPr>
+          </a:p>
+        </p:txBody>
+      </p:sp>
+      <p:sp>
+        <p:nvSpPr>
+          <p:cNvPr id="10" name="Carré corné 9"/>
+          <p:cNvSpPr/>
+          <p:nvPr/>
+        </p:nvSpPr>
+        <p:spPr bwMode="auto">
+          <a:xfrm rot="10800000">
+            <a:off x="3714744" y="3714752"/>
+            <a:ext cx="2428892" cy="2071702"/>
+          </a:xfrm>
+          <a:prstGeom prst="foldedCorner">
+            <a:avLst/>
+          </a:prstGeom>
+          <a:solidFill>
+            <a:srgbClr val="FFFF00"/>
+          </a:solidFill>
+          <a:ln w="9525" cap="flat" cmpd="sng" algn="ctr">
+            <a:noFill/>
+            <a:prstDash val="solid"/>
+            <a:round/>
+            <a:headEnd type="none" w="med" len="med"/>
+            <a:tailEnd type="none" w="med" len="med"/>
+          </a:ln>
+          <a:effectLst/>
+        </p:spPr>
+        <p:txBody>
+          <a:bodyPr vert="horz" wrap="square" lIns="91440" tIns="45720" rIns="91440" bIns="45720" numCol="1" rtlCol="0" anchor="t" anchorCtr="0" compatLnSpc="1">
+            <a:prstTxWarp prst="textNoShape">
+              <a:avLst/>
+            </a:prstTxWarp>
+          </a:bodyPr>
+          <a:lstStyle/>
+          <a:p>
+            <a:pPr marL="0" marR="0" indent="0" algn="ctr" defTabSz="914400" rtl="0" eaLnBrk="0" fontAlgn="base" latinLnBrk="0" hangingPunct="0">
+              <a:lnSpc>
+                <a:spcPct val="100000"/>
+              </a:lnSpc>
+              <a:spcBef>
+                <a:spcPct val="0"/>
+              </a:spcBef>
+              <a:spcAft>
+                <a:spcPct val="0"/>
+              </a:spcAft>
+              <a:buClrTx/>
+              <a:buSzTx/>
+              <a:buFontTx/>
+              <a:buNone/>
+              <a:tabLst/>
+            </a:pPr>
+            <a:endParaRPr kumimoji="0" lang="fr-FR" sz="1400" b="0" i="0" u="none" strike="noStrike" cap="none" normalizeH="0" baseline="0" dirty="0" smtClean="0">
+              <a:ln>
+                <a:noFill/>
+              </a:ln>
+              <a:solidFill>
+                <a:srgbClr val="5F5F5F"/>
+              </a:solidFill>
+              <a:effectLst/>
+              <a:latin typeface="Arial" charset="0"/>
+            </a:endParaRPr>
+          </a:p>
+        </p:txBody>
+      </p:sp>
+      <p:sp>
+        <p:nvSpPr>
+          <p:cNvPr id="11" name="ZoneTexte 10"/>
+          <p:cNvSpPr txBox="1"/>
+          <p:nvPr/>
+        </p:nvSpPr>
+        <p:spPr>
+          <a:xfrm>
+            <a:off x="3857620" y="3857628"/>
+            <a:ext cx="1143008" cy="307777"/>
+          </a:xfrm>
+          <a:prstGeom prst="rect">
+            <a:avLst/>
+          </a:prstGeom>
+          <a:noFill/>
+        </p:spPr>
+        <p:txBody>
+          <a:bodyPr wrap="square" rtlCol="0">
+            <a:spAutoFit/>
+          </a:bodyPr>
+          <a:lstStyle/>
+          <a:p>
+            <a:r>
+              <a:rPr lang="fr-FR" b="1" dirty="0" smtClean="0"/>
+              <a:t>NGL-714</a:t>
+            </a:r>
+            <a:endParaRPr lang="fr-FR" b="1" dirty="0"/>
+          </a:p>
+        </p:txBody>
+      </p:sp>
+      <p:sp>
+        <p:nvSpPr>
+          <p:cNvPr id="12" name="Rectangle 11"/>
+          <p:cNvSpPr/>
+          <p:nvPr/>
+        </p:nvSpPr>
+        <p:spPr bwMode="auto">
+          <a:xfrm>
+            <a:off x="3214678" y="3000372"/>
+            <a:ext cx="3286148" cy="428628"/>
+          </a:xfrm>
+          <a:prstGeom prst="rect">
+            <a:avLst/>
+          </a:prstGeom>
+          <a:noFill/>
+          <a:ln w="28575" cap="flat" cmpd="sng" algn="ctr">
+            <a:solidFill>
+              <a:schemeClr val="accent1"/>
+            </a:solidFill>
+            <a:prstDash val="solid"/>
+            <a:round/>
+            <a:headEnd type="none" w="med" len="med"/>
+            <a:tailEnd type="none" w="med" len="med"/>
+          </a:ln>
+          <a:effectLst/>
+        </p:spPr>
+        <p:txBody>
+          <a:bodyPr vert="horz" wrap="square" lIns="91440" tIns="45720" rIns="91440" bIns="45720" numCol="1" rtlCol="0" anchor="t" anchorCtr="0" compatLnSpc="1">
+            <a:prstTxWarp prst="textNoShape">
+              <a:avLst/>
+            </a:prstTxWarp>
+          </a:bodyPr>
+          <a:lstStyle/>
+          <a:p>
+            <a:pPr marL="0" marR="0" indent="0" algn="ctr" defTabSz="914400" rtl="0" eaLnBrk="0" fontAlgn="base" latinLnBrk="0" hangingPunct="0">
+              <a:lnSpc>
+                <a:spcPct val="100000"/>
+              </a:lnSpc>
+              <a:spcBef>
+                <a:spcPct val="0"/>
+              </a:spcBef>
+              <a:spcAft>
+                <a:spcPct val="0"/>
+              </a:spcAft>
+              <a:buClrTx/>
+              <a:buSzTx/>
+              <a:buFontTx/>
+              <a:buNone/>
+              <a:tabLst/>
+            </a:pPr>
+            <a:r>
+              <a:rPr kumimoji="0" lang="fr-FR" sz="2000" b="0" i="0" u="none" strike="noStrike" cap="none" normalizeH="0" baseline="0" dirty="0" smtClean="0">
+                <a:ln>
+                  <a:noFill/>
+                </a:ln>
+                <a:solidFill>
+                  <a:srgbClr val="5F5F5F"/>
+                </a:solidFill>
+                <a:effectLst/>
+                <a:latin typeface="Arial" charset="0"/>
+              </a:rPr>
+              <a:t>DEV / UAT</a:t>
+            </a:r>
+            <a:endParaRPr kumimoji="0" lang="fr-FR" sz="2000" b="0" i="0" u="none" strike="noStrike" cap="none" normalizeH="0" baseline="0" dirty="0" smtClean="0">
+              <a:ln>
+                <a:noFill/>
+              </a:ln>
+              <a:solidFill>
+                <a:srgbClr val="5F5F5F"/>
+              </a:solidFill>
+              <a:effectLst/>
+              <a:latin typeface="Arial" charset="0"/>
+            </a:endParaRPr>
+          </a:p>
+        </p:txBody>
+      </p:sp>
+      <p:sp>
+        <p:nvSpPr>
+          <p:cNvPr id="13" name="ZoneTexte 12"/>
+          <p:cNvSpPr txBox="1"/>
+          <p:nvPr/>
+        </p:nvSpPr>
+        <p:spPr>
+          <a:xfrm>
+            <a:off x="5072066" y="3857628"/>
+            <a:ext cx="714380" cy="400110"/>
+          </a:xfrm>
+          <a:prstGeom prst="rect">
+            <a:avLst/>
+          </a:prstGeom>
+          <a:noFill/>
+        </p:spPr>
+        <p:txBody>
+          <a:bodyPr wrap="square" rtlCol="0">
+            <a:spAutoFit/>
+          </a:bodyPr>
+          <a:lstStyle/>
+          <a:p>
+            <a:r>
+              <a:rPr lang="fr-FR" sz="2000" dirty="0" smtClean="0"/>
+              <a:t>***</a:t>
+            </a:r>
+            <a:endParaRPr lang="fr-FR" sz="2000" dirty="0"/>
+          </a:p>
+        </p:txBody>
+      </p:sp>
+      <p:sp>
+        <p:nvSpPr>
+          <p:cNvPr id="14" name="Rectangle 13"/>
+          <p:cNvSpPr/>
+          <p:nvPr/>
+        </p:nvSpPr>
+        <p:spPr>
+          <a:xfrm>
+            <a:off x="4000496" y="4643446"/>
+            <a:ext cx="1866216" cy="307777"/>
+          </a:xfrm>
+          <a:prstGeom prst="rect">
+            <a:avLst/>
+          </a:prstGeom>
+        </p:spPr>
+        <p:txBody>
+          <a:bodyPr wrap="none">
+            <a:spAutoFit/>
+          </a:bodyPr>
+          <a:lstStyle/>
+          <a:p>
+            <a:r>
+              <a:rPr lang="fr-FR" b="1" dirty="0" smtClean="0"/>
+              <a:t>Exporter les graphs</a:t>
+            </a:r>
+            <a:endParaRPr lang="fr-FR" b="1" dirty="0"/>
+          </a:p>
+        </p:txBody>
+      </p:sp>
+      <p:sp>
+        <p:nvSpPr>
+          <p:cNvPr id="15" name="Rectangle 14"/>
+          <p:cNvSpPr/>
+          <p:nvPr/>
+        </p:nvSpPr>
+        <p:spPr>
+          <a:xfrm>
+            <a:off x="3977383" y="5214950"/>
+            <a:ext cx="880369" cy="307777"/>
+          </a:xfrm>
+          <a:prstGeom prst="rect">
+            <a:avLst/>
+          </a:prstGeom>
+        </p:spPr>
+        <p:txBody>
+          <a:bodyPr wrap="none">
+            <a:spAutoFit/>
+          </a:bodyPr>
+          <a:lstStyle/>
+          <a:p>
+            <a:r>
+              <a:rPr lang="fr-FR" b="1" dirty="0" smtClean="0"/>
+              <a:t>13/07/15</a:t>
+            </a:r>
+            <a:endParaRPr lang="fr-FR" b="1" dirty="0"/>
+          </a:p>
+        </p:txBody>
+      </p:sp>
+      <p:pic>
+        <p:nvPicPr>
+          <p:cNvPr id="16" name="Picture 2" descr="C:\Program Files (x86)\Microsoft Office\MEDIA\CAGCAT10\j0302953.jpg"/>
+          <p:cNvPicPr>
+            <a:picLocks noChangeAspect="1" noChangeArrowheads="1"/>
+          </p:cNvPicPr>
+          <p:nvPr/>
+        </p:nvPicPr>
+        <p:blipFill>
+          <a:blip r:embed="rId2" cstate="print"/>
+          <a:srcRect/>
+          <a:stretch>
+            <a:fillRect/>
+          </a:stretch>
+        </p:blipFill>
+        <p:spPr bwMode="auto">
+          <a:xfrm>
+            <a:off x="5572132" y="5214950"/>
+            <a:ext cx="804478" cy="1127773"/>
+          </a:xfrm>
+          <a:prstGeom prst="rect">
+            <a:avLst/>
+          </a:prstGeom>
+          <a:noFill/>
+        </p:spPr>
+      </p:pic>
+      <p:sp>
+        <p:nvSpPr>
+          <p:cNvPr id="21" name="Rectangle 20"/>
+          <p:cNvSpPr/>
+          <p:nvPr/>
+        </p:nvSpPr>
+        <p:spPr bwMode="auto">
+          <a:xfrm>
+            <a:off x="5715008" y="3571876"/>
+            <a:ext cx="714380" cy="857256"/>
+          </a:xfrm>
+          <a:prstGeom prst="rect">
+            <a:avLst/>
+          </a:prstGeom>
+          <a:solidFill>
+            <a:srgbClr val="FF0000"/>
+          </a:solidFill>
+          <a:ln w="9525" cap="flat" cmpd="sng" algn="ctr">
+            <a:noFill/>
+            <a:prstDash val="solid"/>
+            <a:round/>
+            <a:headEnd type="none" w="med" len="med"/>
+            <a:tailEnd type="none" w="med" len="med"/>
+          </a:ln>
+          <a:effectLst/>
+        </p:spPr>
+        <p:txBody>
+          <a:bodyPr vert="horz" wrap="square" lIns="91440" tIns="45720" rIns="91440" bIns="45720" numCol="1" rtlCol="0" anchor="t" anchorCtr="0" compatLnSpc="1">
+            <a:prstTxWarp prst="textNoShape">
+              <a:avLst/>
+            </a:prstTxWarp>
+          </a:bodyPr>
+          <a:lstStyle/>
+          <a:p>
+            <a:pPr marL="0" marR="0" indent="0" algn="ctr" defTabSz="914400" rtl="0" eaLnBrk="0" fontAlgn="base" latinLnBrk="0" hangingPunct="0">
+              <a:lnSpc>
+                <a:spcPct val="100000"/>
+              </a:lnSpc>
+              <a:spcBef>
+                <a:spcPct val="0"/>
+              </a:spcBef>
+              <a:spcAft>
+                <a:spcPct val="0"/>
+              </a:spcAft>
+              <a:buClrTx/>
+              <a:buSzTx/>
+              <a:buFontTx/>
+              <a:buNone/>
+              <a:tabLst/>
+            </a:pPr>
+            <a:endParaRPr kumimoji="0" lang="fr-FR" sz="1400" b="0" i="0" u="none" strike="noStrike" cap="none" normalizeH="0" baseline="0" smtClean="0">
+              <a:ln>
+                <a:noFill/>
+              </a:ln>
+              <a:solidFill>
+                <a:srgbClr val="5F5F5F"/>
+              </a:solidFill>
+              <a:effectLst/>
+              <a:latin typeface="Arial" charset="0"/>
+            </a:endParaRPr>
+          </a:p>
+        </p:txBody>
+      </p:sp>
+      <p:sp>
+        <p:nvSpPr>
+          <p:cNvPr id="20" name="Triangle isocèle 19"/>
+          <p:cNvSpPr/>
+          <p:nvPr/>
+        </p:nvSpPr>
+        <p:spPr bwMode="auto">
+          <a:xfrm>
+            <a:off x="5786446" y="3643314"/>
+            <a:ext cx="571504" cy="714380"/>
+          </a:xfrm>
+          <a:prstGeom prst="triangle">
+            <a:avLst/>
+          </a:prstGeom>
+          <a:solidFill>
+            <a:schemeClr val="tx1">
+              <a:alpha val="78000"/>
+            </a:schemeClr>
+          </a:solidFill>
+          <a:ln w="9525" cap="flat" cmpd="sng" algn="ctr">
+            <a:noFill/>
+            <a:prstDash val="solid"/>
+            <a:round/>
+            <a:headEnd type="none" w="med" len="med"/>
+            <a:tailEnd type="none" w="med" len="med"/>
+          </a:ln>
+          <a:effectLst/>
+        </p:spPr>
+        <p:txBody>
+          <a:bodyPr vert="horz" wrap="square" lIns="91440" tIns="45720" rIns="91440" bIns="45720" numCol="1" rtlCol="0" anchor="t" anchorCtr="0" compatLnSpc="1">
+            <a:prstTxWarp prst="textNoShape">
+              <a:avLst/>
+            </a:prstTxWarp>
+          </a:bodyPr>
+          <a:lstStyle/>
+          <a:p>
+            <a:pPr marL="0" marR="0" indent="0" algn="ctr" defTabSz="914400" rtl="0" eaLnBrk="0" fontAlgn="base" latinLnBrk="0" hangingPunct="0">
+              <a:lnSpc>
+                <a:spcPct val="100000"/>
+              </a:lnSpc>
+              <a:spcBef>
+                <a:spcPct val="0"/>
+              </a:spcBef>
+              <a:spcAft>
+                <a:spcPct val="0"/>
+              </a:spcAft>
+              <a:buClrTx/>
+              <a:buSzTx/>
+              <a:buFontTx/>
+              <a:buNone/>
+              <a:tabLst/>
+            </a:pPr>
+            <a:r>
+              <a:rPr lang="fr-FR" sz="2000" dirty="0" smtClean="0">
+                <a:solidFill>
+                  <a:srgbClr val="FF0000"/>
+                </a:solidFill>
+              </a:rPr>
+              <a:t>!	</a:t>
+            </a:r>
+            <a:endParaRPr kumimoji="0" lang="fr-FR" sz="2000" b="0" i="0" u="none" strike="noStrike" cap="none" normalizeH="0" baseline="0" dirty="0" smtClean="0">
+              <a:ln>
+                <a:noFill/>
+              </a:ln>
+              <a:solidFill>
+                <a:srgbClr val="FF0000"/>
+              </a:solidFill>
+              <a:effectLst/>
+              <a:latin typeface="Arial" charset="0"/>
+            </a:endParaRPr>
+          </a:p>
+        </p:txBody>
+      </p:sp>
+    </p:spTree>
+  </p:cSld>
+  <p:clrMapOvr>
+    <a:masterClrMapping/>
+  </p:clrMapOvr>
+</p:sld>
+</file>
+
+<file path=ppt/slides/slide19.xml><?xml version="1.0" encoding="utf-8"?>
+<p:sld xmlns:a="http://schemas.openxmlformats.org/drawingml/2006/main" xmlns:r="http://schemas.openxmlformats.org/officeDocument/2006/relationships" xmlns:p="http://schemas.openxmlformats.org/presentationml/2006/main">
+  <p:cSld>
+    <p:spTree>
+      <p:nvGrpSpPr>
+        <p:cNvPr id="1" name=""/>
+        <p:cNvGrpSpPr/>
+        <p:nvPr/>
+      </p:nvGrpSpPr>
+      <p:grpSpPr>
+        <a:xfrm>
+          <a:off x="0" y="0"/>
+          <a:ext cx="0" cy="0"/>
+          <a:chOff x="0" y="0"/>
+          <a:chExt cx="0" cy="0"/>
+        </a:xfrm>
+      </p:grpSpPr>
+      <p:sp>
+        <p:nvSpPr>
+          <p:cNvPr id="2" name="Espace réservé du numéro de diapositive 1"/>
+          <p:cNvSpPr>
+            <a:spLocks noGrp="1"/>
+          </p:cNvSpPr>
+          <p:nvPr>
+            <p:ph type="sldNum" sz="quarter" idx="10"/>
+          </p:nvPr>
+        </p:nvSpPr>
+        <p:spPr/>
+        <p:txBody>
+          <a:bodyPr/>
+          <a:lstStyle/>
+          <a:p>
+            <a:fld id="{0EEE55F7-AF7E-434C-A835-5D468B60A67C}" type="slidenum">
+              <a:rPr lang="fr-FR" smtClean="0"/>
+              <a:pPr/>
+              <a:t>19</a:t>
+            </a:fld>
+            <a:endParaRPr lang="fr-FR"/>
+          </a:p>
+        </p:txBody>
+      </p:sp>
+      <p:sp>
+        <p:nvSpPr>
+          <p:cNvPr id="3" name="Espace réservé du numéro de diapositive 1"/>
+          <p:cNvSpPr txBox="1">
+            <a:spLocks/>
+          </p:cNvSpPr>
+          <p:nvPr/>
+        </p:nvSpPr>
+        <p:spPr bwMode="auto">
+          <a:xfrm>
+            <a:off x="8277225" y="6477000"/>
+            <a:ext cx="719138" cy="323850"/>
+          </a:xfrm>
+          <a:prstGeom prst="rect">
+            <a:avLst/>
+          </a:prstGeom>
+          <a:noFill/>
+          <a:ln w="9525">
+            <a:noFill/>
+            <a:miter lim="800000"/>
+            <a:headEnd/>
+            <a:tailEnd/>
+          </a:ln>
+          <a:effectLst/>
+        </p:spPr>
+        <p:txBody>
+          <a:bodyPr vert="horz" wrap="square" lIns="91440" tIns="45720" rIns="91440" bIns="45720" numCol="1" anchor="t" anchorCtr="0" compatLnSpc="1">
+            <a:prstTxWarp prst="textNoShape">
+              <a:avLst/>
+            </a:prstTxWarp>
+          </a:bodyPr>
+          <a:lstStyle/>
+          <a:p>
+            <a:pPr marL="0" marR="0" lvl="0" indent="0" algn="r" defTabSz="914400" rtl="0" eaLnBrk="0" fontAlgn="base" latinLnBrk="0" hangingPunct="0">
+              <a:lnSpc>
+                <a:spcPct val="100000"/>
+              </a:lnSpc>
+              <a:spcBef>
+                <a:spcPct val="0"/>
+              </a:spcBef>
+              <a:spcAft>
+                <a:spcPct val="0"/>
+              </a:spcAft>
+              <a:buClrTx/>
+              <a:buSzTx/>
+              <a:buFontTx/>
+              <a:buNone/>
+              <a:tabLst/>
+              <a:defRPr/>
+            </a:pPr>
+            <a:fld id="{0EEE55F7-AF7E-434C-A835-5D468B60A67C}" type="slidenum">
+              <a:rPr kumimoji="0" lang="fr-FR" sz="1200" b="0" i="0" u="none" strike="noStrike" kern="1200" cap="none" spc="0" normalizeH="0" baseline="0" noProof="0" smtClean="0">
+                <a:ln>
+                  <a:noFill/>
+                </a:ln>
+                <a:solidFill>
+                  <a:srgbClr val="5F5F5F"/>
+                </a:solidFill>
+                <a:effectLst/>
+                <a:uLnTx/>
+                <a:uFillTx/>
+                <a:latin typeface="Arial" charset="0"/>
+                <a:ea typeface="+mn-ea"/>
+                <a:cs typeface="+mn-cs"/>
+              </a:rPr>
+              <a:pPr marL="0" marR="0" lvl="0" indent="0" algn="r" defTabSz="914400" rtl="0" eaLnBrk="0" fontAlgn="base" latinLnBrk="0" hangingPunct="0">
+                <a:lnSpc>
+                  <a:spcPct val="100000"/>
+                </a:lnSpc>
+                <a:spcBef>
+                  <a:spcPct val="0"/>
+                </a:spcBef>
+                <a:spcAft>
+                  <a:spcPct val="0"/>
+                </a:spcAft>
+                <a:buClrTx/>
+                <a:buSzTx/>
+                <a:buFontTx/>
+                <a:buNone/>
+                <a:tabLst/>
+                <a:defRPr/>
+              </a:pPr>
+              <a:t>19</a:t>
+            </a:fld>
+            <a:endParaRPr kumimoji="0" lang="fr-FR" sz="1200" b="0" i="0" u="none" strike="noStrike" kern="1200" cap="none" spc="0" normalizeH="0" baseline="0" noProof="0">
+              <a:ln>
+                <a:noFill/>
+              </a:ln>
+              <a:solidFill>
+                <a:srgbClr val="5F5F5F"/>
+              </a:solidFill>
+              <a:effectLst/>
+              <a:uLnTx/>
+              <a:uFillTx/>
+              <a:latin typeface="Arial" charset="0"/>
+              <a:ea typeface="+mn-ea"/>
+              <a:cs typeface="+mn-cs"/>
+            </a:endParaRPr>
+          </a:p>
+        </p:txBody>
+      </p:sp>
+      <p:sp>
+        <p:nvSpPr>
+          <p:cNvPr id="4" name="Espace réservé du numéro de diapositive 1"/>
+          <p:cNvSpPr txBox="1">
+            <a:spLocks/>
+          </p:cNvSpPr>
+          <p:nvPr/>
+        </p:nvSpPr>
+        <p:spPr bwMode="auto">
+          <a:xfrm>
+            <a:off x="8277225" y="6477000"/>
+            <a:ext cx="719138" cy="323850"/>
+          </a:xfrm>
+          <a:prstGeom prst="rect">
+            <a:avLst/>
+          </a:prstGeom>
+          <a:noFill/>
+          <a:ln w="9525">
+            <a:noFill/>
+            <a:miter lim="800000"/>
+            <a:headEnd/>
+            <a:tailEnd/>
+          </a:ln>
+          <a:effectLst/>
+        </p:spPr>
+        <p:txBody>
+          <a:bodyPr vert="horz" wrap="square" lIns="91440" tIns="45720" rIns="91440" bIns="45720" numCol="1" anchor="t" anchorCtr="0" compatLnSpc="1">
+            <a:prstTxWarp prst="textNoShape">
+              <a:avLst/>
+            </a:prstTxWarp>
+          </a:bodyPr>
+          <a:lstStyle/>
+          <a:p>
+            <a:pPr marL="0" marR="0" lvl="0" indent="0" algn="r" defTabSz="914400" rtl="0" eaLnBrk="0" fontAlgn="base" latinLnBrk="0" hangingPunct="0">
+              <a:lnSpc>
+                <a:spcPct val="100000"/>
+              </a:lnSpc>
+              <a:spcBef>
+                <a:spcPct val="0"/>
+              </a:spcBef>
+              <a:spcAft>
+                <a:spcPct val="0"/>
+              </a:spcAft>
+              <a:buClrTx/>
+              <a:buSzTx/>
+              <a:buFontTx/>
+              <a:buNone/>
+              <a:tabLst/>
+              <a:defRPr/>
+            </a:pPr>
+            <a:fld id="{0EEE55F7-AF7E-434C-A835-5D468B60A67C}" type="slidenum">
+              <a:rPr kumimoji="0" lang="fr-FR" sz="1200" b="0" i="0" u="none" strike="noStrike" kern="1200" cap="none" spc="0" normalizeH="0" baseline="0" noProof="0" smtClean="0">
+                <a:ln>
+                  <a:noFill/>
+                </a:ln>
+                <a:solidFill>
+                  <a:srgbClr val="5F5F5F"/>
+                </a:solidFill>
+                <a:effectLst/>
+                <a:uLnTx/>
+                <a:uFillTx/>
+                <a:latin typeface="Arial" charset="0"/>
+                <a:ea typeface="+mn-ea"/>
+                <a:cs typeface="+mn-cs"/>
+              </a:rPr>
+              <a:pPr marL="0" marR="0" lvl="0" indent="0" algn="r" defTabSz="914400" rtl="0" eaLnBrk="0" fontAlgn="base" latinLnBrk="0" hangingPunct="0">
+                <a:lnSpc>
+                  <a:spcPct val="100000"/>
+                </a:lnSpc>
+                <a:spcBef>
+                  <a:spcPct val="0"/>
+                </a:spcBef>
+                <a:spcAft>
+                  <a:spcPct val="0"/>
+                </a:spcAft>
+                <a:buClrTx/>
+                <a:buSzTx/>
+                <a:buFontTx/>
+                <a:buNone/>
+                <a:tabLst/>
+                <a:defRPr/>
+              </a:pPr>
+              <a:t>19</a:t>
+            </a:fld>
+            <a:endParaRPr kumimoji="0" lang="fr-FR" sz="1200" b="0" i="0" u="none" strike="noStrike" kern="1200" cap="none" spc="0" normalizeH="0" baseline="0" noProof="0">
+              <a:ln>
+                <a:noFill/>
+              </a:ln>
+              <a:solidFill>
+                <a:srgbClr val="5F5F5F"/>
+              </a:solidFill>
+              <a:effectLst/>
+              <a:uLnTx/>
+              <a:uFillTx/>
+              <a:latin typeface="Arial" charset="0"/>
+              <a:ea typeface="+mn-ea"/>
+              <a:cs typeface="+mn-cs"/>
+            </a:endParaRPr>
+          </a:p>
+        </p:txBody>
+      </p:sp>
+      <p:sp>
+        <p:nvSpPr>
+          <p:cNvPr id="5" name="Espace réservé du numéro de diapositive 1"/>
+          <p:cNvSpPr txBox="1">
+            <a:spLocks/>
+          </p:cNvSpPr>
+          <p:nvPr/>
+        </p:nvSpPr>
+        <p:spPr bwMode="auto">
+          <a:xfrm>
+            <a:off x="8277225" y="6477000"/>
+            <a:ext cx="719138" cy="323850"/>
+          </a:xfrm>
+          <a:prstGeom prst="rect">
+            <a:avLst/>
+          </a:prstGeom>
+          <a:noFill/>
+          <a:ln w="9525">
+            <a:noFill/>
+            <a:miter lim="800000"/>
+            <a:headEnd/>
+            <a:tailEnd/>
+          </a:ln>
+          <a:effectLst/>
+        </p:spPr>
+        <p:txBody>
+          <a:bodyPr vert="horz" wrap="square" lIns="91440" tIns="45720" rIns="91440" bIns="45720" numCol="1" anchor="t" anchorCtr="0" compatLnSpc="1">
+            <a:prstTxWarp prst="textNoShape">
+              <a:avLst/>
+            </a:prstTxWarp>
+          </a:bodyPr>
+          <a:lstStyle/>
+          <a:p>
+            <a:pPr marL="0" marR="0" lvl="0" indent="0" algn="r" defTabSz="914400" rtl="0" eaLnBrk="0" fontAlgn="base" latinLnBrk="0" hangingPunct="0">
+              <a:lnSpc>
+                <a:spcPct val="100000"/>
+              </a:lnSpc>
+              <a:spcBef>
+                <a:spcPct val="0"/>
+              </a:spcBef>
+              <a:spcAft>
+                <a:spcPct val="0"/>
+              </a:spcAft>
+              <a:buClrTx/>
+              <a:buSzTx/>
+              <a:buFontTx/>
+              <a:buNone/>
+              <a:tabLst/>
+              <a:defRPr/>
+            </a:pPr>
+            <a:fld id="{0EEE55F7-AF7E-434C-A835-5D468B60A67C}" type="slidenum">
+              <a:rPr kumimoji="0" lang="fr-FR" sz="1200" b="0" i="0" u="none" strike="noStrike" kern="1200" cap="none" spc="0" normalizeH="0" baseline="0" noProof="0" smtClean="0">
+                <a:ln>
+                  <a:noFill/>
+                </a:ln>
+                <a:solidFill>
+                  <a:srgbClr val="5F5F5F"/>
+                </a:solidFill>
+                <a:effectLst/>
+                <a:uLnTx/>
+                <a:uFillTx/>
+                <a:latin typeface="Arial" charset="0"/>
+                <a:ea typeface="+mn-ea"/>
+                <a:cs typeface="+mn-cs"/>
+              </a:rPr>
+              <a:pPr marL="0" marR="0" lvl="0" indent="0" algn="r" defTabSz="914400" rtl="0" eaLnBrk="0" fontAlgn="base" latinLnBrk="0" hangingPunct="0">
+                <a:lnSpc>
+                  <a:spcPct val="100000"/>
+                </a:lnSpc>
+                <a:spcBef>
+                  <a:spcPct val="0"/>
+                </a:spcBef>
+                <a:spcAft>
+                  <a:spcPct val="0"/>
+                </a:spcAft>
+                <a:buClrTx/>
+                <a:buSzTx/>
+                <a:buFontTx/>
+                <a:buNone/>
+                <a:tabLst/>
+                <a:defRPr/>
+              </a:pPr>
+              <a:t>19</a:t>
+            </a:fld>
+            <a:endParaRPr kumimoji="0" lang="fr-FR" sz="1200" b="0" i="0" u="none" strike="noStrike" kern="1200" cap="none" spc="0" normalizeH="0" baseline="0" noProof="0">
+              <a:ln>
+                <a:noFill/>
+              </a:ln>
+              <a:solidFill>
+                <a:srgbClr val="5F5F5F"/>
+              </a:solidFill>
+              <a:effectLst/>
+              <a:uLnTx/>
+              <a:uFillTx/>
+              <a:latin typeface="Arial" charset="0"/>
+              <a:ea typeface="+mn-ea"/>
+              <a:cs typeface="+mn-cs"/>
+            </a:endParaRPr>
+          </a:p>
+        </p:txBody>
+      </p:sp>
+      <p:sp>
+        <p:nvSpPr>
+          <p:cNvPr id="6" name="Espace réservé du numéro de diapositive 1"/>
+          <p:cNvSpPr txBox="1">
+            <a:spLocks/>
+          </p:cNvSpPr>
+          <p:nvPr/>
+        </p:nvSpPr>
+        <p:spPr bwMode="auto">
+          <a:xfrm>
+            <a:off x="8277225" y="6477000"/>
+            <a:ext cx="719138" cy="323850"/>
+          </a:xfrm>
+          <a:prstGeom prst="rect">
+            <a:avLst/>
+          </a:prstGeom>
+          <a:noFill/>
+          <a:ln w="9525">
+            <a:noFill/>
+            <a:miter lim="800000"/>
+            <a:headEnd/>
+            <a:tailEnd/>
+          </a:ln>
+          <a:effectLst/>
+        </p:spPr>
+        <p:txBody>
+          <a:bodyPr vert="horz" wrap="square" lIns="91440" tIns="45720" rIns="91440" bIns="45720" numCol="1" anchor="t" anchorCtr="0" compatLnSpc="1">
+            <a:prstTxWarp prst="textNoShape">
+              <a:avLst/>
+            </a:prstTxWarp>
+          </a:bodyPr>
+          <a:lstStyle/>
+          <a:p>
+            <a:pPr marL="0" marR="0" lvl="0" indent="0" algn="r" defTabSz="914400" rtl="0" eaLnBrk="0" fontAlgn="base" latinLnBrk="0" hangingPunct="0">
+              <a:lnSpc>
+                <a:spcPct val="100000"/>
+              </a:lnSpc>
+              <a:spcBef>
+                <a:spcPct val="0"/>
+              </a:spcBef>
+              <a:spcAft>
+                <a:spcPct val="0"/>
+              </a:spcAft>
+              <a:buClrTx/>
+              <a:buSzTx/>
+              <a:buFontTx/>
+              <a:buNone/>
+              <a:tabLst/>
+              <a:defRPr/>
+            </a:pPr>
+            <a:fld id="{0EEE55F7-AF7E-434C-A835-5D468B60A67C}" type="slidenum">
+              <a:rPr kumimoji="0" lang="fr-FR" sz="1200" b="0" i="0" u="none" strike="noStrike" kern="1200" cap="none" spc="0" normalizeH="0" baseline="0" noProof="0" smtClean="0">
+                <a:ln>
+                  <a:noFill/>
+                </a:ln>
+                <a:solidFill>
+                  <a:srgbClr val="5F5F5F"/>
+                </a:solidFill>
+                <a:effectLst/>
+                <a:uLnTx/>
+                <a:uFillTx/>
+                <a:latin typeface="Arial" charset="0"/>
+                <a:ea typeface="+mn-ea"/>
+                <a:cs typeface="+mn-cs"/>
+              </a:rPr>
+              <a:pPr marL="0" marR="0" lvl="0" indent="0" algn="r" defTabSz="914400" rtl="0" eaLnBrk="0" fontAlgn="base" latinLnBrk="0" hangingPunct="0">
+                <a:lnSpc>
+                  <a:spcPct val="100000"/>
+                </a:lnSpc>
+                <a:spcBef>
+                  <a:spcPct val="0"/>
+                </a:spcBef>
+                <a:spcAft>
+                  <a:spcPct val="0"/>
+                </a:spcAft>
+                <a:buClrTx/>
+                <a:buSzTx/>
+                <a:buFontTx/>
+                <a:buNone/>
+                <a:tabLst/>
+                <a:defRPr/>
+              </a:pPr>
+              <a:t>19</a:t>
+            </a:fld>
+            <a:endParaRPr kumimoji="0" lang="fr-FR" sz="1200" b="0" i="0" u="none" strike="noStrike" kern="1200" cap="none" spc="0" normalizeH="0" baseline="0" noProof="0">
+              <a:ln>
+                <a:noFill/>
+              </a:ln>
+              <a:solidFill>
+                <a:srgbClr val="5F5F5F"/>
+              </a:solidFill>
+              <a:effectLst/>
+              <a:uLnTx/>
+              <a:uFillTx/>
+              <a:latin typeface="Arial" charset="0"/>
+              <a:ea typeface="+mn-ea"/>
+              <a:cs typeface="+mn-cs"/>
+            </a:endParaRPr>
+          </a:p>
+        </p:txBody>
+      </p:sp>
+      <p:sp>
+        <p:nvSpPr>
+          <p:cNvPr id="7" name="Espace réservé du numéro de diapositive 1"/>
+          <p:cNvSpPr txBox="1">
+            <a:spLocks/>
+          </p:cNvSpPr>
+          <p:nvPr/>
+        </p:nvSpPr>
+        <p:spPr bwMode="auto">
+          <a:xfrm>
+            <a:off x="8277225" y="6477000"/>
+            <a:ext cx="719138" cy="323850"/>
+          </a:xfrm>
+          <a:prstGeom prst="rect">
+            <a:avLst/>
+          </a:prstGeom>
+          <a:noFill/>
+          <a:ln w="9525">
+            <a:noFill/>
+            <a:miter lim="800000"/>
+            <a:headEnd/>
+            <a:tailEnd/>
+          </a:ln>
+          <a:effectLst/>
+        </p:spPr>
+        <p:txBody>
+          <a:bodyPr vert="horz" wrap="square" lIns="91440" tIns="45720" rIns="91440" bIns="45720" numCol="1" anchor="t" anchorCtr="0" compatLnSpc="1">
+            <a:prstTxWarp prst="textNoShape">
+              <a:avLst/>
+            </a:prstTxWarp>
+          </a:bodyPr>
+          <a:lstStyle/>
+          <a:p>
+            <a:pPr marL="0" marR="0" lvl="0" indent="0" algn="r" defTabSz="914400" rtl="0" eaLnBrk="0" fontAlgn="base" latinLnBrk="0" hangingPunct="0">
+              <a:lnSpc>
+                <a:spcPct val="100000"/>
+              </a:lnSpc>
+              <a:spcBef>
+                <a:spcPct val="0"/>
+              </a:spcBef>
+              <a:spcAft>
+                <a:spcPct val="0"/>
+              </a:spcAft>
+              <a:buClrTx/>
+              <a:buSzTx/>
+              <a:buFontTx/>
+              <a:buNone/>
+              <a:tabLst/>
+              <a:defRPr/>
+            </a:pPr>
+            <a:fld id="{0EEE55F7-AF7E-434C-A835-5D468B60A67C}" type="slidenum">
+              <a:rPr kumimoji="0" lang="fr-FR" sz="1200" b="0" i="0" u="none" strike="noStrike" kern="1200" cap="none" spc="0" normalizeH="0" baseline="0" noProof="0" smtClean="0">
+                <a:ln>
+                  <a:noFill/>
+                </a:ln>
+                <a:solidFill>
+                  <a:srgbClr val="5F5F5F"/>
+                </a:solidFill>
+                <a:effectLst/>
+                <a:uLnTx/>
+                <a:uFillTx/>
+                <a:latin typeface="Arial" charset="0"/>
+                <a:ea typeface="+mn-ea"/>
+                <a:cs typeface="+mn-cs"/>
+              </a:rPr>
+              <a:pPr marL="0" marR="0" lvl="0" indent="0" algn="r" defTabSz="914400" rtl="0" eaLnBrk="0" fontAlgn="base" latinLnBrk="0" hangingPunct="0">
+                <a:lnSpc>
+                  <a:spcPct val="100000"/>
+                </a:lnSpc>
+                <a:spcBef>
+                  <a:spcPct val="0"/>
+                </a:spcBef>
+                <a:spcAft>
+                  <a:spcPct val="0"/>
+                </a:spcAft>
+                <a:buClrTx/>
+                <a:buSzTx/>
+                <a:buFontTx/>
+                <a:buNone/>
+                <a:tabLst/>
+                <a:defRPr/>
+              </a:pPr>
+              <a:t>19</a:t>
+            </a:fld>
+            <a:endParaRPr kumimoji="0" lang="fr-FR" sz="1200" b="0" i="0" u="none" strike="noStrike" kern="1200" cap="none" spc="0" normalizeH="0" baseline="0" noProof="0">
+              <a:ln>
+                <a:noFill/>
+              </a:ln>
+              <a:solidFill>
+                <a:srgbClr val="5F5F5F"/>
+              </a:solidFill>
+              <a:effectLst/>
+              <a:uLnTx/>
+              <a:uFillTx/>
+              <a:latin typeface="Arial" charset="0"/>
+              <a:ea typeface="+mn-ea"/>
+              <a:cs typeface="+mn-cs"/>
+            </a:endParaRPr>
+          </a:p>
+        </p:txBody>
+      </p:sp>
+      <p:sp>
+        <p:nvSpPr>
+          <p:cNvPr id="8" name="Titre 1"/>
+          <p:cNvSpPr txBox="1">
+            <a:spLocks/>
+          </p:cNvSpPr>
+          <p:nvPr/>
+        </p:nvSpPr>
+        <p:spPr>
+          <a:xfrm>
+            <a:off x="1219200" y="150813"/>
+            <a:ext cx="7788275" cy="608012"/>
+          </a:xfrm>
+          <a:prstGeom prst="rect">
+            <a:avLst/>
+          </a:prstGeom>
+        </p:spPr>
+        <p:txBody>
+          <a:bodyPr/>
+          <a:lstStyle/>
+          <a:p>
+            <a:pPr marL="0" marR="0" lvl="0" indent="0" algn="l" defTabSz="914400" rtl="0" eaLnBrk="1" fontAlgn="base" latinLnBrk="0" hangingPunct="1">
+              <a:lnSpc>
+                <a:spcPct val="100000"/>
+              </a:lnSpc>
+              <a:spcBef>
+                <a:spcPct val="0"/>
+              </a:spcBef>
+              <a:spcAft>
+                <a:spcPct val="0"/>
+              </a:spcAft>
+              <a:buClrTx/>
+              <a:buSzTx/>
+              <a:buFontTx/>
+              <a:buNone/>
+              <a:tabLst/>
+              <a:defRPr/>
+            </a:pPr>
+            <a:r>
+              <a:rPr kumimoji="0" lang="fr-FR" sz="2400" b="1" i="0" u="none" strike="noStrike" kern="0" cap="none" spc="0" normalizeH="0" baseline="0" noProof="0" smtClean="0">
+                <a:ln>
+                  <a:noFill/>
+                </a:ln>
+                <a:solidFill>
+                  <a:srgbClr val="5F5F5F"/>
+                </a:solidFill>
+                <a:effectLst/>
+                <a:uLnTx/>
+                <a:uFillTx/>
+                <a:latin typeface="+mj-lt"/>
+                <a:ea typeface="+mj-ea"/>
+                <a:cs typeface="+mj-cs"/>
+              </a:rPr>
+              <a:t>II – Techniques de gestion de projet</a:t>
+            </a:r>
+            <a:endParaRPr kumimoji="0" lang="fr-FR" sz="2400" b="1" i="0" u="none" strike="noStrike" kern="0" cap="none" spc="0" normalizeH="0" baseline="0" noProof="0" dirty="0">
+              <a:ln>
+                <a:noFill/>
+              </a:ln>
+              <a:solidFill>
+                <a:srgbClr val="5F5F5F"/>
+              </a:solidFill>
+              <a:effectLst/>
+              <a:uLnTx/>
+              <a:uFillTx/>
+              <a:latin typeface="+mj-lt"/>
+              <a:ea typeface="+mj-ea"/>
+              <a:cs typeface="+mj-cs"/>
+            </a:endParaRPr>
+          </a:p>
+        </p:txBody>
+      </p:sp>
+      <p:sp>
+        <p:nvSpPr>
+          <p:cNvPr id="9" name="Espace réservé du contenu 2"/>
+          <p:cNvSpPr txBox="1">
+            <a:spLocks/>
+          </p:cNvSpPr>
+          <p:nvPr/>
+        </p:nvSpPr>
+        <p:spPr>
+          <a:xfrm>
+            <a:off x="1187450" y="1125538"/>
+            <a:ext cx="7499350" cy="5000625"/>
+          </a:xfrm>
+          <a:prstGeom prst="rect">
+            <a:avLst/>
+          </a:prstGeom>
+        </p:spPr>
+        <p:txBody>
+          <a:bodyPr/>
+          <a:lstStyle/>
+          <a:p>
+            <a:pPr marL="571500" marR="0" lvl="0" indent="-342900" algn="l" defTabSz="914400" rtl="0" eaLnBrk="1" fontAlgn="base" latinLnBrk="0" hangingPunct="1">
+              <a:lnSpc>
+                <a:spcPct val="100000"/>
+              </a:lnSpc>
+              <a:spcBef>
+                <a:spcPct val="20000"/>
+              </a:spcBef>
+              <a:spcAft>
+                <a:spcPct val="0"/>
+              </a:spcAft>
+              <a:buClrTx/>
+              <a:buSzTx/>
+              <a:buFont typeface="Wingdings" pitchFamily="2" charset="2"/>
+              <a:buChar char="q"/>
+              <a:tabLst/>
+              <a:defRPr/>
+            </a:pPr>
+            <a:r>
+              <a:rPr kumimoji="0" lang="fr-FR" sz="2400" b="1" i="0" u="none" strike="noStrike" kern="0" cap="none" spc="0" normalizeH="0" baseline="0" noProof="0" smtClean="0">
+                <a:ln>
+                  <a:noFill/>
+                </a:ln>
+                <a:solidFill>
+                  <a:srgbClr val="5F5F5F"/>
+                </a:solidFill>
+                <a:effectLst/>
+                <a:uLnTx/>
+                <a:uFillTx/>
+                <a:latin typeface="+mn-lt"/>
+                <a:ea typeface="+mn-ea"/>
+                <a:cs typeface="+mn-cs"/>
+              </a:rPr>
+              <a:t>Le kanban :</a:t>
+            </a:r>
+          </a:p>
+          <a:p>
+            <a:pPr marL="1143000" marR="0" lvl="1" indent="-285750" algn="l" defTabSz="914400" rtl="0" eaLnBrk="1" fontAlgn="base" latinLnBrk="0" hangingPunct="1">
+              <a:lnSpc>
+                <a:spcPct val="100000"/>
+              </a:lnSpc>
+              <a:spcBef>
+                <a:spcPct val="20000"/>
+              </a:spcBef>
+              <a:spcAft>
+                <a:spcPct val="0"/>
+              </a:spcAft>
+              <a:buClr>
+                <a:srgbClr val="FFB30C"/>
+              </a:buClr>
+              <a:buSzTx/>
+              <a:buFont typeface="Wingdings" pitchFamily="2" charset="2"/>
+              <a:buChar char="Ø"/>
+              <a:tabLst/>
+              <a:defRPr/>
+            </a:pPr>
+            <a:r>
+              <a:rPr kumimoji="0" lang="fr-FR" sz="2000" b="1" i="0" u="none" strike="noStrike" kern="0" cap="none" spc="0" normalizeH="0" baseline="0" noProof="0" smtClean="0">
+                <a:ln>
+                  <a:noFill/>
+                </a:ln>
+                <a:solidFill>
+                  <a:srgbClr val="5F5F5F"/>
+                </a:solidFill>
+                <a:effectLst/>
+                <a:uLnTx/>
+                <a:uFillTx/>
+                <a:latin typeface="+mn-lt"/>
+              </a:rPr>
+              <a:t>Méthode agile</a:t>
+            </a:r>
+          </a:p>
+          <a:p>
+            <a:pPr marL="1143000" marR="0" lvl="1" indent="-285750" algn="l" defTabSz="914400" rtl="0" eaLnBrk="1" fontAlgn="base" latinLnBrk="0" hangingPunct="1">
+              <a:lnSpc>
+                <a:spcPct val="100000"/>
+              </a:lnSpc>
+              <a:spcBef>
+                <a:spcPct val="20000"/>
+              </a:spcBef>
+              <a:spcAft>
+                <a:spcPct val="0"/>
+              </a:spcAft>
+              <a:buClr>
+                <a:srgbClr val="FFB30C"/>
+              </a:buClr>
+              <a:buSzTx/>
+              <a:buFont typeface="Wingdings" pitchFamily="2" charset="2"/>
+              <a:buChar char="Ø"/>
+              <a:tabLst/>
+              <a:defRPr/>
+            </a:pPr>
+            <a:r>
+              <a:rPr kumimoji="0" lang="fr-FR" sz="2000" b="1" i="0" u="none" strike="noStrike" kern="0" cap="none" spc="0" normalizeH="0" baseline="0" noProof="0" smtClean="0">
+                <a:ln>
+                  <a:noFill/>
+                </a:ln>
+                <a:solidFill>
+                  <a:srgbClr val="5F5F5F"/>
+                </a:solidFill>
+                <a:effectLst/>
+                <a:uLnTx/>
+                <a:uFillTx/>
+                <a:latin typeface="+mn-lt"/>
+              </a:rPr>
+              <a:t>Adaptée pour plusieurs projets informatiques</a:t>
+            </a:r>
+          </a:p>
+          <a:p>
+            <a:pPr marL="571500" marR="0" lvl="0" indent="-342900" algn="l" defTabSz="914400" rtl="0" eaLnBrk="1" fontAlgn="base" latinLnBrk="0" hangingPunct="1">
+              <a:lnSpc>
+                <a:spcPct val="100000"/>
+              </a:lnSpc>
+              <a:spcBef>
+                <a:spcPct val="20000"/>
+              </a:spcBef>
+              <a:spcAft>
+                <a:spcPct val="0"/>
+              </a:spcAft>
+              <a:buClrTx/>
+              <a:buSzTx/>
+              <a:buFont typeface="Wingdings" pitchFamily="2" charset="2"/>
+              <a:buChar char="q"/>
+              <a:tabLst/>
+              <a:defRPr/>
+            </a:pPr>
+            <a:r>
+              <a:rPr kumimoji="0" lang="fr-FR" sz="2400" b="1" i="0" u="none" strike="noStrike" kern="0" cap="none" spc="0" normalizeH="0" baseline="0" noProof="0" smtClean="0">
+                <a:ln>
+                  <a:noFill/>
+                </a:ln>
+                <a:solidFill>
+                  <a:srgbClr val="5F5F5F"/>
+                </a:solidFill>
+                <a:effectLst/>
+                <a:uLnTx/>
+                <a:uFillTx/>
+                <a:latin typeface="+mn-lt"/>
+                <a:ea typeface="+mn-ea"/>
+                <a:cs typeface="+mn-cs"/>
+              </a:rPr>
+              <a:t>Les étapes du Kanban :</a:t>
+            </a:r>
+          </a:p>
+          <a:p>
+            <a:pPr marL="1143000" marR="0" lvl="1" indent="-285750" algn="l" defTabSz="914400" rtl="0" eaLnBrk="1" fontAlgn="base" latinLnBrk="0" hangingPunct="1">
+              <a:lnSpc>
+                <a:spcPct val="100000"/>
+              </a:lnSpc>
+              <a:spcBef>
+                <a:spcPct val="20000"/>
+              </a:spcBef>
+              <a:spcAft>
+                <a:spcPct val="0"/>
+              </a:spcAft>
+              <a:buClr>
+                <a:srgbClr val="FFB30C"/>
+              </a:buClr>
+              <a:buSzTx/>
+              <a:buFont typeface="Wingdings" pitchFamily="2" charset="2"/>
+              <a:buNone/>
+              <a:tabLst/>
+              <a:defRPr/>
+            </a:pPr>
+            <a:endParaRPr kumimoji="0" lang="fr-FR" sz="2000" b="1" i="0" u="none" strike="noStrike" kern="0" cap="none" spc="0" normalizeH="0" baseline="0" noProof="0" dirty="0" smtClean="0">
+              <a:ln>
+                <a:noFill/>
+              </a:ln>
+              <a:solidFill>
+                <a:srgbClr val="5F5F5F"/>
+              </a:solidFill>
+              <a:effectLst/>
+              <a:uLnTx/>
+              <a:uFillTx/>
+              <a:latin typeface="+mn-lt"/>
+            </a:endParaRPr>
+          </a:p>
+        </p:txBody>
+      </p:sp>
+      <p:sp>
+        <p:nvSpPr>
+          <p:cNvPr id="10" name="Espace réservé du numéro de diapositive 3"/>
+          <p:cNvSpPr txBox="1">
+            <a:spLocks/>
+          </p:cNvSpPr>
+          <p:nvPr/>
+        </p:nvSpPr>
+        <p:spPr bwMode="auto">
+          <a:xfrm>
+            <a:off x="8277225" y="6477000"/>
+            <a:ext cx="719138" cy="323850"/>
+          </a:xfrm>
+          <a:prstGeom prst="rect">
+            <a:avLst/>
+          </a:prstGeom>
+          <a:noFill/>
+          <a:ln w="9525">
+            <a:noFill/>
+            <a:miter lim="800000"/>
+            <a:headEnd/>
+            <a:tailEnd/>
+          </a:ln>
+          <a:effectLst/>
+        </p:spPr>
+        <p:txBody>
+          <a:bodyPr vert="horz" wrap="square" lIns="91440" tIns="45720" rIns="91440" bIns="45720" numCol="1" anchor="t" anchorCtr="0" compatLnSpc="1">
+            <a:prstTxWarp prst="textNoShape">
+              <a:avLst/>
+            </a:prstTxWarp>
+          </a:bodyPr>
+          <a:lstStyle/>
+          <a:p>
+            <a:pPr marL="0" marR="0" lvl="0" indent="0" algn="r" defTabSz="914400" rtl="0" eaLnBrk="0" fontAlgn="base" latinLnBrk="0" hangingPunct="0">
+              <a:lnSpc>
+                <a:spcPct val="100000"/>
+              </a:lnSpc>
+              <a:spcBef>
+                <a:spcPct val="0"/>
+              </a:spcBef>
+              <a:spcAft>
+                <a:spcPct val="0"/>
+              </a:spcAft>
+              <a:buClrTx/>
+              <a:buSzTx/>
+              <a:buFontTx/>
+              <a:buNone/>
+              <a:tabLst/>
+              <a:defRPr/>
+            </a:pPr>
+            <a:fld id="{228977EE-2505-4E01-83E6-F24DDA98A02D}" type="slidenum">
+              <a:rPr kumimoji="0" lang="fr-FR" sz="1200" b="0" i="0" u="none" strike="noStrike" kern="1200" cap="none" spc="0" normalizeH="0" baseline="0" noProof="0" smtClean="0">
+                <a:ln>
+                  <a:noFill/>
+                </a:ln>
+                <a:solidFill>
+                  <a:srgbClr val="5F5F5F"/>
+                </a:solidFill>
+                <a:effectLst/>
+                <a:uLnTx/>
+                <a:uFillTx/>
+                <a:latin typeface="Arial" charset="0"/>
+                <a:ea typeface="+mn-ea"/>
+                <a:cs typeface="+mn-cs"/>
+              </a:rPr>
+              <a:pPr marL="0" marR="0" lvl="0" indent="0" algn="r" defTabSz="914400" rtl="0" eaLnBrk="0" fontAlgn="base" latinLnBrk="0" hangingPunct="0">
+                <a:lnSpc>
+                  <a:spcPct val="100000"/>
+                </a:lnSpc>
+                <a:spcBef>
+                  <a:spcPct val="0"/>
+                </a:spcBef>
+                <a:spcAft>
+                  <a:spcPct val="0"/>
+                </a:spcAft>
+                <a:buClrTx/>
+                <a:buSzTx/>
+                <a:buFontTx/>
+                <a:buNone/>
+                <a:tabLst/>
+                <a:defRPr/>
+              </a:pPr>
+              <a:t>19</a:t>
+            </a:fld>
+            <a:endParaRPr kumimoji="0" lang="fr-FR" sz="1200" b="0" i="0" u="none" strike="noStrike" kern="1200" cap="none" spc="0" normalizeH="0" baseline="0" noProof="0">
+              <a:ln>
+                <a:noFill/>
+              </a:ln>
+              <a:solidFill>
+                <a:srgbClr val="5F5F5F"/>
+              </a:solidFill>
+              <a:effectLst/>
+              <a:uLnTx/>
+              <a:uFillTx/>
+              <a:latin typeface="Arial" charset="0"/>
+              <a:ea typeface="+mn-ea"/>
+              <a:cs typeface="+mn-cs"/>
+            </a:endParaRPr>
+          </a:p>
+        </p:txBody>
+      </p:sp>
+      <p:sp>
+        <p:nvSpPr>
+          <p:cNvPr id="11" name="Carré corné 10"/>
+          <p:cNvSpPr/>
+          <p:nvPr/>
+        </p:nvSpPr>
+        <p:spPr bwMode="auto">
+          <a:xfrm rot="10800000">
+            <a:off x="3714744" y="3714752"/>
+            <a:ext cx="2428892" cy="2071702"/>
+          </a:xfrm>
+          <a:prstGeom prst="foldedCorner">
+            <a:avLst/>
+          </a:prstGeom>
+          <a:solidFill>
+            <a:srgbClr val="FFFF00"/>
+          </a:solidFill>
+          <a:ln w="9525" cap="flat" cmpd="sng" algn="ctr">
+            <a:noFill/>
+            <a:prstDash val="solid"/>
+            <a:round/>
+            <a:headEnd type="none" w="med" len="med"/>
+            <a:tailEnd type="none" w="med" len="med"/>
+          </a:ln>
+          <a:effectLst/>
+        </p:spPr>
+        <p:txBody>
+          <a:bodyPr vert="horz" wrap="square" lIns="91440" tIns="45720" rIns="91440" bIns="45720" numCol="1" rtlCol="0" anchor="t" anchorCtr="0" compatLnSpc="1">
+            <a:prstTxWarp prst="textNoShape">
+              <a:avLst/>
+            </a:prstTxWarp>
+          </a:bodyPr>
+          <a:lstStyle/>
+          <a:p>
+            <a:pPr marL="0" marR="0" indent="0" algn="ctr" defTabSz="914400" rtl="0" eaLnBrk="0" fontAlgn="base" latinLnBrk="0" hangingPunct="0">
+              <a:lnSpc>
+                <a:spcPct val="100000"/>
+              </a:lnSpc>
+              <a:spcBef>
+                <a:spcPct val="0"/>
+              </a:spcBef>
+              <a:spcAft>
+                <a:spcPct val="0"/>
+              </a:spcAft>
+              <a:buClrTx/>
+              <a:buSzTx/>
+              <a:buFontTx/>
+              <a:buNone/>
+              <a:tabLst/>
+            </a:pPr>
+            <a:endParaRPr kumimoji="0" lang="fr-FR" sz="1400" b="0" i="0" u="none" strike="noStrike" cap="none" normalizeH="0" baseline="0" dirty="0" smtClean="0">
+              <a:ln>
+                <a:noFill/>
+              </a:ln>
+              <a:solidFill>
+                <a:srgbClr val="5F5F5F"/>
+              </a:solidFill>
+              <a:effectLst/>
+              <a:latin typeface="Arial" charset="0"/>
+            </a:endParaRPr>
+          </a:p>
+        </p:txBody>
+      </p:sp>
+      <p:sp>
+        <p:nvSpPr>
+          <p:cNvPr id="12" name="ZoneTexte 11"/>
+          <p:cNvSpPr txBox="1"/>
+          <p:nvPr/>
+        </p:nvSpPr>
+        <p:spPr>
+          <a:xfrm>
+            <a:off x="3857620" y="3857628"/>
+            <a:ext cx="1143008" cy="307777"/>
+          </a:xfrm>
+          <a:prstGeom prst="rect">
+            <a:avLst/>
+          </a:prstGeom>
+          <a:noFill/>
+        </p:spPr>
+        <p:txBody>
+          <a:bodyPr wrap="square" rtlCol="0">
+            <a:spAutoFit/>
+          </a:bodyPr>
+          <a:lstStyle/>
+          <a:p>
+            <a:r>
+              <a:rPr lang="fr-FR" b="1" dirty="0" smtClean="0"/>
+              <a:t>NGL-714</a:t>
+            </a:r>
+            <a:endParaRPr lang="fr-FR" b="1" dirty="0"/>
+          </a:p>
+        </p:txBody>
+      </p:sp>
+      <p:sp>
+        <p:nvSpPr>
+          <p:cNvPr id="13" name="Rectangle 12"/>
+          <p:cNvSpPr/>
+          <p:nvPr/>
+        </p:nvSpPr>
+        <p:spPr bwMode="auto">
+          <a:xfrm>
+            <a:off x="3214678" y="3000372"/>
+            <a:ext cx="3286148" cy="428628"/>
+          </a:xfrm>
+          <a:prstGeom prst="rect">
+            <a:avLst/>
+          </a:prstGeom>
+          <a:noFill/>
+          <a:ln w="28575" cap="flat" cmpd="sng" algn="ctr">
+            <a:solidFill>
+              <a:schemeClr val="accent1"/>
+            </a:solidFill>
+            <a:prstDash val="solid"/>
+            <a:round/>
+            <a:headEnd type="none" w="med" len="med"/>
+            <a:tailEnd type="none" w="med" len="med"/>
+          </a:ln>
+          <a:effectLst/>
+        </p:spPr>
+        <p:txBody>
+          <a:bodyPr vert="horz" wrap="square" lIns="91440" tIns="45720" rIns="91440" bIns="45720" numCol="1" rtlCol="0" anchor="t" anchorCtr="0" compatLnSpc="1">
+            <a:prstTxWarp prst="textNoShape">
+              <a:avLst/>
+            </a:prstTxWarp>
+          </a:bodyPr>
+          <a:lstStyle/>
+          <a:p>
+            <a:pPr marL="0" marR="0" indent="0" algn="ctr" defTabSz="914400" rtl="0" eaLnBrk="0" fontAlgn="base" latinLnBrk="0" hangingPunct="0">
+              <a:lnSpc>
+                <a:spcPct val="100000"/>
+              </a:lnSpc>
+              <a:spcBef>
+                <a:spcPct val="0"/>
+              </a:spcBef>
+              <a:spcAft>
+                <a:spcPct val="0"/>
+              </a:spcAft>
+              <a:buClrTx/>
+              <a:buSzTx/>
+              <a:buFontTx/>
+              <a:buNone/>
+              <a:tabLst/>
+            </a:pPr>
+            <a:r>
+              <a:rPr kumimoji="0" lang="fr-FR" sz="2000" b="0" i="0" u="none" strike="noStrike" cap="none" normalizeH="0" baseline="0" dirty="0" smtClean="0">
+                <a:ln>
+                  <a:noFill/>
+                </a:ln>
+                <a:solidFill>
+                  <a:srgbClr val="5F5F5F"/>
+                </a:solidFill>
+                <a:effectLst/>
+                <a:latin typeface="Arial" charset="0"/>
+              </a:rPr>
+              <a:t>DONE</a:t>
+            </a:r>
+            <a:endParaRPr kumimoji="0" lang="fr-FR" sz="2000" b="0" i="0" u="none" strike="noStrike" cap="none" normalizeH="0" baseline="0" dirty="0" smtClean="0">
+              <a:ln>
+                <a:noFill/>
+              </a:ln>
+              <a:solidFill>
+                <a:srgbClr val="5F5F5F"/>
+              </a:solidFill>
+              <a:effectLst/>
+              <a:latin typeface="Arial" charset="0"/>
+            </a:endParaRPr>
+          </a:p>
+        </p:txBody>
+      </p:sp>
+      <p:sp>
+        <p:nvSpPr>
+          <p:cNvPr id="14" name="ZoneTexte 13"/>
+          <p:cNvSpPr txBox="1"/>
+          <p:nvPr/>
+        </p:nvSpPr>
+        <p:spPr>
+          <a:xfrm>
+            <a:off x="5072066" y="3857628"/>
+            <a:ext cx="714380" cy="400110"/>
+          </a:xfrm>
+          <a:prstGeom prst="rect">
+            <a:avLst/>
+          </a:prstGeom>
+          <a:noFill/>
+        </p:spPr>
+        <p:txBody>
+          <a:bodyPr wrap="square" rtlCol="0">
+            <a:spAutoFit/>
+          </a:bodyPr>
+          <a:lstStyle/>
+          <a:p>
+            <a:r>
+              <a:rPr lang="fr-FR" sz="2000" dirty="0" smtClean="0"/>
+              <a:t>***</a:t>
+            </a:r>
+            <a:endParaRPr lang="fr-FR" sz="2000" dirty="0"/>
+          </a:p>
+        </p:txBody>
+      </p:sp>
+      <p:sp>
+        <p:nvSpPr>
+          <p:cNvPr id="15" name="Rectangle 14"/>
+          <p:cNvSpPr/>
+          <p:nvPr/>
+        </p:nvSpPr>
+        <p:spPr>
+          <a:xfrm>
+            <a:off x="4000496" y="4643446"/>
+            <a:ext cx="1866216" cy="307777"/>
+          </a:xfrm>
+          <a:prstGeom prst="rect">
+            <a:avLst/>
+          </a:prstGeom>
+        </p:spPr>
+        <p:txBody>
+          <a:bodyPr wrap="none">
+            <a:spAutoFit/>
+          </a:bodyPr>
+          <a:lstStyle/>
+          <a:p>
+            <a:r>
+              <a:rPr lang="fr-FR" b="1" dirty="0" smtClean="0"/>
+              <a:t>Exporter les graphs</a:t>
+            </a:r>
+            <a:endParaRPr lang="fr-FR" b="1" dirty="0"/>
+          </a:p>
+        </p:txBody>
+      </p:sp>
+      <p:sp>
+        <p:nvSpPr>
+          <p:cNvPr id="16" name="Rectangle 15"/>
+          <p:cNvSpPr/>
+          <p:nvPr/>
+        </p:nvSpPr>
+        <p:spPr>
+          <a:xfrm>
+            <a:off x="3977383" y="5214950"/>
+            <a:ext cx="880369" cy="307777"/>
+          </a:xfrm>
+          <a:prstGeom prst="rect">
+            <a:avLst/>
+          </a:prstGeom>
+        </p:spPr>
+        <p:txBody>
+          <a:bodyPr wrap="none">
+            <a:spAutoFit/>
+          </a:bodyPr>
+          <a:lstStyle/>
+          <a:p>
+            <a:r>
+              <a:rPr lang="fr-FR" b="1" dirty="0" smtClean="0"/>
+              <a:t>13/07/15</a:t>
+            </a:r>
+            <a:endParaRPr lang="fr-FR" b="1" dirty="0"/>
+          </a:p>
+        </p:txBody>
+      </p:sp>
+      <p:pic>
+        <p:nvPicPr>
+          <p:cNvPr id="17" name="Picture 2" descr="C:\Program Files (x86)\Microsoft Office\MEDIA\CAGCAT10\j0302953.jpg"/>
+          <p:cNvPicPr>
+            <a:picLocks noChangeAspect="1" noChangeArrowheads="1"/>
+          </p:cNvPicPr>
+          <p:nvPr/>
+        </p:nvPicPr>
+        <p:blipFill>
+          <a:blip r:embed="rId2" cstate="print"/>
+          <a:srcRect/>
+          <a:stretch>
+            <a:fillRect/>
+          </a:stretch>
+        </p:blipFill>
+        <p:spPr bwMode="auto">
+          <a:xfrm>
+            <a:off x="5572132" y="5214950"/>
+            <a:ext cx="804478" cy="1127773"/>
+          </a:xfrm>
+          <a:prstGeom prst="rect">
+            <a:avLst/>
+          </a:prstGeom>
+          <a:noFill/>
+        </p:spPr>
+      </p:pic>
+    </p:spTree>
+  </p:cSld>
+  <p:clrMapOvr>
+    <a:masterClrMapping/>
+  </p:clrMapOvr>
+</p:sld>
+</file>
+
 <file path=ppt/slides/slide2.xml><?xml version="1.0" encoding="utf-8"?>
 <p:sld xmlns:a="http://schemas.openxmlformats.org/drawingml/2006/main" xmlns:r="http://schemas.openxmlformats.org/officeDocument/2006/relationships" xmlns:p="http://schemas.openxmlformats.org/presentationml/2006/main">
   <p:cSld>
@@ -5148,15 +13840,7 @@
             </a:pPr>
             <a:r>
               <a:rPr lang="fr-FR" dirty="0" smtClean="0"/>
-              <a:t>Présentation </a:t>
-            </a:r>
-            <a:r>
-              <a:rPr lang="fr-FR" dirty="0" smtClean="0"/>
-              <a:t>de </a:t>
-            </a:r>
-            <a:r>
-              <a:rPr lang="fr-FR" dirty="0" smtClean="0"/>
-              <a:t>l’entreprise</a:t>
+              <a:t>Présentation de l’entreprise</a:t>
             </a:r>
           </a:p>
           <a:p>
@@ -5176,11 +13860,7 @@
             </a:pPr>
             <a:r>
               <a:rPr lang="fr-FR" dirty="0" smtClean="0"/>
-              <a:t>NGL </a:t>
-            </a:r>
-            <a:r>
-              <a:rPr lang="fr-FR" dirty="0" smtClean="0"/>
-              <a:t>– </a:t>
+              <a:t>NGL – </a:t>
             </a:r>
             <a:r>
               <a:rPr lang="fr-FR" dirty="0" err="1" smtClean="0"/>
@@ -5626,11 +14306,7 @@
             <a:pPr lvl="1"/>
             <a:r>
               <a:rPr lang="fr-FR" dirty="0" smtClean="0"/>
-              <a:t>Appartient à l’Institut de Génomique depuis 2007, donc au CEA</a:t>
-            </a:r>
-            <a:r>
-              <a:rPr lang="fr-FR" dirty="0" smtClean="0"/>
-              <a:t>.</a:t>
+              <a:t>Appartient à l’Institut de Génomique depuis 2007, donc au CEA.</a:t>
             </a:r>
           </a:p>
           <a:p>
@@ -5645,11 +14321,7 @@
             <a:pPr lvl="1"/>
             <a:r>
               <a:rPr lang="fr-FR" dirty="0" smtClean="0"/>
-              <a:t>450 Employés au Genoscope, 16000 au CEA</a:t>
-            </a:r>
-            <a:r>
-              <a:rPr lang="fr-FR" dirty="0" smtClean="0"/>
-              <a:t>.</a:t>
+              <a:t>450 Employés au Genoscope, 16000 au CEA.</a:t>
             </a:r>
           </a:p>
           <a:p>
@@ -5794,11 +14466,7 @@
             <a:pPr lvl="1"/>
             <a:r>
               <a:rPr lang="fr-FR" dirty="0" smtClean="0"/>
-              <a:t>Stockage, traitement et affichage des données issues du séquençage</a:t>
-            </a:r>
-            <a:r>
-              <a:rPr lang="fr-FR" dirty="0" smtClean="0"/>
-              <a:t>.</a:t>
+              <a:t>Stockage, traitement et affichage des données issues du séquençage.</a:t>
             </a:r>
           </a:p>
           <a:p>
@@ -6372,11 +15040,7 @@
             <a:pPr lvl="1"/>
             <a:r>
               <a:rPr lang="fr-FR" sz="1800" dirty="0" smtClean="0"/>
-              <a:t>Se rapproche le plus d’une application de type </a:t>
-            </a:r>
-            <a:r>
-              <a:rPr lang="fr-FR" sz="1800" dirty="0" smtClean="0"/>
-              <a:t>bureautique</a:t>
+              <a:t>Se rapproche le plus d’une application de type bureautique</a:t>
             </a:r>
           </a:p>
           <a:p>
@@ -6569,6 +15233,373 @@
               <a:uLnTx/>
               <a:uFillTx/>
               <a:latin typeface="Arial" charset="0"/>
+              <a:ea typeface="+mn-ea"/>
+              <a:cs typeface="+mn-cs"/>
+            </a:endParaRPr>
+          </a:p>
+        </p:txBody>
+      </p:sp>
+      <p:pic>
+        <p:nvPicPr>
+          <p:cNvPr id="8" name="Image 7" descr="Genoscope-CNS.gif"/>
+          <p:cNvPicPr>
+            <a:picLocks noChangeAspect="1"/>
+          </p:cNvPicPr>
+          <p:nvPr/>
+        </p:nvPicPr>
+        <p:blipFill>
+          <a:blip r:embed="rId2"/>
+          <a:stretch>
+            <a:fillRect/>
+          </a:stretch>
+        </p:blipFill>
+        <p:spPr>
+          <a:xfrm>
+            <a:off x="214282" y="2000240"/>
+            <a:ext cx="821537" cy="714380"/>
+          </a:xfrm>
+          <a:prstGeom prst="rect">
+            <a:avLst/>
+          </a:prstGeom>
+        </p:spPr>
+      </p:pic>
+      <p:sp>
+        <p:nvSpPr>
+          <p:cNvPr id="9" name="Rectangle 8"/>
+          <p:cNvSpPr/>
+          <p:nvPr/>
+        </p:nvSpPr>
+        <p:spPr bwMode="auto">
+          <a:xfrm>
+            <a:off x="1214414" y="6500834"/>
+            <a:ext cx="2357454" cy="357166"/>
+          </a:xfrm>
+          <a:prstGeom prst="rect">
+            <a:avLst/>
+          </a:prstGeom>
+          <a:noFill/>
+          <a:ln w="9525" cap="flat" cmpd="sng" algn="ctr">
+            <a:noFill/>
+            <a:prstDash val="solid"/>
+            <a:round/>
+            <a:headEnd type="none" w="med" len="med"/>
+            <a:tailEnd type="none" w="med" len="med"/>
+          </a:ln>
+          <a:effectLst/>
+        </p:spPr>
+        <p:txBody>
+          <a:bodyPr vert="horz" wrap="square" lIns="91440" tIns="45720" rIns="91440" bIns="45720" numCol="1" rtlCol="0" anchor="t" anchorCtr="0" compatLnSpc="1">
+            <a:prstTxWarp prst="textNoShape">
+              <a:avLst/>
+            </a:prstTxWarp>
+          </a:bodyPr>
+          <a:lstStyle/>
+          <a:p>
+            <a:pPr marL="0" marR="0" indent="0" algn="ctr" defTabSz="914400" rtl="0" eaLnBrk="0" fontAlgn="base" latinLnBrk="0" hangingPunct="0">
+              <a:lnSpc>
+                <a:spcPct val="100000"/>
+              </a:lnSpc>
+              <a:spcBef>
+                <a:spcPct val="0"/>
+              </a:spcBef>
+              <a:spcAft>
+                <a:spcPct val="0"/>
+              </a:spcAft>
+              <a:buClrTx/>
+              <a:buSzTx/>
+              <a:buFontTx/>
+              <a:buNone/>
+              <a:tabLst/>
+            </a:pPr>
+            <a:endParaRPr kumimoji="0" lang="fr-FR" sz="1400" b="0" i="0" u="none" strike="noStrike" cap="none" normalizeH="0" baseline="0" smtClean="0">
+              <a:ln>
+                <a:noFill/>
+              </a:ln>
+              <a:solidFill>
+                <a:srgbClr val="5F5F5F"/>
+              </a:solidFill>
+              <a:effectLst/>
+              <a:latin typeface="Arial" charset="0"/>
+            </a:endParaRPr>
+          </a:p>
+        </p:txBody>
+      </p:sp>
+      <p:sp>
+        <p:nvSpPr>
+          <p:cNvPr id="10" name="ZoneTexte 9"/>
+          <p:cNvSpPr txBox="1"/>
+          <p:nvPr/>
+        </p:nvSpPr>
+        <p:spPr>
+          <a:xfrm>
+            <a:off x="1285852" y="6550223"/>
+            <a:ext cx="2071701" cy="307777"/>
+          </a:xfrm>
+          <a:prstGeom prst="rect">
+            <a:avLst/>
+          </a:prstGeom>
+          <a:solidFill>
+            <a:schemeClr val="bg1"/>
+          </a:solidFill>
+        </p:spPr>
+        <p:txBody>
+          <a:bodyPr wrap="square" rtlCol="0">
+            <a:spAutoFit/>
+          </a:bodyPr>
+          <a:lstStyle/>
+          <a:p>
+            <a:endParaRPr lang="fr-FR" dirty="0"/>
+          </a:p>
+        </p:txBody>
+      </p:sp>
+      <p:sp>
+        <p:nvSpPr>
+          <p:cNvPr id="11" name="ZoneTexte 10"/>
+          <p:cNvSpPr txBox="1"/>
+          <p:nvPr/>
+        </p:nvSpPr>
+        <p:spPr>
+          <a:xfrm>
+            <a:off x="1000100" y="6478809"/>
+            <a:ext cx="2571768" cy="307777"/>
+          </a:xfrm>
+          <a:prstGeom prst="rect">
+            <a:avLst/>
+          </a:prstGeom>
+          <a:noFill/>
+        </p:spPr>
+        <p:txBody>
+          <a:bodyPr wrap="square" rtlCol="0">
+            <a:spAutoFit/>
+          </a:bodyPr>
+          <a:lstStyle/>
+          <a:p>
+            <a:r>
+              <a:rPr lang="fr-FR" dirty="0" smtClean="0"/>
+              <a:t>Genoscope / CEA - FAR</a:t>
+            </a:r>
+            <a:endParaRPr lang="fr-FR" dirty="0"/>
+          </a:p>
+        </p:txBody>
+      </p:sp>
+    </p:spTree>
+  </p:cSld>
+  <p:clrMapOvr>
+    <a:masterClrMapping/>
+  </p:clrMapOvr>
+  <p:timing>
+    <p:tnLst>
+      <p:par>
+        <p:cTn id="1" dur="indefinite" restart="never" nodeType="tmRoot"/>
+      </p:par>
+    </p:tnLst>
+  </p:timing>
+</p:sld>
+</file>
+
+<file path=ppt/slides/slide9.xml><?xml version="1.0" encoding="utf-8"?>
+<p:sld xmlns:a="http://schemas.openxmlformats.org/drawingml/2006/main" xmlns:r="http://schemas.openxmlformats.org/officeDocument/2006/relationships" xmlns:p="http://schemas.openxmlformats.org/presentationml/2006/main">
+  <p:cSld>
+    <p:spTree>
+      <p:nvGrpSpPr>
+        <p:cNvPr id="1" name=""/>
+        <p:cNvGrpSpPr/>
+        <p:nvPr/>
+      </p:nvGrpSpPr>
+      <p:grpSpPr>
+        <a:xfrm>
+          <a:off x="0" y="0"/>
+          <a:ext cx="0" cy="0"/>
+          <a:chOff x="0" y="0"/>
+          <a:chExt cx="0" cy="0"/>
+        </a:xfrm>
+      </p:grpSpPr>
+      <p:sp>
+        <p:nvSpPr>
+          <p:cNvPr id="2" name="Titre 1"/>
+          <p:cNvSpPr>
+            <a:spLocks noGrp="1"/>
+          </p:cNvSpPr>
+          <p:nvPr>
+            <p:ph type="title"/>
+          </p:nvPr>
+        </p:nvSpPr>
+        <p:spPr/>
+        <p:txBody>
+          <a:bodyPr/>
+          <a:lstStyle/>
+          <a:p>
+            <a:r>
+              <a:rPr lang="fr-FR" dirty="0" smtClean="0"/>
+              <a:t>I – Les technologies utilisées (Côté serveur)</a:t>
+            </a:r>
+            <a:endParaRPr lang="fr-FR" dirty="0"/>
+          </a:p>
+        </p:txBody>
+      </p:sp>
+      <p:sp>
+        <p:nvSpPr>
+          <p:cNvPr id="3" name="Espace réservé du contenu 2"/>
+          <p:cNvSpPr>
+            <a:spLocks noGrp="1"/>
+          </p:cNvSpPr>
+          <p:nvPr>
+            <p:ph idx="1"/>
+          </p:nvPr>
+        </p:nvSpPr>
+        <p:spPr/>
+        <p:txBody>
+          <a:bodyPr/>
+          <a:lstStyle/>
+          <a:p>
+            <a:r>
+              <a:rPr lang="fr-FR" dirty="0" smtClean="0"/>
+              <a:t>Framework Play(Java)</a:t>
+            </a:r>
+          </a:p>
+          <a:p>
+            <a:pPr lvl="1"/>
+            <a:r>
+              <a:rPr lang="fr-FR" dirty="0" smtClean="0"/>
+              <a:t>Permet de gérer la partie serveur en suivant REST</a:t>
+            </a:r>
+          </a:p>
+          <a:p>
+            <a:pPr lvl="1">
+              <a:buNone/>
+            </a:pPr>
+            <a:endParaRPr lang="fr-FR" dirty="0"/>
+          </a:p>
+        </p:txBody>
+      </p:sp>
+      <p:sp>
+        <p:nvSpPr>
+          <p:cNvPr id="4" name="Espace réservé du numéro de diapositive 3"/>
+          <p:cNvSpPr>
+            <a:spLocks noGrp="1"/>
+          </p:cNvSpPr>
+          <p:nvPr>
+            <p:ph type="sldNum" sz="quarter" idx="10"/>
+          </p:nvPr>
+        </p:nvSpPr>
+        <p:spPr/>
+        <p:txBody>
+          <a:bodyPr/>
+          <a:lstStyle/>
+          <a:p>
+            <a:fld id="{228977EE-2505-4E01-83E6-F24DDA98A02D}" type="slidenum">
+              <a:rPr lang="fr-FR" smtClean="0"/>
+              <a:pPr/>
+              <a:t>9</a:t>
+            </a:fld>
+            <a:endParaRPr lang="fr-FR"/>
+          </a:p>
+        </p:txBody>
+      </p:sp>
+      <p:sp>
+        <p:nvSpPr>
+          <p:cNvPr id="5" name="Rectangle 2"/>
+          <p:cNvSpPr txBox="1">
+            <a:spLocks noChangeArrowheads="1"/>
+          </p:cNvSpPr>
+          <p:nvPr/>
+        </p:nvSpPr>
+        <p:spPr>
+          <a:xfrm>
+            <a:off x="8277225" y="6477000"/>
+            <a:ext cx="719138" cy="323850"/>
+          </a:xfrm>
+          <a:prstGeom prst="rect">
+            <a:avLst/>
+          </a:prstGeom>
+        </p:spPr>
+        <p:txBody>
+          <a:bodyPr/>
+          <a:lstStyle/>
+          <a:p>
+            <a:pPr marL="0" marR="0" lvl="0" indent="0" algn="ctr" defTabSz="914400" rtl="0" eaLnBrk="0" fontAlgn="base" latinLnBrk="0" hangingPunct="0">
+              <a:lnSpc>
+                <a:spcPct val="100000"/>
+              </a:lnSpc>
+              <a:spcBef>
+                <a:spcPct val="0"/>
+              </a:spcBef>
+              <a:spcAft>
+                <a:spcPct val="0"/>
+              </a:spcAft>
+              <a:buClrTx/>
+              <a:buSzTx/>
+              <a:buFontTx/>
+              <a:buNone/>
+              <a:tabLst/>
+              <a:defRPr/>
+            </a:pPr>
+            <a:endParaRPr kumimoji="0" lang="fr-FR" sz="1400" b="0" i="0" u="none" strike="noStrike" kern="1200" cap="none" spc="0" normalizeH="0" baseline="0" noProof="0" dirty="0" smtClean="0">
+              <a:ln>
+                <a:noFill/>
+              </a:ln>
+              <a:solidFill>
+                <a:srgbClr val="5F5F5F"/>
+              </a:solidFill>
+              <a:effectLst/>
+              <a:uLnTx/>
+              <a:uFillTx/>
+              <a:latin typeface="Arial" charset="0"/>
+              <a:ea typeface="+mn-ea"/>
+              <a:cs typeface="+mn-cs"/>
+            </a:endParaRPr>
+          </a:p>
+        </p:txBody>
+      </p:sp>
+      <p:sp>
+        <p:nvSpPr>
+          <p:cNvPr id="7" name="Rectangle 6"/>
+          <p:cNvSpPr txBox="1">
+            <a:spLocks noChangeArrowheads="1"/>
+          </p:cNvSpPr>
+          <p:nvPr/>
+        </p:nvSpPr>
+        <p:spPr>
+          <a:xfrm>
+            <a:off x="1371600" y="1412875"/>
+            <a:ext cx="7448550" cy="3217863"/>
+          </a:xfrm>
+          <a:prstGeom prst="rect">
+            <a:avLst/>
+          </a:prstGeom>
+        </p:spPr>
+        <p:txBody>
+          <a:bodyPr/>
+          <a:lstStyle/>
+          <a:p>
+            <a:pPr marL="571500" marR="0" lvl="0" indent="-342900" algn="l" defTabSz="914400" rtl="0" eaLnBrk="1" fontAlgn="base" latinLnBrk="0" hangingPunct="1">
+              <a:lnSpc>
+                <a:spcPct val="80000"/>
+              </a:lnSpc>
+              <a:spcBef>
+                <a:spcPct val="20000"/>
+              </a:spcBef>
+              <a:spcAft>
+                <a:spcPct val="0"/>
+              </a:spcAft>
+              <a:buClrTx/>
+              <a:buSzTx/>
+              <a:buFont typeface="Wingdings" pitchFamily="2" charset="2"/>
+              <a:buChar char="q"/>
+              <a:tabLst/>
+              <a:defRPr/>
+            </a:pPr>
+            <a:endParaRPr kumimoji="0" lang="fr-FR" sz="2000" b="0" i="1" u="none" strike="noStrike" kern="0" cap="none" spc="0" normalizeH="0" baseline="0" noProof="0" dirty="0" smtClean="0">
+              <a:ln>
+                <a:noFill/>
+              </a:ln>
+              <a:solidFill>
+                <a:schemeClr val="folHlink"/>
+              </a:solidFill>
+              <a:effectLst/>
+              <a:uLnTx/>
+              <a:uFillTx/>
+              <a:latin typeface="+mn-lt"/>
               <a:ea typeface="+mn-ea"/>
               <a:cs typeface="+mn-cs"/>
             </a:endParaRPr>

--- a/PPTOral.pptx
+++ b/PPTOral.pptx
@@ -5,31 +5,33 @@
     <p:sldMasterId id="2147483648" r:id="rId1"/>
   </p:sldMasterIdLst>
   <p:notesMasterIdLst>
-    <p:notesMasterId r:id="rId21"/>
+    <p:notesMasterId r:id="rId23"/>
   </p:notesMasterIdLst>
   <p:handoutMasterIdLst>
-    <p:handoutMasterId r:id="rId22"/>
+    <p:handoutMasterId r:id="rId24"/>
   </p:handoutMasterIdLst>
   <p:sldIdLst>
     <p:sldId id="257" r:id="rId2"/>
     <p:sldId id="305" r:id="rId3"/>
     <p:sldId id="306" r:id="rId4"/>
     <p:sldId id="302" r:id="rId5"/>
-    <p:sldId id="307" r:id="rId6"/>
-    <p:sldId id="308" r:id="rId7"/>
-    <p:sldId id="309" r:id="rId8"/>
-    <p:sldId id="310" r:id="rId9"/>
-    <p:sldId id="311" r:id="rId10"/>
-    <p:sldId id="312" r:id="rId11"/>
-    <p:sldId id="313" r:id="rId12"/>
-    <p:sldId id="314" r:id="rId13"/>
-    <p:sldId id="315" r:id="rId14"/>
-    <p:sldId id="316" r:id="rId15"/>
-    <p:sldId id="317" r:id="rId16"/>
-    <p:sldId id="318" r:id="rId17"/>
-    <p:sldId id="319" r:id="rId18"/>
-    <p:sldId id="320" r:id="rId19"/>
-    <p:sldId id="321" r:id="rId20"/>
+    <p:sldId id="323" r:id="rId6"/>
+    <p:sldId id="307" r:id="rId7"/>
+    <p:sldId id="308" r:id="rId8"/>
+    <p:sldId id="309" r:id="rId9"/>
+    <p:sldId id="310" r:id="rId10"/>
+    <p:sldId id="311" r:id="rId11"/>
+    <p:sldId id="312" r:id="rId12"/>
+    <p:sldId id="313" r:id="rId13"/>
+    <p:sldId id="314" r:id="rId14"/>
+    <p:sldId id="315" r:id="rId15"/>
+    <p:sldId id="316" r:id="rId16"/>
+    <p:sldId id="317" r:id="rId17"/>
+    <p:sldId id="318" r:id="rId18"/>
+    <p:sldId id="319" r:id="rId19"/>
+    <p:sldId id="320" r:id="rId20"/>
+    <p:sldId id="321" r:id="rId21"/>
+    <p:sldId id="322" r:id="rId22"/>
   </p:sldIdLst>
   <p:sldSz cx="9144000" cy="6858000" type="screen4x3"/>
   <p:notesSz cx="6669088" cy="9926638"/>
@@ -4448,61 +4450,22 @@
           <a:bodyPr/>
           <a:lstStyle/>
           <a:p>
-            <a:pPr algn="ctr">
+            <a:r>
+              <a:rPr lang="fr-FR" dirty="0" smtClean="0"/>
+              <a:t>Framework Play(Java)</a:t>
+            </a:r>
+          </a:p>
+          <a:p>
+            <a:pPr lvl="1"/>
+            <a:r>
+              <a:rPr lang="fr-FR" dirty="0" smtClean="0"/>
+              <a:t>Permet de gérer la partie serveur en suivant REST</a:t>
+            </a:r>
+          </a:p>
+          <a:p>
+            <a:pPr lvl="1">
               <a:buNone/>
             </a:pPr>
-            <a:r>
-              <a:rPr lang="fr-FR" dirty="0" smtClean="0"/>
-              <a:t>Un point sur REST</a:t>
-            </a:r>
-          </a:p>
-          <a:p>
-            <a:pPr algn="ctr">
-              <a:buNone/>
-            </a:pPr>
-            <a:endParaRPr lang="fr-FR" dirty="0" smtClean="0"/>
-          </a:p>
-          <a:p>
-            <a:r>
-              <a:rPr lang="fr-FR" dirty="0" err="1" smtClean="0"/>
-              <a:t>Representational</a:t>
-            </a:r>
-            <a:r>
-              <a:rPr lang="fr-FR" dirty="0" smtClean="0"/>
-              <a:t> State Transfer : Marche à suivre lors de la création de l’application</a:t>
-            </a:r>
-          </a:p>
-          <a:p>
-            <a:pPr lvl="1"/>
-            <a:r>
-              <a:rPr lang="fr-FR" dirty="0" smtClean="0"/>
-              <a:t>Séparation client / serveur -&gt; Evolution indépendante plus simple.</a:t>
-            </a:r>
-          </a:p>
-          <a:p>
-            <a:pPr lvl="1"/>
-            <a:r>
-              <a:rPr lang="fr-FR" dirty="0" err="1" smtClean="0"/>
-              <a:t>StateLess</a:t>
-            </a:r>
-            <a:r>
-              <a:rPr lang="fr-FR" dirty="0" smtClean="0"/>
-              <a:t> -&gt; L’ensemble des données sont contenues dans la requête, pas de contexte.</a:t>
-            </a:r>
-          </a:p>
-          <a:p>
-            <a:pPr lvl="1"/>
-            <a:r>
-              <a:rPr lang="fr-FR" dirty="0" smtClean="0"/>
-              <a:t>Utilisation des verbes HTTP : POST, GET..</a:t>
-            </a:r>
-          </a:p>
-          <a:p>
-            <a:pPr lvl="1"/>
-            <a:r>
-              <a:rPr lang="fr-FR" dirty="0" smtClean="0"/>
-              <a:t>Identification des URL par ressource</a:t>
-            </a:r>
             <a:endParaRPr lang="fr-FR" dirty="0"/>
           </a:p>
         </p:txBody>
@@ -4583,64 +4546,6 @@
               <a:ea typeface="+mn-ea"/>
               <a:cs typeface="+mn-cs"/>
             </a:endParaRPr>
-          </a:p>
-        </p:txBody>
-      </p:sp>
-      <p:sp>
-        <p:nvSpPr>
-          <p:cNvPr id="6" name="Rectangle 5"/>
-          <p:cNvSpPr txBox="1">
-            <a:spLocks noChangeArrowheads="1"/>
-          </p:cNvSpPr>
-          <p:nvPr/>
-        </p:nvSpPr>
-        <p:spPr>
-          <a:xfrm>
-            <a:off x="1331913" y="765175"/>
-            <a:ext cx="7561262" cy="1150938"/>
-          </a:xfrm>
-          <a:prstGeom prst="rect">
-            <a:avLst/>
-          </a:prstGeom>
-        </p:spPr>
-        <p:txBody>
-          <a:bodyPr/>
-          <a:lstStyle/>
-          <a:p>
-            <a:pPr marL="0" marR="0" lvl="0" indent="0" algn="l" defTabSz="914400" rtl="0" eaLnBrk="1" fontAlgn="base" latinLnBrk="0" hangingPunct="1">
-              <a:lnSpc>
-                <a:spcPct val="100000"/>
-              </a:lnSpc>
-              <a:spcBef>
-                <a:spcPct val="0"/>
-              </a:spcBef>
-              <a:spcAft>
-                <a:spcPct val="0"/>
-              </a:spcAft>
-              <a:buClrTx/>
-              <a:buSzTx/>
-              <a:buFontTx/>
-              <a:buNone/>
-              <a:tabLst/>
-              <a:defRPr/>
-            </a:pPr>
-            <a:r>
-              <a:rPr kumimoji="0" lang="fr-FR" sz="2400" b="1" i="0" u="none" strike="noStrike" kern="0" cap="none" spc="0" normalizeH="0" baseline="0" noProof="0" smtClean="0">
-                <a:ln>
-                  <a:noFill/>
-                </a:ln>
-                <a:solidFill>
-                  <a:srgbClr val="5F5F5F"/>
-                </a:solidFill>
-                <a:effectLst/>
-                <a:uLnTx/>
-                <a:uFillTx/>
-                <a:latin typeface="+mj-lt"/>
-                <a:ea typeface="+mj-ea"/>
-                <a:cs typeface="+mj-cs"/>
-              </a:rPr>
-              <a:t> </a:t>
-            </a:r>
           </a:p>
         </p:txBody>
       </p:sp>
@@ -4891,7 +4796,7 @@
           <a:p>
             <a:r>
               <a:rPr lang="fr-FR" dirty="0" smtClean="0"/>
-              <a:t> </a:t>
+              <a:t>I – Les technologies utilisées (Côté serveur)</a:t>
             </a:r>
             <a:endParaRPr lang="fr-FR" dirty="0"/>
           </a:p>
@@ -4912,12 +4817,60 @@
           <a:bodyPr/>
           <a:lstStyle/>
           <a:p>
-            <a:pPr>
+            <a:pPr algn="ctr">
               <a:buNone/>
             </a:pPr>
             <a:r>
               <a:rPr lang="fr-FR" dirty="0" smtClean="0"/>
-              <a:t> </a:t>
+              <a:t>Un point sur REST</a:t>
+            </a:r>
+          </a:p>
+          <a:p>
+            <a:pPr algn="ctr">
+              <a:buNone/>
+            </a:pPr>
+            <a:endParaRPr lang="fr-FR" dirty="0" smtClean="0"/>
+          </a:p>
+          <a:p>
+            <a:r>
+              <a:rPr lang="fr-FR" dirty="0" err="1" smtClean="0"/>
+              <a:t>Representational</a:t>
+            </a:r>
+            <a:r>
+              <a:rPr lang="fr-FR" dirty="0" smtClean="0"/>
+              <a:t> State Transfer : Marche à suivre lors de la création de l’application</a:t>
+            </a:r>
+          </a:p>
+          <a:p>
+            <a:pPr lvl="1"/>
+            <a:r>
+              <a:rPr lang="fr-FR" dirty="0" smtClean="0"/>
+              <a:t>Séparation client / serveur -&gt; Evolution indépendante plus simple.</a:t>
+            </a:r>
+          </a:p>
+          <a:p>
+            <a:pPr lvl="1"/>
+            <a:r>
+              <a:rPr lang="fr-FR" dirty="0" err="1" smtClean="0"/>
+              <a:t>StateLess</a:t>
+            </a:r>
+            <a:r>
+              <a:rPr lang="fr-FR" dirty="0" smtClean="0"/>
+              <a:t> -&gt; L’ensemble des données sont contenues dans la requête, pas de contexte.</a:t>
+            </a:r>
+          </a:p>
+          <a:p>
+            <a:pPr lvl="1"/>
+            <a:r>
+              <a:rPr lang="fr-FR" dirty="0" smtClean="0"/>
+              <a:t>Utilisation des verbes HTTP : POST, GET..</a:t>
+            </a:r>
+          </a:p>
+          <a:p>
+            <a:pPr lvl="1"/>
+            <a:r>
+              <a:rPr lang="fr-FR" dirty="0" smtClean="0"/>
+              <a:t>Identification des URL par ressource</a:t>
             </a:r>
             <a:endParaRPr lang="fr-FR" dirty="0"/>
           </a:p>
@@ -4942,6 +4895,422 @@
               <a:rPr lang="fr-FR" smtClean="0"/>
               <a:pPr/>
               <a:t>11</a:t>
+            </a:fld>
+            <a:endParaRPr lang="fr-FR"/>
+          </a:p>
+        </p:txBody>
+      </p:sp>
+      <p:sp>
+        <p:nvSpPr>
+          <p:cNvPr id="5" name="Rectangle 2"/>
+          <p:cNvSpPr txBox="1">
+            <a:spLocks noChangeArrowheads="1"/>
+          </p:cNvSpPr>
+          <p:nvPr/>
+        </p:nvSpPr>
+        <p:spPr>
+          <a:xfrm>
+            <a:off x="8277225" y="6477000"/>
+            <a:ext cx="719138" cy="323850"/>
+          </a:xfrm>
+          <a:prstGeom prst="rect">
+            <a:avLst/>
+          </a:prstGeom>
+        </p:spPr>
+        <p:txBody>
+          <a:bodyPr/>
+          <a:lstStyle/>
+          <a:p>
+            <a:pPr marL="0" marR="0" lvl="0" indent="0" algn="ctr" defTabSz="914400" rtl="0" eaLnBrk="0" fontAlgn="base" latinLnBrk="0" hangingPunct="0">
+              <a:lnSpc>
+                <a:spcPct val="100000"/>
+              </a:lnSpc>
+              <a:spcBef>
+                <a:spcPct val="0"/>
+              </a:spcBef>
+              <a:spcAft>
+                <a:spcPct val="0"/>
+              </a:spcAft>
+              <a:buClrTx/>
+              <a:buSzTx/>
+              <a:buFontTx/>
+              <a:buNone/>
+              <a:tabLst/>
+              <a:defRPr/>
+            </a:pPr>
+            <a:endParaRPr kumimoji="0" lang="fr-FR" sz="1400" b="0" i="0" u="none" strike="noStrike" kern="1200" cap="none" spc="0" normalizeH="0" baseline="0" noProof="0" dirty="0" smtClean="0">
+              <a:ln>
+                <a:noFill/>
+              </a:ln>
+              <a:solidFill>
+                <a:srgbClr val="5F5F5F"/>
+              </a:solidFill>
+              <a:effectLst/>
+              <a:uLnTx/>
+              <a:uFillTx/>
+              <a:latin typeface="Arial" charset="0"/>
+              <a:ea typeface="+mn-ea"/>
+              <a:cs typeface="+mn-cs"/>
+            </a:endParaRPr>
+          </a:p>
+        </p:txBody>
+      </p:sp>
+      <p:sp>
+        <p:nvSpPr>
+          <p:cNvPr id="6" name="Rectangle 5"/>
+          <p:cNvSpPr txBox="1">
+            <a:spLocks noChangeArrowheads="1"/>
+          </p:cNvSpPr>
+          <p:nvPr/>
+        </p:nvSpPr>
+        <p:spPr>
+          <a:xfrm>
+            <a:off x="1331913" y="765175"/>
+            <a:ext cx="7561262" cy="1150938"/>
+          </a:xfrm>
+          <a:prstGeom prst="rect">
+            <a:avLst/>
+          </a:prstGeom>
+        </p:spPr>
+        <p:txBody>
+          <a:bodyPr/>
+          <a:lstStyle/>
+          <a:p>
+            <a:pPr marL="0" marR="0" lvl="0" indent="0" algn="l" defTabSz="914400" rtl="0" eaLnBrk="1" fontAlgn="base" latinLnBrk="0" hangingPunct="1">
+              <a:lnSpc>
+                <a:spcPct val="100000"/>
+              </a:lnSpc>
+              <a:spcBef>
+                <a:spcPct val="0"/>
+              </a:spcBef>
+              <a:spcAft>
+                <a:spcPct val="0"/>
+              </a:spcAft>
+              <a:buClrTx/>
+              <a:buSzTx/>
+              <a:buFontTx/>
+              <a:buNone/>
+              <a:tabLst/>
+              <a:defRPr/>
+            </a:pPr>
+            <a:r>
+              <a:rPr kumimoji="0" lang="fr-FR" sz="2400" b="1" i="0" u="none" strike="noStrike" kern="0" cap="none" spc="0" normalizeH="0" baseline="0" noProof="0" smtClean="0">
+                <a:ln>
+                  <a:noFill/>
+                </a:ln>
+                <a:solidFill>
+                  <a:srgbClr val="5F5F5F"/>
+                </a:solidFill>
+                <a:effectLst/>
+                <a:uLnTx/>
+                <a:uFillTx/>
+                <a:latin typeface="+mj-lt"/>
+                <a:ea typeface="+mj-ea"/>
+                <a:cs typeface="+mj-cs"/>
+              </a:rPr>
+              <a:t> </a:t>
+            </a:r>
+          </a:p>
+        </p:txBody>
+      </p:sp>
+      <p:sp>
+        <p:nvSpPr>
+          <p:cNvPr id="7" name="Rectangle 6"/>
+          <p:cNvSpPr txBox="1">
+            <a:spLocks noChangeArrowheads="1"/>
+          </p:cNvSpPr>
+          <p:nvPr/>
+        </p:nvSpPr>
+        <p:spPr>
+          <a:xfrm>
+            <a:off x="1371600" y="1412875"/>
+            <a:ext cx="7448550" cy="3217863"/>
+          </a:xfrm>
+          <a:prstGeom prst="rect">
+            <a:avLst/>
+          </a:prstGeom>
+        </p:spPr>
+        <p:txBody>
+          <a:bodyPr/>
+          <a:lstStyle/>
+          <a:p>
+            <a:pPr marL="571500" marR="0" lvl="0" indent="-342900" algn="l" defTabSz="914400" rtl="0" eaLnBrk="1" fontAlgn="base" latinLnBrk="0" hangingPunct="1">
+              <a:lnSpc>
+                <a:spcPct val="80000"/>
+              </a:lnSpc>
+              <a:spcBef>
+                <a:spcPct val="20000"/>
+              </a:spcBef>
+              <a:spcAft>
+                <a:spcPct val="0"/>
+              </a:spcAft>
+              <a:buClrTx/>
+              <a:buSzTx/>
+              <a:buFont typeface="Wingdings" pitchFamily="2" charset="2"/>
+              <a:buChar char="q"/>
+              <a:tabLst/>
+              <a:defRPr/>
+            </a:pPr>
+            <a:endParaRPr kumimoji="0" lang="fr-FR" sz="2000" b="0" i="1" u="none" strike="noStrike" kern="0" cap="none" spc="0" normalizeH="0" baseline="0" noProof="0" dirty="0" smtClean="0">
+              <a:ln>
+                <a:noFill/>
+              </a:ln>
+              <a:solidFill>
+                <a:schemeClr val="folHlink"/>
+              </a:solidFill>
+              <a:effectLst/>
+              <a:uLnTx/>
+              <a:uFillTx/>
+              <a:latin typeface="+mn-lt"/>
+              <a:ea typeface="+mn-ea"/>
+              <a:cs typeface="+mn-cs"/>
+            </a:endParaRPr>
+          </a:p>
+        </p:txBody>
+      </p:sp>
+      <p:pic>
+        <p:nvPicPr>
+          <p:cNvPr id="8" name="Image 7" descr="Genoscope-CNS.gif"/>
+          <p:cNvPicPr>
+            <a:picLocks noChangeAspect="1"/>
+          </p:cNvPicPr>
+          <p:nvPr/>
+        </p:nvPicPr>
+        <p:blipFill>
+          <a:blip r:embed="rId2"/>
+          <a:stretch>
+            <a:fillRect/>
+          </a:stretch>
+        </p:blipFill>
+        <p:spPr>
+          <a:xfrm>
+            <a:off x="214282" y="2000240"/>
+            <a:ext cx="821537" cy="714380"/>
+          </a:xfrm>
+          <a:prstGeom prst="rect">
+            <a:avLst/>
+          </a:prstGeom>
+        </p:spPr>
+      </p:pic>
+      <p:sp>
+        <p:nvSpPr>
+          <p:cNvPr id="9" name="Rectangle 8"/>
+          <p:cNvSpPr/>
+          <p:nvPr/>
+        </p:nvSpPr>
+        <p:spPr bwMode="auto">
+          <a:xfrm>
+            <a:off x="1214414" y="6500834"/>
+            <a:ext cx="2357454" cy="357166"/>
+          </a:xfrm>
+          <a:prstGeom prst="rect">
+            <a:avLst/>
+          </a:prstGeom>
+          <a:noFill/>
+          <a:ln w="9525" cap="flat" cmpd="sng" algn="ctr">
+            <a:noFill/>
+            <a:prstDash val="solid"/>
+            <a:round/>
+            <a:headEnd type="none" w="med" len="med"/>
+            <a:tailEnd type="none" w="med" len="med"/>
+          </a:ln>
+          <a:effectLst/>
+        </p:spPr>
+        <p:txBody>
+          <a:bodyPr vert="horz" wrap="square" lIns="91440" tIns="45720" rIns="91440" bIns="45720" numCol="1" rtlCol="0" anchor="t" anchorCtr="0" compatLnSpc="1">
+            <a:prstTxWarp prst="textNoShape">
+              <a:avLst/>
+            </a:prstTxWarp>
+          </a:bodyPr>
+          <a:lstStyle/>
+          <a:p>
+            <a:pPr marL="0" marR="0" indent="0" algn="ctr" defTabSz="914400" rtl="0" eaLnBrk="0" fontAlgn="base" latinLnBrk="0" hangingPunct="0">
+              <a:lnSpc>
+                <a:spcPct val="100000"/>
+              </a:lnSpc>
+              <a:spcBef>
+                <a:spcPct val="0"/>
+              </a:spcBef>
+              <a:spcAft>
+                <a:spcPct val="0"/>
+              </a:spcAft>
+              <a:buClrTx/>
+              <a:buSzTx/>
+              <a:buFontTx/>
+              <a:buNone/>
+              <a:tabLst/>
+            </a:pPr>
+            <a:endParaRPr kumimoji="0" lang="fr-FR" sz="1400" b="0" i="0" u="none" strike="noStrike" cap="none" normalizeH="0" baseline="0" smtClean="0">
+              <a:ln>
+                <a:noFill/>
+              </a:ln>
+              <a:solidFill>
+                <a:srgbClr val="5F5F5F"/>
+              </a:solidFill>
+              <a:effectLst/>
+              <a:latin typeface="Arial" charset="0"/>
+            </a:endParaRPr>
+          </a:p>
+        </p:txBody>
+      </p:sp>
+      <p:sp>
+        <p:nvSpPr>
+          <p:cNvPr id="10" name="ZoneTexte 9"/>
+          <p:cNvSpPr txBox="1"/>
+          <p:nvPr/>
+        </p:nvSpPr>
+        <p:spPr>
+          <a:xfrm>
+            <a:off x="1285852" y="6550223"/>
+            <a:ext cx="2071701" cy="307777"/>
+          </a:xfrm>
+          <a:prstGeom prst="rect">
+            <a:avLst/>
+          </a:prstGeom>
+          <a:solidFill>
+            <a:schemeClr val="bg1"/>
+          </a:solidFill>
+        </p:spPr>
+        <p:txBody>
+          <a:bodyPr wrap="square" rtlCol="0">
+            <a:spAutoFit/>
+          </a:bodyPr>
+          <a:lstStyle/>
+          <a:p>
+            <a:endParaRPr lang="fr-FR" dirty="0"/>
+          </a:p>
+        </p:txBody>
+      </p:sp>
+      <p:sp>
+        <p:nvSpPr>
+          <p:cNvPr id="11" name="ZoneTexte 10"/>
+          <p:cNvSpPr txBox="1"/>
+          <p:nvPr/>
+        </p:nvSpPr>
+        <p:spPr>
+          <a:xfrm>
+            <a:off x="1000100" y="6478809"/>
+            <a:ext cx="2571768" cy="307777"/>
+          </a:xfrm>
+          <a:prstGeom prst="rect">
+            <a:avLst/>
+          </a:prstGeom>
+          <a:noFill/>
+        </p:spPr>
+        <p:txBody>
+          <a:bodyPr wrap="square" rtlCol="0">
+            <a:spAutoFit/>
+          </a:bodyPr>
+          <a:lstStyle/>
+          <a:p>
+            <a:r>
+              <a:rPr lang="fr-FR" dirty="0" smtClean="0"/>
+              <a:t>Genoscope / CEA - FAR</a:t>
+            </a:r>
+            <a:endParaRPr lang="fr-FR" dirty="0"/>
+          </a:p>
+        </p:txBody>
+      </p:sp>
+    </p:spTree>
+  </p:cSld>
+  <p:clrMapOvr>
+    <a:masterClrMapping/>
+  </p:clrMapOvr>
+  <p:timing>
+    <p:tnLst>
+      <p:par>
+        <p:cTn id="1" dur="indefinite" restart="never" nodeType="tmRoot"/>
+      </p:par>
+    </p:tnLst>
+  </p:timing>
+</p:sld>
+</file>
+
+<file path=ppt/slides/slide12.xml><?xml version="1.0" encoding="utf-8"?>
+<p:sld xmlns:a="http://schemas.openxmlformats.org/drawingml/2006/main" xmlns:r="http://schemas.openxmlformats.org/officeDocument/2006/relationships" xmlns:p="http://schemas.openxmlformats.org/presentationml/2006/main">
+  <p:cSld>
+    <p:spTree>
+      <p:nvGrpSpPr>
+        <p:cNvPr id="1" name=""/>
+        <p:cNvGrpSpPr/>
+        <p:nvPr/>
+      </p:nvGrpSpPr>
+      <p:grpSpPr>
+        <a:xfrm>
+          <a:off x="0" y="0"/>
+          <a:ext cx="0" cy="0"/>
+          <a:chOff x="0" y="0"/>
+          <a:chExt cx="0" cy="0"/>
+        </a:xfrm>
+      </p:grpSpPr>
+      <p:sp>
+        <p:nvSpPr>
+          <p:cNvPr id="2" name="Titre 1"/>
+          <p:cNvSpPr>
+            <a:spLocks noGrp="1"/>
+          </p:cNvSpPr>
+          <p:nvPr>
+            <p:ph type="title"/>
+          </p:nvPr>
+        </p:nvSpPr>
+        <p:spPr/>
+        <p:txBody>
+          <a:bodyPr/>
+          <a:lstStyle/>
+          <a:p>
+            <a:r>
+              <a:rPr lang="fr-FR" dirty="0" smtClean="0"/>
+              <a:t> </a:t>
+            </a:r>
+            <a:endParaRPr lang="fr-FR" dirty="0"/>
+          </a:p>
+        </p:txBody>
+      </p:sp>
+      <p:sp>
+        <p:nvSpPr>
+          <p:cNvPr id="3" name="Espace réservé du contenu 2"/>
+          <p:cNvSpPr>
+            <a:spLocks noGrp="1"/>
+          </p:cNvSpPr>
+          <p:nvPr>
+            <p:ph idx="1"/>
+          </p:nvPr>
+        </p:nvSpPr>
+        <p:spPr/>
+        <p:txBody>
+          <a:bodyPr/>
+          <a:lstStyle/>
+          <a:p>
+            <a:pPr>
+              <a:buNone/>
+            </a:pPr>
+            <a:r>
+              <a:rPr lang="fr-FR" dirty="0" smtClean="0"/>
+              <a:t> </a:t>
+            </a:r>
+            <a:endParaRPr lang="fr-FR" dirty="0"/>
+          </a:p>
+        </p:txBody>
+      </p:sp>
+      <p:sp>
+        <p:nvSpPr>
+          <p:cNvPr id="4" name="Espace réservé du numéro de diapositive 3"/>
+          <p:cNvSpPr>
+            <a:spLocks noGrp="1"/>
+          </p:cNvSpPr>
+          <p:nvPr>
+            <p:ph type="sldNum" sz="quarter" idx="10"/>
+          </p:nvPr>
+        </p:nvSpPr>
+        <p:spPr/>
+        <p:txBody>
+          <a:bodyPr/>
+          <a:lstStyle/>
+          <a:p>
+            <a:fld id="{228977EE-2505-4E01-83E6-F24DDA98A02D}" type="slidenum">
+              <a:rPr lang="fr-FR" smtClean="0"/>
+              <a:pPr/>
+              <a:t>12</a:t>
             </a:fld>
             <a:endParaRPr lang="fr-FR"/>
           </a:p>
@@ -5138,11 +5507,7 @@
             </a:r>
             <a:r>
               <a:rPr lang="fr-FR" sz="2000" b="1" kern="0" dirty="0" smtClean="0"/>
-              <a:t> basé en </a:t>
-            </a:r>
-            <a:r>
-              <a:rPr lang="fr-FR" sz="2000" b="1" kern="0" dirty="0" smtClean="0"/>
-              <a:t>scala</a:t>
+              <a:t> basé en scala</a:t>
             </a:r>
             <a:endParaRPr kumimoji="0" lang="fr-FR" sz="2400" b="1" i="0" u="none" strike="noStrike" kern="0" cap="none" spc="0" normalizeH="0" baseline="0" noProof="0" dirty="0" smtClean="0">
               <a:ln>
@@ -5505,7 +5870,7 @@
                 <a:tabLst/>
                 <a:defRPr/>
               </a:pPr>
-              <a:t>11</a:t>
+              <a:t>12</a:t>
             </a:fld>
             <a:endParaRPr kumimoji="0" lang="fr-FR" sz="1200" b="0" i="0" u="none" strike="noStrike" kern="1200" cap="none" spc="0" normalizeH="0" baseline="0" noProof="0">
               <a:ln>
@@ -5774,352 +6139,6 @@
               <a:t>Genoscope / CEA - FAR</a:t>
             </a:r>
             <a:endParaRPr lang="fr-FR" dirty="0"/>
-          </a:p>
-        </p:txBody>
-      </p:sp>
-    </p:spTree>
-  </p:cSld>
-  <p:clrMapOvr>
-    <a:masterClrMapping/>
-  </p:clrMapOvr>
-  <p:timing>
-    <p:tnLst>
-      <p:par>
-        <p:cTn id="1" dur="indefinite" restart="never" nodeType="tmRoot"/>
-      </p:par>
-    </p:tnLst>
-  </p:timing>
-</p:sld>
-</file>
-
-<file path=ppt/slides/slide12.xml><?xml version="1.0" encoding="utf-8"?>
-<p:sld xmlns:a="http://schemas.openxmlformats.org/drawingml/2006/main" xmlns:r="http://schemas.openxmlformats.org/officeDocument/2006/relationships" xmlns:p="http://schemas.openxmlformats.org/presentationml/2006/main">
-  <p:cSld>
-    <p:spTree>
-      <p:nvGrpSpPr>
-        <p:cNvPr id="1" name=""/>
-        <p:cNvGrpSpPr/>
-        <p:nvPr/>
-      </p:nvGrpSpPr>
-      <p:grpSpPr>
-        <a:xfrm>
-          <a:off x="0" y="0"/>
-          <a:ext cx="0" cy="0"/>
-          <a:chOff x="0" y="0"/>
-          <a:chExt cx="0" cy="0"/>
-        </a:xfrm>
-      </p:grpSpPr>
-      <p:sp>
-        <p:nvSpPr>
-          <p:cNvPr id="2" name="Titre 1"/>
-          <p:cNvSpPr>
-            <a:spLocks noGrp="1"/>
-          </p:cNvSpPr>
-          <p:nvPr>
-            <p:ph type="title"/>
-          </p:nvPr>
-        </p:nvSpPr>
-        <p:spPr/>
-        <p:txBody>
-          <a:bodyPr/>
-          <a:lstStyle/>
-          <a:p>
-            <a:r>
-              <a:rPr lang="fr-FR" dirty="0" smtClean="0"/>
-              <a:t>II – Techniques de gestion de projet</a:t>
-            </a:r>
-            <a:endParaRPr lang="fr-FR" dirty="0"/>
-          </a:p>
-        </p:txBody>
-      </p:sp>
-      <p:sp>
-        <p:nvSpPr>
-          <p:cNvPr id="3" name="Espace réservé du contenu 2"/>
-          <p:cNvSpPr>
-            <a:spLocks noGrp="1"/>
-          </p:cNvSpPr>
-          <p:nvPr>
-            <p:ph idx="1"/>
-          </p:nvPr>
-        </p:nvSpPr>
-        <p:spPr/>
-        <p:txBody>
-          <a:bodyPr/>
-          <a:lstStyle/>
-          <a:p>
-            <a:r>
-              <a:rPr lang="fr-FR" dirty="0" smtClean="0"/>
-              <a:t>Le </a:t>
-            </a:r>
-            <a:r>
-              <a:rPr lang="fr-FR" dirty="0" err="1" smtClean="0"/>
-              <a:t>kanban</a:t>
-            </a:r>
-            <a:r>
-              <a:rPr lang="fr-FR" dirty="0" smtClean="0"/>
-              <a:t> :</a:t>
-            </a:r>
-          </a:p>
-          <a:p>
-            <a:pPr lvl="1"/>
-            <a:r>
-              <a:rPr lang="fr-FR" dirty="0" smtClean="0"/>
-              <a:t>Méthode agile</a:t>
-            </a:r>
-          </a:p>
-          <a:p>
-            <a:pPr lvl="1"/>
-            <a:r>
-              <a:rPr lang="fr-FR" dirty="0" smtClean="0"/>
-              <a:t>Adaptée pour plusieurs projets </a:t>
-            </a:r>
-            <a:r>
-              <a:rPr lang="fr-FR" dirty="0" smtClean="0"/>
-              <a:t>informatiques</a:t>
-            </a:r>
-          </a:p>
-          <a:p>
-            <a:r>
-              <a:rPr lang="fr-FR" dirty="0" smtClean="0"/>
-              <a:t>Les étapes du </a:t>
-            </a:r>
-            <a:r>
-              <a:rPr lang="fr-FR" dirty="0" err="1" smtClean="0"/>
-              <a:t>Kanban</a:t>
-            </a:r>
-            <a:r>
-              <a:rPr lang="fr-FR" dirty="0" smtClean="0"/>
-              <a:t> :</a:t>
-            </a:r>
-          </a:p>
-          <a:p>
-            <a:pPr lvl="1">
-              <a:buNone/>
-            </a:pPr>
-            <a:endParaRPr lang="fr-FR" dirty="0" smtClean="0"/>
-          </a:p>
-        </p:txBody>
-      </p:sp>
-      <p:sp>
-        <p:nvSpPr>
-          <p:cNvPr id="4" name="Espace réservé du numéro de diapositive 3"/>
-          <p:cNvSpPr>
-            <a:spLocks noGrp="1"/>
-          </p:cNvSpPr>
-          <p:nvPr>
-            <p:ph type="sldNum" sz="quarter" idx="10"/>
-          </p:nvPr>
-        </p:nvSpPr>
-        <p:spPr/>
-        <p:txBody>
-          <a:bodyPr/>
-          <a:lstStyle/>
-          <a:p>
-            <a:fld id="{228977EE-2505-4E01-83E6-F24DDA98A02D}" type="slidenum">
-              <a:rPr lang="fr-FR" smtClean="0"/>
-              <a:pPr/>
-              <a:t>12</a:t>
-            </a:fld>
-            <a:endParaRPr lang="fr-FR"/>
-          </a:p>
-        </p:txBody>
-      </p:sp>
-      <p:sp>
-        <p:nvSpPr>
-          <p:cNvPr id="5" name="Carré corné 4"/>
-          <p:cNvSpPr/>
-          <p:nvPr/>
-        </p:nvSpPr>
-        <p:spPr bwMode="auto">
-          <a:xfrm rot="10800000">
-            <a:off x="3714744" y="3714752"/>
-            <a:ext cx="2428892" cy="2071702"/>
-          </a:xfrm>
-          <a:prstGeom prst="foldedCorner">
-            <a:avLst/>
-          </a:prstGeom>
-          <a:solidFill>
-            <a:srgbClr val="FFFF00"/>
-          </a:solidFill>
-          <a:ln w="9525" cap="flat" cmpd="sng" algn="ctr">
-            <a:noFill/>
-            <a:prstDash val="solid"/>
-            <a:round/>
-            <a:headEnd type="none" w="med" len="med"/>
-            <a:tailEnd type="none" w="med" len="med"/>
-          </a:ln>
-          <a:effectLst/>
-        </p:spPr>
-        <p:txBody>
-          <a:bodyPr vert="horz" wrap="square" lIns="91440" tIns="45720" rIns="91440" bIns="45720" numCol="1" rtlCol="0" anchor="t" anchorCtr="0" compatLnSpc="1">
-            <a:prstTxWarp prst="textNoShape">
-              <a:avLst/>
-            </a:prstTxWarp>
-          </a:bodyPr>
-          <a:lstStyle/>
-          <a:p>
-            <a:pPr marL="0" marR="0" indent="0" algn="ctr" defTabSz="914400" rtl="0" eaLnBrk="0" fontAlgn="base" latinLnBrk="0" hangingPunct="0">
-              <a:lnSpc>
-                <a:spcPct val="100000"/>
-              </a:lnSpc>
-              <a:spcBef>
-                <a:spcPct val="0"/>
-              </a:spcBef>
-              <a:spcAft>
-                <a:spcPct val="0"/>
-              </a:spcAft>
-              <a:buClrTx/>
-              <a:buSzTx/>
-              <a:buFontTx/>
-              <a:buNone/>
-              <a:tabLst/>
-            </a:pPr>
-            <a:endParaRPr kumimoji="0" lang="fr-FR" sz="1400" b="0" i="0" u="none" strike="noStrike" cap="none" normalizeH="0" baseline="0" dirty="0" smtClean="0">
-              <a:ln>
-                <a:noFill/>
-              </a:ln>
-              <a:solidFill>
-                <a:srgbClr val="5F5F5F"/>
-              </a:solidFill>
-              <a:effectLst/>
-              <a:latin typeface="Arial" charset="0"/>
-            </a:endParaRPr>
-          </a:p>
-        </p:txBody>
-      </p:sp>
-      <p:sp>
-        <p:nvSpPr>
-          <p:cNvPr id="6" name="ZoneTexte 5"/>
-          <p:cNvSpPr txBox="1"/>
-          <p:nvPr/>
-        </p:nvSpPr>
-        <p:spPr>
-          <a:xfrm>
-            <a:off x="3857620" y="3857628"/>
-            <a:ext cx="1143008" cy="307777"/>
-          </a:xfrm>
-          <a:prstGeom prst="rect">
-            <a:avLst/>
-          </a:prstGeom>
-          <a:noFill/>
-        </p:spPr>
-        <p:txBody>
-          <a:bodyPr wrap="square" rtlCol="0">
-            <a:spAutoFit/>
-          </a:bodyPr>
-          <a:lstStyle/>
-          <a:p>
-            <a:r>
-              <a:rPr lang="fr-FR" b="1" dirty="0" smtClean="0"/>
-              <a:t>NGL-714</a:t>
-            </a:r>
-            <a:endParaRPr lang="fr-FR" b="1" dirty="0"/>
-          </a:p>
-        </p:txBody>
-      </p:sp>
-      <p:sp>
-        <p:nvSpPr>
-          <p:cNvPr id="8" name="Rectangle 7"/>
-          <p:cNvSpPr/>
-          <p:nvPr/>
-        </p:nvSpPr>
-        <p:spPr bwMode="auto">
-          <a:xfrm>
-            <a:off x="3214678" y="3000372"/>
-            <a:ext cx="3286148" cy="428628"/>
-          </a:xfrm>
-          <a:prstGeom prst="rect">
-            <a:avLst/>
-          </a:prstGeom>
-          <a:noFill/>
-          <a:ln w="28575" cap="flat" cmpd="sng" algn="ctr">
-            <a:solidFill>
-              <a:schemeClr val="accent1"/>
-            </a:solidFill>
-            <a:prstDash val="solid"/>
-            <a:round/>
-            <a:headEnd type="none" w="med" len="med"/>
-            <a:tailEnd type="none" w="med" len="med"/>
-          </a:ln>
-          <a:effectLst/>
-        </p:spPr>
-        <p:txBody>
-          <a:bodyPr vert="horz" wrap="square" lIns="91440" tIns="45720" rIns="91440" bIns="45720" numCol="1" rtlCol="0" anchor="t" anchorCtr="0" compatLnSpc="1">
-            <a:prstTxWarp prst="textNoShape">
-              <a:avLst/>
-            </a:prstTxWarp>
-          </a:bodyPr>
-          <a:lstStyle/>
-          <a:p>
-            <a:pPr marL="0" marR="0" indent="0" algn="ctr" defTabSz="914400" rtl="0" eaLnBrk="0" fontAlgn="base" latinLnBrk="0" hangingPunct="0">
-              <a:lnSpc>
-                <a:spcPct val="100000"/>
-              </a:lnSpc>
-              <a:spcBef>
-                <a:spcPct val="0"/>
-              </a:spcBef>
-              <a:spcAft>
-                <a:spcPct val="0"/>
-              </a:spcAft>
-              <a:buClrTx/>
-              <a:buSzTx/>
-              <a:buFontTx/>
-              <a:buNone/>
-              <a:tabLst/>
-            </a:pPr>
-            <a:r>
-              <a:rPr kumimoji="0" lang="fr-FR" sz="2000" b="0" i="0" u="none" strike="noStrike" cap="none" normalizeH="0" baseline="0" dirty="0" smtClean="0">
-                <a:ln>
-                  <a:noFill/>
-                </a:ln>
-                <a:solidFill>
-                  <a:srgbClr val="5F5F5F"/>
-                </a:solidFill>
-                <a:effectLst/>
-                <a:latin typeface="Arial" charset="0"/>
-              </a:rPr>
-              <a:t>BACKLOG</a:t>
-            </a:r>
-            <a:endParaRPr kumimoji="0" lang="fr-FR" sz="2000" b="0" i="0" u="none" strike="noStrike" cap="none" normalizeH="0" baseline="0" dirty="0" smtClean="0">
-              <a:ln>
-                <a:noFill/>
-              </a:ln>
-              <a:solidFill>
-                <a:srgbClr val="5F5F5F"/>
-              </a:solidFill>
-              <a:effectLst/>
-              <a:latin typeface="Arial" charset="0"/>
-            </a:endParaRPr>
-          </a:p>
-        </p:txBody>
-      </p:sp>
-      <p:sp>
-        <p:nvSpPr>
-          <p:cNvPr id="9" name="ZoneTexte 8"/>
-          <p:cNvSpPr txBox="1"/>
-          <p:nvPr/>
-        </p:nvSpPr>
-        <p:spPr>
-          <a:xfrm>
-            <a:off x="3929058" y="4643446"/>
-            <a:ext cx="2000264" cy="307777"/>
-          </a:xfrm>
-          <a:prstGeom prst="rect">
-            <a:avLst/>
-          </a:prstGeom>
-          <a:noFill/>
-        </p:spPr>
-        <p:txBody>
-          <a:bodyPr wrap="square" rtlCol="0">
-            <a:spAutoFit/>
-          </a:bodyPr>
-          <a:lstStyle/>
-          <a:p>
-            <a:r>
-              <a:rPr lang="fr-FR" b="1" dirty="0" smtClean="0"/>
-              <a:t>Exporter les graphs</a:t>
-            </a:r>
-            <a:endParaRPr lang="fr-FR" b="1" dirty="0"/>
           </a:p>
         </p:txBody>
       </p:sp>
@@ -6157,7 +6176,94 @@
       </p:grpSpPr>
       <p:sp>
         <p:nvSpPr>
-          <p:cNvPr id="2" name="Espace réservé du numéro de diapositive 1"/>
+          <p:cNvPr id="2" name="Titre 1"/>
+          <p:cNvSpPr>
+            <a:spLocks noGrp="1"/>
+          </p:cNvSpPr>
+          <p:nvPr>
+            <p:ph type="title"/>
+          </p:nvPr>
+        </p:nvSpPr>
+        <p:spPr/>
+        <p:txBody>
+          <a:bodyPr/>
+          <a:lstStyle/>
+          <a:p>
+            <a:r>
+              <a:rPr lang="fr-FR" dirty="0" smtClean="0"/>
+              <a:t>II – Techniques de gestion de projet</a:t>
+            </a:r>
+            <a:endParaRPr lang="fr-FR" dirty="0"/>
+          </a:p>
+        </p:txBody>
+      </p:sp>
+      <p:sp>
+        <p:nvSpPr>
+          <p:cNvPr id="3" name="Espace réservé du contenu 2"/>
+          <p:cNvSpPr>
+            <a:spLocks noGrp="1"/>
+          </p:cNvSpPr>
+          <p:nvPr>
+            <p:ph idx="1"/>
+          </p:nvPr>
+        </p:nvSpPr>
+        <p:spPr/>
+        <p:txBody>
+          <a:bodyPr/>
+          <a:lstStyle/>
+          <a:p>
+            <a:r>
+              <a:rPr lang="fr-FR" dirty="0" smtClean="0"/>
+              <a:t>Le </a:t>
+            </a:r>
+            <a:r>
+              <a:rPr lang="fr-FR" dirty="0" err="1" smtClean="0"/>
+              <a:t>kanban</a:t>
+            </a:r>
+            <a:r>
+              <a:rPr lang="fr-FR" dirty="0" smtClean="0"/>
+              <a:t> :</a:t>
+            </a:r>
+          </a:p>
+          <a:p>
+            <a:pPr lvl="1"/>
+            <a:r>
+              <a:rPr lang="fr-FR" dirty="0" smtClean="0"/>
+              <a:t>Méthode agile</a:t>
+            </a:r>
+          </a:p>
+          <a:p>
+            <a:pPr lvl="1"/>
+            <a:r>
+              <a:rPr lang="fr-FR" dirty="0" smtClean="0"/>
+              <a:t>Adaptée pour plusieurs projets informatiques</a:t>
+            </a:r>
+          </a:p>
+          <a:p>
+            <a:r>
+              <a:rPr lang="fr-FR" dirty="0" smtClean="0"/>
+              <a:t>Les étapes du </a:t>
+            </a:r>
+            <a:r>
+              <a:rPr lang="fr-FR" dirty="0" err="1" smtClean="0"/>
+              <a:t>Kanban</a:t>
+            </a:r>
+            <a:r>
+              <a:rPr lang="fr-FR" dirty="0" smtClean="0"/>
+              <a:t> :</a:t>
+            </a:r>
+          </a:p>
+          <a:p>
+            <a:pPr lvl="1">
+              <a:buNone/>
+            </a:pPr>
+            <a:endParaRPr lang="fr-FR" dirty="0" smtClean="0"/>
+          </a:p>
+        </p:txBody>
+      </p:sp>
+      <p:sp>
+        <p:nvSpPr>
+          <p:cNvPr id="4" name="Espace réservé du numéro de diapositive 3"/>
           <p:cNvSpPr>
             <a:spLocks noGrp="1"/>
           </p:cNvSpPr>
@@ -6170,7 +6276,7 @@
           <a:bodyPr/>
           <a:lstStyle/>
           <a:p>
-            <a:fld id="{0EEE55F7-AF7E-434C-A835-5D468B60A67C}" type="slidenum">
+            <a:fld id="{228977EE-2505-4E01-83E6-F24DDA98A02D}" type="slidenum">
               <a:rPr lang="fr-FR" smtClean="0"/>
               <a:pPr/>
               <a:t>13</a:t>
@@ -6181,379 +6287,7 @@
       </p:sp>
       <p:sp>
         <p:nvSpPr>
-          <p:cNvPr id="3" name="Titre 1"/>
-          <p:cNvSpPr txBox="1">
-            <a:spLocks/>
-          </p:cNvSpPr>
-          <p:nvPr/>
-        </p:nvSpPr>
-        <p:spPr>
-          <a:xfrm>
-            <a:off x="1219200" y="150813"/>
-            <a:ext cx="7788275" cy="608012"/>
-          </a:xfrm>
-          <a:prstGeom prst="rect">
-            <a:avLst/>
-          </a:prstGeom>
-        </p:spPr>
-        <p:txBody>
-          <a:bodyPr/>
-          <a:lstStyle/>
-          <a:p>
-            <a:pPr marL="0" marR="0" lvl="0" indent="0" algn="l" defTabSz="914400" rtl="0" eaLnBrk="1" fontAlgn="base" latinLnBrk="0" hangingPunct="1">
-              <a:lnSpc>
-                <a:spcPct val="100000"/>
-              </a:lnSpc>
-              <a:spcBef>
-                <a:spcPct val="0"/>
-              </a:spcBef>
-              <a:spcAft>
-                <a:spcPct val="0"/>
-              </a:spcAft>
-              <a:buClrTx/>
-              <a:buSzTx/>
-              <a:buFontTx/>
-              <a:buNone/>
-              <a:tabLst/>
-              <a:defRPr/>
-            </a:pPr>
-            <a:r>
-              <a:rPr kumimoji="0" lang="fr-FR" sz="2400" b="1" i="0" u="none" strike="noStrike" kern="0" cap="none" spc="0" normalizeH="0" baseline="0" noProof="0" smtClean="0">
-                <a:ln>
-                  <a:noFill/>
-                </a:ln>
-                <a:solidFill>
-                  <a:srgbClr val="5F5F5F"/>
-                </a:solidFill>
-                <a:effectLst/>
-                <a:uLnTx/>
-                <a:uFillTx/>
-                <a:latin typeface="+mj-lt"/>
-                <a:ea typeface="+mj-ea"/>
-                <a:cs typeface="+mj-cs"/>
-              </a:rPr>
-              <a:t>II – Techniques de gestion de projet</a:t>
-            </a:r>
-            <a:endParaRPr kumimoji="0" lang="fr-FR" sz="2400" b="1" i="0" u="none" strike="noStrike" kern="0" cap="none" spc="0" normalizeH="0" baseline="0" noProof="0" dirty="0">
-              <a:ln>
-                <a:noFill/>
-              </a:ln>
-              <a:solidFill>
-                <a:srgbClr val="5F5F5F"/>
-              </a:solidFill>
-              <a:effectLst/>
-              <a:uLnTx/>
-              <a:uFillTx/>
-              <a:latin typeface="+mj-lt"/>
-              <a:ea typeface="+mj-ea"/>
-              <a:cs typeface="+mj-cs"/>
-            </a:endParaRPr>
-          </a:p>
-        </p:txBody>
-      </p:sp>
-      <p:sp>
-        <p:nvSpPr>
-          <p:cNvPr id="4" name="Espace réservé du contenu 2"/>
-          <p:cNvSpPr txBox="1">
-            <a:spLocks/>
-          </p:cNvSpPr>
-          <p:nvPr/>
-        </p:nvSpPr>
-        <p:spPr>
-          <a:xfrm>
-            <a:off x="1187450" y="1125538"/>
-            <a:ext cx="7499350" cy="5000625"/>
-          </a:xfrm>
-          <a:prstGeom prst="rect">
-            <a:avLst/>
-          </a:prstGeom>
-        </p:spPr>
-        <p:txBody>
-          <a:bodyPr/>
-          <a:lstStyle/>
-          <a:p>
-            <a:pPr marL="571500" marR="0" lvl="0" indent="-342900" algn="l" defTabSz="914400" rtl="0" eaLnBrk="1" fontAlgn="base" latinLnBrk="0" hangingPunct="1">
-              <a:lnSpc>
-                <a:spcPct val="100000"/>
-              </a:lnSpc>
-              <a:spcBef>
-                <a:spcPct val="20000"/>
-              </a:spcBef>
-              <a:spcAft>
-                <a:spcPct val="0"/>
-              </a:spcAft>
-              <a:buClrTx/>
-              <a:buSzTx/>
-              <a:buFont typeface="Wingdings" pitchFamily="2" charset="2"/>
-              <a:buChar char="q"/>
-              <a:tabLst/>
-              <a:defRPr/>
-            </a:pPr>
-            <a:r>
-              <a:rPr kumimoji="0" lang="fr-FR" sz="2400" b="1" i="0" u="none" strike="noStrike" kern="0" cap="none" spc="0" normalizeH="0" baseline="0" noProof="0" smtClean="0">
-                <a:ln>
-                  <a:noFill/>
-                </a:ln>
-                <a:solidFill>
-                  <a:srgbClr val="5F5F5F"/>
-                </a:solidFill>
-                <a:effectLst/>
-                <a:uLnTx/>
-                <a:uFillTx/>
-                <a:latin typeface="+mn-lt"/>
-                <a:ea typeface="+mn-ea"/>
-                <a:cs typeface="+mn-cs"/>
-              </a:rPr>
-              <a:t>Le kanban :</a:t>
-            </a:r>
-          </a:p>
-          <a:p>
-            <a:pPr marL="1143000" marR="0" lvl="1" indent="-285750" algn="l" defTabSz="914400" rtl="0" eaLnBrk="1" fontAlgn="base" latinLnBrk="0" hangingPunct="1">
-              <a:lnSpc>
-                <a:spcPct val="100000"/>
-              </a:lnSpc>
-              <a:spcBef>
-                <a:spcPct val="20000"/>
-              </a:spcBef>
-              <a:spcAft>
-                <a:spcPct val="0"/>
-              </a:spcAft>
-              <a:buClr>
-                <a:srgbClr val="FFB30C"/>
-              </a:buClr>
-              <a:buSzTx/>
-              <a:buFont typeface="Wingdings" pitchFamily="2" charset="2"/>
-              <a:buChar char="Ø"/>
-              <a:tabLst/>
-              <a:defRPr/>
-            </a:pPr>
-            <a:r>
-              <a:rPr kumimoji="0" lang="fr-FR" sz="2000" b="1" i="0" u="none" strike="noStrike" kern="0" cap="none" spc="0" normalizeH="0" baseline="0" noProof="0" smtClean="0">
-                <a:ln>
-                  <a:noFill/>
-                </a:ln>
-                <a:solidFill>
-                  <a:srgbClr val="5F5F5F"/>
-                </a:solidFill>
-                <a:effectLst/>
-                <a:uLnTx/>
-                <a:uFillTx/>
-                <a:latin typeface="+mn-lt"/>
-              </a:rPr>
-              <a:t>Méthode agile</a:t>
-            </a:r>
-          </a:p>
-          <a:p>
-            <a:pPr marL="1143000" marR="0" lvl="1" indent="-285750" algn="l" defTabSz="914400" rtl="0" eaLnBrk="1" fontAlgn="base" latinLnBrk="0" hangingPunct="1">
-              <a:lnSpc>
-                <a:spcPct val="100000"/>
-              </a:lnSpc>
-              <a:spcBef>
-                <a:spcPct val="20000"/>
-              </a:spcBef>
-              <a:spcAft>
-                <a:spcPct val="0"/>
-              </a:spcAft>
-              <a:buClr>
-                <a:srgbClr val="FFB30C"/>
-              </a:buClr>
-              <a:buSzTx/>
-              <a:buFont typeface="Wingdings" pitchFamily="2" charset="2"/>
-              <a:buChar char="Ø"/>
-              <a:tabLst/>
-              <a:defRPr/>
-            </a:pPr>
-            <a:r>
-              <a:rPr kumimoji="0" lang="fr-FR" sz="2000" b="1" i="0" u="none" strike="noStrike" kern="0" cap="none" spc="0" normalizeH="0" baseline="0" noProof="0" smtClean="0">
-                <a:ln>
-                  <a:noFill/>
-                </a:ln>
-                <a:solidFill>
-                  <a:srgbClr val="5F5F5F"/>
-                </a:solidFill>
-                <a:effectLst/>
-                <a:uLnTx/>
-                <a:uFillTx/>
-                <a:latin typeface="+mn-lt"/>
-              </a:rPr>
-              <a:t>Adaptée pour plusieurs projets informatiques</a:t>
-            </a:r>
-          </a:p>
-          <a:p>
-            <a:pPr marL="571500" marR="0" lvl="0" indent="-342900" algn="l" defTabSz="914400" rtl="0" eaLnBrk="1" fontAlgn="base" latinLnBrk="0" hangingPunct="1">
-              <a:lnSpc>
-                <a:spcPct val="100000"/>
-              </a:lnSpc>
-              <a:spcBef>
-                <a:spcPct val="20000"/>
-              </a:spcBef>
-              <a:spcAft>
-                <a:spcPct val="0"/>
-              </a:spcAft>
-              <a:buClrTx/>
-              <a:buSzTx/>
-              <a:buFont typeface="Wingdings" pitchFamily="2" charset="2"/>
-              <a:buChar char="q"/>
-              <a:tabLst/>
-              <a:defRPr/>
-            </a:pPr>
-            <a:r>
-              <a:rPr kumimoji="0" lang="fr-FR" sz="2400" b="1" i="0" u="none" strike="noStrike" kern="0" cap="none" spc="0" normalizeH="0" baseline="0" noProof="0" smtClean="0">
-                <a:ln>
-                  <a:noFill/>
-                </a:ln>
-                <a:solidFill>
-                  <a:srgbClr val="5F5F5F"/>
-                </a:solidFill>
-                <a:effectLst/>
-                <a:uLnTx/>
-                <a:uFillTx/>
-                <a:latin typeface="+mn-lt"/>
-                <a:ea typeface="+mn-ea"/>
-                <a:cs typeface="+mn-cs"/>
-              </a:rPr>
-              <a:t>Les étapes du Kanban :</a:t>
-            </a:r>
-          </a:p>
-          <a:p>
-            <a:pPr marL="1143000" marR="0" lvl="1" indent="-285750" algn="l" defTabSz="914400" rtl="0" eaLnBrk="1" fontAlgn="base" latinLnBrk="0" hangingPunct="1">
-              <a:lnSpc>
-                <a:spcPct val="100000"/>
-              </a:lnSpc>
-              <a:spcBef>
-                <a:spcPct val="20000"/>
-              </a:spcBef>
-              <a:spcAft>
-                <a:spcPct val="0"/>
-              </a:spcAft>
-              <a:buClr>
-                <a:srgbClr val="FFB30C"/>
-              </a:buClr>
-              <a:buSzTx/>
-              <a:buFont typeface="Wingdings" pitchFamily="2" charset="2"/>
-              <a:buNone/>
-              <a:tabLst/>
-              <a:defRPr/>
-            </a:pPr>
-            <a:endParaRPr kumimoji="0" lang="fr-FR" sz="2000" b="1" i="0" u="none" strike="noStrike" kern="0" cap="none" spc="0" normalizeH="0" baseline="0" noProof="0" dirty="0" smtClean="0">
-              <a:ln>
-                <a:noFill/>
-              </a:ln>
-              <a:solidFill>
-                <a:srgbClr val="5F5F5F"/>
-              </a:solidFill>
-              <a:effectLst/>
-              <a:uLnTx/>
-              <a:uFillTx/>
-              <a:latin typeface="+mn-lt"/>
-            </a:endParaRPr>
-          </a:p>
-        </p:txBody>
-      </p:sp>
-      <p:sp>
-        <p:nvSpPr>
-          <p:cNvPr id="5" name="Espace réservé du numéro de diapositive 3"/>
-          <p:cNvSpPr txBox="1">
-            <a:spLocks/>
-          </p:cNvSpPr>
-          <p:nvPr/>
-        </p:nvSpPr>
-        <p:spPr bwMode="auto">
-          <a:xfrm>
-            <a:off x="8277225" y="6477000"/>
-            <a:ext cx="719138" cy="323850"/>
-          </a:xfrm>
-          <a:prstGeom prst="rect">
-            <a:avLst/>
-          </a:prstGeom>
-          <a:noFill/>
-          <a:ln w="9525">
-            <a:noFill/>
-            <a:miter lim="800000"/>
-            <a:headEnd/>
-            <a:tailEnd/>
-          </a:ln>
-          <a:effectLst/>
-        </p:spPr>
-        <p:txBody>
-          <a:bodyPr vert="horz" wrap="square" lIns="91440" tIns="45720" rIns="91440" bIns="45720" numCol="1" anchor="t" anchorCtr="0" compatLnSpc="1">
-            <a:prstTxWarp prst="textNoShape">
-              <a:avLst/>
-            </a:prstTxWarp>
-          </a:bodyPr>
-          <a:lstStyle/>
-          <a:p>
-            <a:pPr marL="0" marR="0" lvl="0" indent="0" algn="r" defTabSz="914400" rtl="0" eaLnBrk="0" fontAlgn="base" latinLnBrk="0" hangingPunct="0">
-              <a:lnSpc>
-                <a:spcPct val="100000"/>
-              </a:lnSpc>
-              <a:spcBef>
-                <a:spcPct val="0"/>
-              </a:spcBef>
-              <a:spcAft>
-                <a:spcPct val="0"/>
-              </a:spcAft>
-              <a:buClrTx/>
-              <a:buSzTx/>
-              <a:buFontTx/>
-              <a:buNone/>
-              <a:tabLst/>
-              <a:defRPr/>
-            </a:pPr>
-            <a:fld id="{228977EE-2505-4E01-83E6-F24DDA98A02D}" type="slidenum">
-              <a:rPr kumimoji="0" lang="fr-FR" sz="1200" b="0" i="0" u="none" strike="noStrike" kern="1200" cap="none" spc="0" normalizeH="0" baseline="0" noProof="0" smtClean="0">
-                <a:ln>
-                  <a:noFill/>
-                </a:ln>
-                <a:solidFill>
-                  <a:srgbClr val="5F5F5F"/>
-                </a:solidFill>
-                <a:effectLst/>
-                <a:uLnTx/>
-                <a:uFillTx/>
-                <a:latin typeface="Arial" charset="0"/>
-                <a:ea typeface="+mn-ea"/>
-                <a:cs typeface="+mn-cs"/>
-              </a:rPr>
-              <a:pPr marL="0" marR="0" lvl="0" indent="0" algn="r" defTabSz="914400" rtl="0" eaLnBrk="0" fontAlgn="base" latinLnBrk="0" hangingPunct="0">
-                <a:lnSpc>
-                  <a:spcPct val="100000"/>
-                </a:lnSpc>
-                <a:spcBef>
-                  <a:spcPct val="0"/>
-                </a:spcBef>
-                <a:spcAft>
-                  <a:spcPct val="0"/>
-                </a:spcAft>
-                <a:buClrTx/>
-                <a:buSzTx/>
-                <a:buFontTx/>
-                <a:buNone/>
-                <a:tabLst/>
-                <a:defRPr/>
-              </a:pPr>
-              <a:t>13</a:t>
-            </a:fld>
-            <a:endParaRPr kumimoji="0" lang="fr-FR" sz="1200" b="0" i="0" u="none" strike="noStrike" kern="1200" cap="none" spc="0" normalizeH="0" baseline="0" noProof="0">
-              <a:ln>
-                <a:noFill/>
-              </a:ln>
-              <a:solidFill>
-                <a:srgbClr val="5F5F5F"/>
-              </a:solidFill>
-              <a:effectLst/>
-              <a:uLnTx/>
-              <a:uFillTx/>
-              <a:latin typeface="Arial" charset="0"/>
-              <a:ea typeface="+mn-ea"/>
-              <a:cs typeface="+mn-cs"/>
-            </a:endParaRPr>
-          </a:p>
-        </p:txBody>
-      </p:sp>
-      <p:sp>
-        <p:nvSpPr>
-          <p:cNvPr id="6" name="Carré corné 5"/>
+          <p:cNvPr id="5" name="Carré corné 4"/>
           <p:cNvSpPr/>
           <p:nvPr/>
         </p:nvSpPr>
@@ -6616,7 +6350,7 @@
       </p:sp>
       <p:sp>
         <p:nvSpPr>
-          <p:cNvPr id="7" name="ZoneTexte 6"/>
+          <p:cNvPr id="6" name="ZoneTexte 5"/>
           <p:cNvSpPr txBox="1"/>
           <p:nvPr/>
         </p:nvSpPr>
@@ -6705,73 +6439,21 @@
                 <a:effectLst/>
                 <a:latin typeface="Arial" charset="0"/>
               </a:rPr>
-              <a:t>USER</a:t>
-            </a:r>
-            <a:r>
-              <a:rPr kumimoji="0" lang="fr-FR" sz="2000" b="0" i="0" u="none" strike="noStrike" cap="none" normalizeH="0" dirty="0" smtClean="0">
-                <a:ln>
-                  <a:noFill/>
-                </a:ln>
-                <a:solidFill>
-                  <a:srgbClr val="5F5F5F"/>
-                </a:solidFill>
-                <a:effectLst/>
-                <a:latin typeface="Arial" charset="0"/>
-              </a:rPr>
-              <a:t> STORY</a:t>
-            </a:r>
-            <a:endParaRPr kumimoji="0" lang="fr-FR" sz="2000" b="0" i="0" u="none" strike="noStrike" cap="none" normalizeH="0" baseline="0" dirty="0" smtClean="0">
-              <a:ln>
-                <a:noFill/>
-              </a:ln>
-              <a:solidFill>
-                <a:srgbClr val="5F5F5F"/>
-              </a:solidFill>
-              <a:effectLst/>
-              <a:latin typeface="Arial" charset="0"/>
-            </a:endParaRPr>
-          </a:p>
-        </p:txBody>
-      </p:sp>
-      <p:sp>
-        <p:nvSpPr>
-          <p:cNvPr id="10" name="Rectangle 9"/>
-          <p:cNvSpPr/>
-          <p:nvPr/>
-        </p:nvSpPr>
-        <p:spPr>
-          <a:xfrm>
-            <a:off x="4000496" y="4643446"/>
-            <a:ext cx="1866216" cy="307777"/>
-          </a:xfrm>
-          <a:prstGeom prst="rect">
-            <a:avLst/>
-          </a:prstGeom>
-        </p:spPr>
-        <p:txBody>
-          <a:bodyPr wrap="none">
-            <a:spAutoFit/>
-          </a:bodyPr>
-          <a:lstStyle/>
-          <a:p>
-            <a:r>
-              <a:rPr lang="fr-FR" b="1" dirty="0" smtClean="0"/>
-              <a:t>Exporter les graphs</a:t>
-            </a:r>
-            <a:endParaRPr lang="fr-FR" b="1" dirty="0"/>
-          </a:p>
-        </p:txBody>
-      </p:sp>
-      <p:sp>
-        <p:nvSpPr>
-          <p:cNvPr id="11" name="ZoneTexte 10"/>
+              <a:t>BACKLOG</a:t>
+            </a:r>
+          </a:p>
+        </p:txBody>
+      </p:sp>
+      <p:sp>
+        <p:nvSpPr>
+          <p:cNvPr id="9" name="ZoneTexte 8"/>
           <p:cNvSpPr txBox="1"/>
           <p:nvPr/>
         </p:nvSpPr>
         <p:spPr>
           <a:xfrm>
-            <a:off x="3977382" y="5214950"/>
-            <a:ext cx="880370" cy="307777"/>
+            <a:off x="3929058" y="4643446"/>
+            <a:ext cx="2000264" cy="307777"/>
           </a:xfrm>
           <a:prstGeom prst="rect">
             <a:avLst/>
@@ -6779,14 +6461,14 @@
           <a:noFill/>
         </p:spPr>
         <p:txBody>
-          <a:bodyPr wrap="none" rtlCol="0">
+          <a:bodyPr wrap="square" rtlCol="0">
             <a:spAutoFit/>
           </a:bodyPr>
           <a:lstStyle/>
           <a:p>
             <a:r>
               <a:rPr lang="fr-FR" b="1" dirty="0" smtClean="0"/>
-              <a:t>13/07/15</a:t>
+              <a:t>Exporter les graphs</a:t>
             </a:r>
             <a:endParaRPr lang="fr-FR" b="1" dirty="0"/>
           </a:p>
@@ -6850,108 +6532,7 @@
       </p:sp>
       <p:sp>
         <p:nvSpPr>
-          <p:cNvPr id="3" name="Espace réservé du numéro de diapositive 1"/>
-          <p:cNvSpPr txBox="1">
-            <a:spLocks/>
-          </p:cNvSpPr>
-          <p:nvPr/>
-        </p:nvSpPr>
-        <p:spPr bwMode="auto">
-          <a:xfrm>
-            <a:off x="8277225" y="6477000"/>
-            <a:ext cx="719138" cy="323850"/>
-          </a:xfrm>
-          <a:prstGeom prst="rect">
-            <a:avLst/>
-          </a:prstGeom>
-          <a:noFill/>
-          <a:ln w="9525">
-            <a:noFill/>
-            <a:miter lim="800000"/>
-            <a:headEnd/>
-            <a:tailEnd/>
-          </a:ln>
-          <a:effectLst/>
-        </p:spPr>
-        <p:txBody>
-          <a:bodyPr vert="horz" wrap="square" lIns="91440" tIns="45720" rIns="91440" bIns="45720" numCol="1" anchor="t" anchorCtr="0" compatLnSpc="1">
-            <a:prstTxWarp prst="textNoShape">
-              <a:avLst/>
-            </a:prstTxWarp>
-          </a:bodyPr>
-          <a:lstStyle/>
-          <a:p>
-            <a:pPr marL="0" marR="0" lvl="0" indent="0" algn="r" defTabSz="914400" rtl="0" eaLnBrk="0" fontAlgn="base" latinLnBrk="0" hangingPunct="0">
-              <a:lnSpc>
-                <a:spcPct val="100000"/>
-              </a:lnSpc>
-              <a:spcBef>
-                <a:spcPct val="0"/>
-              </a:spcBef>
-              <a:spcAft>
-                <a:spcPct val="0"/>
-              </a:spcAft>
-              <a:buClrTx/>
-              <a:buSzTx/>
-              <a:buFontTx/>
-              <a:buNone/>
-              <a:tabLst/>
-              <a:defRPr/>
-            </a:pPr>
-            <a:fld id="{0EEE55F7-AF7E-434C-A835-5D468B60A67C}" type="slidenum">
-              <a:rPr kumimoji="0" lang="fr-FR" sz="1200" b="0" i="0" u="none" strike="noStrike" kern="1200" cap="none" spc="0" normalizeH="0" baseline="0" noProof="0" smtClean="0">
-                <a:ln>
-                  <a:noFill/>
-                </a:ln>
-                <a:solidFill>
-                  <a:srgbClr val="5F5F5F"/>
-                </a:solidFill>
-                <a:effectLst/>
-                <a:uLnTx/>
-                <a:uFillTx/>
-                <a:latin typeface="Arial" charset="0"/>
-                <a:ea typeface="+mn-ea"/>
-                <a:cs typeface="+mn-cs"/>
-              </a:rPr>
-              <a:pPr marL="0" marR="0" lvl="0" indent="0" algn="r" defTabSz="914400" rtl="0" eaLnBrk="0" fontAlgn="base" latinLnBrk="0" hangingPunct="0">
-                <a:lnSpc>
-                  <a:spcPct val="100000"/>
-                </a:lnSpc>
-                <a:spcBef>
-                  <a:spcPct val="0"/>
-                </a:spcBef>
-                <a:spcAft>
-                  <a:spcPct val="0"/>
-                </a:spcAft>
-                <a:buClrTx/>
-                <a:buSzTx/>
-                <a:buFontTx/>
-                <a:buNone/>
-                <a:tabLst/>
-                <a:defRPr/>
-              </a:pPr>
-              <a:t>14</a:t>
-            </a:fld>
-            <a:endParaRPr kumimoji="0" lang="fr-FR" sz="1200" b="0" i="0" u="none" strike="noStrike" kern="1200" cap="none" spc="0" normalizeH="0" baseline="0" noProof="0">
-              <a:ln>
-                <a:noFill/>
-              </a:ln>
-              <a:solidFill>
-                <a:srgbClr val="5F5F5F"/>
-              </a:solidFill>
-              <a:effectLst/>
-              <a:uLnTx/>
-              <a:uFillTx/>
-              <a:latin typeface="Arial" charset="0"/>
-              <a:ea typeface="+mn-ea"/>
-              <a:cs typeface="+mn-cs"/>
-            </a:endParaRPr>
-          </a:p>
-        </p:txBody>
-      </p:sp>
-      <p:sp>
-        <p:nvSpPr>
-          <p:cNvPr id="4" name="Titre 1"/>
+          <p:cNvPr id="3" name="Titre 1"/>
           <p:cNvSpPr txBox="1">
             <a:spLocks/>
           </p:cNvSpPr>
@@ -7023,7 +6604,7 @@
       </p:sp>
       <p:sp>
         <p:nvSpPr>
-          <p:cNvPr id="5" name="Espace réservé du contenu 2"/>
+          <p:cNvPr id="4" name="Espace réservé du contenu 2"/>
           <p:cNvSpPr txBox="1">
             <a:spLocks/>
           </p:cNvSpPr>
@@ -7222,7 +6803,7 @@
       </p:sp>
       <p:sp>
         <p:nvSpPr>
-          <p:cNvPr id="6" name="Espace réservé du numéro de diapositive 3"/>
+          <p:cNvPr id="5" name="Espace réservé du numéro de diapositive 3"/>
           <p:cNvSpPr txBox="1">
             <a:spLocks/>
           </p:cNvSpPr>
@@ -7323,7 +6904,7 @@
       </p:sp>
       <p:sp>
         <p:nvSpPr>
-          <p:cNvPr id="7" name="Carré corné 6"/>
+          <p:cNvPr id="6" name="Carré corné 5"/>
           <p:cNvSpPr/>
           <p:nvPr/>
         </p:nvSpPr>
@@ -7386,7 +6967,7 @@
       </p:sp>
       <p:sp>
         <p:nvSpPr>
-          <p:cNvPr id="8" name="ZoneTexte 7"/>
+          <p:cNvPr id="7" name="ZoneTexte 6"/>
           <p:cNvSpPr txBox="1"/>
           <p:nvPr/>
         </p:nvSpPr>
@@ -7416,7 +6997,7 @@
       </p:sp>
       <p:sp>
         <p:nvSpPr>
-          <p:cNvPr id="9" name="Rectangle 8"/>
+          <p:cNvPr id="8" name="Rectangle 7"/>
           <p:cNvSpPr/>
           <p:nvPr/>
         </p:nvSpPr>
@@ -7475,7 +7056,20 @@
                 <a:effectLst/>
                 <a:latin typeface="Arial" charset="0"/>
               </a:rPr>
-              <a:t>ESTIMATION</a:t>
+              <a:t>USER</a:t>
+            </a:r>
+            <a:r>
+              <a:rPr kumimoji="0" lang="fr-FR" sz="2000" b="0" i="0" u="none" strike="noStrike" cap="none" normalizeH="0" dirty="0" smtClean="0">
+                <a:ln>
+                  <a:noFill/>
+                </a:ln>
+                <a:solidFill>
+                  <a:srgbClr val="5F5F5F"/>
+                </a:solidFill>
+                <a:effectLst/>
+                <a:latin typeface="Arial" charset="0"/>
+              </a:rPr>
+              <a:t> STORY</a:t>
             </a:r>
             <a:endParaRPr kumimoji="0" lang="fr-FR" sz="2000" b="0" i="0" u="none" strike="noStrike" cap="none" normalizeH="0" baseline="0" dirty="0" smtClean="0">
               <a:ln>
@@ -7492,14 +7086,43 @@
       </p:sp>
       <p:sp>
         <p:nvSpPr>
-          <p:cNvPr id="10" name="ZoneTexte 9"/>
+          <p:cNvPr id="10" name="Rectangle 9"/>
+          <p:cNvSpPr/>
+          <p:nvPr/>
+        </p:nvSpPr>
+        <p:spPr>
+          <a:xfrm>
+            <a:off x="4000496" y="4643446"/>
+            <a:ext cx="1866216" cy="307777"/>
+          </a:xfrm>
+          <a:prstGeom prst="rect">
+            <a:avLst/>
+          </a:prstGeom>
+        </p:spPr>
+        <p:txBody>
+          <a:bodyPr wrap="none">
+            <a:spAutoFit/>
+          </a:bodyPr>
+          <a:lstStyle/>
+          <a:p>
+            <a:r>
+              <a:rPr lang="fr-FR" b="1" dirty="0" smtClean="0"/>
+              <a:t>Exporter les graphs</a:t>
+            </a:r>
+            <a:endParaRPr lang="fr-FR" b="1" dirty="0"/>
+          </a:p>
+        </p:txBody>
+      </p:sp>
+      <p:sp>
+        <p:nvSpPr>
+          <p:cNvPr id="11" name="ZoneTexte 10"/>
           <p:cNvSpPr txBox="1"/>
           <p:nvPr/>
         </p:nvSpPr>
         <p:spPr>
           <a:xfrm>
-            <a:off x="5072066" y="3857628"/>
-            <a:ext cx="714380" cy="400110"/>
+            <a:off x="3977382" y="5214950"/>
+            <a:ext cx="880370" cy="307777"/>
           </a:xfrm>
           <a:prstGeom prst="rect">
             <a:avLst/>
@@ -7507,65 +7130,7 @@
           <a:noFill/>
         </p:spPr>
         <p:txBody>
-          <a:bodyPr wrap="square" rtlCol="0">
-            <a:spAutoFit/>
-          </a:bodyPr>
-          <a:lstStyle/>
-          <a:p>
-            <a:r>
-              <a:rPr lang="fr-FR" sz="2000" dirty="0" smtClean="0"/>
-              <a:t>***</a:t>
-            </a:r>
-            <a:endParaRPr lang="fr-FR" sz="2000" dirty="0"/>
-          </a:p>
-        </p:txBody>
-      </p:sp>
-      <p:sp>
-        <p:nvSpPr>
-          <p:cNvPr id="11" name="Rectangle 10"/>
-          <p:cNvSpPr/>
-          <p:nvPr/>
-        </p:nvSpPr>
-        <p:spPr>
-          <a:xfrm>
-            <a:off x="4000496" y="4643446"/>
-            <a:ext cx="1866216" cy="307777"/>
-          </a:xfrm>
-          <a:prstGeom prst="rect">
-            <a:avLst/>
-          </a:prstGeom>
-        </p:spPr>
-        <p:txBody>
-          <a:bodyPr wrap="none">
-            <a:spAutoFit/>
-          </a:bodyPr>
-          <a:lstStyle/>
-          <a:p>
-            <a:r>
-              <a:rPr lang="fr-FR" b="1" dirty="0" smtClean="0"/>
-              <a:t>Exporter les graphs</a:t>
-            </a:r>
-            <a:endParaRPr lang="fr-FR" b="1" dirty="0"/>
-          </a:p>
-        </p:txBody>
-      </p:sp>
-      <p:sp>
-        <p:nvSpPr>
-          <p:cNvPr id="12" name="Rectangle 11"/>
-          <p:cNvSpPr/>
-          <p:nvPr/>
-        </p:nvSpPr>
-        <p:spPr>
-          <a:xfrm>
-            <a:off x="3977383" y="5214950"/>
-            <a:ext cx="880369" cy="307777"/>
-          </a:xfrm>
-          <a:prstGeom prst="rect">
-            <a:avLst/>
-          </a:prstGeom>
-        </p:spPr>
-        <p:txBody>
-          <a:bodyPr wrap="none">
+          <a:bodyPr wrap="none" rtlCol="0">
             <a:spAutoFit/>
           </a:bodyPr>
           <a:lstStyle/>
@@ -7737,108 +7302,7 @@
       </p:sp>
       <p:sp>
         <p:nvSpPr>
-          <p:cNvPr id="4" name="Espace réservé du numéro de diapositive 1"/>
-          <p:cNvSpPr txBox="1">
-            <a:spLocks/>
-          </p:cNvSpPr>
-          <p:nvPr/>
-        </p:nvSpPr>
-        <p:spPr bwMode="auto">
-          <a:xfrm>
-            <a:off x="8277225" y="6477000"/>
-            <a:ext cx="719138" cy="323850"/>
-          </a:xfrm>
-          <a:prstGeom prst="rect">
-            <a:avLst/>
-          </a:prstGeom>
-          <a:noFill/>
-          <a:ln w="9525">
-            <a:noFill/>
-            <a:miter lim="800000"/>
-            <a:headEnd/>
-            <a:tailEnd/>
-          </a:ln>
-          <a:effectLst/>
-        </p:spPr>
-        <p:txBody>
-          <a:bodyPr vert="horz" wrap="square" lIns="91440" tIns="45720" rIns="91440" bIns="45720" numCol="1" anchor="t" anchorCtr="0" compatLnSpc="1">
-            <a:prstTxWarp prst="textNoShape">
-              <a:avLst/>
-            </a:prstTxWarp>
-          </a:bodyPr>
-          <a:lstStyle/>
-          <a:p>
-            <a:pPr marL="0" marR="0" lvl="0" indent="0" algn="r" defTabSz="914400" rtl="0" eaLnBrk="0" fontAlgn="base" latinLnBrk="0" hangingPunct="0">
-              <a:lnSpc>
-                <a:spcPct val="100000"/>
-              </a:lnSpc>
-              <a:spcBef>
-                <a:spcPct val="0"/>
-              </a:spcBef>
-              <a:spcAft>
-                <a:spcPct val="0"/>
-              </a:spcAft>
-              <a:buClrTx/>
-              <a:buSzTx/>
-              <a:buFontTx/>
-              <a:buNone/>
-              <a:tabLst/>
-              <a:defRPr/>
-            </a:pPr>
-            <a:fld id="{0EEE55F7-AF7E-434C-A835-5D468B60A67C}" type="slidenum">
-              <a:rPr kumimoji="0" lang="fr-FR" sz="1200" b="0" i="0" u="none" strike="noStrike" kern="1200" cap="none" spc="0" normalizeH="0" baseline="0" noProof="0" smtClean="0">
-                <a:ln>
-                  <a:noFill/>
-                </a:ln>
-                <a:solidFill>
-                  <a:srgbClr val="5F5F5F"/>
-                </a:solidFill>
-                <a:effectLst/>
-                <a:uLnTx/>
-                <a:uFillTx/>
-                <a:latin typeface="Arial" charset="0"/>
-                <a:ea typeface="+mn-ea"/>
-                <a:cs typeface="+mn-cs"/>
-              </a:rPr>
-              <a:pPr marL="0" marR="0" lvl="0" indent="0" algn="r" defTabSz="914400" rtl="0" eaLnBrk="0" fontAlgn="base" latinLnBrk="0" hangingPunct="0">
-                <a:lnSpc>
-                  <a:spcPct val="100000"/>
-                </a:lnSpc>
-                <a:spcBef>
-                  <a:spcPct val="0"/>
-                </a:spcBef>
-                <a:spcAft>
-                  <a:spcPct val="0"/>
-                </a:spcAft>
-                <a:buClrTx/>
-                <a:buSzTx/>
-                <a:buFontTx/>
-                <a:buNone/>
-                <a:tabLst/>
-                <a:defRPr/>
-              </a:pPr>
-              <a:t>15</a:t>
-            </a:fld>
-            <a:endParaRPr kumimoji="0" lang="fr-FR" sz="1200" b="0" i="0" u="none" strike="noStrike" kern="1200" cap="none" spc="0" normalizeH="0" baseline="0" noProof="0">
-              <a:ln>
-                <a:noFill/>
-              </a:ln>
-              <a:solidFill>
-                <a:srgbClr val="5F5F5F"/>
-              </a:solidFill>
-              <a:effectLst/>
-              <a:uLnTx/>
-              <a:uFillTx/>
-              <a:latin typeface="Arial" charset="0"/>
-              <a:ea typeface="+mn-ea"/>
-              <a:cs typeface="+mn-cs"/>
-            </a:endParaRPr>
-          </a:p>
-        </p:txBody>
-      </p:sp>
-      <p:sp>
-        <p:nvSpPr>
-          <p:cNvPr id="5" name="Titre 1"/>
+          <p:cNvPr id="4" name="Titre 1"/>
           <p:cNvSpPr txBox="1">
             <a:spLocks/>
           </p:cNvSpPr>
@@ -7910,7 +7374,7 @@
       </p:sp>
       <p:sp>
         <p:nvSpPr>
-          <p:cNvPr id="6" name="Espace réservé du contenu 2"/>
+          <p:cNvPr id="5" name="Espace réservé du contenu 2"/>
           <p:cNvSpPr txBox="1">
             <a:spLocks/>
           </p:cNvSpPr>
@@ -8109,7 +7573,7 @@
       </p:sp>
       <p:sp>
         <p:nvSpPr>
-          <p:cNvPr id="7" name="Espace réservé du numéro de diapositive 3"/>
+          <p:cNvPr id="6" name="Espace réservé du numéro de diapositive 3"/>
           <p:cNvSpPr txBox="1">
             <a:spLocks/>
           </p:cNvSpPr>
@@ -8210,7 +7674,7 @@
       </p:sp>
       <p:sp>
         <p:nvSpPr>
-          <p:cNvPr id="8" name="Carré corné 7"/>
+          <p:cNvPr id="7" name="Carré corné 6"/>
           <p:cNvSpPr/>
           <p:nvPr/>
         </p:nvSpPr>
@@ -8273,7 +7737,7 @@
       </p:sp>
       <p:sp>
         <p:nvSpPr>
-          <p:cNvPr id="9" name="ZoneTexte 8"/>
+          <p:cNvPr id="8" name="ZoneTexte 7"/>
           <p:cNvSpPr txBox="1"/>
           <p:nvPr/>
         </p:nvSpPr>
@@ -8303,7 +7767,7 @@
       </p:sp>
       <p:sp>
         <p:nvSpPr>
-          <p:cNvPr id="10" name="Rectangle 9"/>
+          <p:cNvPr id="9" name="Rectangle 8"/>
           <p:cNvSpPr/>
           <p:nvPr/>
         </p:nvSpPr>
@@ -8362,24 +7826,14 @@
                 <a:effectLst/>
                 <a:latin typeface="Arial" charset="0"/>
               </a:rPr>
-              <a:t>TO DO</a:t>
-            </a:r>
-            <a:endParaRPr kumimoji="0" lang="fr-FR" sz="2000" b="0" i="0" u="none" strike="noStrike" cap="none" normalizeH="0" baseline="0" dirty="0" smtClean="0">
-              <a:ln>
-                <a:noFill/>
-              </a:ln>
-              <a:solidFill>
-                <a:srgbClr val="5F5F5F"/>
-              </a:solidFill>
-              <a:effectLst/>
-              <a:latin typeface="Arial" charset="0"/>
-            </a:endParaRPr>
-          </a:p>
-        </p:txBody>
-      </p:sp>
-      <p:sp>
-        <p:nvSpPr>
-          <p:cNvPr id="11" name="ZoneTexte 10"/>
+              <a:t>ESTIMATION</a:t>
+            </a:r>
+          </a:p>
+        </p:txBody>
+      </p:sp>
+      <p:sp>
+        <p:nvSpPr>
+          <p:cNvPr id="10" name="ZoneTexte 9"/>
           <p:cNvSpPr txBox="1"/>
           <p:nvPr/>
         </p:nvSpPr>
@@ -8409,14 +7863,43 @@
       </p:sp>
       <p:sp>
         <p:nvSpPr>
+          <p:cNvPr id="11" name="Rectangle 10"/>
+          <p:cNvSpPr/>
+          <p:nvPr/>
+        </p:nvSpPr>
+        <p:spPr>
+          <a:xfrm>
+            <a:off x="4000496" y="4643446"/>
+            <a:ext cx="1866216" cy="307777"/>
+          </a:xfrm>
+          <a:prstGeom prst="rect">
+            <a:avLst/>
+          </a:prstGeom>
+        </p:spPr>
+        <p:txBody>
+          <a:bodyPr wrap="none">
+            <a:spAutoFit/>
+          </a:bodyPr>
+          <a:lstStyle/>
+          <a:p>
+            <a:r>
+              <a:rPr lang="fr-FR" b="1" dirty="0" smtClean="0"/>
+              <a:t>Exporter les graphs</a:t>
+            </a:r>
+            <a:endParaRPr lang="fr-FR" b="1" dirty="0"/>
+          </a:p>
+        </p:txBody>
+      </p:sp>
+      <p:sp>
+        <p:nvSpPr>
           <p:cNvPr id="12" name="Rectangle 11"/>
           <p:cNvSpPr/>
           <p:nvPr/>
         </p:nvSpPr>
         <p:spPr>
           <a:xfrm>
-            <a:off x="4000496" y="4643446"/>
-            <a:ext cx="1866216" cy="307777"/>
+            <a:off x="3977383" y="5214950"/>
+            <a:ext cx="880369" cy="307777"/>
           </a:xfrm>
           <a:prstGeom prst="rect">
             <a:avLst/>
@@ -8430,67 +7913,12 @@
           <a:p>
             <a:r>
               <a:rPr lang="fr-FR" b="1" dirty="0" smtClean="0"/>
-              <a:t>Exporter les graphs</a:t>
+              <a:t>13/07/15</a:t>
             </a:r>
             <a:endParaRPr lang="fr-FR" b="1" dirty="0"/>
           </a:p>
         </p:txBody>
       </p:sp>
-      <p:sp>
-        <p:nvSpPr>
-          <p:cNvPr id="13" name="Rectangle 12"/>
-          <p:cNvSpPr/>
-          <p:nvPr/>
-        </p:nvSpPr>
-        <p:spPr>
-          <a:xfrm>
-            <a:off x="3977383" y="5214950"/>
-            <a:ext cx="880369" cy="307777"/>
-          </a:xfrm>
-          <a:prstGeom prst="rect">
-            <a:avLst/>
-          </a:prstGeom>
-        </p:spPr>
-        <p:txBody>
-          <a:bodyPr wrap="none">
-            <a:spAutoFit/>
-          </a:bodyPr>
-          <a:lstStyle/>
-          <a:p>
-            <a:r>
-              <a:rPr lang="fr-FR" b="1" dirty="0" smtClean="0"/>
-              <a:t>13/07/15</a:t>
-            </a:r>
-            <a:endParaRPr lang="fr-FR" b="1" dirty="0"/>
-          </a:p>
-        </p:txBody>
-      </p:sp>
-      <p:pic>
-        <p:nvPicPr>
-          <p:cNvPr id="1026" name="Picture 2" descr="C:\Program Files (x86)\Microsoft Office\MEDIA\CAGCAT10\j0302953.jpg"/>
-          <p:cNvPicPr>
-            <a:picLocks noChangeAspect="1" noChangeArrowheads="1"/>
-          </p:cNvPicPr>
-          <p:nvPr/>
-        </p:nvPicPr>
-        <p:blipFill>
-          <a:blip r:embed="rId2" cstate="print"/>
-          <a:srcRect/>
-          <a:stretch>
-            <a:fillRect/>
-          </a:stretch>
-        </p:blipFill>
-        <p:spPr bwMode="auto">
-          <a:xfrm>
-            <a:off x="5572132" y="5214950"/>
-            <a:ext cx="804478" cy="1127773"/>
-          </a:xfrm>
-          <a:prstGeom prst="rect">
-            <a:avLst/>
-          </a:prstGeom>
-          <a:noFill/>
-        </p:spPr>
-      </p:pic>
     </p:spTree>
   </p:cSld>
   <p:clrMapOvr>
@@ -8751,108 +8179,7 @@
       </p:sp>
       <p:sp>
         <p:nvSpPr>
-          <p:cNvPr id="5" name="Espace réservé du numéro de diapositive 1"/>
-          <p:cNvSpPr txBox="1">
-            <a:spLocks/>
-          </p:cNvSpPr>
-          <p:nvPr/>
-        </p:nvSpPr>
-        <p:spPr bwMode="auto">
-          <a:xfrm>
-            <a:off x="8277225" y="6477000"/>
-            <a:ext cx="719138" cy="323850"/>
-          </a:xfrm>
-          <a:prstGeom prst="rect">
-            <a:avLst/>
-          </a:prstGeom>
-          <a:noFill/>
-          <a:ln w="9525">
-            <a:noFill/>
-            <a:miter lim="800000"/>
-            <a:headEnd/>
-            <a:tailEnd/>
-          </a:ln>
-          <a:effectLst/>
-        </p:spPr>
-        <p:txBody>
-          <a:bodyPr vert="horz" wrap="square" lIns="91440" tIns="45720" rIns="91440" bIns="45720" numCol="1" anchor="t" anchorCtr="0" compatLnSpc="1">
-            <a:prstTxWarp prst="textNoShape">
-              <a:avLst/>
-            </a:prstTxWarp>
-          </a:bodyPr>
-          <a:lstStyle/>
-          <a:p>
-            <a:pPr marL="0" marR="0" lvl="0" indent="0" algn="r" defTabSz="914400" rtl="0" eaLnBrk="0" fontAlgn="base" latinLnBrk="0" hangingPunct="0">
-              <a:lnSpc>
-                <a:spcPct val="100000"/>
-              </a:lnSpc>
-              <a:spcBef>
-                <a:spcPct val="0"/>
-              </a:spcBef>
-              <a:spcAft>
-                <a:spcPct val="0"/>
-              </a:spcAft>
-              <a:buClrTx/>
-              <a:buSzTx/>
-              <a:buFontTx/>
-              <a:buNone/>
-              <a:tabLst/>
-              <a:defRPr/>
-            </a:pPr>
-            <a:fld id="{0EEE55F7-AF7E-434C-A835-5D468B60A67C}" type="slidenum">
-              <a:rPr kumimoji="0" lang="fr-FR" sz="1200" b="0" i="0" u="none" strike="noStrike" kern="1200" cap="none" spc="0" normalizeH="0" baseline="0" noProof="0" smtClean="0">
-                <a:ln>
-                  <a:noFill/>
-                </a:ln>
-                <a:solidFill>
-                  <a:srgbClr val="5F5F5F"/>
-                </a:solidFill>
-                <a:effectLst/>
-                <a:uLnTx/>
-                <a:uFillTx/>
-                <a:latin typeface="Arial" charset="0"/>
-                <a:ea typeface="+mn-ea"/>
-                <a:cs typeface="+mn-cs"/>
-              </a:rPr>
-              <a:pPr marL="0" marR="0" lvl="0" indent="0" algn="r" defTabSz="914400" rtl="0" eaLnBrk="0" fontAlgn="base" latinLnBrk="0" hangingPunct="0">
-                <a:lnSpc>
-                  <a:spcPct val="100000"/>
-                </a:lnSpc>
-                <a:spcBef>
-                  <a:spcPct val="0"/>
-                </a:spcBef>
-                <a:spcAft>
-                  <a:spcPct val="0"/>
-                </a:spcAft>
-                <a:buClrTx/>
-                <a:buSzTx/>
-                <a:buFontTx/>
-                <a:buNone/>
-                <a:tabLst/>
-                <a:defRPr/>
-              </a:pPr>
-              <a:t>16</a:t>
-            </a:fld>
-            <a:endParaRPr kumimoji="0" lang="fr-FR" sz="1200" b="0" i="0" u="none" strike="noStrike" kern="1200" cap="none" spc="0" normalizeH="0" baseline="0" noProof="0">
-              <a:ln>
-                <a:noFill/>
-              </a:ln>
-              <a:solidFill>
-                <a:srgbClr val="5F5F5F"/>
-              </a:solidFill>
-              <a:effectLst/>
-              <a:uLnTx/>
-              <a:uFillTx/>
-              <a:latin typeface="Arial" charset="0"/>
-              <a:ea typeface="+mn-ea"/>
-              <a:cs typeface="+mn-cs"/>
-            </a:endParaRPr>
-          </a:p>
-        </p:txBody>
-      </p:sp>
-      <p:sp>
-        <p:nvSpPr>
-          <p:cNvPr id="6" name="Titre 1"/>
+          <p:cNvPr id="5" name="Titre 1"/>
           <p:cNvSpPr txBox="1">
             <a:spLocks/>
           </p:cNvSpPr>
@@ -8924,7 +8251,7 @@
       </p:sp>
       <p:sp>
         <p:nvSpPr>
-          <p:cNvPr id="7" name="Espace réservé du contenu 2"/>
+          <p:cNvPr id="6" name="Espace réservé du contenu 2"/>
           <p:cNvSpPr txBox="1">
             <a:spLocks/>
           </p:cNvSpPr>
@@ -9123,7 +8450,7 @@
       </p:sp>
       <p:sp>
         <p:nvSpPr>
-          <p:cNvPr id="8" name="Espace réservé du numéro de diapositive 3"/>
+          <p:cNvPr id="7" name="Espace réservé du numéro de diapositive 3"/>
           <p:cNvSpPr txBox="1">
             <a:spLocks/>
           </p:cNvSpPr>
@@ -9224,7 +8551,7 @@
       </p:sp>
       <p:sp>
         <p:nvSpPr>
-          <p:cNvPr id="9" name="Carré corné 8"/>
+          <p:cNvPr id="8" name="Carré corné 7"/>
           <p:cNvSpPr/>
           <p:nvPr/>
         </p:nvSpPr>
@@ -9287,7 +8614,7 @@
       </p:sp>
       <p:sp>
         <p:nvSpPr>
-          <p:cNvPr id="10" name="ZoneTexte 9"/>
+          <p:cNvPr id="9" name="ZoneTexte 8"/>
           <p:cNvSpPr txBox="1"/>
           <p:nvPr/>
         </p:nvSpPr>
@@ -9317,7 +8644,7 @@
       </p:sp>
       <p:sp>
         <p:nvSpPr>
-          <p:cNvPr id="11" name="Rectangle 10"/>
+          <p:cNvPr id="10" name="Rectangle 9"/>
           <p:cNvSpPr/>
           <p:nvPr/>
         </p:nvSpPr>
@@ -9376,24 +8703,14 @@
                 <a:effectLst/>
                 <a:latin typeface="Arial" charset="0"/>
               </a:rPr>
-              <a:t>IN REALISATION</a:t>
-            </a:r>
-            <a:endParaRPr kumimoji="0" lang="fr-FR" sz="2000" b="0" i="0" u="none" strike="noStrike" cap="none" normalizeH="0" baseline="0" dirty="0" smtClean="0">
-              <a:ln>
-                <a:noFill/>
-              </a:ln>
-              <a:solidFill>
-                <a:srgbClr val="5F5F5F"/>
-              </a:solidFill>
-              <a:effectLst/>
-              <a:latin typeface="Arial" charset="0"/>
-            </a:endParaRPr>
-          </a:p>
-        </p:txBody>
-      </p:sp>
-      <p:sp>
-        <p:nvSpPr>
-          <p:cNvPr id="12" name="ZoneTexte 11"/>
+              <a:t>TO DO</a:t>
+            </a:r>
+          </a:p>
+        </p:txBody>
+      </p:sp>
+      <p:sp>
+        <p:nvSpPr>
+          <p:cNvPr id="11" name="ZoneTexte 10"/>
           <p:cNvSpPr txBox="1"/>
           <p:nvPr/>
         </p:nvSpPr>
@@ -9423,14 +8740,43 @@
       </p:sp>
       <p:sp>
         <p:nvSpPr>
+          <p:cNvPr id="12" name="Rectangle 11"/>
+          <p:cNvSpPr/>
+          <p:nvPr/>
+        </p:nvSpPr>
+        <p:spPr>
+          <a:xfrm>
+            <a:off x="4000496" y="4643446"/>
+            <a:ext cx="1866216" cy="307777"/>
+          </a:xfrm>
+          <a:prstGeom prst="rect">
+            <a:avLst/>
+          </a:prstGeom>
+        </p:spPr>
+        <p:txBody>
+          <a:bodyPr wrap="none">
+            <a:spAutoFit/>
+          </a:bodyPr>
+          <a:lstStyle/>
+          <a:p>
+            <a:r>
+              <a:rPr lang="fr-FR" b="1" dirty="0" smtClean="0"/>
+              <a:t>Exporter les graphs</a:t>
+            </a:r>
+            <a:endParaRPr lang="fr-FR" b="1" dirty="0"/>
+          </a:p>
+        </p:txBody>
+      </p:sp>
+      <p:sp>
+        <p:nvSpPr>
           <p:cNvPr id="13" name="Rectangle 12"/>
           <p:cNvSpPr/>
           <p:nvPr/>
         </p:nvSpPr>
         <p:spPr>
           <a:xfrm>
-            <a:off x="4000496" y="4643446"/>
-            <a:ext cx="1866216" cy="307777"/>
+            <a:off x="3977383" y="5214950"/>
+            <a:ext cx="880369" cy="307777"/>
           </a:xfrm>
           <a:prstGeom prst="rect">
             <a:avLst/>
@@ -9444,35 +8790,6 @@
           <a:p>
             <a:r>
               <a:rPr lang="fr-FR" b="1" dirty="0" smtClean="0"/>
-              <a:t>Exporter les graphs</a:t>
-            </a:r>
-            <a:endParaRPr lang="fr-FR" b="1" dirty="0"/>
-          </a:p>
-        </p:txBody>
-      </p:sp>
-      <p:sp>
-        <p:nvSpPr>
-          <p:cNvPr id="14" name="Rectangle 13"/>
-          <p:cNvSpPr/>
-          <p:nvPr/>
-        </p:nvSpPr>
-        <p:spPr>
-          <a:xfrm>
-            <a:off x="3977383" y="5214950"/>
-            <a:ext cx="880369" cy="307777"/>
-          </a:xfrm>
-          <a:prstGeom prst="rect">
-            <a:avLst/>
-          </a:prstGeom>
-        </p:spPr>
-        <p:txBody>
-          <a:bodyPr wrap="none">
-            <a:spAutoFit/>
-          </a:bodyPr>
-          <a:lstStyle/>
-          <a:p>
-            <a:r>
-              <a:rPr lang="fr-FR" b="1" dirty="0" smtClean="0"/>
               <a:t>13/07/15</a:t>
             </a:r>
             <a:endParaRPr lang="fr-FR" b="1" dirty="0"/>
@@ -9481,7 +8798,7 @@
       </p:sp>
       <p:pic>
         <p:nvPicPr>
-          <p:cNvPr id="15" name="Picture 2" descr="C:\Program Files (x86)\Microsoft Office\MEDIA\CAGCAT10\j0302953.jpg"/>
+          <p:cNvPr id="1026" name="Picture 2" descr="C:\Program Files (x86)\Microsoft Office\MEDIA\CAGCAT10\j0302953.jpg"/>
           <p:cNvPicPr>
             <a:picLocks noChangeAspect="1" noChangeArrowheads="1"/>
           </p:cNvPicPr>
@@ -9510,6 +8827,13 @@
   <p:clrMapOvr>
     <a:masterClrMapping/>
   </p:clrMapOvr>
+  <p:timing>
+    <p:tnLst>
+      <p:par>
+        <p:cTn id="1" dur="indefinite" restart="never" nodeType="tmRoot"/>
+      </p:par>
+    </p:tnLst>
+  </p:timing>
 </p:sld>
 </file>
 
@@ -9859,108 +9183,7 @@
       </p:sp>
       <p:sp>
         <p:nvSpPr>
-          <p:cNvPr id="6" name="Espace réservé du numéro de diapositive 1"/>
-          <p:cNvSpPr txBox="1">
-            <a:spLocks/>
-          </p:cNvSpPr>
-          <p:nvPr/>
-        </p:nvSpPr>
-        <p:spPr bwMode="auto">
-          <a:xfrm>
-            <a:off x="8277225" y="6477000"/>
-            <a:ext cx="719138" cy="323850"/>
-          </a:xfrm>
-          <a:prstGeom prst="rect">
-            <a:avLst/>
-          </a:prstGeom>
-          <a:noFill/>
-          <a:ln w="9525">
-            <a:noFill/>
-            <a:miter lim="800000"/>
-            <a:headEnd/>
-            <a:tailEnd/>
-          </a:ln>
-          <a:effectLst/>
-        </p:spPr>
-        <p:txBody>
-          <a:bodyPr vert="horz" wrap="square" lIns="91440" tIns="45720" rIns="91440" bIns="45720" numCol="1" anchor="t" anchorCtr="0" compatLnSpc="1">
-            <a:prstTxWarp prst="textNoShape">
-              <a:avLst/>
-            </a:prstTxWarp>
-          </a:bodyPr>
-          <a:lstStyle/>
-          <a:p>
-            <a:pPr marL="0" marR="0" lvl="0" indent="0" algn="r" defTabSz="914400" rtl="0" eaLnBrk="0" fontAlgn="base" latinLnBrk="0" hangingPunct="0">
-              <a:lnSpc>
-                <a:spcPct val="100000"/>
-              </a:lnSpc>
-              <a:spcBef>
-                <a:spcPct val="0"/>
-              </a:spcBef>
-              <a:spcAft>
-                <a:spcPct val="0"/>
-              </a:spcAft>
-              <a:buClrTx/>
-              <a:buSzTx/>
-              <a:buFontTx/>
-              <a:buNone/>
-              <a:tabLst/>
-              <a:defRPr/>
-            </a:pPr>
-            <a:fld id="{0EEE55F7-AF7E-434C-A835-5D468B60A67C}" type="slidenum">
-              <a:rPr kumimoji="0" lang="fr-FR" sz="1200" b="0" i="0" u="none" strike="noStrike" kern="1200" cap="none" spc="0" normalizeH="0" baseline="0" noProof="0" smtClean="0">
-                <a:ln>
-                  <a:noFill/>
-                </a:ln>
-                <a:solidFill>
-                  <a:srgbClr val="5F5F5F"/>
-                </a:solidFill>
-                <a:effectLst/>
-                <a:uLnTx/>
-                <a:uFillTx/>
-                <a:latin typeface="Arial" charset="0"/>
-                <a:ea typeface="+mn-ea"/>
-                <a:cs typeface="+mn-cs"/>
-              </a:rPr>
-              <a:pPr marL="0" marR="0" lvl="0" indent="0" algn="r" defTabSz="914400" rtl="0" eaLnBrk="0" fontAlgn="base" latinLnBrk="0" hangingPunct="0">
-                <a:lnSpc>
-                  <a:spcPct val="100000"/>
-                </a:lnSpc>
-                <a:spcBef>
-                  <a:spcPct val="0"/>
-                </a:spcBef>
-                <a:spcAft>
-                  <a:spcPct val="0"/>
-                </a:spcAft>
-                <a:buClrTx/>
-                <a:buSzTx/>
-                <a:buFontTx/>
-                <a:buNone/>
-                <a:tabLst/>
-                <a:defRPr/>
-              </a:pPr>
-              <a:t>17</a:t>
-            </a:fld>
-            <a:endParaRPr kumimoji="0" lang="fr-FR" sz="1200" b="0" i="0" u="none" strike="noStrike" kern="1200" cap="none" spc="0" normalizeH="0" baseline="0" noProof="0">
-              <a:ln>
-                <a:noFill/>
-              </a:ln>
-              <a:solidFill>
-                <a:srgbClr val="5F5F5F"/>
-              </a:solidFill>
-              <a:effectLst/>
-              <a:uLnTx/>
-              <a:uFillTx/>
-              <a:latin typeface="Arial" charset="0"/>
-              <a:ea typeface="+mn-ea"/>
-              <a:cs typeface="+mn-cs"/>
-            </a:endParaRPr>
-          </a:p>
-        </p:txBody>
-      </p:sp>
-      <p:sp>
-        <p:nvSpPr>
-          <p:cNvPr id="7" name="Titre 1"/>
+          <p:cNvPr id="6" name="Titre 1"/>
           <p:cNvSpPr txBox="1">
             <a:spLocks/>
           </p:cNvSpPr>
@@ -10032,7 +9255,7 @@
       </p:sp>
       <p:sp>
         <p:nvSpPr>
-          <p:cNvPr id="8" name="Espace réservé du contenu 2"/>
+          <p:cNvPr id="7" name="Espace réservé du contenu 2"/>
           <p:cNvSpPr txBox="1">
             <a:spLocks/>
           </p:cNvSpPr>
@@ -10231,7 +9454,7 @@
       </p:sp>
       <p:sp>
         <p:nvSpPr>
-          <p:cNvPr id="9" name="Espace réservé du numéro de diapositive 3"/>
+          <p:cNvPr id="8" name="Espace réservé du numéro de diapositive 3"/>
           <p:cNvSpPr txBox="1">
             <a:spLocks/>
           </p:cNvSpPr>
@@ -10332,7 +9555,7 @@
       </p:sp>
       <p:sp>
         <p:nvSpPr>
-          <p:cNvPr id="10" name="Carré corné 9"/>
+          <p:cNvPr id="9" name="Carré corné 8"/>
           <p:cNvSpPr/>
           <p:nvPr/>
         </p:nvSpPr>
@@ -10395,7 +9618,7 @@
       </p:sp>
       <p:sp>
         <p:nvSpPr>
-          <p:cNvPr id="11" name="ZoneTexte 10"/>
+          <p:cNvPr id="10" name="ZoneTexte 9"/>
           <p:cNvSpPr txBox="1"/>
           <p:nvPr/>
         </p:nvSpPr>
@@ -10425,7 +9648,7 @@
       </p:sp>
       <p:sp>
         <p:nvSpPr>
-          <p:cNvPr id="12" name="Rectangle 11"/>
+          <p:cNvPr id="11" name="Rectangle 10"/>
           <p:cNvSpPr/>
           <p:nvPr/>
         </p:nvSpPr>
@@ -10484,24 +9707,14 @@
                 <a:effectLst/>
                 <a:latin typeface="Arial" charset="0"/>
               </a:rPr>
-              <a:t>DONE</a:t>
-            </a:r>
-            <a:endParaRPr kumimoji="0" lang="fr-FR" sz="2000" b="0" i="0" u="none" strike="noStrike" cap="none" normalizeH="0" baseline="0" dirty="0" smtClean="0">
-              <a:ln>
-                <a:noFill/>
-              </a:ln>
-              <a:solidFill>
-                <a:srgbClr val="5F5F5F"/>
-              </a:solidFill>
-              <a:effectLst/>
-              <a:latin typeface="Arial" charset="0"/>
-            </a:endParaRPr>
-          </a:p>
-        </p:txBody>
-      </p:sp>
-      <p:sp>
-        <p:nvSpPr>
-          <p:cNvPr id="13" name="ZoneTexte 12"/>
+              <a:t>IN REALISATION</a:t>
+            </a:r>
+          </a:p>
+        </p:txBody>
+      </p:sp>
+      <p:sp>
+        <p:nvSpPr>
+          <p:cNvPr id="12" name="ZoneTexte 11"/>
           <p:cNvSpPr txBox="1"/>
           <p:nvPr/>
         </p:nvSpPr>
@@ -10531,14 +9744,43 @@
       </p:sp>
       <p:sp>
         <p:nvSpPr>
+          <p:cNvPr id="13" name="Rectangle 12"/>
+          <p:cNvSpPr/>
+          <p:nvPr/>
+        </p:nvSpPr>
+        <p:spPr>
+          <a:xfrm>
+            <a:off x="4000496" y="4643446"/>
+            <a:ext cx="1866216" cy="307777"/>
+          </a:xfrm>
+          <a:prstGeom prst="rect">
+            <a:avLst/>
+          </a:prstGeom>
+        </p:spPr>
+        <p:txBody>
+          <a:bodyPr wrap="none">
+            <a:spAutoFit/>
+          </a:bodyPr>
+          <a:lstStyle/>
+          <a:p>
+            <a:r>
+              <a:rPr lang="fr-FR" b="1" dirty="0" smtClean="0"/>
+              <a:t>Exporter les graphs</a:t>
+            </a:r>
+            <a:endParaRPr lang="fr-FR" b="1" dirty="0"/>
+          </a:p>
+        </p:txBody>
+      </p:sp>
+      <p:sp>
+        <p:nvSpPr>
           <p:cNvPr id="14" name="Rectangle 13"/>
           <p:cNvSpPr/>
           <p:nvPr/>
         </p:nvSpPr>
         <p:spPr>
           <a:xfrm>
-            <a:off x="4000496" y="4643446"/>
-            <a:ext cx="1866216" cy="307777"/>
+            <a:off x="3977383" y="5214950"/>
+            <a:ext cx="880369" cy="307777"/>
           </a:xfrm>
           <a:prstGeom prst="rect">
             <a:avLst/>
@@ -10552,35 +9794,6 @@
           <a:p>
             <a:r>
               <a:rPr lang="fr-FR" b="1" dirty="0" smtClean="0"/>
-              <a:t>Exporter les graphs</a:t>
-            </a:r>
-            <a:endParaRPr lang="fr-FR" b="1" dirty="0"/>
-          </a:p>
-        </p:txBody>
-      </p:sp>
-      <p:sp>
-        <p:nvSpPr>
-          <p:cNvPr id="15" name="Rectangle 14"/>
-          <p:cNvSpPr/>
-          <p:nvPr/>
-        </p:nvSpPr>
-        <p:spPr>
-          <a:xfrm>
-            <a:off x="3977383" y="5214950"/>
-            <a:ext cx="880369" cy="307777"/>
-          </a:xfrm>
-          <a:prstGeom prst="rect">
-            <a:avLst/>
-          </a:prstGeom>
-        </p:spPr>
-        <p:txBody>
-          <a:bodyPr wrap="none">
-            <a:spAutoFit/>
-          </a:bodyPr>
-          <a:lstStyle/>
-          <a:p>
-            <a:r>
-              <a:rPr lang="fr-FR" b="1" dirty="0" smtClean="0"/>
               <a:t>13/07/15</a:t>
             </a:r>
             <a:endParaRPr lang="fr-FR" b="1" dirty="0"/>
@@ -10589,7 +9802,7 @@
       </p:sp>
       <p:pic>
         <p:nvPicPr>
-          <p:cNvPr id="16" name="Picture 2" descr="C:\Program Files (x86)\Microsoft Office\MEDIA\CAGCAT10\j0302953.jpg"/>
+          <p:cNvPr id="15" name="Picture 2" descr="C:\Program Files (x86)\Microsoft Office\MEDIA\CAGCAT10\j0302953.jpg"/>
           <p:cNvPicPr>
             <a:picLocks noChangeAspect="1" noChangeArrowheads="1"/>
           </p:cNvPicPr>
@@ -10618,6 +9831,13 @@
   <p:clrMapOvr>
     <a:masterClrMapping/>
   </p:clrMapOvr>
+  <p:timing>
+    <p:tnLst>
+      <p:par>
+        <p:cTn id="1" dur="indefinite" restart="never" nodeType="tmRoot"/>
+      </p:par>
+    </p:tnLst>
+  </p:timing>
 </p:sld>
 </file>
 
@@ -11592,18 +10812,8 @@
                 <a:effectLst/>
                 <a:latin typeface="Arial" charset="0"/>
               </a:rPr>
-              <a:t>DEV / UAT</a:t>
-            </a:r>
-            <a:endParaRPr kumimoji="0" lang="fr-FR" sz="2000" b="0" i="0" u="none" strike="noStrike" cap="none" normalizeH="0" baseline="0" dirty="0" smtClean="0">
-              <a:ln>
-                <a:noFill/>
-              </a:ln>
-              <a:solidFill>
-                <a:srgbClr val="5F5F5F"/>
-              </a:solidFill>
-              <a:effectLst/>
-              <a:latin typeface="Arial" charset="0"/>
-            </a:endParaRPr>
+              <a:t>DONE</a:t>
+            </a:r>
           </a:p>
         </p:txBody>
       </p:sp>
@@ -11721,147 +10931,18 @@
           <a:noFill/>
         </p:spPr>
       </p:pic>
-      <p:sp>
-        <p:nvSpPr>
-          <p:cNvPr id="21" name="Rectangle 20"/>
-          <p:cNvSpPr/>
-          <p:nvPr/>
-        </p:nvSpPr>
-        <p:spPr bwMode="auto">
-          <a:xfrm>
-            <a:off x="5715008" y="3571876"/>
-            <a:ext cx="714380" cy="857256"/>
-          </a:xfrm>
-          <a:prstGeom prst="rect">
-            <a:avLst/>
-          </a:prstGeom>
-          <a:solidFill>
-            <a:srgbClr val="FF0000"/>
-          </a:solidFill>
-          <a:ln w="9525" cap="flat" cmpd="sng" algn="ctr">
-            <a:noFill/>
-            <a:prstDash val="solid"/>
-            <a:round/>
-            <a:headEnd type="none" w="med" len="med"/>
-            <a:tailEnd type="none" w="med" len="med"/>
-          </a:ln>
-          <a:effectLst/>
-        </p:spPr>
-        <p:txBody>
-          <a:bodyPr vert="horz" wrap="square" lIns="91440" tIns="45720" rIns="91440" bIns="45720" numCol="1" rtlCol="0" anchor="t" anchorCtr="0" compatLnSpc="1">
-            <a:prstTxWarp prst="textNoShape">
-              <a:avLst/>
-            </a:prstTxWarp>
-          </a:bodyPr>
-          <a:lstStyle/>
-          <a:p>
-            <a:pPr marL="0" marR="0" indent="0" algn="ctr" defTabSz="914400" rtl="0" eaLnBrk="0" fontAlgn="base" latinLnBrk="0" hangingPunct="0">
-              <a:lnSpc>
-                <a:spcPct val="100000"/>
-              </a:lnSpc>
-              <a:spcBef>
-                <a:spcPct val="0"/>
-              </a:spcBef>
-              <a:spcAft>
-                <a:spcPct val="0"/>
-              </a:spcAft>
-              <a:buClrTx/>
-              <a:buSzTx/>
-              <a:buFontTx/>
-              <a:buNone/>
-              <a:tabLst/>
-            </a:pPr>
-            <a:endParaRPr kumimoji="0" lang="fr-FR" sz="1400" b="0" i="0" u="none" strike="noStrike" cap="none" normalizeH="0" baseline="0" smtClean="0">
-              <a:ln>
-                <a:noFill/>
-              </a:ln>
-              <a:solidFill>
-                <a:srgbClr val="5F5F5F"/>
-              </a:solidFill>
-              <a:effectLst/>
-              <a:latin typeface="Arial" charset="0"/>
-            </a:endParaRPr>
-          </a:p>
-        </p:txBody>
-      </p:sp>
-      <p:sp>
-        <p:nvSpPr>
-          <p:cNvPr id="20" name="Triangle isocèle 19"/>
-          <p:cNvSpPr/>
-          <p:nvPr/>
-        </p:nvSpPr>
-        <p:spPr bwMode="auto">
-          <a:xfrm>
-            <a:off x="5786446" y="3643314"/>
-            <a:ext cx="571504" cy="714380"/>
-          </a:xfrm>
-          <a:prstGeom prst="triangle">
-            <a:avLst/>
-          </a:prstGeom>
-          <a:solidFill>
-            <a:schemeClr val="tx1">
-              <a:alpha val="78000"/>
-            </a:schemeClr>
-          </a:solidFill>
-          <a:ln w="9525" cap="flat" cmpd="sng" algn="ctr">
-            <a:noFill/>
-            <a:prstDash val="solid"/>
-            <a:round/>
-            <a:headEnd type="none" w="med" len="med"/>
-            <a:tailEnd type="none" w="med" len="med"/>
-          </a:ln>
-          <a:effectLst/>
-        </p:spPr>
-        <p:txBody>
-          <a:bodyPr vert="horz" wrap="square" lIns="91440" tIns="45720" rIns="91440" bIns="45720" numCol="1" rtlCol="0" anchor="t" anchorCtr="0" compatLnSpc="1">
-            <a:prstTxWarp prst="textNoShape">
-              <a:avLst/>
-            </a:prstTxWarp>
-          </a:bodyPr>
-          <a:lstStyle/>
-          <a:p>
-            <a:pPr marL="0" marR="0" indent="0" algn="ctr" defTabSz="914400" rtl="0" eaLnBrk="0" fontAlgn="base" latinLnBrk="0" hangingPunct="0">
-              <a:lnSpc>
-                <a:spcPct val="100000"/>
-              </a:lnSpc>
-              <a:spcBef>
-                <a:spcPct val="0"/>
-              </a:spcBef>
-              <a:spcAft>
-                <a:spcPct val="0"/>
-              </a:spcAft>
-              <a:buClrTx/>
-              <a:buSzTx/>
-              <a:buFontTx/>
-              <a:buNone/>
-              <a:tabLst/>
-            </a:pPr>
-            <a:r>
-              <a:rPr lang="fr-FR" sz="2000" dirty="0" smtClean="0">
-                <a:solidFill>
-                  <a:srgbClr val="FF0000"/>
-                </a:solidFill>
-              </a:rPr>
-              <a:t>!	</a:t>
-            </a:r>
-            <a:endParaRPr kumimoji="0" lang="fr-FR" sz="2000" b="0" i="0" u="none" strike="noStrike" cap="none" normalizeH="0" baseline="0" dirty="0" smtClean="0">
-              <a:ln>
-                <a:noFill/>
-              </a:ln>
-              <a:solidFill>
-                <a:srgbClr val="FF0000"/>
-              </a:solidFill>
-              <a:effectLst/>
-              <a:latin typeface="Arial" charset="0"/>
-            </a:endParaRPr>
-          </a:p>
-        </p:txBody>
-      </p:sp>
     </p:spTree>
   </p:cSld>
   <p:clrMapOvr>
     <a:masterClrMapping/>
   </p:clrMapOvr>
+  <p:timing>
+    <p:tnLst>
+      <p:par>
+        <p:cTn id="1" dur="indefinite" restart="never" nodeType="tmRoot"/>
+      </p:par>
+    </p:tnLst>
+  </p:timing>
 </p:sld>
 </file>
 
@@ -12312,108 +11393,7 @@
       </p:sp>
       <p:sp>
         <p:nvSpPr>
-          <p:cNvPr id="7" name="Espace réservé du numéro de diapositive 1"/>
-          <p:cNvSpPr txBox="1">
-            <a:spLocks/>
-          </p:cNvSpPr>
-          <p:nvPr/>
-        </p:nvSpPr>
-        <p:spPr bwMode="auto">
-          <a:xfrm>
-            <a:off x="8277225" y="6477000"/>
-            <a:ext cx="719138" cy="323850"/>
-          </a:xfrm>
-          <a:prstGeom prst="rect">
-            <a:avLst/>
-          </a:prstGeom>
-          <a:noFill/>
-          <a:ln w="9525">
-            <a:noFill/>
-            <a:miter lim="800000"/>
-            <a:headEnd/>
-            <a:tailEnd/>
-          </a:ln>
-          <a:effectLst/>
-        </p:spPr>
-        <p:txBody>
-          <a:bodyPr vert="horz" wrap="square" lIns="91440" tIns="45720" rIns="91440" bIns="45720" numCol="1" anchor="t" anchorCtr="0" compatLnSpc="1">
-            <a:prstTxWarp prst="textNoShape">
-              <a:avLst/>
-            </a:prstTxWarp>
-          </a:bodyPr>
-          <a:lstStyle/>
-          <a:p>
-            <a:pPr marL="0" marR="0" lvl="0" indent="0" algn="r" defTabSz="914400" rtl="0" eaLnBrk="0" fontAlgn="base" latinLnBrk="0" hangingPunct="0">
-              <a:lnSpc>
-                <a:spcPct val="100000"/>
-              </a:lnSpc>
-              <a:spcBef>
-                <a:spcPct val="0"/>
-              </a:spcBef>
-              <a:spcAft>
-                <a:spcPct val="0"/>
-              </a:spcAft>
-              <a:buClrTx/>
-              <a:buSzTx/>
-              <a:buFontTx/>
-              <a:buNone/>
-              <a:tabLst/>
-              <a:defRPr/>
-            </a:pPr>
-            <a:fld id="{0EEE55F7-AF7E-434C-A835-5D468B60A67C}" type="slidenum">
-              <a:rPr kumimoji="0" lang="fr-FR" sz="1200" b="0" i="0" u="none" strike="noStrike" kern="1200" cap="none" spc="0" normalizeH="0" baseline="0" noProof="0" smtClean="0">
-                <a:ln>
-                  <a:noFill/>
-                </a:ln>
-                <a:solidFill>
-                  <a:srgbClr val="5F5F5F"/>
-                </a:solidFill>
-                <a:effectLst/>
-                <a:uLnTx/>
-                <a:uFillTx/>
-                <a:latin typeface="Arial" charset="0"/>
-                <a:ea typeface="+mn-ea"/>
-                <a:cs typeface="+mn-cs"/>
-              </a:rPr>
-              <a:pPr marL="0" marR="0" lvl="0" indent="0" algn="r" defTabSz="914400" rtl="0" eaLnBrk="0" fontAlgn="base" latinLnBrk="0" hangingPunct="0">
-                <a:lnSpc>
-                  <a:spcPct val="100000"/>
-                </a:lnSpc>
-                <a:spcBef>
-                  <a:spcPct val="0"/>
-                </a:spcBef>
-                <a:spcAft>
-                  <a:spcPct val="0"/>
-                </a:spcAft>
-                <a:buClrTx/>
-                <a:buSzTx/>
-                <a:buFontTx/>
-                <a:buNone/>
-                <a:tabLst/>
-                <a:defRPr/>
-              </a:pPr>
-              <a:t>19</a:t>
-            </a:fld>
-            <a:endParaRPr kumimoji="0" lang="fr-FR" sz="1200" b="0" i="0" u="none" strike="noStrike" kern="1200" cap="none" spc="0" normalizeH="0" baseline="0" noProof="0">
-              <a:ln>
-                <a:noFill/>
-              </a:ln>
-              <a:solidFill>
-                <a:srgbClr val="5F5F5F"/>
-              </a:solidFill>
-              <a:effectLst/>
-              <a:uLnTx/>
-              <a:uFillTx/>
-              <a:latin typeface="Arial" charset="0"/>
-              <a:ea typeface="+mn-ea"/>
-              <a:cs typeface="+mn-cs"/>
-            </a:endParaRPr>
-          </a:p>
-        </p:txBody>
-      </p:sp>
-      <p:sp>
-        <p:nvSpPr>
-          <p:cNvPr id="8" name="Titre 1"/>
+          <p:cNvPr id="7" name="Titre 1"/>
           <p:cNvSpPr txBox="1">
             <a:spLocks/>
           </p:cNvSpPr>
@@ -12485,7 +11465,7 @@
       </p:sp>
       <p:sp>
         <p:nvSpPr>
-          <p:cNvPr id="9" name="Espace réservé du contenu 2"/>
+          <p:cNvPr id="8" name="Espace réservé du contenu 2"/>
           <p:cNvSpPr txBox="1">
             <a:spLocks/>
           </p:cNvSpPr>
@@ -12684,7 +11664,7 @@
       </p:sp>
       <p:sp>
         <p:nvSpPr>
-          <p:cNvPr id="10" name="Espace réservé du numéro de diapositive 3"/>
+          <p:cNvPr id="9" name="Espace réservé du numéro de diapositive 3"/>
           <p:cNvSpPr txBox="1">
             <a:spLocks/>
           </p:cNvSpPr>
@@ -12785,7 +11765,7 @@
       </p:sp>
       <p:sp>
         <p:nvSpPr>
-          <p:cNvPr id="11" name="Carré corné 10"/>
+          <p:cNvPr id="10" name="Carré corné 9"/>
           <p:cNvSpPr/>
           <p:nvPr/>
         </p:nvSpPr>
@@ -12848,7 +11828,7 @@
       </p:sp>
       <p:sp>
         <p:nvSpPr>
-          <p:cNvPr id="12" name="ZoneTexte 11"/>
+          <p:cNvPr id="11" name="ZoneTexte 10"/>
           <p:cNvSpPr txBox="1"/>
           <p:nvPr/>
         </p:nvSpPr>
@@ -12878,7 +11858,7 @@
       </p:sp>
       <p:sp>
         <p:nvSpPr>
-          <p:cNvPr id="13" name="Rectangle 12"/>
+          <p:cNvPr id="12" name="Rectangle 11"/>
           <p:cNvSpPr/>
           <p:nvPr/>
         </p:nvSpPr>
@@ -12937,24 +11917,14 @@
                 <a:effectLst/>
                 <a:latin typeface="Arial" charset="0"/>
               </a:rPr>
-              <a:t>DONE</a:t>
-            </a:r>
-            <a:endParaRPr kumimoji="0" lang="fr-FR" sz="2000" b="0" i="0" u="none" strike="noStrike" cap="none" normalizeH="0" baseline="0" dirty="0" smtClean="0">
-              <a:ln>
-                <a:noFill/>
-              </a:ln>
-              <a:solidFill>
-                <a:srgbClr val="5F5F5F"/>
-              </a:solidFill>
-              <a:effectLst/>
-              <a:latin typeface="Arial" charset="0"/>
-            </a:endParaRPr>
-          </a:p>
-        </p:txBody>
-      </p:sp>
-      <p:sp>
-        <p:nvSpPr>
-          <p:cNvPr id="14" name="ZoneTexte 13"/>
+              <a:t>DEV / UAT</a:t>
+            </a:r>
+          </a:p>
+        </p:txBody>
+      </p:sp>
+      <p:sp>
+        <p:nvSpPr>
+          <p:cNvPr id="13" name="ZoneTexte 12"/>
           <p:cNvSpPr txBox="1"/>
           <p:nvPr/>
         </p:nvSpPr>
@@ -12984,14 +11954,43 @@
       </p:sp>
       <p:sp>
         <p:nvSpPr>
+          <p:cNvPr id="14" name="Rectangle 13"/>
+          <p:cNvSpPr/>
+          <p:nvPr/>
+        </p:nvSpPr>
+        <p:spPr>
+          <a:xfrm>
+            <a:off x="4000496" y="4643446"/>
+            <a:ext cx="1866216" cy="307777"/>
+          </a:xfrm>
+          <a:prstGeom prst="rect">
+            <a:avLst/>
+          </a:prstGeom>
+        </p:spPr>
+        <p:txBody>
+          <a:bodyPr wrap="none">
+            <a:spAutoFit/>
+          </a:bodyPr>
+          <a:lstStyle/>
+          <a:p>
+            <a:r>
+              <a:rPr lang="fr-FR" b="1" dirty="0" smtClean="0"/>
+              <a:t>Exporter les graphs</a:t>
+            </a:r>
+            <a:endParaRPr lang="fr-FR" b="1" dirty="0"/>
+          </a:p>
+        </p:txBody>
+      </p:sp>
+      <p:sp>
+        <p:nvSpPr>
           <p:cNvPr id="15" name="Rectangle 14"/>
           <p:cNvSpPr/>
           <p:nvPr/>
         </p:nvSpPr>
         <p:spPr>
           <a:xfrm>
-            <a:off x="4000496" y="4643446"/>
-            <a:ext cx="1866216" cy="307777"/>
+            <a:off x="3977383" y="5214950"/>
+            <a:ext cx="880369" cy="307777"/>
           </a:xfrm>
           <a:prstGeom prst="rect">
             <a:avLst/>
@@ -13005,35 +12004,6 @@
           <a:p>
             <a:r>
               <a:rPr lang="fr-FR" b="1" dirty="0" smtClean="0"/>
-              <a:t>Exporter les graphs</a:t>
-            </a:r>
-            <a:endParaRPr lang="fr-FR" b="1" dirty="0"/>
-          </a:p>
-        </p:txBody>
-      </p:sp>
-      <p:sp>
-        <p:nvSpPr>
-          <p:cNvPr id="16" name="Rectangle 15"/>
-          <p:cNvSpPr/>
-          <p:nvPr/>
-        </p:nvSpPr>
-        <p:spPr>
-          <a:xfrm>
-            <a:off x="3977383" y="5214950"/>
-            <a:ext cx="880369" cy="307777"/>
-          </a:xfrm>
-          <a:prstGeom prst="rect">
-            <a:avLst/>
-          </a:prstGeom>
-        </p:spPr>
-        <p:txBody>
-          <a:bodyPr wrap="none">
-            <a:spAutoFit/>
-          </a:bodyPr>
-          <a:lstStyle/>
-          <a:p>
-            <a:r>
-              <a:rPr lang="fr-FR" b="1" dirty="0" smtClean="0"/>
               <a:t>13/07/15</a:t>
             </a:r>
             <a:endParaRPr lang="fr-FR" b="1" dirty="0"/>
@@ -13042,7 +12012,7 @@
       </p:sp>
       <p:pic>
         <p:nvPicPr>
-          <p:cNvPr id="17" name="Picture 2" descr="C:\Program Files (x86)\Microsoft Office\MEDIA\CAGCAT10\j0302953.jpg"/>
+          <p:cNvPr id="16" name="Picture 2" descr="C:\Program Files (x86)\Microsoft Office\MEDIA\CAGCAT10\j0302953.jpg"/>
           <p:cNvPicPr>
             <a:picLocks noChangeAspect="1" noChangeArrowheads="1"/>
           </p:cNvPicPr>
@@ -13066,11 +12036,154 @@
           <a:noFill/>
         </p:spPr>
       </p:pic>
+      <p:sp>
+        <p:nvSpPr>
+          <p:cNvPr id="21" name="Rectangle 20"/>
+          <p:cNvSpPr/>
+          <p:nvPr/>
+        </p:nvSpPr>
+        <p:spPr bwMode="auto">
+          <a:xfrm>
+            <a:off x="5715008" y="3571876"/>
+            <a:ext cx="714380" cy="857256"/>
+          </a:xfrm>
+          <a:prstGeom prst="rect">
+            <a:avLst/>
+          </a:prstGeom>
+          <a:solidFill>
+            <a:srgbClr val="FF0000"/>
+          </a:solidFill>
+          <a:ln w="9525" cap="flat" cmpd="sng" algn="ctr">
+            <a:noFill/>
+            <a:prstDash val="solid"/>
+            <a:round/>
+            <a:headEnd type="none" w="med" len="med"/>
+            <a:tailEnd type="none" w="med" len="med"/>
+          </a:ln>
+          <a:effectLst/>
+        </p:spPr>
+        <p:txBody>
+          <a:bodyPr vert="horz" wrap="square" lIns="91440" tIns="45720" rIns="91440" bIns="45720" numCol="1" rtlCol="0" anchor="t" anchorCtr="0" compatLnSpc="1">
+            <a:prstTxWarp prst="textNoShape">
+              <a:avLst/>
+            </a:prstTxWarp>
+          </a:bodyPr>
+          <a:lstStyle/>
+          <a:p>
+            <a:pPr marL="0" marR="0" indent="0" algn="ctr" defTabSz="914400" rtl="0" eaLnBrk="0" fontAlgn="base" latinLnBrk="0" hangingPunct="0">
+              <a:lnSpc>
+                <a:spcPct val="100000"/>
+              </a:lnSpc>
+              <a:spcBef>
+                <a:spcPct val="0"/>
+              </a:spcBef>
+              <a:spcAft>
+                <a:spcPct val="0"/>
+              </a:spcAft>
+              <a:buClrTx/>
+              <a:buSzTx/>
+              <a:buFontTx/>
+              <a:buNone/>
+              <a:tabLst/>
+            </a:pPr>
+            <a:endParaRPr kumimoji="0" lang="fr-FR" sz="1400" b="0" i="0" u="none" strike="noStrike" cap="none" normalizeH="0" baseline="0" smtClean="0">
+              <a:ln>
+                <a:noFill/>
+              </a:ln>
+              <a:solidFill>
+                <a:srgbClr val="5F5F5F"/>
+              </a:solidFill>
+              <a:effectLst/>
+              <a:latin typeface="Arial" charset="0"/>
+            </a:endParaRPr>
+          </a:p>
+        </p:txBody>
+      </p:sp>
+      <p:sp>
+        <p:nvSpPr>
+          <p:cNvPr id="20" name="Triangle isocèle 19"/>
+          <p:cNvSpPr/>
+          <p:nvPr/>
+        </p:nvSpPr>
+        <p:spPr bwMode="auto">
+          <a:xfrm>
+            <a:off x="5786446" y="3643314"/>
+            <a:ext cx="571504" cy="714380"/>
+          </a:xfrm>
+          <a:prstGeom prst="triangle">
+            <a:avLst/>
+          </a:prstGeom>
+          <a:solidFill>
+            <a:schemeClr val="tx1">
+              <a:alpha val="78000"/>
+            </a:schemeClr>
+          </a:solidFill>
+          <a:ln w="9525" cap="flat" cmpd="sng" algn="ctr">
+            <a:noFill/>
+            <a:prstDash val="solid"/>
+            <a:round/>
+            <a:headEnd type="none" w="med" len="med"/>
+            <a:tailEnd type="none" w="med" len="med"/>
+          </a:ln>
+          <a:effectLst/>
+        </p:spPr>
+        <p:txBody>
+          <a:bodyPr vert="horz" wrap="square" lIns="91440" tIns="45720" rIns="91440" bIns="45720" numCol="1" rtlCol="0" anchor="t" anchorCtr="0" compatLnSpc="1">
+            <a:prstTxWarp prst="textNoShape">
+              <a:avLst/>
+            </a:prstTxWarp>
+          </a:bodyPr>
+          <a:lstStyle/>
+          <a:p>
+            <a:pPr marL="0" marR="0" indent="0" algn="ctr" defTabSz="914400" rtl="0" eaLnBrk="0" fontAlgn="base" latinLnBrk="0" hangingPunct="0">
+              <a:lnSpc>
+                <a:spcPct val="100000"/>
+              </a:lnSpc>
+              <a:spcBef>
+                <a:spcPct val="0"/>
+              </a:spcBef>
+              <a:spcAft>
+                <a:spcPct val="0"/>
+              </a:spcAft>
+              <a:buClrTx/>
+              <a:buSzTx/>
+              <a:buFontTx/>
+              <a:buNone/>
+              <a:tabLst/>
+            </a:pPr>
+            <a:r>
+              <a:rPr lang="fr-FR" sz="2000" dirty="0" smtClean="0">
+                <a:solidFill>
+                  <a:srgbClr val="FF0000"/>
+                </a:solidFill>
+              </a:rPr>
+              <a:t>!	</a:t>
+            </a:r>
+            <a:endParaRPr kumimoji="0" lang="fr-FR" sz="2000" b="0" i="0" u="none" strike="noStrike" cap="none" normalizeH="0" baseline="0" dirty="0" smtClean="0">
+              <a:ln>
+                <a:noFill/>
+              </a:ln>
+              <a:solidFill>
+                <a:srgbClr val="FF0000"/>
+              </a:solidFill>
+              <a:effectLst/>
+              <a:latin typeface="Arial" charset="0"/>
+            </a:endParaRPr>
+          </a:p>
+        </p:txBody>
+      </p:sp>
     </p:spTree>
   </p:cSld>
   <p:clrMapOvr>
     <a:masterClrMapping/>
   </p:clrMapOvr>
+  <p:timing>
+    <p:tnLst>
+      <p:par>
+        <p:cTn id="1" dur="indefinite" restart="never" nodeType="tmRoot"/>
+      </p:par>
+    </p:tnLst>
+  </p:timing>
 </p:sld>
 </file>
 
@@ -13451,6 +12564,1380 @@
 </p:sld>
 </file>
 
+<file path=ppt/slides/slide20.xml><?xml version="1.0" encoding="utf-8"?>
+<p:sld xmlns:a="http://schemas.openxmlformats.org/drawingml/2006/main" xmlns:r="http://schemas.openxmlformats.org/officeDocument/2006/relationships" xmlns:p="http://schemas.openxmlformats.org/presentationml/2006/main">
+  <p:cSld>
+    <p:spTree>
+      <p:nvGrpSpPr>
+        <p:cNvPr id="1" name=""/>
+        <p:cNvGrpSpPr/>
+        <p:nvPr/>
+      </p:nvGrpSpPr>
+      <p:grpSpPr>
+        <a:xfrm>
+          <a:off x="0" y="0"/>
+          <a:ext cx="0" cy="0"/>
+          <a:chOff x="0" y="0"/>
+          <a:chExt cx="0" cy="0"/>
+        </a:xfrm>
+      </p:grpSpPr>
+      <p:sp>
+        <p:nvSpPr>
+          <p:cNvPr id="2" name="Espace réservé du numéro de diapositive 1"/>
+          <p:cNvSpPr>
+            <a:spLocks noGrp="1"/>
+          </p:cNvSpPr>
+          <p:nvPr>
+            <p:ph type="sldNum" sz="quarter" idx="10"/>
+          </p:nvPr>
+        </p:nvSpPr>
+        <p:spPr/>
+        <p:txBody>
+          <a:bodyPr/>
+          <a:lstStyle/>
+          <a:p>
+            <a:fld id="{0EEE55F7-AF7E-434C-A835-5D468B60A67C}" type="slidenum">
+              <a:rPr lang="fr-FR" smtClean="0"/>
+              <a:pPr/>
+              <a:t>20</a:t>
+            </a:fld>
+            <a:endParaRPr lang="fr-FR"/>
+          </a:p>
+        </p:txBody>
+      </p:sp>
+      <p:sp>
+        <p:nvSpPr>
+          <p:cNvPr id="3" name="Espace réservé du numéro de diapositive 1"/>
+          <p:cNvSpPr txBox="1">
+            <a:spLocks/>
+          </p:cNvSpPr>
+          <p:nvPr/>
+        </p:nvSpPr>
+        <p:spPr bwMode="auto">
+          <a:xfrm>
+            <a:off x="8277225" y="6477000"/>
+            <a:ext cx="719138" cy="323850"/>
+          </a:xfrm>
+          <a:prstGeom prst="rect">
+            <a:avLst/>
+          </a:prstGeom>
+          <a:noFill/>
+          <a:ln w="9525">
+            <a:noFill/>
+            <a:miter lim="800000"/>
+            <a:headEnd/>
+            <a:tailEnd/>
+          </a:ln>
+          <a:effectLst/>
+        </p:spPr>
+        <p:txBody>
+          <a:bodyPr vert="horz" wrap="square" lIns="91440" tIns="45720" rIns="91440" bIns="45720" numCol="1" anchor="t" anchorCtr="0" compatLnSpc="1">
+            <a:prstTxWarp prst="textNoShape">
+              <a:avLst/>
+            </a:prstTxWarp>
+          </a:bodyPr>
+          <a:lstStyle/>
+          <a:p>
+            <a:pPr marL="0" marR="0" lvl="0" indent="0" algn="r" defTabSz="914400" rtl="0" eaLnBrk="0" fontAlgn="base" latinLnBrk="0" hangingPunct="0">
+              <a:lnSpc>
+                <a:spcPct val="100000"/>
+              </a:lnSpc>
+              <a:spcBef>
+                <a:spcPct val="0"/>
+              </a:spcBef>
+              <a:spcAft>
+                <a:spcPct val="0"/>
+              </a:spcAft>
+              <a:buClrTx/>
+              <a:buSzTx/>
+              <a:buFontTx/>
+              <a:buNone/>
+              <a:tabLst/>
+              <a:defRPr/>
+            </a:pPr>
+            <a:fld id="{0EEE55F7-AF7E-434C-A835-5D468B60A67C}" type="slidenum">
+              <a:rPr kumimoji="0" lang="fr-FR" sz="1200" b="0" i="0" u="none" strike="noStrike" kern="1200" cap="none" spc="0" normalizeH="0" baseline="0" noProof="0" smtClean="0">
+                <a:ln>
+                  <a:noFill/>
+                </a:ln>
+                <a:solidFill>
+                  <a:srgbClr val="5F5F5F"/>
+                </a:solidFill>
+                <a:effectLst/>
+                <a:uLnTx/>
+                <a:uFillTx/>
+                <a:latin typeface="Arial" charset="0"/>
+                <a:ea typeface="+mn-ea"/>
+                <a:cs typeface="+mn-cs"/>
+              </a:rPr>
+              <a:pPr marL="0" marR="0" lvl="0" indent="0" algn="r" defTabSz="914400" rtl="0" eaLnBrk="0" fontAlgn="base" latinLnBrk="0" hangingPunct="0">
+                <a:lnSpc>
+                  <a:spcPct val="100000"/>
+                </a:lnSpc>
+                <a:spcBef>
+                  <a:spcPct val="0"/>
+                </a:spcBef>
+                <a:spcAft>
+                  <a:spcPct val="0"/>
+                </a:spcAft>
+                <a:buClrTx/>
+                <a:buSzTx/>
+                <a:buFontTx/>
+                <a:buNone/>
+                <a:tabLst/>
+                <a:defRPr/>
+              </a:pPr>
+              <a:t>20</a:t>
+            </a:fld>
+            <a:endParaRPr kumimoji="0" lang="fr-FR" sz="1200" b="0" i="0" u="none" strike="noStrike" kern="1200" cap="none" spc="0" normalizeH="0" baseline="0" noProof="0">
+              <a:ln>
+                <a:noFill/>
+              </a:ln>
+              <a:solidFill>
+                <a:srgbClr val="5F5F5F"/>
+              </a:solidFill>
+              <a:effectLst/>
+              <a:uLnTx/>
+              <a:uFillTx/>
+              <a:latin typeface="Arial" charset="0"/>
+              <a:ea typeface="+mn-ea"/>
+              <a:cs typeface="+mn-cs"/>
+            </a:endParaRPr>
+          </a:p>
+        </p:txBody>
+      </p:sp>
+      <p:sp>
+        <p:nvSpPr>
+          <p:cNvPr id="4" name="Espace réservé du numéro de diapositive 1"/>
+          <p:cNvSpPr txBox="1">
+            <a:spLocks/>
+          </p:cNvSpPr>
+          <p:nvPr/>
+        </p:nvSpPr>
+        <p:spPr bwMode="auto">
+          <a:xfrm>
+            <a:off x="8277225" y="6477000"/>
+            <a:ext cx="719138" cy="323850"/>
+          </a:xfrm>
+          <a:prstGeom prst="rect">
+            <a:avLst/>
+          </a:prstGeom>
+          <a:noFill/>
+          <a:ln w="9525">
+            <a:noFill/>
+            <a:miter lim="800000"/>
+            <a:headEnd/>
+            <a:tailEnd/>
+          </a:ln>
+          <a:effectLst/>
+        </p:spPr>
+        <p:txBody>
+          <a:bodyPr vert="horz" wrap="square" lIns="91440" tIns="45720" rIns="91440" bIns="45720" numCol="1" anchor="t" anchorCtr="0" compatLnSpc="1">
+            <a:prstTxWarp prst="textNoShape">
+              <a:avLst/>
+            </a:prstTxWarp>
+          </a:bodyPr>
+          <a:lstStyle/>
+          <a:p>
+            <a:pPr marL="0" marR="0" lvl="0" indent="0" algn="r" defTabSz="914400" rtl="0" eaLnBrk="0" fontAlgn="base" latinLnBrk="0" hangingPunct="0">
+              <a:lnSpc>
+                <a:spcPct val="100000"/>
+              </a:lnSpc>
+              <a:spcBef>
+                <a:spcPct val="0"/>
+              </a:spcBef>
+              <a:spcAft>
+                <a:spcPct val="0"/>
+              </a:spcAft>
+              <a:buClrTx/>
+              <a:buSzTx/>
+              <a:buFontTx/>
+              <a:buNone/>
+              <a:tabLst/>
+              <a:defRPr/>
+            </a:pPr>
+            <a:fld id="{0EEE55F7-AF7E-434C-A835-5D468B60A67C}" type="slidenum">
+              <a:rPr kumimoji="0" lang="fr-FR" sz="1200" b="0" i="0" u="none" strike="noStrike" kern="1200" cap="none" spc="0" normalizeH="0" baseline="0" noProof="0" smtClean="0">
+                <a:ln>
+                  <a:noFill/>
+                </a:ln>
+                <a:solidFill>
+                  <a:srgbClr val="5F5F5F"/>
+                </a:solidFill>
+                <a:effectLst/>
+                <a:uLnTx/>
+                <a:uFillTx/>
+                <a:latin typeface="Arial" charset="0"/>
+                <a:ea typeface="+mn-ea"/>
+                <a:cs typeface="+mn-cs"/>
+              </a:rPr>
+              <a:pPr marL="0" marR="0" lvl="0" indent="0" algn="r" defTabSz="914400" rtl="0" eaLnBrk="0" fontAlgn="base" latinLnBrk="0" hangingPunct="0">
+                <a:lnSpc>
+                  <a:spcPct val="100000"/>
+                </a:lnSpc>
+                <a:spcBef>
+                  <a:spcPct val="0"/>
+                </a:spcBef>
+                <a:spcAft>
+                  <a:spcPct val="0"/>
+                </a:spcAft>
+                <a:buClrTx/>
+                <a:buSzTx/>
+                <a:buFontTx/>
+                <a:buNone/>
+                <a:tabLst/>
+                <a:defRPr/>
+              </a:pPr>
+              <a:t>20</a:t>
+            </a:fld>
+            <a:endParaRPr kumimoji="0" lang="fr-FR" sz="1200" b="0" i="0" u="none" strike="noStrike" kern="1200" cap="none" spc="0" normalizeH="0" baseline="0" noProof="0">
+              <a:ln>
+                <a:noFill/>
+              </a:ln>
+              <a:solidFill>
+                <a:srgbClr val="5F5F5F"/>
+              </a:solidFill>
+              <a:effectLst/>
+              <a:uLnTx/>
+              <a:uFillTx/>
+              <a:latin typeface="Arial" charset="0"/>
+              <a:ea typeface="+mn-ea"/>
+              <a:cs typeface="+mn-cs"/>
+            </a:endParaRPr>
+          </a:p>
+        </p:txBody>
+      </p:sp>
+      <p:sp>
+        <p:nvSpPr>
+          <p:cNvPr id="5" name="Espace réservé du numéro de diapositive 1"/>
+          <p:cNvSpPr txBox="1">
+            <a:spLocks/>
+          </p:cNvSpPr>
+          <p:nvPr/>
+        </p:nvSpPr>
+        <p:spPr bwMode="auto">
+          <a:xfrm>
+            <a:off x="8277225" y="6477000"/>
+            <a:ext cx="719138" cy="323850"/>
+          </a:xfrm>
+          <a:prstGeom prst="rect">
+            <a:avLst/>
+          </a:prstGeom>
+          <a:noFill/>
+          <a:ln w="9525">
+            <a:noFill/>
+            <a:miter lim="800000"/>
+            <a:headEnd/>
+            <a:tailEnd/>
+          </a:ln>
+          <a:effectLst/>
+        </p:spPr>
+        <p:txBody>
+          <a:bodyPr vert="horz" wrap="square" lIns="91440" tIns="45720" rIns="91440" bIns="45720" numCol="1" anchor="t" anchorCtr="0" compatLnSpc="1">
+            <a:prstTxWarp prst="textNoShape">
+              <a:avLst/>
+            </a:prstTxWarp>
+          </a:bodyPr>
+          <a:lstStyle/>
+          <a:p>
+            <a:pPr marL="0" marR="0" lvl="0" indent="0" algn="r" defTabSz="914400" rtl="0" eaLnBrk="0" fontAlgn="base" latinLnBrk="0" hangingPunct="0">
+              <a:lnSpc>
+                <a:spcPct val="100000"/>
+              </a:lnSpc>
+              <a:spcBef>
+                <a:spcPct val="0"/>
+              </a:spcBef>
+              <a:spcAft>
+                <a:spcPct val="0"/>
+              </a:spcAft>
+              <a:buClrTx/>
+              <a:buSzTx/>
+              <a:buFontTx/>
+              <a:buNone/>
+              <a:tabLst/>
+              <a:defRPr/>
+            </a:pPr>
+            <a:fld id="{0EEE55F7-AF7E-434C-A835-5D468B60A67C}" type="slidenum">
+              <a:rPr kumimoji="0" lang="fr-FR" sz="1200" b="0" i="0" u="none" strike="noStrike" kern="1200" cap="none" spc="0" normalizeH="0" baseline="0" noProof="0" smtClean="0">
+                <a:ln>
+                  <a:noFill/>
+                </a:ln>
+                <a:solidFill>
+                  <a:srgbClr val="5F5F5F"/>
+                </a:solidFill>
+                <a:effectLst/>
+                <a:uLnTx/>
+                <a:uFillTx/>
+                <a:latin typeface="Arial" charset="0"/>
+                <a:ea typeface="+mn-ea"/>
+                <a:cs typeface="+mn-cs"/>
+              </a:rPr>
+              <a:pPr marL="0" marR="0" lvl="0" indent="0" algn="r" defTabSz="914400" rtl="0" eaLnBrk="0" fontAlgn="base" latinLnBrk="0" hangingPunct="0">
+                <a:lnSpc>
+                  <a:spcPct val="100000"/>
+                </a:lnSpc>
+                <a:spcBef>
+                  <a:spcPct val="0"/>
+                </a:spcBef>
+                <a:spcAft>
+                  <a:spcPct val="0"/>
+                </a:spcAft>
+                <a:buClrTx/>
+                <a:buSzTx/>
+                <a:buFontTx/>
+                <a:buNone/>
+                <a:tabLst/>
+                <a:defRPr/>
+              </a:pPr>
+              <a:t>20</a:t>
+            </a:fld>
+            <a:endParaRPr kumimoji="0" lang="fr-FR" sz="1200" b="0" i="0" u="none" strike="noStrike" kern="1200" cap="none" spc="0" normalizeH="0" baseline="0" noProof="0">
+              <a:ln>
+                <a:noFill/>
+              </a:ln>
+              <a:solidFill>
+                <a:srgbClr val="5F5F5F"/>
+              </a:solidFill>
+              <a:effectLst/>
+              <a:uLnTx/>
+              <a:uFillTx/>
+              <a:latin typeface="Arial" charset="0"/>
+              <a:ea typeface="+mn-ea"/>
+              <a:cs typeface="+mn-cs"/>
+            </a:endParaRPr>
+          </a:p>
+        </p:txBody>
+      </p:sp>
+      <p:sp>
+        <p:nvSpPr>
+          <p:cNvPr id="6" name="Espace réservé du numéro de diapositive 1"/>
+          <p:cNvSpPr txBox="1">
+            <a:spLocks/>
+          </p:cNvSpPr>
+          <p:nvPr/>
+        </p:nvSpPr>
+        <p:spPr bwMode="auto">
+          <a:xfrm>
+            <a:off x="8277225" y="6477000"/>
+            <a:ext cx="719138" cy="323850"/>
+          </a:xfrm>
+          <a:prstGeom prst="rect">
+            <a:avLst/>
+          </a:prstGeom>
+          <a:noFill/>
+          <a:ln w="9525">
+            <a:noFill/>
+            <a:miter lim="800000"/>
+            <a:headEnd/>
+            <a:tailEnd/>
+          </a:ln>
+          <a:effectLst/>
+        </p:spPr>
+        <p:txBody>
+          <a:bodyPr vert="horz" wrap="square" lIns="91440" tIns="45720" rIns="91440" bIns="45720" numCol="1" anchor="t" anchorCtr="0" compatLnSpc="1">
+            <a:prstTxWarp prst="textNoShape">
+              <a:avLst/>
+            </a:prstTxWarp>
+          </a:bodyPr>
+          <a:lstStyle/>
+          <a:p>
+            <a:pPr marL="0" marR="0" lvl="0" indent="0" algn="r" defTabSz="914400" rtl="0" eaLnBrk="0" fontAlgn="base" latinLnBrk="0" hangingPunct="0">
+              <a:lnSpc>
+                <a:spcPct val="100000"/>
+              </a:lnSpc>
+              <a:spcBef>
+                <a:spcPct val="0"/>
+              </a:spcBef>
+              <a:spcAft>
+                <a:spcPct val="0"/>
+              </a:spcAft>
+              <a:buClrTx/>
+              <a:buSzTx/>
+              <a:buFontTx/>
+              <a:buNone/>
+              <a:tabLst/>
+              <a:defRPr/>
+            </a:pPr>
+            <a:fld id="{0EEE55F7-AF7E-434C-A835-5D468B60A67C}" type="slidenum">
+              <a:rPr kumimoji="0" lang="fr-FR" sz="1200" b="0" i="0" u="none" strike="noStrike" kern="1200" cap="none" spc="0" normalizeH="0" baseline="0" noProof="0" smtClean="0">
+                <a:ln>
+                  <a:noFill/>
+                </a:ln>
+                <a:solidFill>
+                  <a:srgbClr val="5F5F5F"/>
+                </a:solidFill>
+                <a:effectLst/>
+                <a:uLnTx/>
+                <a:uFillTx/>
+                <a:latin typeface="Arial" charset="0"/>
+                <a:ea typeface="+mn-ea"/>
+                <a:cs typeface="+mn-cs"/>
+              </a:rPr>
+              <a:pPr marL="0" marR="0" lvl="0" indent="0" algn="r" defTabSz="914400" rtl="0" eaLnBrk="0" fontAlgn="base" latinLnBrk="0" hangingPunct="0">
+                <a:lnSpc>
+                  <a:spcPct val="100000"/>
+                </a:lnSpc>
+                <a:spcBef>
+                  <a:spcPct val="0"/>
+                </a:spcBef>
+                <a:spcAft>
+                  <a:spcPct val="0"/>
+                </a:spcAft>
+                <a:buClrTx/>
+                <a:buSzTx/>
+                <a:buFontTx/>
+                <a:buNone/>
+                <a:tabLst/>
+                <a:defRPr/>
+              </a:pPr>
+              <a:t>20</a:t>
+            </a:fld>
+            <a:endParaRPr kumimoji="0" lang="fr-FR" sz="1200" b="0" i="0" u="none" strike="noStrike" kern="1200" cap="none" spc="0" normalizeH="0" baseline="0" noProof="0">
+              <a:ln>
+                <a:noFill/>
+              </a:ln>
+              <a:solidFill>
+                <a:srgbClr val="5F5F5F"/>
+              </a:solidFill>
+              <a:effectLst/>
+              <a:uLnTx/>
+              <a:uFillTx/>
+              <a:latin typeface="Arial" charset="0"/>
+              <a:ea typeface="+mn-ea"/>
+              <a:cs typeface="+mn-cs"/>
+            </a:endParaRPr>
+          </a:p>
+        </p:txBody>
+      </p:sp>
+      <p:sp>
+        <p:nvSpPr>
+          <p:cNvPr id="7" name="Espace réservé du numéro de diapositive 1"/>
+          <p:cNvSpPr txBox="1">
+            <a:spLocks/>
+          </p:cNvSpPr>
+          <p:nvPr/>
+        </p:nvSpPr>
+        <p:spPr bwMode="auto">
+          <a:xfrm>
+            <a:off x="8277225" y="6477000"/>
+            <a:ext cx="719138" cy="323850"/>
+          </a:xfrm>
+          <a:prstGeom prst="rect">
+            <a:avLst/>
+          </a:prstGeom>
+          <a:noFill/>
+          <a:ln w="9525">
+            <a:noFill/>
+            <a:miter lim="800000"/>
+            <a:headEnd/>
+            <a:tailEnd/>
+          </a:ln>
+          <a:effectLst/>
+        </p:spPr>
+        <p:txBody>
+          <a:bodyPr vert="horz" wrap="square" lIns="91440" tIns="45720" rIns="91440" bIns="45720" numCol="1" anchor="t" anchorCtr="0" compatLnSpc="1">
+            <a:prstTxWarp prst="textNoShape">
+              <a:avLst/>
+            </a:prstTxWarp>
+          </a:bodyPr>
+          <a:lstStyle/>
+          <a:p>
+            <a:pPr marL="0" marR="0" lvl="0" indent="0" algn="r" defTabSz="914400" rtl="0" eaLnBrk="0" fontAlgn="base" latinLnBrk="0" hangingPunct="0">
+              <a:lnSpc>
+                <a:spcPct val="100000"/>
+              </a:lnSpc>
+              <a:spcBef>
+                <a:spcPct val="0"/>
+              </a:spcBef>
+              <a:spcAft>
+                <a:spcPct val="0"/>
+              </a:spcAft>
+              <a:buClrTx/>
+              <a:buSzTx/>
+              <a:buFontTx/>
+              <a:buNone/>
+              <a:tabLst/>
+              <a:defRPr/>
+            </a:pPr>
+            <a:fld id="{0EEE55F7-AF7E-434C-A835-5D468B60A67C}" type="slidenum">
+              <a:rPr kumimoji="0" lang="fr-FR" sz="1200" b="0" i="0" u="none" strike="noStrike" kern="1200" cap="none" spc="0" normalizeH="0" baseline="0" noProof="0" smtClean="0">
+                <a:ln>
+                  <a:noFill/>
+                </a:ln>
+                <a:solidFill>
+                  <a:srgbClr val="5F5F5F"/>
+                </a:solidFill>
+                <a:effectLst/>
+                <a:uLnTx/>
+                <a:uFillTx/>
+                <a:latin typeface="Arial" charset="0"/>
+                <a:ea typeface="+mn-ea"/>
+                <a:cs typeface="+mn-cs"/>
+              </a:rPr>
+              <a:pPr marL="0" marR="0" lvl="0" indent="0" algn="r" defTabSz="914400" rtl="0" eaLnBrk="0" fontAlgn="base" latinLnBrk="0" hangingPunct="0">
+                <a:lnSpc>
+                  <a:spcPct val="100000"/>
+                </a:lnSpc>
+                <a:spcBef>
+                  <a:spcPct val="0"/>
+                </a:spcBef>
+                <a:spcAft>
+                  <a:spcPct val="0"/>
+                </a:spcAft>
+                <a:buClrTx/>
+                <a:buSzTx/>
+                <a:buFontTx/>
+                <a:buNone/>
+                <a:tabLst/>
+                <a:defRPr/>
+              </a:pPr>
+              <a:t>20</a:t>
+            </a:fld>
+            <a:endParaRPr kumimoji="0" lang="fr-FR" sz="1200" b="0" i="0" u="none" strike="noStrike" kern="1200" cap="none" spc="0" normalizeH="0" baseline="0" noProof="0">
+              <a:ln>
+                <a:noFill/>
+              </a:ln>
+              <a:solidFill>
+                <a:srgbClr val="5F5F5F"/>
+              </a:solidFill>
+              <a:effectLst/>
+              <a:uLnTx/>
+              <a:uFillTx/>
+              <a:latin typeface="Arial" charset="0"/>
+              <a:ea typeface="+mn-ea"/>
+              <a:cs typeface="+mn-cs"/>
+            </a:endParaRPr>
+          </a:p>
+        </p:txBody>
+      </p:sp>
+      <p:sp>
+        <p:nvSpPr>
+          <p:cNvPr id="8" name="Titre 1"/>
+          <p:cNvSpPr txBox="1">
+            <a:spLocks/>
+          </p:cNvSpPr>
+          <p:nvPr/>
+        </p:nvSpPr>
+        <p:spPr>
+          <a:xfrm>
+            <a:off x="1219200" y="150813"/>
+            <a:ext cx="7788275" cy="608012"/>
+          </a:xfrm>
+          <a:prstGeom prst="rect">
+            <a:avLst/>
+          </a:prstGeom>
+        </p:spPr>
+        <p:txBody>
+          <a:bodyPr/>
+          <a:lstStyle/>
+          <a:p>
+            <a:pPr marL="0" marR="0" lvl="0" indent="0" algn="l" defTabSz="914400" rtl="0" eaLnBrk="1" fontAlgn="base" latinLnBrk="0" hangingPunct="1">
+              <a:lnSpc>
+                <a:spcPct val="100000"/>
+              </a:lnSpc>
+              <a:spcBef>
+                <a:spcPct val="0"/>
+              </a:spcBef>
+              <a:spcAft>
+                <a:spcPct val="0"/>
+              </a:spcAft>
+              <a:buClrTx/>
+              <a:buSzTx/>
+              <a:buFontTx/>
+              <a:buNone/>
+              <a:tabLst/>
+              <a:defRPr/>
+            </a:pPr>
+            <a:r>
+              <a:rPr kumimoji="0" lang="fr-FR" sz="2400" b="1" i="0" u="none" strike="noStrike" kern="0" cap="none" spc="0" normalizeH="0" baseline="0" noProof="0" smtClean="0">
+                <a:ln>
+                  <a:noFill/>
+                </a:ln>
+                <a:solidFill>
+                  <a:srgbClr val="5F5F5F"/>
+                </a:solidFill>
+                <a:effectLst/>
+                <a:uLnTx/>
+                <a:uFillTx/>
+                <a:latin typeface="+mj-lt"/>
+                <a:ea typeface="+mj-ea"/>
+                <a:cs typeface="+mj-cs"/>
+              </a:rPr>
+              <a:t>II – Techniques de gestion de projet</a:t>
+            </a:r>
+            <a:endParaRPr kumimoji="0" lang="fr-FR" sz="2400" b="1" i="0" u="none" strike="noStrike" kern="0" cap="none" spc="0" normalizeH="0" baseline="0" noProof="0" dirty="0">
+              <a:ln>
+                <a:noFill/>
+              </a:ln>
+              <a:solidFill>
+                <a:srgbClr val="5F5F5F"/>
+              </a:solidFill>
+              <a:effectLst/>
+              <a:uLnTx/>
+              <a:uFillTx/>
+              <a:latin typeface="+mj-lt"/>
+              <a:ea typeface="+mj-ea"/>
+              <a:cs typeface="+mj-cs"/>
+            </a:endParaRPr>
+          </a:p>
+        </p:txBody>
+      </p:sp>
+      <p:sp>
+        <p:nvSpPr>
+          <p:cNvPr id="9" name="Espace réservé du contenu 2"/>
+          <p:cNvSpPr txBox="1">
+            <a:spLocks/>
+          </p:cNvSpPr>
+          <p:nvPr/>
+        </p:nvSpPr>
+        <p:spPr>
+          <a:xfrm>
+            <a:off x="1187450" y="1125538"/>
+            <a:ext cx="7499350" cy="5000625"/>
+          </a:xfrm>
+          <a:prstGeom prst="rect">
+            <a:avLst/>
+          </a:prstGeom>
+        </p:spPr>
+        <p:txBody>
+          <a:bodyPr/>
+          <a:lstStyle/>
+          <a:p>
+            <a:pPr marL="571500" marR="0" lvl="0" indent="-342900" algn="l" defTabSz="914400" rtl="0" eaLnBrk="1" fontAlgn="base" latinLnBrk="0" hangingPunct="1">
+              <a:lnSpc>
+                <a:spcPct val="100000"/>
+              </a:lnSpc>
+              <a:spcBef>
+                <a:spcPct val="20000"/>
+              </a:spcBef>
+              <a:spcAft>
+                <a:spcPct val="0"/>
+              </a:spcAft>
+              <a:buClrTx/>
+              <a:buSzTx/>
+              <a:buFont typeface="Wingdings" pitchFamily="2" charset="2"/>
+              <a:buChar char="q"/>
+              <a:tabLst/>
+              <a:defRPr/>
+            </a:pPr>
+            <a:r>
+              <a:rPr kumimoji="0" lang="fr-FR" sz="2400" b="1" i="0" u="none" strike="noStrike" kern="0" cap="none" spc="0" normalizeH="0" baseline="0" noProof="0" smtClean="0">
+                <a:ln>
+                  <a:noFill/>
+                </a:ln>
+                <a:solidFill>
+                  <a:srgbClr val="5F5F5F"/>
+                </a:solidFill>
+                <a:effectLst/>
+                <a:uLnTx/>
+                <a:uFillTx/>
+                <a:latin typeface="+mn-lt"/>
+                <a:ea typeface="+mn-ea"/>
+                <a:cs typeface="+mn-cs"/>
+              </a:rPr>
+              <a:t>Le kanban :</a:t>
+            </a:r>
+          </a:p>
+          <a:p>
+            <a:pPr marL="1143000" marR="0" lvl="1" indent="-285750" algn="l" defTabSz="914400" rtl="0" eaLnBrk="1" fontAlgn="base" latinLnBrk="0" hangingPunct="1">
+              <a:lnSpc>
+                <a:spcPct val="100000"/>
+              </a:lnSpc>
+              <a:spcBef>
+                <a:spcPct val="20000"/>
+              </a:spcBef>
+              <a:spcAft>
+                <a:spcPct val="0"/>
+              </a:spcAft>
+              <a:buClr>
+                <a:srgbClr val="FFB30C"/>
+              </a:buClr>
+              <a:buSzTx/>
+              <a:buFont typeface="Wingdings" pitchFamily="2" charset="2"/>
+              <a:buChar char="Ø"/>
+              <a:tabLst/>
+              <a:defRPr/>
+            </a:pPr>
+            <a:r>
+              <a:rPr kumimoji="0" lang="fr-FR" sz="2000" b="1" i="0" u="none" strike="noStrike" kern="0" cap="none" spc="0" normalizeH="0" baseline="0" noProof="0" smtClean="0">
+                <a:ln>
+                  <a:noFill/>
+                </a:ln>
+                <a:solidFill>
+                  <a:srgbClr val="5F5F5F"/>
+                </a:solidFill>
+                <a:effectLst/>
+                <a:uLnTx/>
+                <a:uFillTx/>
+                <a:latin typeface="+mn-lt"/>
+              </a:rPr>
+              <a:t>Méthode agile</a:t>
+            </a:r>
+          </a:p>
+          <a:p>
+            <a:pPr marL="1143000" marR="0" lvl="1" indent="-285750" algn="l" defTabSz="914400" rtl="0" eaLnBrk="1" fontAlgn="base" latinLnBrk="0" hangingPunct="1">
+              <a:lnSpc>
+                <a:spcPct val="100000"/>
+              </a:lnSpc>
+              <a:spcBef>
+                <a:spcPct val="20000"/>
+              </a:spcBef>
+              <a:spcAft>
+                <a:spcPct val="0"/>
+              </a:spcAft>
+              <a:buClr>
+                <a:srgbClr val="FFB30C"/>
+              </a:buClr>
+              <a:buSzTx/>
+              <a:buFont typeface="Wingdings" pitchFamily="2" charset="2"/>
+              <a:buChar char="Ø"/>
+              <a:tabLst/>
+              <a:defRPr/>
+            </a:pPr>
+            <a:r>
+              <a:rPr kumimoji="0" lang="fr-FR" sz="2000" b="1" i="0" u="none" strike="noStrike" kern="0" cap="none" spc="0" normalizeH="0" baseline="0" noProof="0" smtClean="0">
+                <a:ln>
+                  <a:noFill/>
+                </a:ln>
+                <a:solidFill>
+                  <a:srgbClr val="5F5F5F"/>
+                </a:solidFill>
+                <a:effectLst/>
+                <a:uLnTx/>
+                <a:uFillTx/>
+                <a:latin typeface="+mn-lt"/>
+              </a:rPr>
+              <a:t>Adaptée pour plusieurs projets informatiques</a:t>
+            </a:r>
+          </a:p>
+          <a:p>
+            <a:pPr marL="571500" marR="0" lvl="0" indent="-342900" algn="l" defTabSz="914400" rtl="0" eaLnBrk="1" fontAlgn="base" latinLnBrk="0" hangingPunct="1">
+              <a:lnSpc>
+                <a:spcPct val="100000"/>
+              </a:lnSpc>
+              <a:spcBef>
+                <a:spcPct val="20000"/>
+              </a:spcBef>
+              <a:spcAft>
+                <a:spcPct val="0"/>
+              </a:spcAft>
+              <a:buClrTx/>
+              <a:buSzTx/>
+              <a:buFont typeface="Wingdings" pitchFamily="2" charset="2"/>
+              <a:buChar char="q"/>
+              <a:tabLst/>
+              <a:defRPr/>
+            </a:pPr>
+            <a:r>
+              <a:rPr kumimoji="0" lang="fr-FR" sz="2400" b="1" i="0" u="none" strike="noStrike" kern="0" cap="none" spc="0" normalizeH="0" baseline="0" noProof="0" smtClean="0">
+                <a:ln>
+                  <a:noFill/>
+                </a:ln>
+                <a:solidFill>
+                  <a:srgbClr val="5F5F5F"/>
+                </a:solidFill>
+                <a:effectLst/>
+                <a:uLnTx/>
+                <a:uFillTx/>
+                <a:latin typeface="+mn-lt"/>
+                <a:ea typeface="+mn-ea"/>
+                <a:cs typeface="+mn-cs"/>
+              </a:rPr>
+              <a:t>Les étapes du Kanban :</a:t>
+            </a:r>
+          </a:p>
+          <a:p>
+            <a:pPr marL="1143000" marR="0" lvl="1" indent="-285750" algn="l" defTabSz="914400" rtl="0" eaLnBrk="1" fontAlgn="base" latinLnBrk="0" hangingPunct="1">
+              <a:lnSpc>
+                <a:spcPct val="100000"/>
+              </a:lnSpc>
+              <a:spcBef>
+                <a:spcPct val="20000"/>
+              </a:spcBef>
+              <a:spcAft>
+                <a:spcPct val="0"/>
+              </a:spcAft>
+              <a:buClr>
+                <a:srgbClr val="FFB30C"/>
+              </a:buClr>
+              <a:buSzTx/>
+              <a:buFont typeface="Wingdings" pitchFamily="2" charset="2"/>
+              <a:buNone/>
+              <a:tabLst/>
+              <a:defRPr/>
+            </a:pPr>
+            <a:endParaRPr kumimoji="0" lang="fr-FR" sz="2000" b="1" i="0" u="none" strike="noStrike" kern="0" cap="none" spc="0" normalizeH="0" baseline="0" noProof="0" dirty="0" smtClean="0">
+              <a:ln>
+                <a:noFill/>
+              </a:ln>
+              <a:solidFill>
+                <a:srgbClr val="5F5F5F"/>
+              </a:solidFill>
+              <a:effectLst/>
+              <a:uLnTx/>
+              <a:uFillTx/>
+              <a:latin typeface="+mn-lt"/>
+            </a:endParaRPr>
+          </a:p>
+        </p:txBody>
+      </p:sp>
+      <p:sp>
+        <p:nvSpPr>
+          <p:cNvPr id="10" name="Espace réservé du numéro de diapositive 3"/>
+          <p:cNvSpPr txBox="1">
+            <a:spLocks/>
+          </p:cNvSpPr>
+          <p:nvPr/>
+        </p:nvSpPr>
+        <p:spPr bwMode="auto">
+          <a:xfrm>
+            <a:off x="8277225" y="6477000"/>
+            <a:ext cx="719138" cy="323850"/>
+          </a:xfrm>
+          <a:prstGeom prst="rect">
+            <a:avLst/>
+          </a:prstGeom>
+          <a:noFill/>
+          <a:ln w="9525">
+            <a:noFill/>
+            <a:miter lim="800000"/>
+            <a:headEnd/>
+            <a:tailEnd/>
+          </a:ln>
+          <a:effectLst/>
+        </p:spPr>
+        <p:txBody>
+          <a:bodyPr vert="horz" wrap="square" lIns="91440" tIns="45720" rIns="91440" bIns="45720" numCol="1" anchor="t" anchorCtr="0" compatLnSpc="1">
+            <a:prstTxWarp prst="textNoShape">
+              <a:avLst/>
+            </a:prstTxWarp>
+          </a:bodyPr>
+          <a:lstStyle/>
+          <a:p>
+            <a:pPr marL="0" marR="0" lvl="0" indent="0" algn="r" defTabSz="914400" rtl="0" eaLnBrk="0" fontAlgn="base" latinLnBrk="0" hangingPunct="0">
+              <a:lnSpc>
+                <a:spcPct val="100000"/>
+              </a:lnSpc>
+              <a:spcBef>
+                <a:spcPct val="0"/>
+              </a:spcBef>
+              <a:spcAft>
+                <a:spcPct val="0"/>
+              </a:spcAft>
+              <a:buClrTx/>
+              <a:buSzTx/>
+              <a:buFontTx/>
+              <a:buNone/>
+              <a:tabLst/>
+              <a:defRPr/>
+            </a:pPr>
+            <a:fld id="{228977EE-2505-4E01-83E6-F24DDA98A02D}" type="slidenum">
+              <a:rPr kumimoji="0" lang="fr-FR" sz="1200" b="0" i="0" u="none" strike="noStrike" kern="1200" cap="none" spc="0" normalizeH="0" baseline="0" noProof="0" smtClean="0">
+                <a:ln>
+                  <a:noFill/>
+                </a:ln>
+                <a:solidFill>
+                  <a:srgbClr val="5F5F5F"/>
+                </a:solidFill>
+                <a:effectLst/>
+                <a:uLnTx/>
+                <a:uFillTx/>
+                <a:latin typeface="Arial" charset="0"/>
+                <a:ea typeface="+mn-ea"/>
+                <a:cs typeface="+mn-cs"/>
+              </a:rPr>
+              <a:pPr marL="0" marR="0" lvl="0" indent="0" algn="r" defTabSz="914400" rtl="0" eaLnBrk="0" fontAlgn="base" latinLnBrk="0" hangingPunct="0">
+                <a:lnSpc>
+                  <a:spcPct val="100000"/>
+                </a:lnSpc>
+                <a:spcBef>
+                  <a:spcPct val="0"/>
+                </a:spcBef>
+                <a:spcAft>
+                  <a:spcPct val="0"/>
+                </a:spcAft>
+                <a:buClrTx/>
+                <a:buSzTx/>
+                <a:buFontTx/>
+                <a:buNone/>
+                <a:tabLst/>
+                <a:defRPr/>
+              </a:pPr>
+              <a:t>20</a:t>
+            </a:fld>
+            <a:endParaRPr kumimoji="0" lang="fr-FR" sz="1200" b="0" i="0" u="none" strike="noStrike" kern="1200" cap="none" spc="0" normalizeH="0" baseline="0" noProof="0">
+              <a:ln>
+                <a:noFill/>
+              </a:ln>
+              <a:solidFill>
+                <a:srgbClr val="5F5F5F"/>
+              </a:solidFill>
+              <a:effectLst/>
+              <a:uLnTx/>
+              <a:uFillTx/>
+              <a:latin typeface="Arial" charset="0"/>
+              <a:ea typeface="+mn-ea"/>
+              <a:cs typeface="+mn-cs"/>
+            </a:endParaRPr>
+          </a:p>
+        </p:txBody>
+      </p:sp>
+      <p:sp>
+        <p:nvSpPr>
+          <p:cNvPr id="11" name="Carré corné 10"/>
+          <p:cNvSpPr/>
+          <p:nvPr/>
+        </p:nvSpPr>
+        <p:spPr bwMode="auto">
+          <a:xfrm rot="10800000">
+            <a:off x="3714744" y="3714752"/>
+            <a:ext cx="2428892" cy="2071702"/>
+          </a:xfrm>
+          <a:prstGeom prst="foldedCorner">
+            <a:avLst/>
+          </a:prstGeom>
+          <a:solidFill>
+            <a:srgbClr val="FFFF00"/>
+          </a:solidFill>
+          <a:ln w="9525" cap="flat" cmpd="sng" algn="ctr">
+            <a:noFill/>
+            <a:prstDash val="solid"/>
+            <a:round/>
+            <a:headEnd type="none" w="med" len="med"/>
+            <a:tailEnd type="none" w="med" len="med"/>
+          </a:ln>
+          <a:effectLst/>
+        </p:spPr>
+        <p:txBody>
+          <a:bodyPr vert="horz" wrap="square" lIns="91440" tIns="45720" rIns="91440" bIns="45720" numCol="1" rtlCol="0" anchor="t" anchorCtr="0" compatLnSpc="1">
+            <a:prstTxWarp prst="textNoShape">
+              <a:avLst/>
+            </a:prstTxWarp>
+          </a:bodyPr>
+          <a:lstStyle/>
+          <a:p>
+            <a:pPr marL="0" marR="0" indent="0" algn="ctr" defTabSz="914400" rtl="0" eaLnBrk="0" fontAlgn="base" latinLnBrk="0" hangingPunct="0">
+              <a:lnSpc>
+                <a:spcPct val="100000"/>
+              </a:lnSpc>
+              <a:spcBef>
+                <a:spcPct val="0"/>
+              </a:spcBef>
+              <a:spcAft>
+                <a:spcPct val="0"/>
+              </a:spcAft>
+              <a:buClrTx/>
+              <a:buSzTx/>
+              <a:buFontTx/>
+              <a:buNone/>
+              <a:tabLst/>
+            </a:pPr>
+            <a:endParaRPr kumimoji="0" lang="fr-FR" sz="1400" b="0" i="0" u="none" strike="noStrike" cap="none" normalizeH="0" baseline="0" dirty="0" smtClean="0">
+              <a:ln>
+                <a:noFill/>
+              </a:ln>
+              <a:solidFill>
+                <a:srgbClr val="5F5F5F"/>
+              </a:solidFill>
+              <a:effectLst/>
+              <a:latin typeface="Arial" charset="0"/>
+            </a:endParaRPr>
+          </a:p>
+        </p:txBody>
+      </p:sp>
+      <p:sp>
+        <p:nvSpPr>
+          <p:cNvPr id="12" name="ZoneTexte 11"/>
+          <p:cNvSpPr txBox="1"/>
+          <p:nvPr/>
+        </p:nvSpPr>
+        <p:spPr>
+          <a:xfrm>
+            <a:off x="3857620" y="3857628"/>
+            <a:ext cx="1143008" cy="307777"/>
+          </a:xfrm>
+          <a:prstGeom prst="rect">
+            <a:avLst/>
+          </a:prstGeom>
+          <a:noFill/>
+        </p:spPr>
+        <p:txBody>
+          <a:bodyPr wrap="square" rtlCol="0">
+            <a:spAutoFit/>
+          </a:bodyPr>
+          <a:lstStyle/>
+          <a:p>
+            <a:r>
+              <a:rPr lang="fr-FR" b="1" dirty="0" smtClean="0"/>
+              <a:t>NGL-714</a:t>
+            </a:r>
+            <a:endParaRPr lang="fr-FR" b="1" dirty="0"/>
+          </a:p>
+        </p:txBody>
+      </p:sp>
+      <p:sp>
+        <p:nvSpPr>
+          <p:cNvPr id="13" name="Rectangle 12"/>
+          <p:cNvSpPr/>
+          <p:nvPr/>
+        </p:nvSpPr>
+        <p:spPr bwMode="auto">
+          <a:xfrm>
+            <a:off x="3214678" y="3000372"/>
+            <a:ext cx="3286148" cy="428628"/>
+          </a:xfrm>
+          <a:prstGeom prst="rect">
+            <a:avLst/>
+          </a:prstGeom>
+          <a:noFill/>
+          <a:ln w="28575" cap="flat" cmpd="sng" algn="ctr">
+            <a:solidFill>
+              <a:schemeClr val="accent1"/>
+            </a:solidFill>
+            <a:prstDash val="solid"/>
+            <a:round/>
+            <a:headEnd type="none" w="med" len="med"/>
+            <a:tailEnd type="none" w="med" len="med"/>
+          </a:ln>
+          <a:effectLst/>
+        </p:spPr>
+        <p:txBody>
+          <a:bodyPr vert="horz" wrap="square" lIns="91440" tIns="45720" rIns="91440" bIns="45720" numCol="1" rtlCol="0" anchor="t" anchorCtr="0" compatLnSpc="1">
+            <a:prstTxWarp prst="textNoShape">
+              <a:avLst/>
+            </a:prstTxWarp>
+          </a:bodyPr>
+          <a:lstStyle/>
+          <a:p>
+            <a:pPr marL="0" marR="0" indent="0" algn="ctr" defTabSz="914400" rtl="0" eaLnBrk="0" fontAlgn="base" latinLnBrk="0" hangingPunct="0">
+              <a:lnSpc>
+                <a:spcPct val="100000"/>
+              </a:lnSpc>
+              <a:spcBef>
+                <a:spcPct val="0"/>
+              </a:spcBef>
+              <a:spcAft>
+                <a:spcPct val="0"/>
+              </a:spcAft>
+              <a:buClrTx/>
+              <a:buSzTx/>
+              <a:buFontTx/>
+              <a:buNone/>
+              <a:tabLst/>
+            </a:pPr>
+            <a:r>
+              <a:rPr kumimoji="0" lang="fr-FR" sz="2000" b="0" i="0" u="none" strike="noStrike" cap="none" normalizeH="0" baseline="0" dirty="0" smtClean="0">
+                <a:ln>
+                  <a:noFill/>
+                </a:ln>
+                <a:solidFill>
+                  <a:srgbClr val="5F5F5F"/>
+                </a:solidFill>
+                <a:effectLst/>
+                <a:latin typeface="Arial" charset="0"/>
+              </a:rPr>
+              <a:t>DONE</a:t>
+            </a:r>
+          </a:p>
+        </p:txBody>
+      </p:sp>
+      <p:sp>
+        <p:nvSpPr>
+          <p:cNvPr id="14" name="ZoneTexte 13"/>
+          <p:cNvSpPr txBox="1"/>
+          <p:nvPr/>
+        </p:nvSpPr>
+        <p:spPr>
+          <a:xfrm>
+            <a:off x="5072066" y="3857628"/>
+            <a:ext cx="714380" cy="400110"/>
+          </a:xfrm>
+          <a:prstGeom prst="rect">
+            <a:avLst/>
+          </a:prstGeom>
+          <a:noFill/>
+        </p:spPr>
+        <p:txBody>
+          <a:bodyPr wrap="square" rtlCol="0">
+            <a:spAutoFit/>
+          </a:bodyPr>
+          <a:lstStyle/>
+          <a:p>
+            <a:r>
+              <a:rPr lang="fr-FR" sz="2000" dirty="0" smtClean="0"/>
+              <a:t>***</a:t>
+            </a:r>
+            <a:endParaRPr lang="fr-FR" sz="2000" dirty="0"/>
+          </a:p>
+        </p:txBody>
+      </p:sp>
+      <p:sp>
+        <p:nvSpPr>
+          <p:cNvPr id="15" name="Rectangle 14"/>
+          <p:cNvSpPr/>
+          <p:nvPr/>
+        </p:nvSpPr>
+        <p:spPr>
+          <a:xfrm>
+            <a:off x="4000496" y="4643446"/>
+            <a:ext cx="1866216" cy="307777"/>
+          </a:xfrm>
+          <a:prstGeom prst="rect">
+            <a:avLst/>
+          </a:prstGeom>
+        </p:spPr>
+        <p:txBody>
+          <a:bodyPr wrap="none">
+            <a:spAutoFit/>
+          </a:bodyPr>
+          <a:lstStyle/>
+          <a:p>
+            <a:r>
+              <a:rPr lang="fr-FR" b="1" dirty="0" smtClean="0"/>
+              <a:t>Exporter les graphs</a:t>
+            </a:r>
+            <a:endParaRPr lang="fr-FR" b="1" dirty="0"/>
+          </a:p>
+        </p:txBody>
+      </p:sp>
+      <p:sp>
+        <p:nvSpPr>
+          <p:cNvPr id="16" name="Rectangle 15"/>
+          <p:cNvSpPr/>
+          <p:nvPr/>
+        </p:nvSpPr>
+        <p:spPr>
+          <a:xfrm>
+            <a:off x="3977383" y="5214950"/>
+            <a:ext cx="880369" cy="307777"/>
+          </a:xfrm>
+          <a:prstGeom prst="rect">
+            <a:avLst/>
+          </a:prstGeom>
+        </p:spPr>
+        <p:txBody>
+          <a:bodyPr wrap="none">
+            <a:spAutoFit/>
+          </a:bodyPr>
+          <a:lstStyle/>
+          <a:p>
+            <a:r>
+              <a:rPr lang="fr-FR" b="1" dirty="0" smtClean="0"/>
+              <a:t>13/07/15</a:t>
+            </a:r>
+            <a:endParaRPr lang="fr-FR" b="1" dirty="0"/>
+          </a:p>
+        </p:txBody>
+      </p:sp>
+      <p:pic>
+        <p:nvPicPr>
+          <p:cNvPr id="17" name="Picture 2" descr="C:\Program Files (x86)\Microsoft Office\MEDIA\CAGCAT10\j0302953.jpg"/>
+          <p:cNvPicPr>
+            <a:picLocks noChangeAspect="1" noChangeArrowheads="1"/>
+          </p:cNvPicPr>
+          <p:nvPr/>
+        </p:nvPicPr>
+        <p:blipFill>
+          <a:blip r:embed="rId2" cstate="print"/>
+          <a:srcRect/>
+          <a:stretch>
+            <a:fillRect/>
+          </a:stretch>
+        </p:blipFill>
+        <p:spPr bwMode="auto">
+          <a:xfrm>
+            <a:off x="5572132" y="5214950"/>
+            <a:ext cx="804478" cy="1127773"/>
+          </a:xfrm>
+          <a:prstGeom prst="rect">
+            <a:avLst/>
+          </a:prstGeom>
+          <a:noFill/>
+        </p:spPr>
+      </p:pic>
+    </p:spTree>
+  </p:cSld>
+  <p:clrMapOvr>
+    <a:masterClrMapping/>
+  </p:clrMapOvr>
+  <p:timing>
+    <p:tnLst>
+      <p:par>
+        <p:cTn id="1" dur="indefinite" restart="never" nodeType="tmRoot"/>
+      </p:par>
+    </p:tnLst>
+  </p:timing>
+</p:sld>
+</file>
+
+<file path=ppt/slides/slide21.xml><?xml version="1.0" encoding="utf-8"?>
+<p:sld xmlns:a="http://schemas.openxmlformats.org/drawingml/2006/main" xmlns:r="http://schemas.openxmlformats.org/officeDocument/2006/relationships" xmlns:p="http://schemas.openxmlformats.org/presentationml/2006/main">
+  <p:cSld>
+    <p:spTree>
+      <p:nvGrpSpPr>
+        <p:cNvPr id="1" name=""/>
+        <p:cNvGrpSpPr/>
+        <p:nvPr/>
+      </p:nvGrpSpPr>
+      <p:grpSpPr>
+        <a:xfrm>
+          <a:off x="0" y="0"/>
+          <a:ext cx="0" cy="0"/>
+          <a:chOff x="0" y="0"/>
+          <a:chExt cx="0" cy="0"/>
+        </a:xfrm>
+      </p:grpSpPr>
+      <p:sp>
+        <p:nvSpPr>
+          <p:cNvPr id="2" name="Titre 1"/>
+          <p:cNvSpPr>
+            <a:spLocks noGrp="1"/>
+          </p:cNvSpPr>
+          <p:nvPr>
+            <p:ph type="title"/>
+          </p:nvPr>
+        </p:nvSpPr>
+        <p:spPr/>
+        <p:txBody>
+          <a:bodyPr/>
+          <a:lstStyle/>
+          <a:p>
+            <a:r>
+              <a:rPr lang="fr-FR" dirty="0" smtClean="0"/>
+              <a:t>II – Techniques de gestion de projet</a:t>
+            </a:r>
+            <a:endParaRPr lang="fr-FR" dirty="0"/>
+          </a:p>
+        </p:txBody>
+      </p:sp>
+      <p:sp>
+        <p:nvSpPr>
+          <p:cNvPr id="3" name="Espace réservé du contenu 2"/>
+          <p:cNvSpPr>
+            <a:spLocks noGrp="1"/>
+          </p:cNvSpPr>
+          <p:nvPr>
+            <p:ph idx="1"/>
+          </p:nvPr>
+        </p:nvSpPr>
+        <p:spPr/>
+        <p:txBody>
+          <a:bodyPr/>
+          <a:lstStyle/>
+          <a:p>
+            <a:r>
+              <a:rPr lang="fr-FR" dirty="0" smtClean="0"/>
+              <a:t>Le </a:t>
+            </a:r>
+            <a:r>
+              <a:rPr lang="fr-FR" dirty="0" err="1" smtClean="0"/>
+              <a:t>versionnage</a:t>
+            </a:r>
+            <a:endParaRPr lang="fr-FR" dirty="0" smtClean="0"/>
+          </a:p>
+          <a:p>
+            <a:pPr lvl="1"/>
+            <a:r>
+              <a:rPr lang="fr-FR" dirty="0" smtClean="0"/>
+              <a:t>D’abord effectué sous SVN</a:t>
+            </a:r>
+          </a:p>
+          <a:p>
+            <a:pPr lvl="1"/>
+            <a:r>
+              <a:rPr lang="fr-FR" dirty="0" smtClean="0"/>
+              <a:t>Passage à Git lors de la mise en Open Source du projet NGL.</a:t>
+            </a:r>
+            <a:endParaRPr lang="fr-FR" dirty="0" smtClean="0"/>
+          </a:p>
+          <a:p>
+            <a:pPr lvl="0"/>
+            <a:r>
+              <a:rPr lang="fr-FR" dirty="0" smtClean="0"/>
+              <a:t>Rajout d’une fonction </a:t>
+            </a:r>
+            <a:r>
+              <a:rPr lang="fr-FR" dirty="0" smtClean="0"/>
+              <a:t>avec Git </a:t>
+            </a:r>
+            <a:r>
+              <a:rPr lang="fr-FR" dirty="0" smtClean="0"/>
+              <a:t>:</a:t>
+            </a:r>
+          </a:p>
+          <a:p>
+            <a:pPr lvl="1"/>
+            <a:r>
+              <a:rPr lang="fr-FR" dirty="0" smtClean="0"/>
+              <a:t>Création d’une nouvelle branche à partir de la master clonée du dépôt distant</a:t>
+            </a:r>
+          </a:p>
+          <a:p>
+            <a:pPr lvl="1"/>
+            <a:r>
+              <a:rPr lang="fr-FR" dirty="0" smtClean="0"/>
+              <a:t>Modifications du code</a:t>
+            </a:r>
+          </a:p>
+          <a:p>
+            <a:pPr lvl="1"/>
+            <a:r>
+              <a:rPr lang="fr-FR" dirty="0" err="1" smtClean="0"/>
+              <a:t>Merge</a:t>
+            </a:r>
+            <a:r>
+              <a:rPr lang="fr-FR" dirty="0" smtClean="0"/>
+              <a:t> de la branche avec la master</a:t>
+            </a:r>
+          </a:p>
+          <a:p>
+            <a:pPr lvl="1"/>
+            <a:r>
+              <a:rPr lang="fr-FR" dirty="0" smtClean="0"/>
+              <a:t>Push de la master sur le dépôt distant</a:t>
+            </a:r>
+            <a:endParaRPr lang="fr-FR" dirty="0" smtClean="0"/>
+          </a:p>
+          <a:p>
+            <a:pPr lvl="1">
+              <a:buNone/>
+            </a:pPr>
+            <a:endParaRPr lang="fr-FR" dirty="0" smtClean="0"/>
+          </a:p>
+        </p:txBody>
+      </p:sp>
+      <p:sp>
+        <p:nvSpPr>
+          <p:cNvPr id="4" name="Espace réservé du numéro de diapositive 3"/>
+          <p:cNvSpPr>
+            <a:spLocks noGrp="1"/>
+          </p:cNvSpPr>
+          <p:nvPr>
+            <p:ph type="sldNum" sz="quarter" idx="10"/>
+          </p:nvPr>
+        </p:nvSpPr>
+        <p:spPr/>
+        <p:txBody>
+          <a:bodyPr/>
+          <a:lstStyle/>
+          <a:p>
+            <a:fld id="{228977EE-2505-4E01-83E6-F24DDA98A02D}" type="slidenum">
+              <a:rPr lang="fr-FR" smtClean="0"/>
+              <a:pPr/>
+              <a:t>21</a:t>
+            </a:fld>
+            <a:endParaRPr lang="fr-FR"/>
+          </a:p>
+        </p:txBody>
+      </p:sp>
+    </p:spTree>
+  </p:cSld>
+  <p:clrMapOvr>
+    <a:masterClrMapping/>
+  </p:clrMapOvr>
+</p:sld>
+</file>
+
 <file path=ppt/slides/slide3.xml><?xml version="1.0" encoding="utf-8"?>
 <p:sld xmlns:a="http://schemas.openxmlformats.org/drawingml/2006/main" xmlns:r="http://schemas.openxmlformats.org/officeDocument/2006/relationships" xmlns:p="http://schemas.openxmlformats.org/presentationml/2006/main">
   <p:cSld>
@@ -14269,14 +14756,35 @@
             <p:ph type="title"/>
           </p:nvPr>
         </p:nvSpPr>
-        <p:spPr/>
+        <p:spPr>
+          <a:xfrm>
+            <a:off x="1371600" y="1714488"/>
+            <a:ext cx="7772400" cy="1362075"/>
+          </a:xfrm>
+        </p:spPr>
         <p:txBody>
           <a:bodyPr/>
           <a:lstStyle/>
           <a:p>
             <a:r>
+              <a:rPr lang="fr-FR" dirty="0" err="1" smtClean="0"/>
+              <a:t>PRÉSENtATION</a:t>
+            </a:r>
+            <a:r>
               <a:rPr lang="fr-FR" dirty="0" smtClean="0"/>
-              <a:t>I – Présentation de l’année au Genoscope</a:t>
+              <a:t> De L’</a:t>
+            </a:r>
+            <a:r>
+              <a:rPr lang="fr-FR" dirty="0" err="1" smtClean="0"/>
+              <a:t>annÉe</a:t>
+            </a:r>
+            <a:r>
+              <a:rPr lang="fr-FR" dirty="0" smtClean="0"/>
+              <a:t> au </a:t>
+            </a:r>
+            <a:r>
+              <a:rPr lang="fr-FR" dirty="0" err="1" smtClean="0"/>
+              <a:t>GÉnoscope</a:t>
             </a:r>
             <a:endParaRPr lang="fr-FR" dirty="0"/>
           </a:p>
@@ -14284,12 +14792,12 @@
       </p:sp>
       <p:sp>
         <p:nvSpPr>
-          <p:cNvPr id="3" name="Espace réservé du contenu 2"/>
+          <p:cNvPr id="3" name="Espace réservé du texte 2"/>
           <p:cNvSpPr>
             <a:spLocks noGrp="1"/>
           </p:cNvSpPr>
           <p:nvPr>
-            <p:ph idx="1"/>
+            <p:ph type="body" idx="1"/>
           </p:nvPr>
         </p:nvSpPr>
         <p:spPr/>
@@ -14299,67 +14807,9 @@
           <a:p>
             <a:r>
               <a:rPr lang="fr-FR" dirty="0" smtClean="0"/>
-              <a:t>L’entreprise en quelques mots : </a:t>
-            </a:r>
-          </a:p>
-          <a:p>
-            <a:pPr lvl="1"/>
-            <a:r>
-              <a:rPr lang="fr-FR" dirty="0" smtClean="0"/>
-              <a:t>Appartient à l’Institut de Génomique depuis 2007, donc au CEA.</a:t>
-            </a:r>
-          </a:p>
-          <a:p>
-            <a:pPr lvl="1"/>
-            <a:endParaRPr lang="fr-FR" dirty="0" smtClean="0"/>
-          </a:p>
-          <a:p>
-            <a:pPr lvl="1"/>
-            <a:endParaRPr lang="fr-FR" dirty="0" smtClean="0"/>
-          </a:p>
-          <a:p>
-            <a:pPr lvl="1"/>
-            <a:r>
-              <a:rPr lang="fr-FR" dirty="0" smtClean="0"/>
-              <a:t>450 Employés au Genoscope, 16000 au CEA.</a:t>
-            </a:r>
-          </a:p>
-          <a:p>
-            <a:pPr lvl="1"/>
-            <a:endParaRPr lang="fr-FR" dirty="0" smtClean="0"/>
-          </a:p>
-          <a:p>
-            <a:pPr lvl="1"/>
-            <a:r>
-              <a:rPr lang="fr-FR" dirty="0" smtClean="0"/>
-              <a:t>Mission de séquençage du génome dans le domaine de l’agriculture.</a:t>
-            </a:r>
-          </a:p>
-          <a:p>
-            <a:pPr lvl="1"/>
-            <a:endParaRPr lang="fr-FR" dirty="0" smtClean="0"/>
-          </a:p>
-          <a:p>
-            <a:pPr lvl="1">
-              <a:buNone/>
-            </a:pPr>
-            <a:endParaRPr lang="fr-FR" dirty="0" smtClean="0"/>
-          </a:p>
-          <a:p>
-            <a:pPr lvl="1"/>
-            <a:endParaRPr lang="fr-FR" dirty="0" smtClean="0"/>
-          </a:p>
-          <a:p>
-            <a:pPr lvl="1"/>
-            <a:endParaRPr lang="fr-FR" dirty="0" smtClean="0"/>
-          </a:p>
-          <a:p>
-            <a:pPr lvl="1"/>
+              <a:t> </a:t>
+            </a:r>
             <a:endParaRPr lang="fr-FR" dirty="0"/>
-          </a:p>
-          <a:p>
-            <a:pPr lvl="1"/>
-            <a:endParaRPr lang="fr-FR" dirty="0" smtClean="0"/>
           </a:p>
         </p:txBody>
       </p:sp>
@@ -14378,7 +14828,7 @@
           <a:bodyPr/>
           <a:lstStyle/>
           <a:p>
-            <a:fld id="{228977EE-2505-4E01-83E6-F24DDA98A02D}" type="slidenum">
+            <a:fld id="{FF0D4E12-90AB-43C7-A8D7-C81DF0B3B942}" type="slidenum">
               <a:rPr lang="fr-FR" smtClean="0"/>
               <a:pPr/>
               <a:t>5</a:t>
@@ -14392,13 +14842,6 @@
   <p:clrMapOvr>
     <a:masterClrMapping/>
   </p:clrMapOvr>
-  <p:timing>
-    <p:tnLst>
-      <p:par>
-        <p:cTn id="1" dur="indefinite" restart="never" nodeType="tmRoot"/>
-      </p:par>
-    </p:tnLst>
-  </p:timing>
 </p:sld>
 </file>
 
@@ -14459,15 +14902,45 @@
           <a:p>
             <a:r>
               <a:rPr lang="fr-FR" dirty="0" smtClean="0"/>
-              <a:t>Présentation de la mission</a:t>
+              <a:t>L’entreprise en quelques mots : </a:t>
             </a:r>
           </a:p>
           <a:p>
             <a:pPr lvl="1"/>
             <a:r>
               <a:rPr lang="fr-FR" dirty="0" smtClean="0"/>
-              <a:t>Stockage, traitement et affichage des données issues du séquençage.</a:t>
-            </a:r>
+              <a:t>Appartient à l’Institut de Génomique depuis 2007, donc au CEA.</a:t>
+            </a:r>
+          </a:p>
+          <a:p>
+            <a:pPr lvl="1"/>
+            <a:endParaRPr lang="fr-FR" dirty="0" smtClean="0"/>
+          </a:p>
+          <a:p>
+            <a:pPr lvl="1"/>
+            <a:endParaRPr lang="fr-FR" dirty="0" smtClean="0"/>
+          </a:p>
+          <a:p>
+            <a:pPr lvl="1"/>
+            <a:r>
+              <a:rPr lang="fr-FR" dirty="0" smtClean="0"/>
+              <a:t>450 Employés au Genoscope, 16000 au CEA.</a:t>
+            </a:r>
+          </a:p>
+          <a:p>
+            <a:pPr lvl="1"/>
+            <a:endParaRPr lang="fr-FR" dirty="0" smtClean="0"/>
+          </a:p>
+          <a:p>
+            <a:pPr lvl="1"/>
+            <a:r>
+              <a:rPr lang="fr-FR" dirty="0" smtClean="0"/>
+              <a:t>Mission de séquençage du génome dans le domaine de l’agriculture.</a:t>
+            </a:r>
+          </a:p>
+          <a:p>
+            <a:pPr lvl="1"/>
+            <a:endParaRPr lang="fr-FR" dirty="0" smtClean="0"/>
           </a:p>
           <a:p>
             <a:pPr lvl="1">
@@ -14477,36 +14950,7 @@
           </a:p>
           <a:p>
             <a:pPr lvl="1"/>
-            <a:r>
-              <a:rPr lang="fr-FR" dirty="0" smtClean="0"/>
-              <a:t>La nécessité d’une nouvelle application.</a:t>
-            </a:r>
-          </a:p>
-          <a:p>
-            <a:pPr lvl="1">
-              <a:buNone/>
-            </a:pPr>
             <a:endParaRPr lang="fr-FR" dirty="0" smtClean="0"/>
-          </a:p>
-          <a:p>
-            <a:pPr lvl="1"/>
-            <a:r>
-              <a:rPr lang="fr-FR" dirty="0" smtClean="0"/>
-              <a:t>Les différents sous-projets développés.</a:t>
-            </a:r>
-          </a:p>
-          <a:p>
-            <a:pPr lvl="1">
-              <a:buNone/>
-            </a:pPr>
-            <a:endParaRPr lang="fr-FR" dirty="0" smtClean="0"/>
-          </a:p>
-          <a:p>
-            <a:pPr lvl="1"/>
-            <a:r>
-              <a:rPr lang="fr-FR" dirty="0" smtClean="0"/>
-              <a:t>Les développeurs en charge de la mission.</a:t>
-            </a:r>
           </a:p>
           <a:p>
             <a:pPr lvl="1"/>
@@ -14514,11 +14958,11 @@
           </a:p>
           <a:p>
             <a:pPr lvl="1"/>
+            <a:endParaRPr lang="fr-FR" dirty="0"/>
+          </a:p>
+          <a:p>
+            <a:pPr lvl="1"/>
             <a:endParaRPr lang="fr-FR" dirty="0" smtClean="0"/>
-          </a:p>
-          <a:p>
-            <a:pPr lvl="1"/>
-            <a:endParaRPr lang="fr-FR" dirty="0"/>
           </a:p>
         </p:txBody>
       </p:sp>
@@ -14588,40 +15032,95 @@
             <p:ph type="title"/>
           </p:nvPr>
         </p:nvSpPr>
-        <p:spPr>
-          <a:xfrm>
-            <a:off x="1371600" y="1142984"/>
-            <a:ext cx="7772400" cy="1362075"/>
-          </a:xfrm>
-        </p:spPr>
+        <p:spPr/>
         <p:txBody>
           <a:bodyPr/>
           <a:lstStyle/>
           <a:p>
             <a:r>
               <a:rPr lang="fr-FR" dirty="0" smtClean="0"/>
-              <a:t>NGL – </a:t>
-            </a:r>
-            <a:r>
-              <a:rPr lang="fr-FR" dirty="0" err="1" smtClean="0"/>
-              <a:t>Next</a:t>
-            </a:r>
+              <a:t>I – Présentation de l’année au Genoscope</a:t>
+            </a:r>
+            <a:endParaRPr lang="fr-FR" dirty="0"/>
+          </a:p>
+        </p:txBody>
+      </p:sp>
+      <p:sp>
+        <p:nvSpPr>
+          <p:cNvPr id="3" name="Espace réservé du contenu 2"/>
+          <p:cNvSpPr>
+            <a:spLocks noGrp="1"/>
+          </p:cNvSpPr>
+          <p:nvPr>
+            <p:ph idx="1"/>
+          </p:nvPr>
+        </p:nvSpPr>
+        <p:spPr/>
+        <p:txBody>
+          <a:bodyPr/>
+          <a:lstStyle/>
+          <a:p>
             <a:r>
               <a:rPr lang="fr-FR" dirty="0" smtClean="0"/>
-              <a:t> </a:t>
-            </a:r>
-            <a:r>
-              <a:rPr lang="fr-FR" dirty="0" err="1" smtClean="0"/>
-              <a:t>Generation</a:t>
-            </a:r>
+              <a:t>Présentation de la mission</a:t>
+            </a:r>
+          </a:p>
+          <a:p>
+            <a:pPr lvl="1"/>
             <a:r>
               <a:rPr lang="fr-FR" dirty="0" smtClean="0"/>
-              <a:t> </a:t>
-            </a:r>
-            <a:r>
-              <a:rPr lang="fr-FR" dirty="0" err="1" smtClean="0"/>
-              <a:t>lims</a:t>
-            </a:r>
+              <a:t>Stockage, traitement et affichage des données issues du séquençage.</a:t>
+            </a:r>
+          </a:p>
+          <a:p>
+            <a:pPr lvl="1">
+              <a:buNone/>
+            </a:pPr>
+            <a:endParaRPr lang="fr-FR" dirty="0" smtClean="0"/>
+          </a:p>
+          <a:p>
+            <a:pPr lvl="1"/>
+            <a:r>
+              <a:rPr lang="fr-FR" dirty="0" smtClean="0"/>
+              <a:t>La nécessité d’une nouvelle application.</a:t>
+            </a:r>
+          </a:p>
+          <a:p>
+            <a:pPr lvl="1">
+              <a:buNone/>
+            </a:pPr>
+            <a:endParaRPr lang="fr-FR" dirty="0" smtClean="0"/>
+          </a:p>
+          <a:p>
+            <a:pPr lvl="1"/>
+            <a:r>
+              <a:rPr lang="fr-FR" dirty="0" smtClean="0"/>
+              <a:t>Les différents sous-projets développés.</a:t>
+            </a:r>
+          </a:p>
+          <a:p>
+            <a:pPr lvl="1">
+              <a:buNone/>
+            </a:pPr>
+            <a:endParaRPr lang="fr-FR" dirty="0" smtClean="0"/>
+          </a:p>
+          <a:p>
+            <a:pPr lvl="1"/>
+            <a:r>
+              <a:rPr lang="fr-FR" dirty="0" smtClean="0"/>
+              <a:t>Les développeurs en charge de la mission.</a:t>
+            </a:r>
+          </a:p>
+          <a:p>
+            <a:pPr lvl="1"/>
+            <a:endParaRPr lang="fr-FR" dirty="0" smtClean="0"/>
+          </a:p>
+          <a:p>
+            <a:pPr lvl="1"/>
+            <a:endParaRPr lang="fr-FR" dirty="0" smtClean="0"/>
+          </a:p>
+          <a:p>
+            <a:pPr lvl="1"/>
             <a:endParaRPr lang="fr-FR" dirty="0"/>
           </a:p>
         </p:txBody>
@@ -14641,323 +15140,12 @@
           <a:bodyPr/>
           <a:lstStyle/>
           <a:p>
-            <a:fld id="{FF0D4E12-90AB-43C7-A8D7-C81DF0B3B942}" type="slidenum">
+            <a:fld id="{228977EE-2505-4E01-83E6-F24DDA98A02D}" type="slidenum">
               <a:rPr lang="fr-FR" smtClean="0"/>
               <a:pPr/>
               <a:t>7</a:t>
             </a:fld>
             <a:endParaRPr lang="fr-FR"/>
-          </a:p>
-        </p:txBody>
-      </p:sp>
-      <p:sp>
-        <p:nvSpPr>
-          <p:cNvPr id="5" name="Rectangle 2"/>
-          <p:cNvSpPr txBox="1">
-            <a:spLocks noChangeArrowheads="1"/>
-          </p:cNvSpPr>
-          <p:nvPr/>
-        </p:nvSpPr>
-        <p:spPr>
-          <a:xfrm>
-            <a:off x="8277225" y="6477000"/>
-            <a:ext cx="719138" cy="323850"/>
-          </a:xfrm>
-          <a:prstGeom prst="rect">
-            <a:avLst/>
-          </a:prstGeom>
-        </p:spPr>
-        <p:txBody>
-          <a:bodyPr/>
-          <a:lstStyle/>
-          <a:p>
-            <a:pPr marL="0" marR="0" lvl="0" indent="0" algn="ctr" defTabSz="914400" rtl="0" eaLnBrk="0" fontAlgn="base" latinLnBrk="0" hangingPunct="0">
-              <a:lnSpc>
-                <a:spcPct val="100000"/>
-              </a:lnSpc>
-              <a:spcBef>
-                <a:spcPct val="0"/>
-              </a:spcBef>
-              <a:spcAft>
-                <a:spcPct val="0"/>
-              </a:spcAft>
-              <a:buClrTx/>
-              <a:buSzTx/>
-              <a:buFontTx/>
-              <a:buNone/>
-              <a:tabLst/>
-              <a:defRPr/>
-            </a:pPr>
-            <a:endParaRPr kumimoji="0" lang="fr-FR" sz="1400" b="0" i="0" u="none" strike="noStrike" kern="1200" cap="none" spc="0" normalizeH="0" baseline="0" noProof="0" dirty="0" smtClean="0">
-              <a:ln>
-                <a:noFill/>
-              </a:ln>
-              <a:solidFill>
-                <a:srgbClr val="5F5F5F"/>
-              </a:solidFill>
-              <a:effectLst/>
-              <a:uLnTx/>
-              <a:uFillTx/>
-              <a:latin typeface="Arial" charset="0"/>
-              <a:ea typeface="+mn-ea"/>
-              <a:cs typeface="+mn-cs"/>
-            </a:endParaRPr>
-          </a:p>
-        </p:txBody>
-      </p:sp>
-      <p:sp>
-        <p:nvSpPr>
-          <p:cNvPr id="6" name="Rectangle 5"/>
-          <p:cNvSpPr txBox="1">
-            <a:spLocks noChangeArrowheads="1"/>
-          </p:cNvSpPr>
-          <p:nvPr/>
-        </p:nvSpPr>
-        <p:spPr>
-          <a:xfrm>
-            <a:off x="1331913" y="765175"/>
-            <a:ext cx="7561262" cy="1150938"/>
-          </a:xfrm>
-          <a:prstGeom prst="rect">
-            <a:avLst/>
-          </a:prstGeom>
-        </p:spPr>
-        <p:txBody>
-          <a:bodyPr/>
-          <a:lstStyle/>
-          <a:p>
-            <a:pPr marL="0" marR="0" lvl="0" indent="0" algn="l" defTabSz="914400" rtl="0" eaLnBrk="1" fontAlgn="base" latinLnBrk="0" hangingPunct="1">
-              <a:lnSpc>
-                <a:spcPct val="100000"/>
-              </a:lnSpc>
-              <a:spcBef>
-                <a:spcPct val="0"/>
-              </a:spcBef>
-              <a:spcAft>
-                <a:spcPct val="0"/>
-              </a:spcAft>
-              <a:buClrTx/>
-              <a:buSzTx/>
-              <a:buFontTx/>
-              <a:buNone/>
-              <a:tabLst/>
-              <a:defRPr/>
-            </a:pPr>
-            <a:r>
-              <a:rPr kumimoji="0" lang="fr-FR" sz="2400" b="1" i="0" u="none" strike="noStrike" kern="0" cap="none" spc="0" normalizeH="0" baseline="0" noProof="0" smtClean="0">
-                <a:ln>
-                  <a:noFill/>
-                </a:ln>
-                <a:solidFill>
-                  <a:srgbClr val="5F5F5F"/>
-                </a:solidFill>
-                <a:effectLst/>
-                <a:uLnTx/>
-                <a:uFillTx/>
-                <a:latin typeface="+mj-lt"/>
-                <a:ea typeface="+mj-ea"/>
-                <a:cs typeface="+mj-cs"/>
-              </a:rPr>
-              <a:t> </a:t>
-            </a:r>
-          </a:p>
-        </p:txBody>
-      </p:sp>
-      <p:sp>
-        <p:nvSpPr>
-          <p:cNvPr id="7" name="Rectangle 6"/>
-          <p:cNvSpPr txBox="1">
-            <a:spLocks noChangeArrowheads="1"/>
-          </p:cNvSpPr>
-          <p:nvPr/>
-        </p:nvSpPr>
-        <p:spPr>
-          <a:xfrm>
-            <a:off x="1371600" y="1412875"/>
-            <a:ext cx="7448550" cy="3217863"/>
-          </a:xfrm>
-          <a:prstGeom prst="rect">
-            <a:avLst/>
-          </a:prstGeom>
-        </p:spPr>
-        <p:txBody>
-          <a:bodyPr/>
-          <a:lstStyle/>
-          <a:p>
-            <a:pPr marL="571500" marR="0" lvl="0" indent="-342900" algn="l" defTabSz="914400" rtl="0" eaLnBrk="1" fontAlgn="base" latinLnBrk="0" hangingPunct="1">
-              <a:lnSpc>
-                <a:spcPct val="80000"/>
-              </a:lnSpc>
-              <a:spcBef>
-                <a:spcPct val="20000"/>
-              </a:spcBef>
-              <a:spcAft>
-                <a:spcPct val="0"/>
-              </a:spcAft>
-              <a:buClrTx/>
-              <a:buSzTx/>
-              <a:buFont typeface="Wingdings" pitchFamily="2" charset="2"/>
-              <a:buChar char="q"/>
-              <a:tabLst/>
-              <a:defRPr/>
-            </a:pPr>
-            <a:endParaRPr kumimoji="0" lang="fr-FR" sz="2000" b="0" i="1" u="none" strike="noStrike" kern="0" cap="none" spc="0" normalizeH="0" baseline="0" noProof="0" dirty="0" smtClean="0">
-              <a:ln>
-                <a:noFill/>
-              </a:ln>
-              <a:solidFill>
-                <a:schemeClr val="folHlink"/>
-              </a:solidFill>
-              <a:effectLst/>
-              <a:uLnTx/>
-              <a:uFillTx/>
-              <a:latin typeface="+mn-lt"/>
-              <a:ea typeface="+mn-ea"/>
-              <a:cs typeface="+mn-cs"/>
-            </a:endParaRPr>
-          </a:p>
-        </p:txBody>
-      </p:sp>
-      <p:pic>
-        <p:nvPicPr>
-          <p:cNvPr id="8" name="Image 7" descr="Genoscope-CNS.gif"/>
-          <p:cNvPicPr>
-            <a:picLocks noChangeAspect="1"/>
-          </p:cNvPicPr>
-          <p:nvPr/>
-        </p:nvPicPr>
-        <p:blipFill>
-          <a:blip r:embed="rId2"/>
-          <a:stretch>
-            <a:fillRect/>
-          </a:stretch>
-        </p:blipFill>
-        <p:spPr>
-          <a:xfrm>
-            <a:off x="214282" y="2000240"/>
-            <a:ext cx="821537" cy="714380"/>
-          </a:xfrm>
-          <a:prstGeom prst="rect">
-            <a:avLst/>
-          </a:prstGeom>
-        </p:spPr>
-      </p:pic>
-      <p:sp>
-        <p:nvSpPr>
-          <p:cNvPr id="9" name="Rectangle 8"/>
-          <p:cNvSpPr/>
-          <p:nvPr/>
-        </p:nvSpPr>
-        <p:spPr bwMode="auto">
-          <a:xfrm>
-            <a:off x="1214414" y="6500834"/>
-            <a:ext cx="2357454" cy="357166"/>
-          </a:xfrm>
-          <a:prstGeom prst="rect">
-            <a:avLst/>
-          </a:prstGeom>
-          <a:noFill/>
-          <a:ln w="9525" cap="flat" cmpd="sng" algn="ctr">
-            <a:noFill/>
-            <a:prstDash val="solid"/>
-            <a:round/>
-            <a:headEnd type="none" w="med" len="med"/>
-            <a:tailEnd type="none" w="med" len="med"/>
-          </a:ln>
-          <a:effectLst/>
-        </p:spPr>
-        <p:txBody>
-          <a:bodyPr vert="horz" wrap="square" lIns="91440" tIns="45720" rIns="91440" bIns="45720" numCol="1" rtlCol="0" anchor="t" anchorCtr="0" compatLnSpc="1">
-            <a:prstTxWarp prst="textNoShape">
-              <a:avLst/>
-            </a:prstTxWarp>
-          </a:bodyPr>
-          <a:lstStyle/>
-          <a:p>
-            <a:pPr marL="0" marR="0" indent="0" algn="ctr" defTabSz="914400" rtl="0" eaLnBrk="0" fontAlgn="base" latinLnBrk="0" hangingPunct="0">
-              <a:lnSpc>
-                <a:spcPct val="100000"/>
-              </a:lnSpc>
-              <a:spcBef>
-                <a:spcPct val="0"/>
-              </a:spcBef>
-              <a:spcAft>
-                <a:spcPct val="0"/>
-              </a:spcAft>
-              <a:buClrTx/>
-              <a:buSzTx/>
-              <a:buFontTx/>
-              <a:buNone/>
-              <a:tabLst/>
-            </a:pPr>
-            <a:endParaRPr kumimoji="0" lang="fr-FR" sz="1400" b="0" i="0" u="none" strike="noStrike" cap="none" normalizeH="0" baseline="0" smtClean="0">
-              <a:ln>
-                <a:noFill/>
-              </a:ln>
-              <a:solidFill>
-                <a:srgbClr val="5F5F5F"/>
-              </a:solidFill>
-              <a:effectLst/>
-              <a:latin typeface="Arial" charset="0"/>
-            </a:endParaRPr>
-          </a:p>
-        </p:txBody>
-      </p:sp>
-      <p:sp>
-        <p:nvSpPr>
-          <p:cNvPr id="10" name="ZoneTexte 9"/>
-          <p:cNvSpPr txBox="1"/>
-          <p:nvPr/>
-        </p:nvSpPr>
-        <p:spPr>
-          <a:xfrm>
-            <a:off x="1285852" y="6550223"/>
-            <a:ext cx="2071701" cy="307777"/>
-          </a:xfrm>
-          <a:prstGeom prst="rect">
-            <a:avLst/>
-          </a:prstGeom>
-          <a:solidFill>
-            <a:schemeClr val="bg1"/>
-          </a:solidFill>
-        </p:spPr>
-        <p:txBody>
-          <a:bodyPr wrap="square" rtlCol="0">
-            <a:spAutoFit/>
-          </a:bodyPr>
-          <a:lstStyle/>
-          <a:p>
-            <a:endParaRPr lang="fr-FR" dirty="0"/>
-          </a:p>
-        </p:txBody>
-      </p:sp>
-      <p:sp>
-        <p:nvSpPr>
-          <p:cNvPr id="11" name="ZoneTexte 10"/>
-          <p:cNvSpPr txBox="1"/>
-          <p:nvPr/>
-        </p:nvSpPr>
-        <p:spPr>
-          <a:xfrm>
-            <a:off x="1000100" y="6478809"/>
-            <a:ext cx="2571768" cy="307777"/>
-          </a:xfrm>
-          <a:prstGeom prst="rect">
-            <a:avLst/>
-          </a:prstGeom>
-          <a:noFill/>
-        </p:spPr>
-        <p:txBody>
-          <a:bodyPr wrap="square" rtlCol="0">
-            <a:spAutoFit/>
-          </a:bodyPr>
-          <a:lstStyle/>
-          <a:p>
-            <a:r>
-              <a:rPr lang="fr-FR" dirty="0" smtClean="0"/>
-              <a:t>Genoscope / CEA - FAR</a:t>
-            </a:r>
-            <a:endParaRPr lang="fr-FR" dirty="0"/>
           </a:p>
         </p:txBody>
       </p:sp>
@@ -15003,160 +15191,41 @@
             <p:ph type="title"/>
           </p:nvPr>
         </p:nvSpPr>
-        <p:spPr/>
+        <p:spPr>
+          <a:xfrm>
+            <a:off x="1371600" y="1142984"/>
+            <a:ext cx="7772400" cy="1362075"/>
+          </a:xfrm>
+        </p:spPr>
         <p:txBody>
           <a:bodyPr/>
           <a:lstStyle/>
           <a:p>
             <a:r>
               <a:rPr lang="fr-FR" dirty="0" smtClean="0"/>
-              <a:t>I – Les technologies utilisées (Côté client)</a:t>
+              <a:t>NGL – </a:t>
+            </a:r>
+            <a:r>
+              <a:rPr lang="fr-FR" dirty="0" err="1" smtClean="0"/>
+              <a:t>Next</a:t>
+            </a:r>
+            <a:r>
+              <a:rPr lang="fr-FR" dirty="0" smtClean="0"/>
+              <a:t> </a:t>
+            </a:r>
+            <a:r>
+              <a:rPr lang="fr-FR" dirty="0" err="1" smtClean="0"/>
+              <a:t>Generation</a:t>
+            </a:r>
+            <a:r>
+              <a:rPr lang="fr-FR" dirty="0" smtClean="0"/>
+              <a:t> </a:t>
+            </a:r>
+            <a:r>
+              <a:rPr lang="fr-FR" dirty="0" err="1" smtClean="0"/>
+              <a:t>lims</a:t>
             </a:r>
             <a:endParaRPr lang="fr-FR" dirty="0"/>
-          </a:p>
-        </p:txBody>
-      </p:sp>
-      <p:sp>
-        <p:nvSpPr>
-          <p:cNvPr id="3" name="Espace réservé du contenu 2"/>
-          <p:cNvSpPr>
-            <a:spLocks noGrp="1"/>
-          </p:cNvSpPr>
-          <p:nvPr>
-            <p:ph idx="1"/>
-          </p:nvPr>
-        </p:nvSpPr>
-        <p:spPr/>
-        <p:txBody>
-          <a:bodyPr/>
-          <a:lstStyle/>
-          <a:p>
-            <a:r>
-              <a:rPr lang="fr-FR" sz="2000" dirty="0" smtClean="0"/>
-              <a:t>Base HTML/CSS/JS</a:t>
-            </a:r>
-          </a:p>
-          <a:p>
-            <a:pPr lvl="1"/>
-            <a:r>
-              <a:rPr lang="fr-FR" sz="1800" dirty="0" smtClean="0"/>
-              <a:t>Se rapproche le plus d’une application de type bureautique</a:t>
-            </a:r>
-          </a:p>
-          <a:p>
-            <a:r>
-              <a:rPr lang="fr-FR" sz="2000" dirty="0" smtClean="0"/>
-              <a:t>CSS : Framework </a:t>
-            </a:r>
-            <a:r>
-              <a:rPr lang="fr-FR" sz="2000" dirty="0" err="1" smtClean="0"/>
-              <a:t>Bootstrap</a:t>
-            </a:r>
-            <a:endParaRPr lang="fr-FR" sz="2000" dirty="0" smtClean="0"/>
-          </a:p>
-          <a:p>
-            <a:pPr lvl="1"/>
-            <a:r>
-              <a:rPr lang="fr-FR" sz="1800" dirty="0" smtClean="0"/>
-              <a:t>Nous ne sommes pas des web designers</a:t>
-            </a:r>
-          </a:p>
-          <a:p>
-            <a:pPr lvl="1"/>
-            <a:r>
-              <a:rPr lang="fr-FR" sz="1800" dirty="0" smtClean="0"/>
-              <a:t>Permet de garder une cohérence entre les applications</a:t>
-            </a:r>
-          </a:p>
-          <a:p>
-            <a:pPr lvl="1"/>
-            <a:r>
-              <a:rPr lang="fr-FR" sz="1800" dirty="0" smtClean="0"/>
-              <a:t>Gère le responsive design</a:t>
-            </a:r>
-          </a:p>
-          <a:p>
-            <a:r>
-              <a:rPr lang="fr-FR" sz="2000" dirty="0" err="1" smtClean="0"/>
-              <a:t>Javascript</a:t>
-            </a:r>
-            <a:r>
-              <a:rPr lang="fr-FR" sz="2000" dirty="0" smtClean="0"/>
-              <a:t> : </a:t>
-            </a:r>
-            <a:r>
-              <a:rPr lang="fr-FR" sz="2000" dirty="0" err="1" smtClean="0"/>
-              <a:t>AngularJS</a:t>
-            </a:r>
-            <a:endParaRPr lang="fr-FR" sz="2000" dirty="0" smtClean="0"/>
-          </a:p>
-          <a:p>
-            <a:pPr lvl="1"/>
-            <a:r>
-              <a:rPr lang="fr-FR" sz="1800" dirty="0" smtClean="0"/>
-              <a:t>Gère le </a:t>
-            </a:r>
-            <a:r>
-              <a:rPr lang="fr-FR" sz="1800" dirty="0" err="1" smtClean="0"/>
-              <a:t>two</a:t>
-            </a:r>
-            <a:r>
-              <a:rPr lang="fr-FR" sz="1800" dirty="0" smtClean="0"/>
-              <a:t>-</a:t>
-            </a:r>
-            <a:r>
-              <a:rPr lang="fr-FR" sz="1800" dirty="0" err="1" smtClean="0"/>
-              <a:t>way</a:t>
-            </a:r>
-            <a:r>
-              <a:rPr lang="fr-FR" sz="1800" dirty="0" smtClean="0"/>
-              <a:t> data </a:t>
-            </a:r>
-            <a:r>
-              <a:rPr lang="fr-FR" sz="1800" dirty="0" err="1" smtClean="0"/>
-              <a:t>binding</a:t>
-            </a:r>
-            <a:endParaRPr lang="fr-FR" sz="1800" dirty="0" smtClean="0"/>
-          </a:p>
-          <a:p>
-            <a:pPr lvl="1"/>
-            <a:r>
-              <a:rPr lang="fr-FR" sz="1800" dirty="0" smtClean="0"/>
-              <a:t>Meilleur choix à l’époque par rapport à la documentation</a:t>
-            </a:r>
-          </a:p>
-          <a:p>
-            <a:pPr lvl="1"/>
-            <a:r>
-              <a:rPr lang="fr-FR" sz="1800" dirty="0" smtClean="0"/>
-              <a:t>Permet de créer un </a:t>
-            </a:r>
-            <a:r>
-              <a:rPr lang="fr-FR" sz="1800" dirty="0" err="1" smtClean="0"/>
-              <a:t>DataTable</a:t>
-            </a:r>
-            <a:r>
-              <a:rPr lang="fr-FR" sz="1800" dirty="0" smtClean="0"/>
-              <a:t> supportant l’édition de masse ainsi que d’autres fonctions</a:t>
-            </a:r>
-          </a:p>
-          <a:p>
-            <a:pPr lvl="1"/>
-            <a:r>
-              <a:rPr lang="fr-FR" sz="1800" dirty="0" smtClean="0"/>
-              <a:t>Aujourd’hui, le choix ne serait peut-être pas le même face aux autres </a:t>
-            </a:r>
-            <a:r>
-              <a:rPr lang="fr-FR" sz="1800" dirty="0" err="1" smtClean="0"/>
-              <a:t>frameworks</a:t>
-            </a:r>
-            <a:endParaRPr lang="fr-FR" sz="1800" dirty="0" smtClean="0"/>
-          </a:p>
-          <a:p>
-            <a:pPr lvl="1">
-              <a:buNone/>
-            </a:pPr>
-            <a:endParaRPr lang="fr-FR" dirty="0" smtClean="0"/>
           </a:p>
         </p:txBody>
       </p:sp>
@@ -15175,7 +15244,7 @@
           <a:bodyPr/>
           <a:lstStyle/>
           <a:p>
-            <a:fld id="{228977EE-2505-4E01-83E6-F24DDA98A02D}" type="slidenum">
+            <a:fld id="{FF0D4E12-90AB-43C7-A8D7-C81DF0B3B942}" type="slidenum">
               <a:rPr lang="fr-FR" smtClean="0"/>
               <a:pPr/>
               <a:t>8</a:t>
@@ -15233,6 +15302,119 @@
               <a:uLnTx/>
               <a:uFillTx/>
               <a:latin typeface="Arial" charset="0"/>
+              <a:ea typeface="+mn-ea"/>
+              <a:cs typeface="+mn-cs"/>
+            </a:endParaRPr>
+          </a:p>
+        </p:txBody>
+      </p:sp>
+      <p:sp>
+        <p:nvSpPr>
+          <p:cNvPr id="6" name="Rectangle 5"/>
+          <p:cNvSpPr txBox="1">
+            <a:spLocks noChangeArrowheads="1"/>
+          </p:cNvSpPr>
+          <p:nvPr/>
+        </p:nvSpPr>
+        <p:spPr>
+          <a:xfrm>
+            <a:off x="1331913" y="765175"/>
+            <a:ext cx="7561262" cy="1150938"/>
+          </a:xfrm>
+          <a:prstGeom prst="rect">
+            <a:avLst/>
+          </a:prstGeom>
+        </p:spPr>
+        <p:txBody>
+          <a:bodyPr/>
+          <a:lstStyle/>
+          <a:p>
+            <a:pPr marL="0" marR="0" lvl="0" indent="0" algn="l" defTabSz="914400" rtl="0" eaLnBrk="1" fontAlgn="base" latinLnBrk="0" hangingPunct="1">
+              <a:lnSpc>
+                <a:spcPct val="100000"/>
+              </a:lnSpc>
+              <a:spcBef>
+                <a:spcPct val="0"/>
+              </a:spcBef>
+              <a:spcAft>
+                <a:spcPct val="0"/>
+              </a:spcAft>
+              <a:buClrTx/>
+              <a:buSzTx/>
+              <a:buFontTx/>
+              <a:buNone/>
+              <a:tabLst/>
+              <a:defRPr/>
+            </a:pPr>
+            <a:r>
+              <a:rPr kumimoji="0" lang="fr-FR" sz="2400" b="1" i="0" u="none" strike="noStrike" kern="0" cap="none" spc="0" normalizeH="0" baseline="0" noProof="0" smtClean="0">
+                <a:ln>
+                  <a:noFill/>
+                </a:ln>
+                <a:solidFill>
+                  <a:srgbClr val="5F5F5F"/>
+                </a:solidFill>
+                <a:effectLst/>
+                <a:uLnTx/>
+                <a:uFillTx/>
+                <a:latin typeface="+mj-lt"/>
+                <a:ea typeface="+mj-ea"/>
+                <a:cs typeface="+mj-cs"/>
+              </a:rPr>
+              <a:t> </a:t>
+            </a:r>
+          </a:p>
+        </p:txBody>
+      </p:sp>
+      <p:sp>
+        <p:nvSpPr>
+          <p:cNvPr id="7" name="Rectangle 6"/>
+          <p:cNvSpPr txBox="1">
+            <a:spLocks noChangeArrowheads="1"/>
+          </p:cNvSpPr>
+          <p:nvPr/>
+        </p:nvSpPr>
+        <p:spPr>
+          <a:xfrm>
+            <a:off x="1371600" y="1412875"/>
+            <a:ext cx="7448550" cy="3217863"/>
+          </a:xfrm>
+          <a:prstGeom prst="rect">
+            <a:avLst/>
+          </a:prstGeom>
+        </p:spPr>
+        <p:txBody>
+          <a:bodyPr/>
+          <a:lstStyle/>
+          <a:p>
+            <a:pPr marL="571500" marR="0" lvl="0" indent="-342900" algn="l" defTabSz="914400" rtl="0" eaLnBrk="1" fontAlgn="base" latinLnBrk="0" hangingPunct="1">
+              <a:lnSpc>
+                <a:spcPct val="80000"/>
+              </a:lnSpc>
+              <a:spcBef>
+                <a:spcPct val="20000"/>
+              </a:spcBef>
+              <a:spcAft>
+                <a:spcPct val="0"/>
+              </a:spcAft>
+              <a:buClrTx/>
+              <a:buSzTx/>
+              <a:buFont typeface="Wingdings" pitchFamily="2" charset="2"/>
+              <a:buChar char="q"/>
+              <a:tabLst/>
+              <a:defRPr/>
+            </a:pPr>
+            <a:endParaRPr kumimoji="0" lang="fr-FR" sz="2000" b="0" i="1" u="none" strike="noStrike" kern="0" cap="none" spc="0" normalizeH="0" baseline="0" noProof="0" dirty="0" smtClean="0">
+              <a:ln>
+                <a:noFill/>
+              </a:ln>
+              <a:solidFill>
+                <a:schemeClr val="folHlink"/>
+              </a:solidFill>
+              <a:effectLst/>
+              <a:uLnTx/>
+              <a:uFillTx/>
+              <a:latin typeface="+mn-lt"/>
               <a:ea typeface="+mn-ea"/>
               <a:cs typeface="+mn-cs"/>
             </a:endParaRPr>
@@ -15431,7 +15613,7 @@
           <a:p>
             <a:r>
               <a:rPr lang="fr-FR" dirty="0" smtClean="0"/>
-              <a:t>I – Les technologies utilisées (Côté serveur)</a:t>
+              <a:t>I – Les technologies utilisées (Côté client)</a:t>
             </a:r>
             <a:endParaRPr lang="fr-FR" dirty="0"/>
           </a:p>
@@ -15453,22 +15635,131 @@
           <a:lstStyle/>
           <a:p>
             <a:r>
-              <a:rPr lang="fr-FR" dirty="0" smtClean="0"/>
-              <a:t>Framework Play(Java)</a:t>
+              <a:rPr lang="fr-FR" sz="2000" dirty="0" smtClean="0"/>
+              <a:t>Base HTML/CSS/JS</a:t>
             </a:r>
           </a:p>
           <a:p>
             <a:pPr lvl="1"/>
             <a:r>
-              <a:rPr lang="fr-FR" dirty="0" smtClean="0"/>
-              <a:t>Permet de gérer la partie serveur en suivant REST</a:t>
-            </a:r>
+              <a:rPr lang="fr-FR" sz="1800" dirty="0" smtClean="0"/>
+              <a:t>Se rapproche le plus d’une application de type bureautique</a:t>
+            </a:r>
+          </a:p>
+          <a:p>
+            <a:r>
+              <a:rPr lang="fr-FR" sz="2000" dirty="0" smtClean="0"/>
+              <a:t>CSS : Framework </a:t>
+            </a:r>
+            <a:r>
+              <a:rPr lang="fr-FR" sz="2000" dirty="0" err="1" smtClean="0"/>
+              <a:t>Bootstrap</a:t>
+            </a:r>
+            <a:endParaRPr lang="fr-FR" sz="2000" dirty="0" smtClean="0"/>
+          </a:p>
+          <a:p>
+            <a:pPr lvl="1"/>
+            <a:r>
+              <a:rPr lang="fr-FR" sz="1800" dirty="0" smtClean="0"/>
+              <a:t>Nous ne sommes pas des web designers</a:t>
+            </a:r>
+          </a:p>
+          <a:p>
+            <a:pPr lvl="1"/>
+            <a:r>
+              <a:rPr lang="fr-FR" sz="1800" dirty="0" smtClean="0"/>
+              <a:t>Permet de garder une cohérence entre les applications</a:t>
+            </a:r>
+          </a:p>
+          <a:p>
+            <a:pPr lvl="1"/>
+            <a:r>
+              <a:rPr lang="fr-FR" sz="1800" dirty="0" smtClean="0"/>
+              <a:t>Gère le responsive design</a:t>
+            </a:r>
+          </a:p>
+          <a:p>
+            <a:r>
+              <a:rPr lang="fr-FR" sz="2000" dirty="0" err="1" smtClean="0"/>
+              <a:t>Javascript</a:t>
+            </a:r>
+            <a:r>
+              <a:rPr lang="fr-FR" sz="2000" dirty="0" smtClean="0"/>
+              <a:t> : </a:t>
+            </a:r>
+            <a:r>
+              <a:rPr lang="fr-FR" sz="2000" dirty="0" err="1" smtClean="0"/>
+              <a:t>AngularJS</a:t>
+            </a:r>
+            <a:endParaRPr lang="fr-FR" sz="2000" dirty="0" smtClean="0"/>
+          </a:p>
+          <a:p>
+            <a:pPr lvl="1"/>
+            <a:r>
+              <a:rPr lang="fr-FR" sz="1800" dirty="0" smtClean="0"/>
+              <a:t>Gère le </a:t>
+            </a:r>
+            <a:r>
+              <a:rPr lang="fr-FR" sz="1800" dirty="0" err="1" smtClean="0"/>
+              <a:t>two</a:t>
+            </a:r>
+            <a:r>
+              <a:rPr lang="fr-FR" sz="1800" dirty="0" smtClean="0"/>
+              <a:t>-</a:t>
+            </a:r>
+            <a:r>
+              <a:rPr lang="fr-FR" sz="1800" dirty="0" err="1" smtClean="0"/>
+              <a:t>way</a:t>
+            </a:r>
+            <a:r>
+              <a:rPr lang="fr-FR" sz="1800" dirty="0" smtClean="0"/>
+              <a:t> data </a:t>
+            </a:r>
+            <a:r>
+              <a:rPr lang="fr-FR" sz="1800" dirty="0" err="1" smtClean="0"/>
+              <a:t>binding</a:t>
+            </a:r>
+            <a:endParaRPr lang="fr-FR" sz="1800" dirty="0" smtClean="0"/>
+          </a:p>
+          <a:p>
+            <a:pPr lvl="1"/>
+            <a:r>
+              <a:rPr lang="fr-FR" sz="1800" dirty="0" smtClean="0"/>
+              <a:t>Meilleur choix à l’époque par rapport à la documentation</a:t>
+            </a:r>
+          </a:p>
+          <a:p>
+            <a:pPr lvl="1"/>
+            <a:r>
+              <a:rPr lang="fr-FR" sz="1800" dirty="0" smtClean="0"/>
+              <a:t>Permet de créer un </a:t>
+            </a:r>
+            <a:r>
+              <a:rPr lang="fr-FR" sz="1800" dirty="0" err="1" smtClean="0"/>
+              <a:t>DataTable</a:t>
+            </a:r>
+            <a:r>
+              <a:rPr lang="fr-FR" sz="1800" dirty="0" smtClean="0"/>
+              <a:t> supportant l’édition de masse ainsi que d’autres fonctions</a:t>
+            </a:r>
+          </a:p>
+          <a:p>
+            <a:pPr lvl="1"/>
+            <a:r>
+              <a:rPr lang="fr-FR" sz="1800" dirty="0" smtClean="0"/>
+              <a:t>Aujourd’hui, le choix ne serait peut-être pas le même face aux autres </a:t>
+            </a:r>
+            <a:r>
+              <a:rPr lang="fr-FR" sz="1800" dirty="0" err="1" smtClean="0"/>
+              <a:t>frameworks</a:t>
+            </a:r>
+            <a:endParaRPr lang="fr-FR" sz="1800" dirty="0" smtClean="0"/>
           </a:p>
           <a:p>
             <a:pPr lvl="1">
               <a:buNone/>
             </a:pPr>
-            <a:endParaRPr lang="fr-FR" dirty="0"/>
+            <a:endParaRPr lang="fr-FR" dirty="0" smtClean="0"/>
           </a:p>
         </p:txBody>
       </p:sp>
@@ -15545,61 +15836,6 @@
               <a:uLnTx/>
               <a:uFillTx/>
               <a:latin typeface="Arial" charset="0"/>
-              <a:ea typeface="+mn-ea"/>
-              <a:cs typeface="+mn-cs"/>
-            </a:endParaRPr>
-          </a:p>
-        </p:txBody>
-      </p:sp>
-      <p:sp>
-        <p:nvSpPr>
-          <p:cNvPr id="7" name="Rectangle 6"/>
-          <p:cNvSpPr txBox="1">
-            <a:spLocks noChangeArrowheads="1"/>
-          </p:cNvSpPr>
-          <p:nvPr/>
-        </p:nvSpPr>
-        <p:spPr>
-          <a:xfrm>
-            <a:off x="1371600" y="1412875"/>
-            <a:ext cx="7448550" cy="3217863"/>
-          </a:xfrm>
-          <a:prstGeom prst="rect">
-            <a:avLst/>
-          </a:prstGeom>
-        </p:spPr>
-        <p:txBody>
-          <a:bodyPr/>
-          <a:lstStyle/>
-          <a:p>
-            <a:pPr marL="571500" marR="0" lvl="0" indent="-342900" algn="l" defTabSz="914400" rtl="0" eaLnBrk="1" fontAlgn="base" latinLnBrk="0" hangingPunct="1">
-              <a:lnSpc>
-                <a:spcPct val="80000"/>
-              </a:lnSpc>
-              <a:spcBef>
-                <a:spcPct val="20000"/>
-              </a:spcBef>
-              <a:spcAft>
-                <a:spcPct val="0"/>
-              </a:spcAft>
-              <a:buClrTx/>
-              <a:buSzTx/>
-              <a:buFont typeface="Wingdings" pitchFamily="2" charset="2"/>
-              <a:buChar char="q"/>
-              <a:tabLst/>
-              <a:defRPr/>
-            </a:pPr>
-            <a:endParaRPr kumimoji="0" lang="fr-FR" sz="2000" b="0" i="1" u="none" strike="noStrike" kern="0" cap="none" spc="0" normalizeH="0" baseline="0" noProof="0" dirty="0" smtClean="0">
-              <a:ln>
-                <a:noFill/>
-              </a:ln>
-              <a:solidFill>
-                <a:schemeClr val="folHlink"/>
-              </a:solidFill>
-              <a:effectLst/>
-              <a:uLnTx/>
-              <a:uFillTx/>
-              <a:latin typeface="+mn-lt"/>
               <a:ea typeface="+mn-ea"/>
               <a:cs typeface="+mn-cs"/>
             </a:endParaRPr>

--- a/PPTOral.pptx
+++ b/PPTOral.pptx
@@ -5,10 +5,10 @@
     <p:sldMasterId id="2147483648" r:id="rId1"/>
   </p:sldMasterIdLst>
   <p:notesMasterIdLst>
-    <p:notesMasterId r:id="rId27"/>
+    <p:notesMasterId r:id="rId29"/>
   </p:notesMasterIdLst>
   <p:handoutMasterIdLst>
-    <p:handoutMasterId r:id="rId28"/>
+    <p:handoutMasterId r:id="rId30"/>
   </p:handoutMasterIdLst>
   <p:sldIdLst>
     <p:sldId id="257" r:id="rId2"/>
@@ -34,8 +34,10 @@
     <p:sldId id="324" r:id="rId22"/>
     <p:sldId id="325" r:id="rId23"/>
     <p:sldId id="326" r:id="rId24"/>
-    <p:sldId id="327" r:id="rId25"/>
-    <p:sldId id="328" r:id="rId26"/>
+    <p:sldId id="329" r:id="rId25"/>
+    <p:sldId id="327" r:id="rId26"/>
+    <p:sldId id="330" r:id="rId27"/>
+    <p:sldId id="328" r:id="rId28"/>
   </p:sldIdLst>
   <p:sldSz cx="9144000" cy="6858000" type="screen4x3"/>
   <p:notesSz cx="6669088" cy="9926638"/>
@@ -5112,24 +5114,7 @@
                 <a:ea typeface="+mn-ea"/>
                 <a:cs typeface="+mn-cs"/>
               </a:rPr>
-              <a:t>Framework Play(Java</a:t>
-            </a:r>
-            <a:r>
-              <a:rPr kumimoji="0" lang="fr-FR" sz="2400" b="1" i="0" u="none" strike="noStrike" kern="0" cap="none" spc="0" normalizeH="0" baseline="0" noProof="0" dirty="0" smtClean="0">
-                <a:ln>
-                  <a:noFill/>
-                </a:ln>
-                <a:solidFill>
-                  <a:srgbClr val="5F5F5F"/>
-                </a:solidFill>
-                <a:effectLst/>
-                <a:uLnTx/>
-                <a:uFillTx/>
-                <a:latin typeface="+mn-lt"/>
-                <a:ea typeface="+mn-ea"/>
-                <a:cs typeface="+mn-cs"/>
-              </a:rPr>
-              <a:t>)</a:t>
+              <a:t>Framework Play(Java)</a:t>
             </a:r>
           </a:p>
           <a:p>
@@ -5177,7 +5162,6 @@
               <a:rPr lang="fr-FR" sz="2000" b="1" kern="0" dirty="0" smtClean="0"/>
               <a:t>scala</a:t>
             </a:r>
-            <a:endParaRPr lang="fr-FR" sz="2000" b="1" kern="0" dirty="0" smtClean="0"/>
           </a:p>
           <a:p>
             <a:pPr marL="1143000" lvl="1" indent="-285750" algn="l" eaLnBrk="1" hangingPunct="1">
@@ -5203,7 +5187,6 @@
               <a:rPr lang="fr-FR" sz="2000" b="1" kern="0" dirty="0" smtClean="0"/>
               <a:t>REST</a:t>
             </a:r>
-            <a:endParaRPr lang="fr-FR" sz="2000" b="1" kern="0" dirty="0" smtClean="0"/>
           </a:p>
           <a:p>
             <a:pPr marL="571500" marR="0" lvl="0" indent="-342900" algn="l" defTabSz="914400" rtl="0" eaLnBrk="1" fontAlgn="base" latinLnBrk="0" hangingPunct="1">
@@ -5227,13 +5210,7 @@
               <a:rPr lang="fr-FR" sz="2400" b="1" kern="0" dirty="0" smtClean="0">
                 <a:latin typeface="+mn-lt"/>
               </a:rPr>
-              <a:t>Bases </a:t>
-            </a:r>
-            <a:r>
-              <a:rPr lang="fr-FR" sz="2400" b="1" kern="0" dirty="0" smtClean="0">
-                <a:latin typeface="+mn-lt"/>
-              </a:rPr>
-              <a:t>de données : </a:t>
+              <a:t>Bases de données : </a:t>
             </a:r>
             <a:r>
               <a:rPr lang="fr-FR" sz="2400" b="1" kern="0" dirty="0" err="1" smtClean="0">
@@ -15096,7 +15073,39 @@
           <a:bodyPr/>
           <a:lstStyle/>
           <a:p>
-            <a:endParaRPr lang="fr-FR" dirty="0"/>
+            <a:r>
+              <a:rPr lang="fr-FR" dirty="0" smtClean="0"/>
+              <a:t>Premiers tickets : Ajout de fonctionnalités sur le </a:t>
+            </a:r>
+            <a:r>
+              <a:rPr lang="fr-FR" dirty="0" err="1" smtClean="0"/>
+              <a:t>DataTable</a:t>
+            </a:r>
+            <a:r>
+              <a:rPr lang="fr-FR" dirty="0" smtClean="0"/>
+              <a:t> : </a:t>
+            </a:r>
+          </a:p>
+          <a:p>
+            <a:pPr lvl="1"/>
+            <a:r>
+              <a:rPr lang="fr-FR" dirty="0" smtClean="0"/>
+              <a:t>Liste des colonnes pouvant être groupées</a:t>
+            </a:r>
+          </a:p>
+          <a:p>
+            <a:pPr lvl="1"/>
+            <a:r>
+              <a:rPr lang="fr-FR" dirty="0" smtClean="0"/>
+              <a:t>Modifier l’export des données pour n’afficher que les groupes de données</a:t>
+            </a:r>
+          </a:p>
+          <a:p>
+            <a:pPr lvl="1"/>
+            <a:r>
+              <a:rPr lang="fr-FR" dirty="0" smtClean="0"/>
+              <a:t>Afficher de façon directe les éléments sélectionnés dans une liste déroulante</a:t>
+            </a:r>
           </a:p>
         </p:txBody>
       </p:sp>
@@ -15435,6 +15444,36 @@
           </a:p>
         </p:txBody>
       </p:sp>
+      <p:pic>
+        <p:nvPicPr>
+          <p:cNvPr id="5" name="Image 4"/>
+          <p:cNvPicPr>
+            <a:picLocks noChangeAspect="1"/>
+          </p:cNvPicPr>
+          <p:nvPr/>
+        </p:nvPicPr>
+        <p:blipFill>
+          <a:blip r:embed="rId3">
+            <a:extLst>
+              <a:ext uri="{28A0092B-C50C-407E-A947-70E740481C1C}">
+                <a14:useLocalDpi xmlns:a14="http://schemas.microsoft.com/office/drawing/2010/main" val="0"/>
+              </a:ext>
+            </a:extLst>
+          </a:blip>
+          <a:stretch>
+            <a:fillRect/>
+          </a:stretch>
+        </p:blipFill>
+        <p:spPr>
+          <a:xfrm>
+            <a:off x="1134356" y="3696488"/>
+            <a:ext cx="7956376" cy="2590875"/>
+          </a:xfrm>
+          <a:prstGeom prst="rect">
+            <a:avLst/>
+          </a:prstGeom>
+        </p:spPr>
+      </p:pic>
     </p:spTree>
     <p:extLst>
       <p:ext uri="{BB962C8B-B14F-4D97-AF65-F5344CB8AC3E}">
@@ -15510,6 +15549,18 @@
           <a:bodyPr/>
           <a:lstStyle/>
           <a:p>
+            <a:r>
+              <a:rPr lang="fr-FR" dirty="0" smtClean="0"/>
+              <a:t>Rajouter des </a:t>
+            </a:r>
+            <a:r>
+              <a:rPr lang="fr-FR" dirty="0" err="1" smtClean="0"/>
+              <a:t>stats</a:t>
+            </a:r>
+            <a:r>
+              <a:rPr lang="fr-FR" dirty="0" smtClean="0"/>
+              <a:t> préconfigurées pour certains projets</a:t>
+            </a:r>
             <a:endParaRPr lang="fr-FR" dirty="0"/>
           </a:p>
         </p:txBody>
@@ -15849,6 +15900,36 @@
           </a:p>
         </p:txBody>
       </p:sp>
+      <p:pic>
+        <p:nvPicPr>
+          <p:cNvPr id="13" name="Image 12"/>
+          <p:cNvPicPr>
+            <a:picLocks noChangeAspect="1"/>
+          </p:cNvPicPr>
+          <p:nvPr/>
+        </p:nvPicPr>
+        <p:blipFill>
+          <a:blip r:embed="rId3">
+            <a:extLst>
+              <a:ext uri="{28A0092B-C50C-407E-A947-70E740481C1C}">
+                <a14:useLocalDpi xmlns:a14="http://schemas.microsoft.com/office/drawing/2010/main" val="0"/>
+              </a:ext>
+            </a:extLst>
+          </a:blip>
+          <a:stretch>
+            <a:fillRect/>
+          </a:stretch>
+        </p:blipFill>
+        <p:spPr>
+          <a:xfrm>
+            <a:off x="1369498" y="2063469"/>
+            <a:ext cx="6948264" cy="4077261"/>
+          </a:xfrm>
+          <a:prstGeom prst="rect">
+            <a:avLst/>
+          </a:prstGeom>
+        </p:spPr>
+      </p:pic>
     </p:spTree>
     <p:extLst>
       <p:ext uri="{BB962C8B-B14F-4D97-AF65-F5344CB8AC3E}">
@@ -15902,10 +15983,9 @@
           <a:lstStyle/>
           <a:p>
             <a:r>
-              <a:rPr lang="fr-FR" dirty="0" smtClean="0"/>
-              <a:t>III – Le bilan de production</a:t>
-            </a:r>
-            <a:endParaRPr lang="fr-FR" dirty="0"/>
+              <a:rPr lang="fr-FR" dirty="0"/>
+              <a:t>II – Les statistiques préconfigurées</a:t>
+            </a:r>
           </a:p>
         </p:txBody>
       </p:sp>
@@ -15924,7 +16004,37 @@
           <a:bodyPr/>
           <a:lstStyle/>
           <a:p>
-            <a:endParaRPr lang="fr-FR"/>
+            <a:r>
+              <a:rPr lang="fr-FR" dirty="0" smtClean="0"/>
+              <a:t>Plusieurs étapes : </a:t>
+            </a:r>
+          </a:p>
+          <a:p>
+            <a:pPr lvl="1"/>
+            <a:r>
+              <a:rPr lang="fr-FR" dirty="0" smtClean="0"/>
+              <a:t>Créer le système d’insertion et de rapatriement des données</a:t>
+            </a:r>
+          </a:p>
+          <a:p>
+            <a:pPr lvl="1"/>
+            <a:r>
+              <a:rPr lang="fr-FR" dirty="0" smtClean="0"/>
+              <a:t>Insérer les pré-configurations dans la base </a:t>
+            </a:r>
+            <a:r>
+              <a:rPr lang="fr-FR" dirty="0" err="1" smtClean="0"/>
+              <a:t>MongoDB</a:t>
+            </a:r>
+            <a:endParaRPr lang="fr-FR" dirty="0" smtClean="0"/>
+          </a:p>
+          <a:p>
+            <a:pPr lvl="1"/>
+            <a:r>
+              <a:rPr lang="fr-FR" dirty="0" smtClean="0"/>
+              <a:t>Modifier le code existant pour permettre de générer les graphiques sans avoir besoin de passer par la configuration manuelle</a:t>
+            </a:r>
+            <a:endParaRPr lang="fr-FR" dirty="0"/>
           </a:p>
         </p:txBody>
       </p:sp>
@@ -15947,6 +16057,136 @@
               <a:rPr lang="fr-FR" smtClean="0"/>
               <a:pPr/>
               <a:t>24</a:t>
+            </a:fld>
+            <a:endParaRPr lang="fr-FR"/>
+          </a:p>
+        </p:txBody>
+      </p:sp>
+      <p:pic>
+        <p:nvPicPr>
+          <p:cNvPr id="5" name="Image 4"/>
+          <p:cNvPicPr>
+            <a:picLocks noChangeAspect="1"/>
+          </p:cNvPicPr>
+          <p:nvPr/>
+        </p:nvPicPr>
+        <p:blipFill>
+          <a:blip r:embed="rId2">
+            <a:extLst>
+              <a:ext uri="{28A0092B-C50C-407E-A947-70E740481C1C}">
+                <a14:useLocalDpi xmlns:a14="http://schemas.microsoft.com/office/drawing/2010/main" val="0"/>
+              </a:ext>
+            </a:extLst>
+          </a:blip>
+          <a:stretch>
+            <a:fillRect/>
+          </a:stretch>
+        </p:blipFill>
+        <p:spPr>
+          <a:xfrm>
+            <a:off x="1835696" y="4077072"/>
+            <a:ext cx="5648325" cy="1543050"/>
+          </a:xfrm>
+          <a:prstGeom prst="rect">
+            <a:avLst/>
+          </a:prstGeom>
+        </p:spPr>
+      </p:pic>
+    </p:spTree>
+    <p:extLst>
+      <p:ext uri="{BB962C8B-B14F-4D97-AF65-F5344CB8AC3E}">
+        <p14:creationId xmlns:p14="http://schemas.microsoft.com/office/powerpoint/2010/main" val="1354569744"/>
+      </p:ext>
+    </p:extLst>
+  </p:cSld>
+  <p:clrMapOvr>
+    <a:masterClrMapping/>
+  </p:clrMapOvr>
+</p:sld>
+</file>
+
+<file path=ppt/slides/slide25.xml><?xml version="1.0" encoding="utf-8"?>
+<p:sld xmlns:a="http://schemas.openxmlformats.org/drawingml/2006/main" xmlns:r="http://schemas.openxmlformats.org/officeDocument/2006/relationships" xmlns:p="http://schemas.openxmlformats.org/presentationml/2006/main">
+  <p:cSld>
+    <p:spTree>
+      <p:nvGrpSpPr>
+        <p:cNvPr id="1" name=""/>
+        <p:cNvGrpSpPr/>
+        <p:nvPr/>
+      </p:nvGrpSpPr>
+      <p:grpSpPr>
+        <a:xfrm>
+          <a:off x="0" y="0"/>
+          <a:ext cx="0" cy="0"/>
+          <a:chOff x="0" y="0"/>
+          <a:chExt cx="0" cy="0"/>
+        </a:xfrm>
+      </p:grpSpPr>
+      <p:sp>
+        <p:nvSpPr>
+          <p:cNvPr id="2" name="Titre 1"/>
+          <p:cNvSpPr>
+            <a:spLocks noGrp="1"/>
+          </p:cNvSpPr>
+          <p:nvPr>
+            <p:ph type="title"/>
+          </p:nvPr>
+        </p:nvSpPr>
+        <p:spPr/>
+        <p:txBody>
+          <a:bodyPr/>
+          <a:lstStyle/>
+          <a:p>
+            <a:r>
+              <a:rPr lang="fr-FR" dirty="0" smtClean="0"/>
+              <a:t>III – Le bilan de production</a:t>
+            </a:r>
+            <a:endParaRPr lang="fr-FR" dirty="0"/>
+          </a:p>
+        </p:txBody>
+      </p:sp>
+      <p:sp>
+        <p:nvSpPr>
+          <p:cNvPr id="3" name="Espace réservé du contenu 2"/>
+          <p:cNvSpPr>
+            <a:spLocks noGrp="1"/>
+          </p:cNvSpPr>
+          <p:nvPr>
+            <p:ph idx="1"/>
+          </p:nvPr>
+        </p:nvSpPr>
+        <p:spPr/>
+        <p:txBody>
+          <a:bodyPr/>
+          <a:lstStyle/>
+          <a:p>
+            <a:r>
+              <a:rPr lang="fr-FR" dirty="0" smtClean="0"/>
+              <a:t>Construction complète d’une page permettant d’afficher, par année, les statistiques concernant le nombre de bases ADN générées par le séquençage</a:t>
+            </a:r>
+            <a:endParaRPr lang="fr-FR" dirty="0"/>
+          </a:p>
+        </p:txBody>
+      </p:sp>
+      <p:sp>
+        <p:nvSpPr>
+          <p:cNvPr id="4" name="Espace réservé du numéro de diapositive 3"/>
+          <p:cNvSpPr>
+            <a:spLocks noGrp="1"/>
+          </p:cNvSpPr>
+          <p:nvPr>
+            <p:ph type="sldNum" sz="quarter" idx="10"/>
+          </p:nvPr>
+        </p:nvSpPr>
+        <p:spPr/>
+        <p:txBody>
+          <a:bodyPr/>
+          <a:lstStyle/>
+          <a:p>
+            <a:fld id="{228977EE-2505-4E01-83E6-F24DDA98A02D}" type="slidenum">
+              <a:rPr lang="fr-FR" smtClean="0"/>
+              <a:pPr/>
+              <a:t>25</a:t>
             </a:fld>
             <a:endParaRPr lang="fr-FR"/>
           </a:p>
@@ -16263,6 +16503,36 @@
           </a:p>
         </p:txBody>
       </p:sp>
+      <p:pic>
+        <p:nvPicPr>
+          <p:cNvPr id="12" name="Image 11"/>
+          <p:cNvPicPr>
+            <a:picLocks noChangeAspect="1"/>
+          </p:cNvPicPr>
+          <p:nvPr/>
+        </p:nvPicPr>
+        <p:blipFill>
+          <a:blip r:embed="rId3" cstate="print">
+            <a:extLst>
+              <a:ext uri="{28A0092B-C50C-407E-A947-70E740481C1C}">
+                <a14:useLocalDpi xmlns:a14="http://schemas.microsoft.com/office/drawing/2010/main" val="0"/>
+              </a:ext>
+            </a:extLst>
+          </a:blip>
+          <a:stretch>
+            <a:fillRect/>
+          </a:stretch>
+        </p:blipFill>
+        <p:spPr>
+          <a:xfrm>
+            <a:off x="2483768" y="2868713"/>
+            <a:ext cx="4572000" cy="3251835"/>
+          </a:xfrm>
+          <a:prstGeom prst="rect">
+            <a:avLst/>
+          </a:prstGeom>
+        </p:spPr>
+      </p:pic>
     </p:spTree>
     <p:extLst>
       <p:ext uri="{BB962C8B-B14F-4D97-AF65-F5344CB8AC3E}">
@@ -16283,7 +16553,7 @@
 </p:sld>
 </file>
 
-<file path=ppt/slides/slide25.xml><?xml version="1.0" encoding="utf-8"?>
+<file path=ppt/slides/slide26.xml><?xml version="1.0" encoding="utf-8"?>
 <p:sld xmlns:a="http://schemas.openxmlformats.org/drawingml/2006/main" xmlns:r="http://schemas.openxmlformats.org/officeDocument/2006/relationships" xmlns:p="http://schemas.openxmlformats.org/presentationml/2006/main">
   <p:cSld>
     <p:spTree>
@@ -16310,19 +16580,72 @@
             <p:ph type="title"/>
           </p:nvPr>
         </p:nvSpPr>
-        <p:spPr>
-          <a:xfrm>
-            <a:off x="2627784" y="2000240"/>
-            <a:ext cx="5688632" cy="1362075"/>
-          </a:xfrm>
-        </p:spPr>
+        <p:spPr/>
         <p:txBody>
           <a:bodyPr/>
           <a:lstStyle/>
           <a:p>
             <a:r>
               <a:rPr lang="fr-FR" dirty="0" smtClean="0"/>
-              <a:t>Conclusion</a:t>
+              <a:t>III – Le bilan de production</a:t>
+            </a:r>
+            <a:endParaRPr lang="fr-FR" dirty="0"/>
+          </a:p>
+        </p:txBody>
+      </p:sp>
+      <p:sp>
+        <p:nvSpPr>
+          <p:cNvPr id="3" name="Espace réservé du contenu 2"/>
+          <p:cNvSpPr>
+            <a:spLocks noGrp="1"/>
+          </p:cNvSpPr>
+          <p:nvPr>
+            <p:ph idx="1"/>
+          </p:nvPr>
+        </p:nvSpPr>
+        <p:spPr/>
+        <p:txBody>
+          <a:bodyPr/>
+          <a:lstStyle/>
+          <a:p>
+            <a:r>
+              <a:rPr lang="fr-FR" dirty="0" smtClean="0"/>
+              <a:t>Utilisation complète des systèmes utilisés dans NGL (Client, Serveur, Bases de données)</a:t>
+            </a:r>
+          </a:p>
+          <a:p>
+            <a:pPr lvl="1"/>
+            <a:r>
+              <a:rPr lang="fr-FR" dirty="0" smtClean="0"/>
+              <a:t>Création de ma page avec les routes y accédant</a:t>
+            </a:r>
+          </a:p>
+          <a:p>
+            <a:pPr lvl="1"/>
+            <a:r>
+              <a:rPr lang="fr-FR" dirty="0" smtClean="0"/>
+              <a:t>Gestion du design de la page</a:t>
+            </a:r>
+          </a:p>
+          <a:p>
+            <a:pPr lvl="1"/>
+            <a:r>
+              <a:rPr lang="fr-FR" dirty="0" smtClean="0"/>
+              <a:t>Récupération des données</a:t>
+            </a:r>
+          </a:p>
+          <a:p>
+            <a:pPr lvl="1"/>
+            <a:r>
+              <a:rPr lang="fr-FR" dirty="0" smtClean="0"/>
+              <a:t>Traitement des données pour chaque bilan</a:t>
+            </a:r>
+          </a:p>
+          <a:p>
+            <a:pPr lvl="1"/>
+            <a:r>
+              <a:rPr lang="fr-FR" dirty="0" smtClean="0"/>
+              <a:t>Amélioration des performances via la mise en cache</a:t>
             </a:r>
             <a:endParaRPr lang="fr-FR" dirty="0"/>
           </a:p>
@@ -16343,10 +16666,569 @@
           <a:bodyPr/>
           <a:lstStyle/>
           <a:p>
+            <a:fld id="{228977EE-2505-4E01-83E6-F24DDA98A02D}" type="slidenum">
+              <a:rPr lang="fr-FR" smtClean="0"/>
+              <a:pPr/>
+              <a:t>26</a:t>
+            </a:fld>
+            <a:endParaRPr lang="fr-FR"/>
+          </a:p>
+        </p:txBody>
+      </p:sp>
+      <p:sp>
+        <p:nvSpPr>
+          <p:cNvPr id="6" name="Espace réservé du numéro de diapositive 3"/>
+          <p:cNvSpPr txBox="1">
+            <a:spLocks/>
+          </p:cNvSpPr>
+          <p:nvPr/>
+        </p:nvSpPr>
+        <p:spPr bwMode="auto">
+          <a:xfrm>
+            <a:off x="8277225" y="6477000"/>
+            <a:ext cx="719138" cy="323850"/>
+          </a:xfrm>
+          <a:prstGeom prst="rect">
+            <a:avLst/>
+          </a:prstGeom>
+          <a:noFill/>
+          <a:ln w="9525">
+            <a:noFill/>
+            <a:miter lim="800000"/>
+            <a:headEnd/>
+            <a:tailEnd/>
+          </a:ln>
+          <a:effectLst/>
+        </p:spPr>
+        <p:txBody>
+          <a:bodyPr vert="horz" wrap="square" lIns="91440" tIns="45720" rIns="91440" bIns="45720" numCol="1" anchor="t" anchorCtr="0" compatLnSpc="1">
+            <a:prstTxWarp prst="textNoShape">
+              <a:avLst/>
+            </a:prstTxWarp>
+          </a:bodyPr>
+          <a:lstStyle>
+            <a:defPPr>
+              <a:defRPr lang="fr-FR"/>
+            </a:defPPr>
+            <a:lvl1pPr algn="r" rtl="0" eaLnBrk="0" fontAlgn="base" hangingPunct="0">
+              <a:spcBef>
+                <a:spcPct val="0"/>
+              </a:spcBef>
+              <a:spcAft>
+                <a:spcPct val="0"/>
+              </a:spcAft>
+              <a:defRPr sz="1200" kern="1200">
+                <a:solidFill>
+                  <a:srgbClr val="5F5F5F"/>
+                </a:solidFill>
+                <a:latin typeface="Arial" charset="0"/>
+                <a:ea typeface="+mn-ea"/>
+                <a:cs typeface="+mn-cs"/>
+              </a:defRPr>
+            </a:lvl1pPr>
+            <a:lvl2pPr marL="457200" algn="ctr" rtl="0" eaLnBrk="0" fontAlgn="base" hangingPunct="0">
+              <a:spcBef>
+                <a:spcPct val="0"/>
+              </a:spcBef>
+              <a:spcAft>
+                <a:spcPct val="0"/>
+              </a:spcAft>
+              <a:defRPr sz="1400" kern="1200">
+                <a:solidFill>
+                  <a:srgbClr val="5F5F5F"/>
+                </a:solidFill>
+                <a:latin typeface="Arial" charset="0"/>
+                <a:ea typeface="+mn-ea"/>
+                <a:cs typeface="+mn-cs"/>
+              </a:defRPr>
+            </a:lvl2pPr>
+            <a:lvl3pPr marL="914400" algn="ctr" rtl="0" eaLnBrk="0" fontAlgn="base" hangingPunct="0">
+              <a:spcBef>
+                <a:spcPct val="0"/>
+              </a:spcBef>
+              <a:spcAft>
+                <a:spcPct val="0"/>
+              </a:spcAft>
+              <a:defRPr sz="1400" kern="1200">
+                <a:solidFill>
+                  <a:srgbClr val="5F5F5F"/>
+                </a:solidFill>
+                <a:latin typeface="Arial" charset="0"/>
+                <a:ea typeface="+mn-ea"/>
+                <a:cs typeface="+mn-cs"/>
+              </a:defRPr>
+            </a:lvl3pPr>
+            <a:lvl4pPr marL="1371600" algn="ctr" rtl="0" eaLnBrk="0" fontAlgn="base" hangingPunct="0">
+              <a:spcBef>
+                <a:spcPct val="0"/>
+              </a:spcBef>
+              <a:spcAft>
+                <a:spcPct val="0"/>
+              </a:spcAft>
+              <a:defRPr sz="1400" kern="1200">
+                <a:solidFill>
+                  <a:srgbClr val="5F5F5F"/>
+                </a:solidFill>
+                <a:latin typeface="Arial" charset="0"/>
+                <a:ea typeface="+mn-ea"/>
+                <a:cs typeface="+mn-cs"/>
+              </a:defRPr>
+            </a:lvl4pPr>
+            <a:lvl5pPr marL="1828800" algn="ctr" rtl="0" eaLnBrk="0" fontAlgn="base" hangingPunct="0">
+              <a:spcBef>
+                <a:spcPct val="0"/>
+              </a:spcBef>
+              <a:spcAft>
+                <a:spcPct val="0"/>
+              </a:spcAft>
+              <a:defRPr sz="1400" kern="1200">
+                <a:solidFill>
+                  <a:srgbClr val="5F5F5F"/>
+                </a:solidFill>
+                <a:latin typeface="Arial" charset="0"/>
+                <a:ea typeface="+mn-ea"/>
+                <a:cs typeface="+mn-cs"/>
+              </a:defRPr>
+            </a:lvl5pPr>
+            <a:lvl6pPr marL="2286000" algn="l" defTabSz="914400" rtl="0" eaLnBrk="1" latinLnBrk="0" hangingPunct="1">
+              <a:defRPr sz="1400" kern="1200">
+                <a:solidFill>
+                  <a:srgbClr val="5F5F5F"/>
+                </a:solidFill>
+                <a:latin typeface="Arial" charset="0"/>
+                <a:ea typeface="+mn-ea"/>
+                <a:cs typeface="+mn-cs"/>
+              </a:defRPr>
+            </a:lvl6pPr>
+            <a:lvl7pPr marL="2743200" algn="l" defTabSz="914400" rtl="0" eaLnBrk="1" latinLnBrk="0" hangingPunct="1">
+              <a:defRPr sz="1400" kern="1200">
+                <a:solidFill>
+                  <a:srgbClr val="5F5F5F"/>
+                </a:solidFill>
+                <a:latin typeface="Arial" charset="0"/>
+                <a:ea typeface="+mn-ea"/>
+                <a:cs typeface="+mn-cs"/>
+              </a:defRPr>
+            </a:lvl7pPr>
+            <a:lvl8pPr marL="3200400" algn="l" defTabSz="914400" rtl="0" eaLnBrk="1" latinLnBrk="0" hangingPunct="1">
+              <a:defRPr sz="1400" kern="1200">
+                <a:solidFill>
+                  <a:srgbClr val="5F5F5F"/>
+                </a:solidFill>
+                <a:latin typeface="Arial" charset="0"/>
+                <a:ea typeface="+mn-ea"/>
+                <a:cs typeface="+mn-cs"/>
+              </a:defRPr>
+            </a:lvl8pPr>
+            <a:lvl9pPr marL="3657600" algn="l" defTabSz="914400" rtl="0" eaLnBrk="1" latinLnBrk="0" hangingPunct="1">
+              <a:defRPr sz="1400" kern="1200">
+                <a:solidFill>
+                  <a:srgbClr val="5F5F5F"/>
+                </a:solidFill>
+                <a:latin typeface="Arial" charset="0"/>
+                <a:ea typeface="+mn-ea"/>
+                <a:cs typeface="+mn-cs"/>
+              </a:defRPr>
+            </a:lvl9pPr>
+          </a:lstStyle>
+          <a:p>
             <a:fld id="{FF0D4E12-90AB-43C7-A8D7-C81DF0B3B942}" type="slidenum">
               <a:rPr lang="fr-FR" smtClean="0"/>
               <a:pPr/>
-              <a:t>25</a:t>
+              <a:t>26</a:t>
+            </a:fld>
+            <a:endParaRPr lang="fr-FR" dirty="0"/>
+          </a:p>
+        </p:txBody>
+      </p:sp>
+      <p:sp>
+        <p:nvSpPr>
+          <p:cNvPr id="7" name="Rectangle 2"/>
+          <p:cNvSpPr txBox="1">
+            <a:spLocks noChangeArrowheads="1"/>
+          </p:cNvSpPr>
+          <p:nvPr/>
+        </p:nvSpPr>
+        <p:spPr>
+          <a:xfrm>
+            <a:off x="8277225" y="6477000"/>
+            <a:ext cx="719138" cy="323850"/>
+          </a:xfrm>
+          <a:prstGeom prst="rect">
+            <a:avLst/>
+          </a:prstGeom>
+        </p:spPr>
+        <p:txBody>
+          <a:bodyPr/>
+          <a:lstStyle/>
+          <a:p>
+            <a:pPr marL="0" marR="0" lvl="0" indent="0" algn="ctr" defTabSz="914400" rtl="0" eaLnBrk="0" fontAlgn="base" latinLnBrk="0" hangingPunct="0">
+              <a:lnSpc>
+                <a:spcPct val="100000"/>
+              </a:lnSpc>
+              <a:spcBef>
+                <a:spcPct val="0"/>
+              </a:spcBef>
+              <a:spcAft>
+                <a:spcPct val="0"/>
+              </a:spcAft>
+              <a:buClrTx/>
+              <a:buSzTx/>
+              <a:buFontTx/>
+              <a:buNone/>
+              <a:tabLst/>
+              <a:defRPr/>
+            </a:pPr>
+            <a:endParaRPr kumimoji="0" lang="fr-FR" sz="1400" b="0" i="0" u="none" strike="noStrike" kern="1200" cap="none" spc="0" normalizeH="0" baseline="0" noProof="0" dirty="0" smtClean="0">
+              <a:ln>
+                <a:noFill/>
+              </a:ln>
+              <a:solidFill>
+                <a:srgbClr val="5F5F5F"/>
+              </a:solidFill>
+              <a:effectLst/>
+              <a:uLnTx/>
+              <a:uFillTx/>
+              <a:latin typeface="Arial" charset="0"/>
+              <a:ea typeface="+mn-ea"/>
+              <a:cs typeface="+mn-cs"/>
+            </a:endParaRPr>
+          </a:p>
+        </p:txBody>
+      </p:sp>
+      <p:sp>
+        <p:nvSpPr>
+          <p:cNvPr id="8" name="Rectangle 5"/>
+          <p:cNvSpPr txBox="1">
+            <a:spLocks noChangeArrowheads="1"/>
+          </p:cNvSpPr>
+          <p:nvPr/>
+        </p:nvSpPr>
+        <p:spPr>
+          <a:xfrm>
+            <a:off x="1331913" y="765175"/>
+            <a:ext cx="7561262" cy="1150938"/>
+          </a:xfrm>
+          <a:prstGeom prst="rect">
+            <a:avLst/>
+          </a:prstGeom>
+        </p:spPr>
+        <p:txBody>
+          <a:bodyPr/>
+          <a:lstStyle/>
+          <a:p>
+            <a:pPr marL="0" marR="0" lvl="0" indent="0" algn="l" defTabSz="914400" rtl="0" eaLnBrk="1" fontAlgn="base" latinLnBrk="0" hangingPunct="1">
+              <a:lnSpc>
+                <a:spcPct val="100000"/>
+              </a:lnSpc>
+              <a:spcBef>
+                <a:spcPct val="0"/>
+              </a:spcBef>
+              <a:spcAft>
+                <a:spcPct val="0"/>
+              </a:spcAft>
+              <a:buClrTx/>
+              <a:buSzTx/>
+              <a:buFontTx/>
+              <a:buNone/>
+              <a:tabLst/>
+              <a:defRPr/>
+            </a:pPr>
+            <a:r>
+              <a:rPr kumimoji="0" lang="fr-FR" sz="2400" b="1" i="0" u="none" strike="noStrike" kern="0" cap="none" spc="0" normalizeH="0" baseline="0" noProof="0" smtClean="0">
+                <a:ln>
+                  <a:noFill/>
+                </a:ln>
+                <a:solidFill>
+                  <a:srgbClr val="5F5F5F"/>
+                </a:solidFill>
+                <a:effectLst/>
+                <a:uLnTx/>
+                <a:uFillTx/>
+                <a:latin typeface="+mj-lt"/>
+                <a:ea typeface="+mj-ea"/>
+                <a:cs typeface="+mj-cs"/>
+              </a:rPr>
+              <a:t> </a:t>
+            </a:r>
+          </a:p>
+        </p:txBody>
+      </p:sp>
+      <p:sp>
+        <p:nvSpPr>
+          <p:cNvPr id="9" name="Rectangle 6"/>
+          <p:cNvSpPr txBox="1">
+            <a:spLocks noChangeArrowheads="1"/>
+          </p:cNvSpPr>
+          <p:nvPr/>
+        </p:nvSpPr>
+        <p:spPr>
+          <a:xfrm>
+            <a:off x="1371600" y="1412875"/>
+            <a:ext cx="7448550" cy="3217863"/>
+          </a:xfrm>
+          <a:prstGeom prst="rect">
+            <a:avLst/>
+          </a:prstGeom>
+        </p:spPr>
+        <p:txBody>
+          <a:bodyPr/>
+          <a:lstStyle/>
+          <a:p>
+            <a:pPr marL="571500" marR="0" lvl="0" indent="-342900" algn="l" defTabSz="914400" rtl="0" eaLnBrk="1" fontAlgn="base" latinLnBrk="0" hangingPunct="1">
+              <a:lnSpc>
+                <a:spcPct val="80000"/>
+              </a:lnSpc>
+              <a:spcBef>
+                <a:spcPct val="20000"/>
+              </a:spcBef>
+              <a:spcAft>
+                <a:spcPct val="0"/>
+              </a:spcAft>
+              <a:buClrTx/>
+              <a:buSzTx/>
+              <a:buFont typeface="Wingdings" pitchFamily="2" charset="2"/>
+              <a:buChar char="q"/>
+              <a:tabLst/>
+              <a:defRPr/>
+            </a:pPr>
+            <a:endParaRPr kumimoji="0" lang="fr-FR" sz="2000" b="0" i="1" u="none" strike="noStrike" kern="0" cap="none" spc="0" normalizeH="0" baseline="0" noProof="0" dirty="0" smtClean="0">
+              <a:ln>
+                <a:noFill/>
+              </a:ln>
+              <a:solidFill>
+                <a:schemeClr val="folHlink"/>
+              </a:solidFill>
+              <a:effectLst/>
+              <a:uLnTx/>
+              <a:uFillTx/>
+              <a:latin typeface="+mn-lt"/>
+              <a:ea typeface="+mn-ea"/>
+              <a:cs typeface="+mn-cs"/>
+            </a:endParaRPr>
+          </a:p>
+        </p:txBody>
+      </p:sp>
+      <p:pic>
+        <p:nvPicPr>
+          <p:cNvPr id="10" name="Image 9" descr="Genoscope-CNS.gif"/>
+          <p:cNvPicPr>
+            <a:picLocks noChangeAspect="1"/>
+          </p:cNvPicPr>
+          <p:nvPr/>
+        </p:nvPicPr>
+        <p:blipFill>
+          <a:blip r:embed="rId2"/>
+          <a:stretch>
+            <a:fillRect/>
+          </a:stretch>
+        </p:blipFill>
+        <p:spPr>
+          <a:xfrm>
+            <a:off x="214282" y="2000240"/>
+            <a:ext cx="821537" cy="714380"/>
+          </a:xfrm>
+          <a:prstGeom prst="rect">
+            <a:avLst/>
+          </a:prstGeom>
+        </p:spPr>
+      </p:pic>
+      <p:sp>
+        <p:nvSpPr>
+          <p:cNvPr id="11" name="Rectangle 10"/>
+          <p:cNvSpPr/>
+          <p:nvPr/>
+        </p:nvSpPr>
+        <p:spPr bwMode="auto">
+          <a:xfrm>
+            <a:off x="1214414" y="6500834"/>
+            <a:ext cx="2357454" cy="357166"/>
+          </a:xfrm>
+          <a:prstGeom prst="rect">
+            <a:avLst/>
+          </a:prstGeom>
+          <a:noFill/>
+          <a:ln w="9525" cap="flat" cmpd="sng" algn="ctr">
+            <a:noFill/>
+            <a:prstDash val="solid"/>
+            <a:round/>
+            <a:headEnd type="none" w="med" len="med"/>
+            <a:tailEnd type="none" w="med" len="med"/>
+          </a:ln>
+          <a:effectLst/>
+        </p:spPr>
+        <p:txBody>
+          <a:bodyPr vert="horz" wrap="square" lIns="91440" tIns="45720" rIns="91440" bIns="45720" numCol="1" rtlCol="0" anchor="t" anchorCtr="0" compatLnSpc="1">
+            <a:prstTxWarp prst="textNoShape">
+              <a:avLst/>
+            </a:prstTxWarp>
+          </a:bodyPr>
+          <a:lstStyle/>
+          <a:p>
+            <a:pPr marL="0" marR="0" indent="0" algn="ctr" defTabSz="914400" rtl="0" eaLnBrk="0" fontAlgn="base" latinLnBrk="0" hangingPunct="0">
+              <a:lnSpc>
+                <a:spcPct val="100000"/>
+              </a:lnSpc>
+              <a:spcBef>
+                <a:spcPct val="0"/>
+              </a:spcBef>
+              <a:spcAft>
+                <a:spcPct val="0"/>
+              </a:spcAft>
+              <a:buClrTx/>
+              <a:buSzTx/>
+              <a:buFontTx/>
+              <a:buNone/>
+              <a:tabLst/>
+            </a:pPr>
+            <a:endParaRPr kumimoji="0" lang="fr-FR" sz="1400" b="0" i="0" u="none" strike="noStrike" cap="none" normalizeH="0" baseline="0" smtClean="0">
+              <a:ln>
+                <a:noFill/>
+              </a:ln>
+              <a:solidFill>
+                <a:srgbClr val="5F5F5F"/>
+              </a:solidFill>
+              <a:effectLst/>
+              <a:latin typeface="Arial" charset="0"/>
+            </a:endParaRPr>
+          </a:p>
+        </p:txBody>
+      </p:sp>
+      <p:sp>
+        <p:nvSpPr>
+          <p:cNvPr id="12" name="ZoneTexte 11"/>
+          <p:cNvSpPr txBox="1"/>
+          <p:nvPr/>
+        </p:nvSpPr>
+        <p:spPr>
+          <a:xfrm>
+            <a:off x="1285852" y="6550223"/>
+            <a:ext cx="2071701" cy="307777"/>
+          </a:xfrm>
+          <a:prstGeom prst="rect">
+            <a:avLst/>
+          </a:prstGeom>
+          <a:solidFill>
+            <a:schemeClr val="bg1"/>
+          </a:solidFill>
+        </p:spPr>
+        <p:txBody>
+          <a:bodyPr wrap="square" rtlCol="0">
+            <a:spAutoFit/>
+          </a:bodyPr>
+          <a:lstStyle/>
+          <a:p>
+            <a:endParaRPr lang="fr-FR" dirty="0"/>
+          </a:p>
+        </p:txBody>
+      </p:sp>
+      <p:sp>
+        <p:nvSpPr>
+          <p:cNvPr id="13" name="ZoneTexte 12"/>
+          <p:cNvSpPr txBox="1"/>
+          <p:nvPr/>
+        </p:nvSpPr>
+        <p:spPr>
+          <a:xfrm>
+            <a:off x="1000100" y="6478809"/>
+            <a:ext cx="2571768" cy="307777"/>
+          </a:xfrm>
+          <a:prstGeom prst="rect">
+            <a:avLst/>
+          </a:prstGeom>
+          <a:noFill/>
+        </p:spPr>
+        <p:txBody>
+          <a:bodyPr wrap="square" rtlCol="0">
+            <a:spAutoFit/>
+          </a:bodyPr>
+          <a:lstStyle/>
+          <a:p>
+            <a:r>
+              <a:rPr lang="fr-FR" dirty="0" smtClean="0"/>
+              <a:t>Genoscope / CEA - FAR</a:t>
+            </a:r>
+            <a:endParaRPr lang="fr-FR" dirty="0"/>
+          </a:p>
+        </p:txBody>
+      </p:sp>
+    </p:spTree>
+    <p:extLst>
+      <p:ext uri="{BB962C8B-B14F-4D97-AF65-F5344CB8AC3E}">
+        <p14:creationId xmlns:p14="http://schemas.microsoft.com/office/powerpoint/2010/main" val="1591630269"/>
+      </p:ext>
+    </p:extLst>
+  </p:cSld>
+  <p:clrMapOvr>
+    <a:masterClrMapping/>
+  </p:clrMapOvr>
+</p:sld>
+</file>
+
+<file path=ppt/slides/slide27.xml><?xml version="1.0" encoding="utf-8"?>
+<p:sld xmlns:a="http://schemas.openxmlformats.org/drawingml/2006/main" xmlns:r="http://schemas.openxmlformats.org/officeDocument/2006/relationships" xmlns:p="http://schemas.openxmlformats.org/presentationml/2006/main">
+  <p:cSld>
+    <p:spTree>
+      <p:nvGrpSpPr>
+        <p:cNvPr id="1" name=""/>
+        <p:cNvGrpSpPr/>
+        <p:nvPr/>
+      </p:nvGrpSpPr>
+      <p:grpSpPr>
+        <a:xfrm>
+          <a:off x="0" y="0"/>
+          <a:ext cx="0" cy="0"/>
+          <a:chOff x="0" y="0"/>
+          <a:chExt cx="0" cy="0"/>
+        </a:xfrm>
+      </p:grpSpPr>
+      <p:sp>
+        <p:nvSpPr>
+          <p:cNvPr id="2" name="Titre 1"/>
+          <p:cNvSpPr>
+            <a:spLocks noGrp="1"/>
+          </p:cNvSpPr>
+          <p:nvPr>
+            <p:ph type="title"/>
+          </p:nvPr>
+        </p:nvSpPr>
+        <p:spPr>
+          <a:xfrm>
+            <a:off x="2627784" y="2000240"/>
+            <a:ext cx="5688632" cy="1362075"/>
+          </a:xfrm>
+        </p:spPr>
+        <p:txBody>
+          <a:bodyPr/>
+          <a:lstStyle/>
+          <a:p>
+            <a:r>
+              <a:rPr lang="fr-FR" dirty="0" smtClean="0"/>
+              <a:t>Conclusion</a:t>
+            </a:r>
+            <a:endParaRPr lang="fr-FR" dirty="0"/>
+          </a:p>
+        </p:txBody>
+      </p:sp>
+      <p:sp>
+        <p:nvSpPr>
+          <p:cNvPr id="4" name="Espace réservé du numéro de diapositive 3"/>
+          <p:cNvSpPr>
+            <a:spLocks noGrp="1"/>
+          </p:cNvSpPr>
+          <p:nvPr>
+            <p:ph type="sldNum" sz="quarter" idx="10"/>
+          </p:nvPr>
+        </p:nvSpPr>
+        <p:spPr/>
+        <p:txBody>
+          <a:bodyPr/>
+          <a:lstStyle/>
+          <a:p>
+            <a:fld id="{FF0D4E12-90AB-43C7-A8D7-C81DF0B3B942}" type="slidenum">
+              <a:rPr lang="fr-FR" smtClean="0"/>
+              <a:pPr/>
+              <a:t>27</a:t>
             </a:fld>
             <a:endParaRPr lang="fr-FR" dirty="0"/>
           </a:p>
@@ -18577,23 +19459,22 @@
             </a:r>
             <a:r>
               <a:rPr lang="fr-FR" sz="1800" dirty="0" err="1" smtClean="0"/>
-              <a:t>two</a:t>
-            </a:r>
-            <a:r>
-              <a:rPr lang="fr-FR" sz="1800" dirty="0" smtClean="0"/>
-              <a:t>-</a:t>
-            </a:r>
-            <a:r>
-              <a:rPr lang="fr-FR" sz="1800" dirty="0" err="1" smtClean="0"/>
-              <a:t>way</a:t>
+              <a:t>two-way</a:t>
             </a:r>
             <a:r>
               <a:rPr lang="fr-FR" sz="1800" dirty="0" smtClean="0"/>
               <a:t> data </a:t>
             </a:r>
             <a:r>
-              <a:rPr lang="fr-FR" sz="1800" dirty="0" err="1" smtClean="0"/>
+              <a:rPr lang="fr-FR" sz="1800" dirty="0" smtClean="0"/>
               <a:t>binding</a:t>
+            </a:r>
+          </a:p>
+          <a:p>
+            <a:pPr lvl="1"/>
+            <a:r>
+              <a:rPr lang="fr-FR" sz="1800" dirty="0" smtClean="0"/>
+              <a:t>Permet de rajouter des balises HTML via des directives</a:t>
             </a:r>
             <a:endParaRPr lang="fr-FR" sz="1800" dirty="0" smtClean="0"/>
           </a:p>
@@ -18608,22 +19489,11 @@
             <a:pPr lvl="1"/>
             <a:r>
               <a:rPr lang="fr-FR" sz="1800" dirty="0" smtClean="0"/>
-              <a:t>Permet de créer un </a:t>
-            </a:r>
-            <a:r>
-              <a:rPr lang="fr-FR" sz="1800" dirty="0" err="1" smtClean="0"/>
-              <a:t>DataTable</a:t>
+              <a:t>Aujourd’hui</a:t>
             </a:r>
             <a:r>
               <a:rPr lang="fr-FR" sz="1800" dirty="0" smtClean="0"/>
-              <a:t> supportant l’édition de masse ainsi que d’autres fonctions</a:t>
-            </a:r>
-          </a:p>
-          <a:p>
-            <a:pPr lvl="1"/>
-            <a:r>
-              <a:rPr lang="fr-FR" sz="1800" dirty="0" smtClean="0"/>
-              <a:t>Aujourd’hui, le choix ne serait peut-être pas le même face aux autres </a:t>
+              <a:t>, le choix ne serait peut-être pas le même face aux autres </a:t>
             </a:r>
             <a:r>
               <a:rPr lang="fr-FR" sz="1800" dirty="0" err="1" smtClean="0"/>
@@ -18933,11 +19803,7 @@
           <a:p>
             <a:r>
               <a:rPr lang="fr-FR" dirty="0" smtClean="0"/>
-              <a:t>Framework Play(Java</a:t>
-            </a:r>
-            <a:r>
-              <a:rPr lang="fr-FR" dirty="0" smtClean="0"/>
-              <a:t>)</a:t>
+              <a:t>Framework Play(Java)</a:t>
             </a:r>
           </a:p>
           <a:p>
@@ -18965,17 +19831,12 @@
               <a:rPr lang="fr-FR" dirty="0" smtClean="0"/>
               <a:t>scala</a:t>
             </a:r>
-            <a:endParaRPr lang="fr-FR" dirty="0" smtClean="0"/>
           </a:p>
           <a:p>
             <a:pPr lvl="1"/>
             <a:r>
               <a:rPr lang="fr-FR" dirty="0" smtClean="0"/>
-              <a:t>Permet de gérer la partie serveur en suivant </a:t>
-            </a:r>
-            <a:r>
-              <a:rPr lang="fr-FR" dirty="0" smtClean="0"/>
-              <a:t>REST</a:t>
+              <a:t>Permet de gérer la partie serveur en suivant REST</a:t>
             </a:r>
           </a:p>
           <a:p>
